--- a/docs/Capstone-team14-presentation.pptx
+++ b/docs/Capstone-team14-presentation.pptx
@@ -21,6 +21,7 @@
     <p:sldId id="266" r:id="rId18"/>
     <p:sldId id="267" r:id="rId19"/>
     <p:sldId id="268" r:id="rId20"/>
+    <p:sldId id="269" r:id="rId21"/>
   </p:sldIdLst>
   <p:sldSz cx="24384000" cy="13716000"/>
   <p:notesSz cx="6858000" cy="9144000"/>
@@ -2179,7 +2180,7 @@
       </p:grpSpPr>
       <p:sp>
         <p:nvSpPr>
-          <p:cNvPr id="190" name="슬라이드 번호"/>
+          <p:cNvPr id="192" name="슬라이드 번호"/>
           <p:cNvSpPr txBox="1"/>
           <p:nvPr>
             <p:ph type="sldNum" sz="quarter" idx="2"/>
@@ -2206,7 +2207,7 @@
       </p:sp>
       <p:sp>
         <p:nvSpPr>
-          <p:cNvPr id="191" name="주요 기능 - VGGNet &amp; Mobile Net V2"/>
+          <p:cNvPr id="193" name="주요 기능 - VGGNet &amp; Mobile Net V2"/>
           <p:cNvSpPr txBox="1"/>
           <p:nvPr>
             <p:ph type="title"/>
@@ -2234,7 +2235,7 @@
       </p:sp>
       <p:sp>
         <p:nvSpPr>
-          <p:cNvPr id="192" name="선"/>
+          <p:cNvPr id="194" name="선"/>
           <p:cNvSpPr/>
           <p:nvPr/>
         </p:nvSpPr>
@@ -2298,7 +2299,7 @@
       </p:grpSpPr>
       <p:sp>
         <p:nvSpPr>
-          <p:cNvPr id="194" name="슬라이드 번호"/>
+          <p:cNvPr id="196" name="슬라이드 번호"/>
           <p:cNvSpPr txBox="1"/>
           <p:nvPr>
             <p:ph type="sldNum" sz="quarter" idx="2"/>
@@ -2329,7 +2330,7 @@
       </p:sp>
       <p:sp>
         <p:nvSpPr>
-          <p:cNvPr id="195" name="주요 기능 - Inception V3"/>
+          <p:cNvPr id="197" name="주요 기능 - Inception V3"/>
           <p:cNvSpPr txBox="1"/>
           <p:nvPr>
             <p:ph type="title"/>
@@ -2357,7 +2358,7 @@
       </p:sp>
       <p:sp>
         <p:nvSpPr>
-          <p:cNvPr id="196" name="선"/>
+          <p:cNvPr id="198" name="선"/>
           <p:cNvSpPr/>
           <p:nvPr/>
         </p:nvSpPr>
@@ -2421,7 +2422,7 @@
       </p:grpSpPr>
       <p:sp>
         <p:nvSpPr>
-          <p:cNvPr id="198" name="슬라이드 번호"/>
+          <p:cNvPr id="200" name="슬라이드 번호"/>
           <p:cNvSpPr txBox="1"/>
           <p:nvPr>
             <p:ph type="sldNum" sz="quarter" idx="2"/>
@@ -2448,7 +2449,7 @@
       </p:sp>
       <p:sp>
         <p:nvSpPr>
-          <p:cNvPr id="199" name="기대 효과"/>
+          <p:cNvPr id="201" name="멘토링 - Modeling"/>
           <p:cNvSpPr txBox="1"/>
           <p:nvPr>
             <p:ph type="title"/>
@@ -2457,6 +2458,353 @@
         <p:spPr>
           <a:xfrm>
             <a:off x="843970" y="993132"/>
+            <a:ext cx="23333422" cy="1902089"/>
+          </a:xfrm>
+          <a:prstGeom prst="rect">
+            <a:avLst/>
+          </a:prstGeom>
+        </p:spPr>
+        <p:txBody>
+          <a:bodyPr/>
+          <a:lstStyle/>
+          <a:p>
+            <a:pPr/>
+            <a:r>
+              <a:t>멘토링 - Modeling</a:t>
+            </a:r>
+          </a:p>
+        </p:txBody>
+      </p:sp>
+      <p:sp>
+        <p:nvSpPr>
+          <p:cNvPr id="202" name="선"/>
+          <p:cNvSpPr/>
+          <p:nvPr/>
+        </p:nvSpPr>
+        <p:spPr>
+          <a:xfrm flipV="1">
+            <a:off x="853157" y="2606185"/>
+            <a:ext cx="23315048" cy="1"/>
+          </a:xfrm>
+          <a:prstGeom prst="line">
+            <a:avLst/>
+          </a:prstGeom>
+          <a:ln w="25400">
+            <a:solidFill>
+              <a:srgbClr val="818779"/>
+            </a:solidFill>
+            <a:miter lim="400000"/>
+          </a:ln>
+        </p:spPr>
+        <p:txBody>
+          <a:bodyPr lIns="82987" tIns="82987" rIns="82987" bIns="82987"/>
+          <a:lstStyle/>
+          <a:p>
+            <a:pPr defTabSz="825500">
+              <a:lnSpc>
+                <a:spcPct val="150000"/>
+              </a:lnSpc>
+              <a:defRPr sz="2000">
+                <a:solidFill>
+                  <a:srgbClr val="8B8C8C"/>
+                </a:solidFill>
+              </a:defRPr>
+            </a:pPr>
+          </a:p>
+        </p:txBody>
+      </p:sp>
+      <p:pic>
+        <p:nvPicPr>
+          <p:cNvPr id="203" name="이미지" descr="이미지"/>
+          <p:cNvPicPr>
+            <a:picLocks noChangeAspect="1"/>
+          </p:cNvPicPr>
+          <p:nvPr/>
+        </p:nvPicPr>
+        <p:blipFill>
+          <a:blip r:embed="rId2">
+            <a:extLst/>
+          </a:blip>
+          <a:stretch>
+            <a:fillRect/>
+          </a:stretch>
+        </p:blipFill>
+        <p:spPr>
+          <a:xfrm>
+            <a:off x="2954747" y="3264471"/>
+            <a:ext cx="3710853" cy="3710852"/>
+          </a:xfrm>
+          <a:prstGeom prst="rect">
+            <a:avLst/>
+          </a:prstGeom>
+          <a:ln w="12700">
+            <a:miter lim="400000"/>
+          </a:ln>
+        </p:spPr>
+      </p:pic>
+      <p:pic>
+        <p:nvPicPr>
+          <p:cNvPr id="204" name="이미지" descr="이미지"/>
+          <p:cNvPicPr>
+            <a:picLocks noChangeAspect="1"/>
+          </p:cNvPicPr>
+          <p:nvPr/>
+        </p:nvPicPr>
+        <p:blipFill>
+          <a:blip r:embed="rId3">
+            <a:extLst/>
+          </a:blip>
+          <a:stretch>
+            <a:fillRect/>
+          </a:stretch>
+        </p:blipFill>
+        <p:spPr>
+          <a:xfrm>
+            <a:off x="11415576" y="4658057"/>
+            <a:ext cx="11915083" cy="4442553"/>
+          </a:xfrm>
+          <a:prstGeom prst="rect">
+            <a:avLst/>
+          </a:prstGeom>
+          <a:ln w="12700">
+            <a:miter lim="400000"/>
+          </a:ln>
+        </p:spPr>
+      </p:pic>
+      <p:sp>
+        <p:nvSpPr>
+          <p:cNvPr id="205" name="팀이 사용하고 있는 Trello를 같이 보면서 진행사항을 모두 체크해주셨고, 이로 인해 각 항목별로 멘토님의 조언을 받을 수 있었다."/>
+          <p:cNvSpPr txBox="1"/>
+          <p:nvPr/>
+        </p:nvSpPr>
+        <p:spPr>
+          <a:xfrm>
+            <a:off x="12797835" y="9985865"/>
+            <a:ext cx="11137777" cy="2069109"/>
+          </a:xfrm>
+          <a:prstGeom prst="rect">
+            <a:avLst/>
+          </a:prstGeom>
+          <a:ln w="12700">
+            <a:miter lim="400000"/>
+          </a:ln>
+          <a:extLst>
+            <a:ext uri="{C572A759-6A51-4108-AA02-DFA0A04FC94B}">
+              <ma14:wrappingTextBoxFlag xmlns:ma14="http://schemas.microsoft.com/office/mac/drawingml/2011/main" val="1"/>
+            </a:ext>
+          </a:extLst>
+        </p:spPr>
+        <p:txBody>
+          <a:bodyPr lIns="50800" tIns="50800" rIns="50800" bIns="50800">
+            <a:normAutofit fontScale="100000" lnSpcReduction="0"/>
+          </a:bodyPr>
+          <a:lstStyle>
+            <a:lvl1pPr>
+              <a:lnSpc>
+                <a:spcPct val="150000"/>
+              </a:lnSpc>
+              <a:defRPr sz="3000">
+                <a:solidFill>
+                  <a:srgbClr val="838383"/>
+                </a:solidFill>
+              </a:defRPr>
+            </a:lvl1pPr>
+          </a:lstStyle>
+          <a:p>
+            <a:pPr/>
+            <a:r>
+              <a:t>팀이 사용하고 있는 Trello를 같이 보면서 진행사항을 모두 체크해주셨고, 이로 인해 각 항목별로 멘토님의 조언을 받을 수 있었다.</a:t>
+            </a:r>
+          </a:p>
+        </p:txBody>
+      </p:sp>
+      <p:sp>
+        <p:nvSpPr>
+          <p:cNvPr id="206" name="Modeling 방향에 대해서도 많은 조언"/>
+          <p:cNvSpPr txBox="1"/>
+          <p:nvPr/>
+        </p:nvSpPr>
+        <p:spPr>
+          <a:xfrm>
+            <a:off x="1964236" y="7620908"/>
+            <a:ext cx="6626331" cy="715797"/>
+          </a:xfrm>
+          <a:prstGeom prst="rect">
+            <a:avLst/>
+          </a:prstGeom>
+          <a:ln w="12700">
+            <a:miter lim="400000"/>
+          </a:ln>
+          <a:extLst>
+            <a:ext uri="{C572A759-6A51-4108-AA02-DFA0A04FC94B}">
+              <ma14:wrappingTextBoxFlag xmlns:ma14="http://schemas.microsoft.com/office/mac/drawingml/2011/main" val="1"/>
+            </a:ext>
+          </a:extLst>
+        </p:spPr>
+        <p:txBody>
+          <a:bodyPr lIns="50800" tIns="50800" rIns="50800" bIns="50800">
+            <a:normAutofit fontScale="100000" lnSpcReduction="0"/>
+          </a:bodyPr>
+          <a:lstStyle>
+            <a:lvl1pPr>
+              <a:lnSpc>
+                <a:spcPct val="150000"/>
+              </a:lnSpc>
+              <a:defRPr sz="3000">
+                <a:solidFill>
+                  <a:srgbClr val="838383"/>
+                </a:solidFill>
+              </a:defRPr>
+            </a:lvl1pPr>
+          </a:lstStyle>
+          <a:p>
+            <a:pPr/>
+            <a:r>
+              <a:t>Modeling 방향에 대해서도 많은 조언</a:t>
+            </a:r>
+          </a:p>
+        </p:txBody>
+      </p:sp>
+      <p:pic>
+        <p:nvPicPr>
+          <p:cNvPr id="207" name="이미지" descr="이미지"/>
+          <p:cNvPicPr>
+            <a:picLocks noChangeAspect="1"/>
+          </p:cNvPicPr>
+          <p:nvPr/>
+        </p:nvPicPr>
+        <p:blipFill>
+          <a:blip r:embed="rId4">
+            <a:extLst/>
+          </a:blip>
+          <a:stretch>
+            <a:fillRect/>
+          </a:stretch>
+        </p:blipFill>
+        <p:spPr>
+          <a:xfrm>
+            <a:off x="3489089" y="8775923"/>
+            <a:ext cx="3179692" cy="3179691"/>
+          </a:xfrm>
+          <a:prstGeom prst="rect">
+            <a:avLst/>
+          </a:prstGeom>
+          <a:ln w="12700">
+            <a:miter lim="400000"/>
+          </a:ln>
+        </p:spPr>
+      </p:pic>
+      <p:sp>
+        <p:nvSpPr>
+          <p:cNvPr id="208" name="그 밖에도 실무에서 사용하는 유용한 정보들에 대해서도 많은 조언"/>
+          <p:cNvSpPr txBox="1"/>
+          <p:nvPr/>
+        </p:nvSpPr>
+        <p:spPr>
+          <a:xfrm>
+            <a:off x="307637" y="12394832"/>
+            <a:ext cx="11137776" cy="2069108"/>
+          </a:xfrm>
+          <a:prstGeom prst="rect">
+            <a:avLst/>
+          </a:prstGeom>
+          <a:ln w="12700">
+            <a:miter lim="400000"/>
+          </a:ln>
+          <a:extLst>
+            <a:ext uri="{C572A759-6A51-4108-AA02-DFA0A04FC94B}">
+              <ma14:wrappingTextBoxFlag xmlns:ma14="http://schemas.microsoft.com/office/mac/drawingml/2011/main" val="1"/>
+            </a:ext>
+          </a:extLst>
+        </p:spPr>
+        <p:txBody>
+          <a:bodyPr lIns="50800" tIns="50800" rIns="50800" bIns="50800">
+            <a:normAutofit fontScale="100000" lnSpcReduction="0"/>
+          </a:bodyPr>
+          <a:lstStyle>
+            <a:lvl1pPr>
+              <a:lnSpc>
+                <a:spcPct val="150000"/>
+              </a:lnSpc>
+              <a:defRPr sz="3000">
+                <a:solidFill>
+                  <a:srgbClr val="838383"/>
+                </a:solidFill>
+              </a:defRPr>
+            </a:lvl1pPr>
+          </a:lstStyle>
+          <a:p>
+            <a:pPr/>
+            <a:r>
+              <a:t>그 밖에도 실무에서 사용하는 유용한 정보들에 대해서도 많은 조언</a:t>
+            </a:r>
+          </a:p>
+        </p:txBody>
+      </p:sp>
+    </p:spTree>
+  </p:cSld>
+  <p:clrMapOvr>
+    <a:masterClrMapping/>
+  </p:clrMapOvr>
+  <p:transition xmlns:p14="http://schemas.microsoft.com/office/powerpoint/2010/main" spd="med" advClick="1"/>
+</p:sld>
+</file>
+
+<file path=ppt/slides/slide13.xml><?xml version="1.0" encoding="utf-8"?>
+<p:sld xmlns:a="http://schemas.openxmlformats.org/drawingml/2006/main" xmlns:r="http://schemas.openxmlformats.org/officeDocument/2006/relationships" xmlns:p="http://schemas.openxmlformats.org/presentationml/2006/main" xmlns:m="http://schemas.openxmlformats.org/officeDocument/2006/math" xmlns:a14="http://schemas.microsoft.com/office/drawing/2010/main" showMasterSp="1" showMasterPhAnim="1">
+  <p:cSld>
+    <p:spTree>
+      <p:nvGrpSpPr>
+        <p:cNvPr id="1" name=""/>
+        <p:cNvGrpSpPr/>
+        <p:nvPr/>
+      </p:nvGrpSpPr>
+      <p:grpSpPr>
+        <a:xfrm>
+          <a:off x="0" y="0"/>
+          <a:ext cx="0" cy="0"/>
+          <a:chOff x="0" y="0"/>
+          <a:chExt cx="0" cy="0"/>
+        </a:xfrm>
+      </p:grpSpPr>
+      <p:sp>
+        <p:nvSpPr>
+          <p:cNvPr id="210" name="슬라이드 번호"/>
+          <p:cNvSpPr txBox="1"/>
+          <p:nvPr>
+            <p:ph type="sldNum" sz="quarter" idx="2"/>
+          </p:nvPr>
+        </p:nvSpPr>
+        <p:spPr>
+          <a:prstGeom prst="rect">
+            <a:avLst/>
+          </a:prstGeom>
+          <a:extLst>
+            <a:ext uri="{C572A759-6A51-4108-AA02-DFA0A04FC94B}">
+              <ma14:wrappingTextBoxFlag xmlns:ma14="http://schemas.microsoft.com/office/mac/drawingml/2011/main" val="1"/>
+            </a:ext>
+          </a:extLst>
+        </p:spPr>
+        <p:txBody>
+          <a:bodyPr/>
+          <a:lstStyle/>
+          <a:p>
+            <a:pPr/>
+            <a:fld id="{86CB4B4D-7CA3-9044-876B-883B54F8677D}" type="slidenum"/>
+          </a:p>
+        </p:txBody>
+      </p:sp>
+      <p:sp>
+        <p:nvSpPr>
+          <p:cNvPr id="211" name="기대 효과"/>
+          <p:cNvSpPr txBox="1"/>
+          <p:nvPr>
+            <p:ph type="title"/>
+          </p:nvPr>
+        </p:nvSpPr>
+        <p:spPr>
+          <a:xfrm>
+            <a:off x="843970" y="993132"/>
             <a:ext cx="10922137" cy="1902089"/>
           </a:xfrm>
           <a:prstGeom prst="rect">
@@ -2476,7 +2824,7 @@
       </p:sp>
       <p:sp>
         <p:nvSpPr>
-          <p:cNvPr id="200" name="도형"/>
+          <p:cNvPr id="212" name="도형"/>
           <p:cNvSpPr/>
           <p:nvPr/>
         </p:nvSpPr>
@@ -2585,7 +2933,7 @@
       </p:sp>
       <p:sp>
         <p:nvSpPr>
-          <p:cNvPr id="201" name="도형"/>
+          <p:cNvPr id="213" name="도형"/>
           <p:cNvSpPr/>
           <p:nvPr/>
         </p:nvSpPr>
@@ -2694,7 +3042,7 @@
       </p:sp>
       <p:sp>
         <p:nvSpPr>
-          <p:cNvPr id="202" name="삼각형"/>
+          <p:cNvPr id="214" name="삼각형"/>
           <p:cNvSpPr/>
           <p:nvPr/>
         </p:nvSpPr>
@@ -2763,7 +3111,7 @@
       </p:sp>
       <p:sp>
         <p:nvSpPr>
-          <p:cNvPr id="203" name="삼각형"/>
+          <p:cNvPr id="215" name="삼각형"/>
           <p:cNvSpPr/>
           <p:nvPr/>
         </p:nvSpPr>
@@ -2832,7 +3180,7 @@
       </p:sp>
       <p:sp>
         <p:nvSpPr>
-          <p:cNvPr id="204" name="선"/>
+          <p:cNvPr id="216" name="선"/>
           <p:cNvSpPr/>
           <p:nvPr/>
         </p:nvSpPr>
@@ -2870,7 +3218,7 @@
       </p:sp>
       <p:sp>
         <p:nvSpPr>
-          <p:cNvPr id="205" name="자신의 얼굴형에 대한 정확한 인지"/>
+          <p:cNvPr id="217" name="자신의 얼굴형에 대한 정확한 인지"/>
           <p:cNvSpPr txBox="1"/>
           <p:nvPr/>
         </p:nvSpPr>
@@ -2917,7 +3265,7 @@
       </p:sp>
       <p:sp>
         <p:nvSpPr>
-          <p:cNvPr id="206" name="선"/>
+          <p:cNvPr id="218" name="선"/>
           <p:cNvSpPr/>
           <p:nvPr/>
         </p:nvSpPr>
@@ -2955,7 +3303,7 @@
       </p:sp>
       <p:sp>
         <p:nvSpPr>
-          <p:cNvPr id="207" name="자신의 얼굴형에 어울리는 헤어스타일 시도"/>
+          <p:cNvPr id="219" name="자신의 얼굴형에 어울리는 헤어스타일 시도"/>
           <p:cNvSpPr txBox="1"/>
           <p:nvPr/>
         </p:nvSpPr>
@@ -3002,7 +3350,7 @@
       </p:sp>
       <p:sp>
         <p:nvSpPr>
-          <p:cNvPr id="208" name="AI 접근성 향상"/>
+          <p:cNvPr id="220" name="AI 접근성 향상"/>
           <p:cNvSpPr txBox="1"/>
           <p:nvPr/>
         </p:nvSpPr>
@@ -3049,7 +3397,7 @@
       </p:sp>
       <p:sp>
         <p:nvSpPr>
-          <p:cNvPr id="209" name="선"/>
+          <p:cNvPr id="221" name="선"/>
           <p:cNvSpPr/>
           <p:nvPr/>
         </p:nvSpPr>
@@ -3094,7 +3442,7 @@
 </p:sld>
 </file>
 
-<file path=ppt/slides/slide13.xml><?xml version="1.0" encoding="utf-8"?>
+<file path=ppt/slides/slide14.xml><?xml version="1.0" encoding="utf-8"?>
 <p:sld xmlns:a="http://schemas.openxmlformats.org/drawingml/2006/main" xmlns:r="http://schemas.openxmlformats.org/officeDocument/2006/relationships" xmlns:p="http://schemas.openxmlformats.org/presentationml/2006/main" xmlns:m="http://schemas.openxmlformats.org/officeDocument/2006/math" xmlns:a14="http://schemas.microsoft.com/office/drawing/2010/main" showMasterSp="1" showMasterPhAnim="1">
   <p:cSld>
     <p:spTree>
@@ -3113,7 +3461,7 @@
       </p:grpSpPr>
       <p:sp>
         <p:nvSpPr>
-          <p:cNvPr id="211" name="직사각형"/>
+          <p:cNvPr id="223" name="직사각형"/>
           <p:cNvSpPr/>
           <p:nvPr/>
         </p:nvSpPr>
@@ -3151,7 +3499,7 @@
       </p:sp>
       <p:sp>
         <p:nvSpPr>
-          <p:cNvPr id="212" name="선"/>
+          <p:cNvPr id="224" name="선"/>
           <p:cNvSpPr/>
           <p:nvPr/>
         </p:nvSpPr>
@@ -3180,7 +3528,7 @@
       </p:sp>
       <p:sp>
         <p:nvSpPr>
-          <p:cNvPr id="213" name="Thank you"/>
+          <p:cNvPr id="225" name="Thank you"/>
           <p:cNvSpPr txBox="1"/>
           <p:nvPr>
             <p:ph type="title"/>
@@ -3280,7 +3628,7 @@
         </p:nvSpPr>
         <p:spPr>
           <a:xfrm>
-            <a:off x="7377117" y="5699898"/>
+            <a:off x="7377117" y="5275345"/>
             <a:ext cx="3583724" cy="919976"/>
           </a:xfrm>
           <a:prstGeom prst="rect">
@@ -3438,7 +3786,7 @@
         </p:nvSpPr>
         <p:spPr>
           <a:xfrm>
-            <a:off x="6096000" y="4480209"/>
+            <a:off x="6096000" y="4142853"/>
             <a:ext cx="863994" cy="1367430"/>
           </a:xfrm>
           <a:prstGeom prst="rect">
@@ -3485,7 +3833,7 @@
         </p:nvSpPr>
         <p:spPr>
           <a:xfrm>
-            <a:off x="6096000" y="6618091"/>
+            <a:off x="6096000" y="6410012"/>
             <a:ext cx="863994" cy="1367430"/>
           </a:xfrm>
           <a:prstGeom prst="rect">
@@ -3532,8 +3880,8 @@
         </p:nvSpPr>
         <p:spPr>
           <a:xfrm>
-            <a:off x="6096000" y="8139258"/>
-            <a:ext cx="863994" cy="1367430"/>
+            <a:off x="6096000" y="7855710"/>
+            <a:ext cx="863994" cy="1367431"/>
           </a:xfrm>
           <a:prstGeom prst="rect">
             <a:avLst/>
@@ -3610,8 +3958,8 @@
         </p:nvSpPr>
         <p:spPr>
           <a:xfrm>
-            <a:off x="6060066" y="12363506"/>
-            <a:ext cx="863994" cy="1367430"/>
+            <a:off x="6096000" y="11152409"/>
+            <a:ext cx="863994" cy="1367431"/>
           </a:xfrm>
           <a:prstGeom prst="rect">
             <a:avLst/>
@@ -3657,7 +4005,7 @@
         </p:nvSpPr>
         <p:spPr>
           <a:xfrm>
-            <a:off x="7377117" y="4776573"/>
+            <a:off x="7377117" y="4404673"/>
             <a:ext cx="4278585" cy="774701"/>
           </a:xfrm>
           <a:prstGeom prst="rect">
@@ -3708,7 +4056,7 @@
         </p:nvSpPr>
         <p:spPr>
           <a:xfrm>
-            <a:off x="7377117" y="6914456"/>
+            <a:off x="7377117" y="6706376"/>
             <a:ext cx="4278585" cy="774701"/>
           </a:xfrm>
           <a:prstGeom prst="rect">
@@ -3759,7 +4107,7 @@
         </p:nvSpPr>
         <p:spPr>
           <a:xfrm>
-            <a:off x="7341183" y="8435622"/>
+            <a:off x="7341183" y="8152075"/>
             <a:ext cx="4278585" cy="774701"/>
           </a:xfrm>
           <a:prstGeom prst="rect">
@@ -3810,7 +4158,7 @@
         </p:nvSpPr>
         <p:spPr>
           <a:xfrm>
-            <a:off x="7341183" y="12558108"/>
+            <a:off x="7341183" y="11448774"/>
             <a:ext cx="4278585" cy="774701"/>
           </a:xfrm>
           <a:prstGeom prst="rect">
@@ -3861,7 +4209,7 @@
         </p:nvSpPr>
         <p:spPr>
           <a:xfrm>
-            <a:off x="7341183" y="9651147"/>
+            <a:off x="7341183" y="9008080"/>
             <a:ext cx="7480595" cy="2466137"/>
           </a:xfrm>
           <a:prstGeom prst="rect">
@@ -3993,6 +4341,104 @@
                 </a:solidFill>
               </a:defRPr>
             </a:pPr>
+          </a:p>
+        </p:txBody>
+      </p:sp>
+      <p:sp>
+        <p:nvSpPr>
+          <p:cNvPr id="66" name="6."/>
+          <p:cNvSpPr txBox="1"/>
+          <p:nvPr/>
+        </p:nvSpPr>
+        <p:spPr>
+          <a:xfrm>
+            <a:off x="6096000" y="12457337"/>
+            <a:ext cx="863994" cy="1367431"/>
+          </a:xfrm>
+          <a:prstGeom prst="rect">
+            <a:avLst/>
+          </a:prstGeom>
+          <a:ln w="12700">
+            <a:miter lim="400000"/>
+          </a:ln>
+          <a:extLst>
+            <a:ext uri="{C572A759-6A51-4108-AA02-DFA0A04FC94B}">
+              <ma14:wrappingTextBoxFlag xmlns:ma14="http://schemas.microsoft.com/office/mac/drawingml/2011/main" val="1"/>
+            </a:ext>
+          </a:extLst>
+        </p:spPr>
+        <p:txBody>
+          <a:bodyPr lIns="50800" tIns="50800" rIns="50800" bIns="50800">
+            <a:normAutofit fontScale="100000" lnSpcReduction="0"/>
+          </a:bodyPr>
+          <a:lstStyle>
+            <a:lvl1pPr defTabSz="1731220">
+              <a:lnSpc>
+                <a:spcPct val="100000"/>
+              </a:lnSpc>
+              <a:defRPr b="1" sz="7100">
+                <a:solidFill>
+                  <a:srgbClr val="838383"/>
+                </a:solidFill>
+              </a:defRPr>
+            </a:lvl1pPr>
+          </a:lstStyle>
+          <a:p>
+            <a:pPr/>
+            <a:r>
+              <a:t>6.</a:t>
+            </a:r>
+          </a:p>
+        </p:txBody>
+      </p:sp>
+      <p:sp>
+        <p:nvSpPr>
+          <p:cNvPr id="67" name="멘토링"/>
+          <p:cNvSpPr txBox="1"/>
+          <p:nvPr/>
+        </p:nvSpPr>
+        <p:spPr>
+          <a:xfrm>
+            <a:off x="7377117" y="12753702"/>
+            <a:ext cx="4278585" cy="774701"/>
+          </a:xfrm>
+          <a:prstGeom prst="rect">
+            <a:avLst/>
+          </a:prstGeom>
+          <a:ln w="12700">
+            <a:miter lim="400000"/>
+          </a:ln>
+          <a:extLst>
+            <a:ext uri="{C572A759-6A51-4108-AA02-DFA0A04FC94B}">
+              <ma14:wrappingTextBoxFlag xmlns:ma14="http://schemas.microsoft.com/office/mac/drawingml/2011/main" val="1"/>
+            </a:ext>
+          </a:extLst>
+        </p:spPr>
+        <p:txBody>
+          <a:bodyPr lIns="71437" tIns="71437" rIns="71437" bIns="71437">
+            <a:normAutofit fontScale="100000" lnSpcReduction="0"/>
+          </a:bodyPr>
+          <a:lstStyle>
+            <a:lvl1pPr defTabSz="1072869">
+              <a:lnSpc>
+                <a:spcPct val="150000"/>
+              </a:lnSpc>
+              <a:defRPr b="1" sz="4400">
+                <a:solidFill>
+                  <a:srgbClr val="838383"/>
+                </a:solidFill>
+                <a:latin typeface="+mn-lt"/>
+                <a:ea typeface="+mn-ea"/>
+                <a:cs typeface="+mn-cs"/>
+                <a:sym typeface="나눔명조"/>
+              </a:defRPr>
+            </a:lvl1pPr>
+          </a:lstStyle>
+          <a:p>
+            <a:pPr/>
+            <a:r>
+              <a:t>멘토링</a:t>
+            </a:r>
           </a:p>
         </p:txBody>
       </p:sp>
@@ -4024,7 +4470,7 @@
       </p:grpSpPr>
       <p:sp>
         <p:nvSpPr>
-          <p:cNvPr id="67" name="슬라이드 번호"/>
+          <p:cNvPr id="69" name="슬라이드 번호"/>
           <p:cNvSpPr txBox="1"/>
           <p:nvPr>
             <p:ph type="sldNum" sz="quarter" idx="2"/>
@@ -4055,7 +4501,7 @@
       </p:sp>
       <p:sp>
         <p:nvSpPr>
-          <p:cNvPr id="68" name="팀원 소개"/>
+          <p:cNvPr id="70" name="팀원 소개"/>
           <p:cNvSpPr txBox="1"/>
           <p:nvPr>
             <p:ph type="title"/>
@@ -4083,7 +4529,7 @@
       </p:sp>
       <p:sp>
         <p:nvSpPr>
-          <p:cNvPr id="69" name="원"/>
+          <p:cNvPr id="71" name="원"/>
           <p:cNvSpPr/>
           <p:nvPr/>
         </p:nvSpPr>
@@ -4121,7 +4567,7 @@
       </p:sp>
       <p:pic>
         <p:nvPicPr>
-          <p:cNvPr id="70" name="이미지" descr="이미지"/>
+          <p:cNvPr id="72" name="이미지" descr="이미지"/>
           <p:cNvPicPr>
             <a:picLocks noChangeAspect="1"/>
           </p:cNvPicPr>
@@ -4150,7 +4596,7 @@
       </p:pic>
       <p:sp>
         <p:nvSpPr>
-          <p:cNvPr id="71" name="원"/>
+          <p:cNvPr id="73" name="원"/>
           <p:cNvSpPr/>
           <p:nvPr/>
         </p:nvSpPr>
@@ -4188,7 +4634,7 @@
       </p:sp>
       <p:sp>
         <p:nvSpPr>
-          <p:cNvPr id="72" name="원"/>
+          <p:cNvPr id="74" name="원"/>
           <p:cNvSpPr/>
           <p:nvPr/>
         </p:nvSpPr>
@@ -4226,7 +4672,7 @@
       </p:sp>
       <p:sp>
         <p:nvSpPr>
-          <p:cNvPr id="73" name="원"/>
+          <p:cNvPr id="75" name="원"/>
           <p:cNvSpPr/>
           <p:nvPr/>
         </p:nvSpPr>
@@ -4264,7 +4710,7 @@
       </p:sp>
       <p:sp>
         <p:nvSpPr>
-          <p:cNvPr id="74" name="원"/>
+          <p:cNvPr id="76" name="원"/>
           <p:cNvSpPr/>
           <p:nvPr/>
         </p:nvSpPr>
@@ -4302,7 +4748,7 @@
       </p:sp>
       <p:pic>
         <p:nvPicPr>
-          <p:cNvPr id="75" name="이미지" descr="이미지"/>
+          <p:cNvPr id="77" name="이미지" descr="이미지"/>
           <p:cNvPicPr>
             <a:picLocks noChangeAspect="1"/>
           </p:cNvPicPr>
@@ -4331,7 +4777,7 @@
       </p:pic>
       <p:pic>
         <p:nvPicPr>
-          <p:cNvPr id="76" name="이미지" descr="이미지"/>
+          <p:cNvPr id="78" name="이미지" descr="이미지"/>
           <p:cNvPicPr>
             <a:picLocks noChangeAspect="1"/>
           </p:cNvPicPr>
@@ -4360,7 +4806,7 @@
       </p:pic>
       <p:pic>
         <p:nvPicPr>
-          <p:cNvPr id="77" name="이미지" descr="이미지"/>
+          <p:cNvPr id="79" name="이미지" descr="이미지"/>
           <p:cNvPicPr>
             <a:picLocks noChangeAspect="1"/>
           </p:cNvPicPr>
@@ -4530,7 +4976,7 @@
       </p:pic>
       <p:pic>
         <p:nvPicPr>
-          <p:cNvPr id="78" name="이미지" descr="이미지"/>
+          <p:cNvPr id="80" name="이미지" descr="이미지"/>
           <p:cNvPicPr>
             <a:picLocks noChangeAspect="1"/>
           </p:cNvPicPr>
@@ -4680,7 +5126,7 @@
       </p:pic>
       <p:sp>
         <p:nvSpPr>
-          <p:cNvPr id="79" name="오규석"/>
+          <p:cNvPr id="81" name="오규석"/>
           <p:cNvSpPr txBox="1"/>
           <p:nvPr/>
         </p:nvSpPr>
@@ -4731,7 +5177,7 @@
       </p:sp>
       <p:sp>
         <p:nvSpPr>
-          <p:cNvPr id="80" name="양성민"/>
+          <p:cNvPr id="82" name="양성민"/>
           <p:cNvSpPr txBox="1"/>
           <p:nvPr/>
         </p:nvSpPr>
@@ -4782,7 +5228,7 @@
       </p:sp>
       <p:sp>
         <p:nvSpPr>
-          <p:cNvPr id="81" name="유선종"/>
+          <p:cNvPr id="83" name="유선종"/>
           <p:cNvSpPr txBox="1"/>
           <p:nvPr/>
         </p:nvSpPr>
@@ -4833,7 +5279,7 @@
       </p:sp>
       <p:sp>
         <p:nvSpPr>
-          <p:cNvPr id="82" name="최나라"/>
+          <p:cNvPr id="84" name="최나라"/>
           <p:cNvSpPr txBox="1"/>
           <p:nvPr/>
         </p:nvSpPr>
@@ -4884,7 +5330,7 @@
       </p:sp>
       <p:sp>
         <p:nvSpPr>
-          <p:cNvPr id="83" name="차윤성"/>
+          <p:cNvPr id="85" name="차윤성"/>
           <p:cNvSpPr txBox="1"/>
           <p:nvPr/>
         </p:nvSpPr>
@@ -4935,7 +5381,7 @@
       </p:sp>
       <p:sp>
         <p:nvSpPr>
-          <p:cNvPr id="84" name="Project Manager…"/>
+          <p:cNvPr id="86" name="Project Manager…"/>
           <p:cNvSpPr txBox="1"/>
           <p:nvPr/>
         </p:nvSpPr>
@@ -5003,7 +5449,7 @@
       </p:sp>
       <p:sp>
         <p:nvSpPr>
-          <p:cNvPr id="85" name="Object Detection Data Labeling"/>
+          <p:cNvPr id="87" name="Object Detection Data Labeling"/>
           <p:cNvSpPr txBox="1"/>
           <p:nvPr/>
         </p:nvSpPr>
@@ -5056,7 +5502,7 @@
       </p:sp>
       <p:sp>
         <p:nvSpPr>
-          <p:cNvPr id="86" name="Object Detection…"/>
+          <p:cNvPr id="88" name="Object Detection…"/>
           <p:cNvSpPr txBox="1"/>
           <p:nvPr/>
         </p:nvSpPr>
@@ -5128,7 +5574,7 @@
       </p:sp>
       <p:sp>
         <p:nvSpPr>
-          <p:cNvPr id="87" name="Object Detection"/>
+          <p:cNvPr id="89" name="Object Detection"/>
           <p:cNvSpPr txBox="1"/>
           <p:nvPr/>
         </p:nvSpPr>
@@ -5178,7 +5624,7 @@
       </p:sp>
       <p:sp>
         <p:nvSpPr>
-          <p:cNvPr id="88" name="Front-End"/>
+          <p:cNvPr id="90" name="Front-End"/>
           <p:cNvSpPr txBox="1"/>
           <p:nvPr/>
         </p:nvSpPr>
@@ -5229,7 +5675,7 @@
       </p:sp>
       <p:sp>
         <p:nvSpPr>
-          <p:cNvPr id="89" name="선"/>
+          <p:cNvPr id="91" name="선"/>
           <p:cNvSpPr/>
           <p:nvPr/>
         </p:nvSpPr>
@@ -5293,7 +5739,7 @@
       </p:grpSpPr>
       <p:sp>
         <p:nvSpPr>
-          <p:cNvPr id="91" name="프로젝트 개요 - 산학 요구 사항"/>
+          <p:cNvPr id="93" name="프로젝트 개요 - 산학 요구 사항"/>
           <p:cNvSpPr txBox="1"/>
           <p:nvPr>
             <p:ph type="title"/>
@@ -5321,7 +5767,7 @@
       </p:sp>
       <p:sp>
         <p:nvSpPr>
-          <p:cNvPr id="92" name="슬라이드 번호"/>
+          <p:cNvPr id="94" name="슬라이드 번호"/>
           <p:cNvSpPr txBox="1"/>
           <p:nvPr>
             <p:ph type="sldNum" sz="quarter" idx="2"/>
@@ -5352,7 +5798,7 @@
       </p:sp>
       <p:sp>
         <p:nvSpPr>
-          <p:cNvPr id="93" name="도형"/>
+          <p:cNvPr id="95" name="도형"/>
           <p:cNvSpPr/>
           <p:nvPr/>
         </p:nvSpPr>
@@ -5440,7 +5886,7 @@
       </p:sp>
       <p:sp>
         <p:nvSpPr>
-          <p:cNvPr id="94" name="도형"/>
+          <p:cNvPr id="96" name="도형"/>
           <p:cNvSpPr/>
           <p:nvPr/>
         </p:nvSpPr>
@@ -5528,7 +5974,7 @@
       </p:sp>
       <p:sp>
         <p:nvSpPr>
-          <p:cNvPr id="95" name="도형"/>
+          <p:cNvPr id="97" name="도형"/>
           <p:cNvSpPr/>
           <p:nvPr/>
         </p:nvSpPr>
@@ -5604,7 +6050,7 @@
       </p:sp>
       <p:sp>
         <p:nvSpPr>
-          <p:cNvPr id="96" name="도형"/>
+          <p:cNvPr id="98" name="도형"/>
           <p:cNvSpPr/>
           <p:nvPr/>
         </p:nvSpPr>
@@ -5692,7 +6138,7 @@
       </p:sp>
       <p:sp>
         <p:nvSpPr>
-          <p:cNvPr id="97" name="도형"/>
+          <p:cNvPr id="99" name="도형"/>
           <p:cNvSpPr/>
           <p:nvPr/>
         </p:nvSpPr>
@@ -5780,7 +6226,7 @@
       </p:sp>
       <p:sp>
         <p:nvSpPr>
-          <p:cNvPr id="98" name="도형"/>
+          <p:cNvPr id="100" name="도형"/>
           <p:cNvSpPr/>
           <p:nvPr/>
         </p:nvSpPr>
@@ -5856,7 +6302,7 @@
       </p:sp>
       <p:sp>
         <p:nvSpPr>
-          <p:cNvPr id="99" name="AI 교육용 서비스"/>
+          <p:cNvPr id="101" name="AI 교육용 서비스"/>
           <p:cNvSpPr txBox="1"/>
           <p:nvPr/>
         </p:nvSpPr>
@@ -5907,7 +6353,7 @@
       </p:sp>
       <p:sp>
         <p:nvSpPr>
-          <p:cNvPr id="100" name="Object Detection"/>
+          <p:cNvPr id="102" name="Object Detection"/>
           <p:cNvSpPr txBox="1"/>
           <p:nvPr/>
         </p:nvSpPr>
@@ -5958,7 +6404,7 @@
       </p:sp>
       <p:sp>
         <p:nvSpPr>
-          <p:cNvPr id="101" name="선"/>
+          <p:cNvPr id="103" name="선"/>
           <p:cNvSpPr/>
           <p:nvPr/>
         </p:nvSpPr>
@@ -6022,7 +6468,7 @@
       </p:grpSpPr>
       <p:sp>
         <p:nvSpPr>
-          <p:cNvPr id="103" name="프로젝트 개요 - 목표"/>
+          <p:cNvPr id="105" name="프로젝트 개요 - 목표"/>
           <p:cNvSpPr txBox="1"/>
           <p:nvPr>
             <p:ph type="title"/>
@@ -6050,7 +6496,7 @@
       </p:sp>
       <p:sp>
         <p:nvSpPr>
-          <p:cNvPr id="104" name="슬라이드 번호"/>
+          <p:cNvPr id="106" name="슬라이드 번호"/>
           <p:cNvSpPr txBox="1"/>
           <p:nvPr>
             <p:ph type="sldNum" sz="quarter" idx="2"/>
@@ -6081,7 +6527,7 @@
       </p:sp>
       <p:sp>
         <p:nvSpPr>
-          <p:cNvPr id="105" name="삼각형"/>
+          <p:cNvPr id="107" name="삼각형"/>
           <p:cNvSpPr/>
           <p:nvPr/>
         </p:nvSpPr>
@@ -6150,7 +6596,7 @@
       </p:sp>
       <p:sp>
         <p:nvSpPr>
-          <p:cNvPr id="106" name="Face Landmark…"/>
+          <p:cNvPr id="108" name="Face Landmark…"/>
           <p:cNvSpPr txBox="1"/>
           <p:nvPr/>
         </p:nvSpPr>
@@ -6210,7 +6656,7 @@
       </p:sp>
       <p:sp>
         <p:nvSpPr>
-          <p:cNvPr id="107" name="Classify Facialization"/>
+          <p:cNvPr id="109" name="Classify Facialization"/>
           <p:cNvSpPr txBox="1"/>
           <p:nvPr/>
         </p:nvSpPr>
@@ -6257,7 +6703,7 @@
       </p:sp>
       <p:sp>
         <p:nvSpPr>
-          <p:cNvPr id="108" name="Hairstyle recommendation"/>
+          <p:cNvPr id="110" name="Hairstyle recommendation"/>
           <p:cNvSpPr txBox="1"/>
           <p:nvPr/>
         </p:nvSpPr>
@@ -6304,7 +6750,7 @@
       </p:sp>
       <p:sp>
         <p:nvSpPr>
-          <p:cNvPr id="109" name="Goal"/>
+          <p:cNvPr id="111" name="Goal"/>
           <p:cNvSpPr txBox="1"/>
           <p:nvPr/>
         </p:nvSpPr>
@@ -6351,7 +6797,7 @@
       </p:sp>
       <p:sp>
         <p:nvSpPr>
-          <p:cNvPr id="110" name="얼굴형 기반 헤어스타일 추천"/>
+          <p:cNvPr id="112" name="얼굴형 기반 헤어스타일 추천"/>
           <p:cNvSpPr txBox="1"/>
           <p:nvPr/>
         </p:nvSpPr>
@@ -6398,7 +6844,7 @@
       </p:sp>
       <p:sp>
         <p:nvSpPr>
-          <p:cNvPr id="111" name="선"/>
+          <p:cNvPr id="113" name="선"/>
           <p:cNvSpPr/>
           <p:nvPr/>
         </p:nvSpPr>
@@ -6436,7 +6882,7 @@
       </p:sp>
       <p:pic>
         <p:nvPicPr>
-          <p:cNvPr id="112" name="이미지" descr="이미지"/>
+          <p:cNvPr id="114" name="이미지" descr="이미지"/>
           <p:cNvPicPr>
             <a:picLocks noChangeAspect="1"/>
           </p:cNvPicPr>
@@ -6465,7 +6911,7 @@
       </p:pic>
       <p:sp>
         <p:nvSpPr>
-          <p:cNvPr id="113" name="다양한 헤어스타일에 대한 욕구와 시도"/>
+          <p:cNvPr id="115" name="다양한 헤어스타일에 대한 욕구와 시도"/>
           <p:cNvSpPr txBox="1"/>
           <p:nvPr/>
         </p:nvSpPr>
@@ -6512,7 +6958,7 @@
       </p:sp>
       <p:pic>
         <p:nvPicPr>
-          <p:cNvPr id="114" name="이미지" descr="이미지"/>
+          <p:cNvPr id="116" name="이미지" descr="이미지"/>
           <p:cNvPicPr>
             <a:picLocks noChangeAspect="1"/>
           </p:cNvPicPr>
@@ -6541,7 +6987,7 @@
       </p:pic>
       <p:sp>
         <p:nvSpPr>
-          <p:cNvPr id="115" name="자신의 얼굴형에 대한 무지"/>
+          <p:cNvPr id="117" name="자신의 얼굴형에 대한 무지"/>
           <p:cNvSpPr txBox="1"/>
           <p:nvPr/>
         </p:nvSpPr>
@@ -6588,7 +7034,7 @@
       </p:sp>
       <p:grpSp>
         <p:nvGrpSpPr>
-          <p:cNvPr id="120" name="그룹"/>
+          <p:cNvPr id="122" name="그룹"/>
           <p:cNvGrpSpPr/>
           <p:nvPr/>
         </p:nvGrpSpPr>
@@ -6602,7 +7048,7 @@
         </p:grpSpPr>
         <p:sp>
           <p:nvSpPr>
-            <p:cNvPr id="116" name="선"/>
+            <p:cNvPr id="118" name="선"/>
             <p:cNvSpPr/>
             <p:nvPr/>
           </p:nvSpPr>
@@ -6636,7 +7082,7 @@
         </p:sp>
         <p:sp>
           <p:nvSpPr>
-            <p:cNvPr id="117" name="선"/>
+            <p:cNvPr id="119" name="선"/>
             <p:cNvSpPr/>
             <p:nvPr/>
           </p:nvSpPr>
@@ -6670,7 +7116,7 @@
         </p:sp>
         <p:sp>
           <p:nvSpPr>
-            <p:cNvPr id="118" name="선"/>
+            <p:cNvPr id="120" name="선"/>
             <p:cNvSpPr/>
             <p:nvPr/>
           </p:nvSpPr>
@@ -6704,7 +7150,7 @@
         </p:sp>
         <p:sp>
           <p:nvSpPr>
-            <p:cNvPr id="119" name="선"/>
+            <p:cNvPr id="121" name="선"/>
             <p:cNvSpPr/>
             <p:nvPr/>
           </p:nvSpPr>
@@ -6739,7 +7185,7 @@
       </p:grpSp>
       <p:pic>
         <p:nvPicPr>
-          <p:cNvPr id="121" name="이미지" descr="이미지"/>
+          <p:cNvPr id="123" name="이미지" descr="이미지"/>
           <p:cNvPicPr>
             <a:picLocks noChangeAspect="1"/>
           </p:cNvPicPr>
@@ -6794,7 +7240,7 @@
       </p:grpSpPr>
       <p:sp>
         <p:nvSpPr>
-          <p:cNvPr id="123" name="슬라이드 번호"/>
+          <p:cNvPr id="125" name="슬라이드 번호"/>
           <p:cNvSpPr txBox="1"/>
           <p:nvPr>
             <p:ph type="sldNum" sz="quarter" idx="2"/>
@@ -6825,7 +7271,7 @@
       </p:sp>
       <p:sp>
         <p:nvSpPr>
-          <p:cNvPr id="124" name="시스템 구조도"/>
+          <p:cNvPr id="126" name="시스템 구조도"/>
           <p:cNvSpPr txBox="1"/>
           <p:nvPr>
             <p:ph type="title"/>
@@ -6853,7 +7299,7 @@
       </p:sp>
       <p:pic>
         <p:nvPicPr>
-          <p:cNvPr id="125" name="이미지" descr="이미지"/>
+          <p:cNvPr id="127" name="이미지" descr="이미지"/>
           <p:cNvPicPr>
             <a:picLocks noChangeAspect="1"/>
           </p:cNvPicPr>
@@ -6882,7 +7328,7 @@
       </p:pic>
       <p:pic>
         <p:nvPicPr>
-          <p:cNvPr id="126" name="이미지" descr="이미지"/>
+          <p:cNvPr id="128" name="이미지" descr="이미지"/>
           <p:cNvPicPr>
             <a:picLocks noChangeAspect="1"/>
           </p:cNvPicPr>
@@ -6911,7 +7357,7 @@
       </p:pic>
       <p:pic>
         <p:nvPicPr>
-          <p:cNvPr id="127" name="이미지" descr="이미지"/>
+          <p:cNvPr id="129" name="이미지" descr="이미지"/>
           <p:cNvPicPr>
             <a:picLocks noChangeAspect="0"/>
           </p:cNvPicPr>
@@ -6940,7 +7386,7 @@
       </p:pic>
       <p:pic>
         <p:nvPicPr>
-          <p:cNvPr id="128" name="이미지" descr="이미지"/>
+          <p:cNvPr id="130" name="이미지" descr="이미지"/>
           <p:cNvPicPr>
             <a:picLocks noChangeAspect="1"/>
           </p:cNvPicPr>
@@ -6969,7 +7415,7 @@
       </p:pic>
       <p:pic>
         <p:nvPicPr>
-          <p:cNvPr id="129" name="이미지" descr="이미지"/>
+          <p:cNvPr id="131" name="이미지" descr="이미지"/>
           <p:cNvPicPr>
             <a:picLocks noChangeAspect="1"/>
           </p:cNvPicPr>
@@ -6998,7 +7444,7 @@
       </p:pic>
       <p:pic>
         <p:nvPicPr>
-          <p:cNvPr id="130" name="이미지" descr="이미지"/>
+          <p:cNvPr id="132" name="이미지" descr="이미지"/>
           <p:cNvPicPr>
             <a:picLocks noChangeAspect="1"/>
           </p:cNvPicPr>
@@ -7027,7 +7473,7 @@
       </p:pic>
       <p:sp>
         <p:nvSpPr>
-          <p:cNvPr id="131" name="Web"/>
+          <p:cNvPr id="133" name="Web"/>
           <p:cNvSpPr txBox="1"/>
           <p:nvPr/>
         </p:nvSpPr>
@@ -7078,7 +7524,7 @@
       </p:sp>
       <p:pic>
         <p:nvPicPr>
-          <p:cNvPr id="132" name="이미지" descr="이미지"/>
+          <p:cNvPr id="134" name="이미지" descr="이미지"/>
           <p:cNvPicPr>
             <a:picLocks noChangeAspect="1"/>
           </p:cNvPicPr>
@@ -7107,7 +7553,7 @@
       </p:pic>
       <p:sp>
         <p:nvSpPr>
-          <p:cNvPr id="133" name="Server"/>
+          <p:cNvPr id="135" name="Server"/>
           <p:cNvSpPr txBox="1"/>
           <p:nvPr/>
         </p:nvSpPr>
@@ -7158,7 +7604,7 @@
       </p:sp>
       <p:pic>
         <p:nvPicPr>
-          <p:cNvPr id="134" name="이미지" descr="이미지"/>
+          <p:cNvPr id="136" name="이미지" descr="이미지"/>
           <p:cNvPicPr>
             <a:picLocks noChangeAspect="1"/>
           </p:cNvPicPr>
@@ -7187,7 +7633,7 @@
       </p:pic>
       <p:sp>
         <p:nvSpPr>
-          <p:cNvPr id="135" name="User"/>
+          <p:cNvPr id="137" name="User"/>
           <p:cNvSpPr txBox="1"/>
           <p:nvPr/>
         </p:nvSpPr>
@@ -7238,7 +7684,7 @@
       </p:sp>
       <p:sp>
         <p:nvSpPr>
-          <p:cNvPr id="136" name="Webcam…"/>
+          <p:cNvPr id="138" name="Webcam…"/>
           <p:cNvSpPr txBox="1"/>
           <p:nvPr/>
         </p:nvSpPr>
@@ -7306,7 +7752,7 @@
       </p:sp>
       <p:pic>
         <p:nvPicPr>
-          <p:cNvPr id="137" name="이미지" descr="이미지"/>
+          <p:cNvPr id="139" name="이미지" descr="이미지"/>
           <p:cNvPicPr>
             <a:picLocks noChangeAspect="0"/>
           </p:cNvPicPr>
@@ -7335,7 +7781,7 @@
       </p:pic>
       <p:sp>
         <p:nvSpPr>
-          <p:cNvPr id="138" name="Model"/>
+          <p:cNvPr id="140" name="Model"/>
           <p:cNvSpPr txBox="1"/>
           <p:nvPr/>
         </p:nvSpPr>
@@ -7386,7 +7832,7 @@
       </p:sp>
       <p:pic>
         <p:nvPicPr>
-          <p:cNvPr id="139" name="이미지" descr="이미지"/>
+          <p:cNvPr id="141" name="이미지" descr="이미지"/>
           <p:cNvPicPr>
             <a:picLocks noChangeAspect="0"/>
           </p:cNvPicPr>
@@ -7415,7 +7861,7 @@
       </p:pic>
       <p:pic>
         <p:nvPicPr>
-          <p:cNvPr id="140" name="이미지" descr="이미지"/>
+          <p:cNvPr id="142" name="이미지" descr="이미지"/>
           <p:cNvPicPr>
             <a:picLocks noChangeAspect="1"/>
           </p:cNvPicPr>
@@ -7444,7 +7890,7 @@
       </p:pic>
       <p:pic>
         <p:nvPicPr>
-          <p:cNvPr id="141" name="이미지" descr="이미지"/>
+          <p:cNvPr id="143" name="이미지" descr="이미지"/>
           <p:cNvPicPr>
             <a:picLocks noChangeAspect="1"/>
           </p:cNvPicPr>
@@ -7473,7 +7919,7 @@
       </p:pic>
       <p:sp>
         <p:nvSpPr>
-          <p:cNvPr id="142" name="선"/>
+          <p:cNvPr id="144" name="선"/>
           <p:cNvSpPr/>
           <p:nvPr/>
         </p:nvSpPr>
@@ -7503,7 +7949,7 @@
       </p:sp>
       <p:sp>
         <p:nvSpPr>
-          <p:cNvPr id="143" name="선"/>
+          <p:cNvPr id="145" name="선"/>
           <p:cNvSpPr/>
           <p:nvPr/>
         </p:nvSpPr>
@@ -7533,7 +7979,7 @@
       </p:sp>
       <p:sp>
         <p:nvSpPr>
-          <p:cNvPr id="144" name="선"/>
+          <p:cNvPr id="146" name="선"/>
           <p:cNvSpPr/>
           <p:nvPr/>
         </p:nvSpPr>
@@ -7563,7 +8009,7 @@
       </p:sp>
       <p:sp>
         <p:nvSpPr>
-          <p:cNvPr id="145" name="선"/>
+          <p:cNvPr id="147" name="선"/>
           <p:cNvSpPr/>
           <p:nvPr/>
         </p:nvSpPr>
@@ -7593,7 +8039,7 @@
       </p:sp>
       <p:sp>
         <p:nvSpPr>
-          <p:cNvPr id="146" name="선"/>
+          <p:cNvPr id="148" name="선"/>
           <p:cNvSpPr/>
           <p:nvPr/>
         </p:nvSpPr>
@@ -7623,7 +8069,7 @@
       </p:sp>
       <p:sp>
         <p:nvSpPr>
-          <p:cNvPr id="147" name="선"/>
+          <p:cNvPr id="149" name="선"/>
           <p:cNvSpPr/>
           <p:nvPr/>
         </p:nvSpPr>
@@ -7687,7 +8133,7 @@
       </p:grpSpPr>
       <p:sp>
         <p:nvSpPr>
-          <p:cNvPr id="149" name="슬라이드 번호"/>
+          <p:cNvPr id="151" name="슬라이드 번호"/>
           <p:cNvSpPr txBox="1"/>
           <p:nvPr>
             <p:ph type="sldNum" sz="quarter" idx="2"/>
@@ -7718,7 +8164,7 @@
       </p:sp>
       <p:sp>
         <p:nvSpPr>
-          <p:cNvPr id="150" name="주요 기능 - Data Labeling &amp; Data Processing"/>
+          <p:cNvPr id="152" name="주요 기능 - Data Labeling &amp; Data Processing"/>
           <p:cNvSpPr txBox="1"/>
           <p:nvPr>
             <p:ph type="title"/>
@@ -7746,7 +8192,7 @@
       </p:sp>
       <p:sp>
         <p:nvSpPr>
-          <p:cNvPr id="151" name="선"/>
+          <p:cNvPr id="153" name="선"/>
           <p:cNvSpPr/>
           <p:nvPr/>
         </p:nvSpPr>
@@ -7784,7 +8230,7 @@
       </p:sp>
       <p:sp>
         <p:nvSpPr>
-          <p:cNvPr id="152" name="4"/>
+          <p:cNvPr id="154" name="4"/>
           <p:cNvSpPr/>
           <p:nvPr/>
         </p:nvSpPr>
@@ -7878,7 +8324,7 @@
       </p:sp>
       <p:sp>
         <p:nvSpPr>
-          <p:cNvPr id="153" name="3"/>
+          <p:cNvPr id="155" name="3"/>
           <p:cNvSpPr/>
           <p:nvPr/>
         </p:nvSpPr>
@@ -7972,7 +8418,7 @@
       </p:sp>
       <p:sp>
         <p:nvSpPr>
-          <p:cNvPr id="154" name="2"/>
+          <p:cNvPr id="156" name="2"/>
           <p:cNvSpPr/>
           <p:nvPr/>
         </p:nvSpPr>
@@ -8066,7 +8512,7 @@
       </p:sp>
       <p:sp>
         <p:nvSpPr>
-          <p:cNvPr id="155" name="1"/>
+          <p:cNvPr id="157" name="1"/>
           <p:cNvSpPr/>
           <p:nvPr/>
         </p:nvSpPr>
@@ -8160,7 +8606,7 @@
       </p:sp>
       <p:sp>
         <p:nvSpPr>
-          <p:cNvPr id="156" name="유의미한 데이터를 추출하기 위해 정면 사진, 얼굴형 판단이 가능한 사진 75,000장 확보."/>
+          <p:cNvPr id="158" name="유의미한 데이터를 추출하기 위해 정면 사진, 얼굴형 판단이 가능한 사진 75,000장 확보."/>
           <p:cNvSpPr txBox="1"/>
           <p:nvPr/>
         </p:nvSpPr>
@@ -8207,7 +8653,7 @@
       </p:sp>
       <p:sp>
         <p:nvSpPr>
-          <p:cNvPr id="157" name="조사한 자료와 논문을 바탕으로 얼굴형 판단에 대한 기준을 설정하여 총 4가지의 얼굴형으로 구분…"/>
+          <p:cNvPr id="159" name="조사한 자료와 논문을 바탕으로 얼굴형 판단에 대한 기준을 설정하여 총 4가지의 얼굴형으로 구분…"/>
           <p:cNvSpPr txBox="1"/>
           <p:nvPr/>
         </p:nvSpPr>
@@ -8267,7 +8713,7 @@
       </p:sp>
       <p:sp>
         <p:nvSpPr>
-          <p:cNvPr id="158" name="모델 학습 시, 방해가 되는 특징점을 제거하기 위해서 OpenCV를 이용하여 얼굴만 추출"/>
+          <p:cNvPr id="160" name="모델 학습 시, 방해가 되는 특징점을 제거하기 위해서 OpenCV를 이용하여 얼굴만 추출"/>
           <p:cNvSpPr txBox="1"/>
           <p:nvPr/>
         </p:nvSpPr>
@@ -8314,7 +8760,7 @@
       </p:sp>
       <p:sp>
         <p:nvSpPr>
-          <p:cNvPr id="159" name="Overfitting 방지 및 모델 성능 향상을  위해 Keras의 ImageDataGenerator를 사용한다. 좌우 반전, 좌우 이동, 밝기 조절, 정규화 이미지로 데이터를 추가 확보한다."/>
+          <p:cNvPr id="161" name="Overfitting 방지 및 모델 성능 향상을  위해 Keras의 ImageDataGenerator를 사용한다. 좌우 반전, 좌우 이동, 밝기 조절, 정규화 이미지로 데이터를 추가 확보한다."/>
           <p:cNvSpPr txBox="1"/>
           <p:nvPr/>
         </p:nvSpPr>
@@ -8361,7 +8807,7 @@
       </p:sp>
       <p:sp>
         <p:nvSpPr>
-          <p:cNvPr id="160" name="얼굴 데이터 확보 - Kaggle, Github"/>
+          <p:cNvPr id="162" name="얼굴 데이터 확보 - Kaggle, Github"/>
           <p:cNvSpPr txBox="1"/>
           <p:nvPr/>
         </p:nvSpPr>
@@ -8408,7 +8854,7 @@
       </p:sp>
       <p:sp>
         <p:nvSpPr>
-          <p:cNvPr id="161" name="Data Labeling"/>
+          <p:cNvPr id="163" name="Data Labeling"/>
           <p:cNvSpPr txBox="1"/>
           <p:nvPr/>
         </p:nvSpPr>
@@ -8455,7 +8901,7 @@
       </p:sp>
       <p:sp>
         <p:nvSpPr>
-          <p:cNvPr id="162" name="Image Crop"/>
+          <p:cNvPr id="164" name="Image Crop"/>
           <p:cNvSpPr txBox="1"/>
           <p:nvPr/>
         </p:nvSpPr>
@@ -8502,7 +8948,7 @@
       </p:sp>
       <p:sp>
         <p:nvSpPr>
-          <p:cNvPr id="163" name="Data Augmentation"/>
+          <p:cNvPr id="165" name="Data Augmentation"/>
           <p:cNvSpPr txBox="1"/>
           <p:nvPr/>
         </p:nvSpPr>
@@ -8575,7 +9021,7 @@
       </p:grpSpPr>
       <p:pic>
         <p:nvPicPr>
-          <p:cNvPr id="165" name="이미지" descr="이미지"/>
+          <p:cNvPr id="167" name="이미지" descr="이미지"/>
           <p:cNvPicPr>
             <a:picLocks noChangeAspect="1"/>
           </p:cNvPicPr>
@@ -8604,7 +9050,7 @@
       </p:pic>
       <p:sp>
         <p:nvSpPr>
-          <p:cNvPr id="166" name="슬라이드 번호"/>
+          <p:cNvPr id="168" name="슬라이드 번호"/>
           <p:cNvSpPr txBox="1"/>
           <p:nvPr>
             <p:ph type="sldNum" sz="quarter" idx="2"/>
@@ -8635,7 +9081,7 @@
       </p:sp>
       <p:sp>
         <p:nvSpPr>
-          <p:cNvPr id="167" name="주요 기능 - 모델 변경 사항"/>
+          <p:cNvPr id="169" name="주요 기능 - 모델 변경 사항"/>
           <p:cNvSpPr txBox="1"/>
           <p:nvPr>
             <p:ph type="title"/>
@@ -8663,7 +9109,7 @@
       </p:sp>
       <p:sp>
         <p:nvSpPr>
-          <p:cNvPr id="168" name="선"/>
+          <p:cNvPr id="170" name="선"/>
           <p:cNvSpPr/>
           <p:nvPr/>
         </p:nvSpPr>
@@ -8701,7 +9147,7 @@
       </p:sp>
       <p:sp>
         <p:nvSpPr>
-          <p:cNvPr id="169" name="기존 모델 Tensorflow.js의 Face-Landmark-Detection"/>
+          <p:cNvPr id="171" name="기존 모델 Tensorflow.js의 Face-Landmark-Detection"/>
           <p:cNvSpPr txBox="1"/>
           <p:nvPr/>
         </p:nvSpPr>
@@ -8748,7 +9194,7 @@
       </p:sp>
       <p:sp>
         <p:nvSpPr>
-          <p:cNvPr id="170" name="특징점을 추출하여 얻은 숫자 데이터를 토대로 가볍고 높은 성능의 모델 기대"/>
+          <p:cNvPr id="172" name="특징점을 추출하여 얻은 숫자 데이터를 토대로 가볍고 높은 성능의 모델 기대"/>
           <p:cNvSpPr txBox="1"/>
           <p:nvPr/>
         </p:nvSpPr>
@@ -8797,7 +9243,7 @@
       </p:sp>
       <p:sp>
         <p:nvSpPr>
-          <p:cNvPr id="171" name="데이터의 변동폭이 크다"/>
+          <p:cNvPr id="173" name="데이터의 변동폭이 크다"/>
           <p:cNvSpPr/>
           <p:nvPr/>
         </p:nvSpPr>
@@ -8845,7 +9291,7 @@
       </p:sp>
       <p:sp>
         <p:nvSpPr>
-          <p:cNvPr id="172" name="멘토님의 조언"/>
+          <p:cNvPr id="174" name="멘토님의 조언"/>
           <p:cNvSpPr/>
           <p:nvPr/>
         </p:nvSpPr>
@@ -8893,7 +9339,7 @@
       </p:sp>
       <p:sp>
         <p:nvSpPr>
-          <p:cNvPr id="173" name="기존 사용 모델의 문제 발생"/>
+          <p:cNvPr id="175" name="기존 사용 모델의 문제 발생"/>
           <p:cNvSpPr/>
           <p:nvPr/>
         </p:nvSpPr>
@@ -8945,7 +9391,7 @@
       </p:sp>
       <p:grpSp>
         <p:nvGrpSpPr>
-          <p:cNvPr id="178" name="그룹"/>
+          <p:cNvPr id="180" name="그룹"/>
           <p:cNvGrpSpPr/>
           <p:nvPr/>
         </p:nvGrpSpPr>
@@ -8959,7 +9405,7 @@
         </p:grpSpPr>
         <p:sp>
           <p:nvSpPr>
-            <p:cNvPr id="174" name="선"/>
+            <p:cNvPr id="176" name="선"/>
             <p:cNvSpPr/>
             <p:nvPr/>
           </p:nvSpPr>
@@ -8993,7 +9439,7 @@
         </p:sp>
         <p:sp>
           <p:nvSpPr>
-            <p:cNvPr id="175" name="선"/>
+            <p:cNvPr id="177" name="선"/>
             <p:cNvSpPr/>
             <p:nvPr/>
           </p:nvSpPr>
@@ -9027,7 +9473,7 @@
         </p:sp>
         <p:sp>
           <p:nvSpPr>
-            <p:cNvPr id="176" name="선"/>
+            <p:cNvPr id="178" name="선"/>
             <p:cNvSpPr/>
             <p:nvPr/>
           </p:nvSpPr>
@@ -9061,7 +9507,7 @@
         </p:sp>
         <p:sp>
           <p:nvSpPr>
-            <p:cNvPr id="177" name="선"/>
+            <p:cNvPr id="179" name="선"/>
             <p:cNvSpPr/>
             <p:nvPr/>
           </p:nvSpPr>
@@ -9096,7 +9542,7 @@
       </p:grpSp>
       <p:grpSp>
         <p:nvGrpSpPr>
-          <p:cNvPr id="183" name="그룹"/>
+          <p:cNvPr id="185" name="그룹"/>
           <p:cNvGrpSpPr/>
           <p:nvPr/>
         </p:nvGrpSpPr>
@@ -9110,7 +9556,7 @@
         </p:grpSpPr>
         <p:sp>
           <p:nvSpPr>
-            <p:cNvPr id="179" name="선"/>
+            <p:cNvPr id="181" name="선"/>
             <p:cNvSpPr/>
             <p:nvPr/>
           </p:nvSpPr>
@@ -9144,7 +9590,7 @@
         </p:sp>
         <p:sp>
           <p:nvSpPr>
-            <p:cNvPr id="180" name="선"/>
+            <p:cNvPr id="182" name="선"/>
             <p:cNvSpPr/>
             <p:nvPr/>
           </p:nvSpPr>
@@ -9178,7 +9624,7 @@
         </p:sp>
         <p:sp>
           <p:nvSpPr>
-            <p:cNvPr id="181" name="선"/>
+            <p:cNvPr id="183" name="선"/>
             <p:cNvSpPr/>
             <p:nvPr/>
           </p:nvSpPr>
@@ -9212,7 +9658,7 @@
         </p:sp>
         <p:sp>
           <p:nvSpPr>
-            <p:cNvPr id="182" name="선"/>
+            <p:cNvPr id="184" name="선"/>
             <p:cNvSpPr/>
             <p:nvPr/>
           </p:nvSpPr>
@@ -9247,7 +9693,7 @@
       </p:grpSp>
       <p:sp>
         <p:nvSpPr>
-          <p:cNvPr id="184" name="새로운 모델 개발 필요성"/>
+          <p:cNvPr id="186" name="새로운 모델 개발 필요성"/>
           <p:cNvSpPr/>
           <p:nvPr/>
         </p:nvSpPr>
@@ -9321,7 +9767,7 @@
       </p:grpSpPr>
       <p:sp>
         <p:nvSpPr>
-          <p:cNvPr id="186" name="슬라이드 번호"/>
+          <p:cNvPr id="188" name="슬라이드 번호"/>
           <p:cNvSpPr txBox="1"/>
           <p:nvPr>
             <p:ph type="sldNum" sz="quarter" idx="2"/>
@@ -9352,7 +9798,7 @@
       </p:sp>
       <p:sp>
         <p:nvSpPr>
-          <p:cNvPr id="187" name="주요 기능 - 얼굴형 판단"/>
+          <p:cNvPr id="189" name="주요 기능 - 얼굴형 판단"/>
           <p:cNvSpPr txBox="1"/>
           <p:nvPr>
             <p:ph type="title"/>
@@ -9380,7 +9826,7 @@
       </p:sp>
       <p:sp>
         <p:nvSpPr>
-          <p:cNvPr id="188" name="선"/>
+          <p:cNvPr id="190" name="선"/>
           <p:cNvSpPr/>
           <p:nvPr/>
         </p:nvSpPr>

--- a/docs/Capstone-team14-presentation.pptx
+++ b/docs/Capstone-team14-presentation.pptx
@@ -27,7 +27,6 @@
     <p:sldId id="272" r:id="rId24"/>
     <p:sldId id="273" r:id="rId25"/>
     <p:sldId id="274" r:id="rId26"/>
-    <p:sldId id="275" r:id="rId27"/>
   </p:sldIdLst>
   <p:sldSz cx="24384000" cy="13716000"/>
   <p:notesSz cx="6858000" cy="9144000"/>
@@ -2047,8 +2046,8 @@
         </p:nvSpPr>
         <p:spPr>
           <a:xfrm>
-            <a:off x="1626531" y="5002631"/>
-            <a:ext cx="21130938" cy="1902089"/>
+            <a:off x="1626531" y="4346621"/>
+            <a:ext cx="21130938" cy="2558099"/>
           </a:xfrm>
           <a:prstGeom prst="rect">
             <a:avLst/>
@@ -2058,7 +2057,7 @@
           <a:bodyPr/>
           <a:lstStyle>
             <a:lvl1pPr algn="ctr" defTabSz="2218888">
-              <a:defRPr spc="2000" sz="10600"/>
+              <a:defRPr spc="2830" sz="15000"/>
             </a:lvl1pPr>
           </a:lstStyle>
           <a:p>
@@ -2071,32 +2070,7 @@
       </p:sp>
       <p:sp>
         <p:nvSpPr>
-          <p:cNvPr id="47" name="직사각형"/>
-          <p:cNvSpPr txBox="1"/>
-          <p:nvPr>
-            <p:ph type="subTitle" sz="quarter" idx="1"/>
-          </p:nvPr>
-        </p:nvSpPr>
-        <p:spPr>
-          <a:xfrm>
-            <a:off x="19834353" y="2188477"/>
-            <a:ext cx="2795946" cy="508002"/>
-          </a:xfrm>
-          <a:prstGeom prst="rect">
-            <a:avLst/>
-          </a:prstGeom>
-        </p:spPr>
-        <p:txBody>
-          <a:bodyPr/>
-          <a:lstStyle/>
-          <a:p>
-            <a:pPr algn="r"/>
-          </a:p>
-        </p:txBody>
-      </p:sp>
-      <p:sp>
-        <p:nvSpPr>
-          <p:cNvPr id="48" name="Capstone Project 14 Team…"/>
+          <p:cNvPr id="47" name="Capstone Project 14 Team…"/>
           <p:cNvSpPr txBox="1"/>
           <p:nvPr>
             <p:ph type="body" idx="23"/>
@@ -2139,14 +2113,14 @@
       </p:sp>
       <p:sp>
         <p:nvSpPr>
-          <p:cNvPr id="49" name="얼굴형 기반 헤어스타일 추천"/>
+          <p:cNvPr id="48" name="얼굴형 기반 헤어스타일 추천"/>
           <p:cNvSpPr txBox="1"/>
           <p:nvPr/>
         </p:nvSpPr>
         <p:spPr>
           <a:xfrm>
             <a:off x="1625600" y="7118001"/>
-            <a:ext cx="21132800" cy="700148"/>
+            <a:ext cx="21132800" cy="1013115"/>
           </a:xfrm>
           <a:prstGeom prst="rect">
             <a:avLst/>
@@ -2169,7 +2143,7 @@
               <a:lnSpc>
                 <a:spcPct val="135000"/>
               </a:lnSpc>
-              <a:defRPr sz="3000">
+              <a:defRPr sz="5000">
                 <a:latin typeface="+mn-lt"/>
                 <a:ea typeface="+mn-ea"/>
                 <a:cs typeface="+mn-cs"/>
@@ -2213,7 +2187,7 @@
       </p:grpSpPr>
       <p:sp>
         <p:nvSpPr>
-          <p:cNvPr id="183" name="선"/>
+          <p:cNvPr id="182" name="선"/>
           <p:cNvSpPr/>
           <p:nvPr/>
         </p:nvSpPr>
@@ -2248,7 +2222,7 @@
       </p:sp>
       <p:sp>
         <p:nvSpPr>
-          <p:cNvPr id="184" name="선"/>
+          <p:cNvPr id="183" name="선"/>
           <p:cNvSpPr/>
           <p:nvPr/>
         </p:nvSpPr>
@@ -2283,7 +2257,7 @@
       </p:sp>
       <p:sp>
         <p:nvSpPr>
-          <p:cNvPr id="185" name="슬라이드 번호"/>
+          <p:cNvPr id="184" name="슬라이드 번호"/>
           <p:cNvSpPr txBox="1"/>
           <p:nvPr>
             <p:ph type="sldNum" sz="quarter" idx="4294967295"/>
@@ -2314,7 +2288,7 @@
       </p:sp>
       <p:sp>
         <p:nvSpPr>
-          <p:cNvPr id="186" name="주요 기능 - 모델 변경 사항"/>
+          <p:cNvPr id="185" name="주요 기능 - 모델 변경 사항"/>
           <p:cNvSpPr txBox="1"/>
           <p:nvPr>
             <p:ph type="title"/>
@@ -2342,7 +2316,7 @@
       </p:sp>
       <p:sp>
         <p:nvSpPr>
-          <p:cNvPr id="187" name="선"/>
+          <p:cNvPr id="186" name="선"/>
           <p:cNvSpPr/>
           <p:nvPr/>
         </p:nvSpPr>
@@ -2377,7 +2351,7 @@
       </p:sp>
       <p:sp>
         <p:nvSpPr>
-          <p:cNvPr id="188" name="TextBox 21"/>
+          <p:cNvPr id="187" name="TextBox 21"/>
           <p:cNvSpPr txBox="1"/>
           <p:nvPr/>
         </p:nvSpPr>
@@ -2425,7 +2399,7 @@
       </p:sp>
       <p:grpSp>
         <p:nvGrpSpPr>
-          <p:cNvPr id="193" name="그룹"/>
+          <p:cNvPr id="192" name="그룹"/>
           <p:cNvGrpSpPr/>
           <p:nvPr/>
         </p:nvGrpSpPr>
@@ -2439,7 +2413,7 @@
         </p:grpSpPr>
         <p:sp>
           <p:nvSpPr>
-            <p:cNvPr id="189" name="선"/>
+            <p:cNvPr id="188" name="선"/>
             <p:cNvSpPr/>
             <p:nvPr/>
           </p:nvSpPr>
@@ -2479,7 +2453,7 @@
         </p:sp>
         <p:sp>
           <p:nvSpPr>
-            <p:cNvPr id="190" name="선"/>
+            <p:cNvPr id="189" name="선"/>
             <p:cNvSpPr/>
             <p:nvPr/>
           </p:nvSpPr>
@@ -2519,7 +2493,7 @@
         </p:sp>
         <p:sp>
           <p:nvSpPr>
-            <p:cNvPr id="191" name="선"/>
+            <p:cNvPr id="190" name="선"/>
             <p:cNvSpPr/>
             <p:nvPr/>
           </p:nvSpPr>
@@ -2559,7 +2533,7 @@
         </p:sp>
         <p:sp>
           <p:nvSpPr>
-            <p:cNvPr id="192" name="선"/>
+            <p:cNvPr id="191" name="선"/>
             <p:cNvSpPr/>
             <p:nvPr/>
           </p:nvSpPr>
@@ -2600,7 +2574,7 @@
       </p:grpSp>
       <p:sp>
         <p:nvSpPr>
-          <p:cNvPr id="194" name="슬라이드 번호"/>
+          <p:cNvPr id="193" name="슬라이드 번호"/>
           <p:cNvSpPr txBox="1"/>
           <p:nvPr/>
         </p:nvSpPr>
@@ -2651,7 +2625,7 @@
       </p:sp>
       <p:grpSp>
         <p:nvGrpSpPr>
-          <p:cNvPr id="197" name="Project Planning"/>
+          <p:cNvPr id="196" name="Project Planning"/>
           <p:cNvGrpSpPr/>
           <p:nvPr/>
         </p:nvGrpSpPr>
@@ -2665,7 +2639,7 @@
         </p:grpSpPr>
         <p:sp>
           <p:nvSpPr>
-            <p:cNvPr id="195" name="직사각형"/>
+            <p:cNvPr id="194" name="직사각형"/>
             <p:cNvSpPr/>
             <p:nvPr/>
           </p:nvSpPr>
@@ -2711,7 +2685,7 @@
         </p:sp>
         <p:sp>
           <p:nvSpPr>
-            <p:cNvPr id="196" name="Train Set에서도 낮은 정확도"/>
+            <p:cNvPr id="195" name="Train Set에서도 낮은 정확도"/>
             <p:cNvSpPr txBox="1"/>
             <p:nvPr/>
           </p:nvSpPr>
@@ -2773,7 +2747,7 @@
       </p:grpSp>
       <p:grpSp>
         <p:nvGrpSpPr>
-          <p:cNvPr id="200" name="Part"/>
+          <p:cNvPr id="199" name="Part"/>
           <p:cNvGrpSpPr/>
           <p:nvPr/>
         </p:nvGrpSpPr>
@@ -2787,7 +2761,7 @@
         </p:grpSpPr>
         <p:sp>
           <p:nvSpPr>
-            <p:cNvPr id="198" name="직사각형"/>
+            <p:cNvPr id="197" name="직사각형"/>
             <p:cNvSpPr/>
             <p:nvPr/>
           </p:nvSpPr>
@@ -2833,7 +2807,7 @@
         </p:sp>
         <p:sp>
           <p:nvSpPr>
-            <p:cNvPr id="199" name="데이터의 변동폭이 크다"/>
+            <p:cNvPr id="198" name="데이터의 변동폭이 크다"/>
             <p:cNvSpPr txBox="1"/>
             <p:nvPr/>
           </p:nvSpPr>
@@ -2888,7 +2862,7 @@
       </p:grpSp>
       <p:grpSp>
         <p:nvGrpSpPr>
-          <p:cNvPr id="203" name="Part"/>
+          <p:cNvPr id="202" name="Part"/>
           <p:cNvGrpSpPr/>
           <p:nvPr/>
         </p:nvGrpSpPr>
@@ -2902,7 +2876,7 @@
         </p:grpSpPr>
         <p:sp>
           <p:nvSpPr>
-            <p:cNvPr id="201" name="직사각형"/>
+            <p:cNvPr id="200" name="직사각형"/>
             <p:cNvSpPr/>
             <p:nvPr/>
           </p:nvSpPr>
@@ -2948,7 +2922,7 @@
         </p:sp>
         <p:sp>
           <p:nvSpPr>
-            <p:cNvPr id="202" name="멘토님의 조언"/>
+            <p:cNvPr id="201" name="멘토님의 조언"/>
             <p:cNvSpPr txBox="1"/>
             <p:nvPr/>
           </p:nvSpPr>
@@ -3003,7 +2977,7 @@
       </p:grpSp>
       <p:grpSp>
         <p:nvGrpSpPr>
-          <p:cNvPr id="206" name="Managing"/>
+          <p:cNvPr id="205" name="Managing"/>
           <p:cNvGrpSpPr/>
           <p:nvPr/>
         </p:nvGrpSpPr>
@@ -3017,7 +2991,7 @@
         </p:grpSpPr>
         <p:sp>
           <p:nvSpPr>
-            <p:cNvPr id="204" name="직사각형"/>
+            <p:cNvPr id="203" name="직사각형"/>
             <p:cNvSpPr/>
             <p:nvPr/>
           </p:nvSpPr>
@@ -3063,7 +3037,7 @@
         </p:sp>
         <p:sp>
           <p:nvSpPr>
-            <p:cNvPr id="205" name="Face Detection에서 일반적인 방식X"/>
+            <p:cNvPr id="204" name="Face Detection에서 일반적인 방식X"/>
             <p:cNvSpPr txBox="1"/>
             <p:nvPr/>
           </p:nvSpPr>
@@ -3131,7 +3105,7 @@
       </p:grpSp>
       <p:grpSp>
         <p:nvGrpSpPr>
-          <p:cNvPr id="209" name="Marketing…"/>
+          <p:cNvPr id="208" name="Marketing…"/>
           <p:cNvGrpSpPr/>
           <p:nvPr/>
         </p:nvGrpSpPr>
@@ -3145,7 +3119,7 @@
         </p:grpSpPr>
         <p:sp>
           <p:nvSpPr>
-            <p:cNvPr id="207" name="원"/>
+            <p:cNvPr id="206" name="원"/>
             <p:cNvSpPr/>
             <p:nvPr/>
           </p:nvSpPr>
@@ -3188,7 +3162,7 @@
         </p:sp>
         <p:sp>
           <p:nvSpPr>
-            <p:cNvPr id="208" name="새로운 모델 개발 결정"/>
+            <p:cNvPr id="207" name="새로운 모델 개발 결정"/>
             <p:cNvSpPr txBox="1"/>
             <p:nvPr/>
           </p:nvSpPr>
@@ -3266,7 +3240,7 @@
       </p:grpSpPr>
       <p:sp>
         <p:nvSpPr>
-          <p:cNvPr id="211" name="슬라이드 번호"/>
+          <p:cNvPr id="210" name="슬라이드 번호"/>
           <p:cNvSpPr txBox="1"/>
           <p:nvPr>
             <p:ph type="sldNum" sz="quarter" idx="4294967295"/>
@@ -3297,7 +3271,7 @@
       </p:sp>
       <p:sp>
         <p:nvSpPr>
-          <p:cNvPr id="212" name="주요 기능 - Data Labeling &amp; Data Processing"/>
+          <p:cNvPr id="211" name="주요 기능 - Data Labeling &amp; Data Processing"/>
           <p:cNvSpPr txBox="1"/>
           <p:nvPr>
             <p:ph type="title"/>
@@ -3325,7 +3299,7 @@
       </p:sp>
       <p:sp>
         <p:nvSpPr>
-          <p:cNvPr id="213" name="선"/>
+          <p:cNvPr id="212" name="선"/>
           <p:cNvSpPr/>
           <p:nvPr/>
         </p:nvSpPr>
@@ -3360,42 +3334,42 @@
       </p:sp>
       <p:grpSp>
         <p:nvGrpSpPr>
-          <p:cNvPr id="226" name="그룹 2"/>
+          <p:cNvPr id="225" name="그룹 2"/>
           <p:cNvGrpSpPr/>
           <p:nvPr/>
         </p:nvGrpSpPr>
         <p:grpSpPr>
           <a:xfrm>
-            <a:off x="3670236" y="5482599"/>
-            <a:ext cx="17043526" cy="5627216"/>
+            <a:off x="2882656" y="5141044"/>
+            <a:ext cx="19256051" cy="6357720"/>
             <a:chOff x="0" y="0"/>
-            <a:chExt cx="17043525" cy="5627215"/>
+            <a:chExt cx="19256048" cy="6357718"/>
           </a:xfrm>
         </p:grpSpPr>
         <p:grpSp>
           <p:nvGrpSpPr>
-            <p:cNvPr id="216" name="3"/>
+            <p:cNvPr id="215" name="3"/>
             <p:cNvGrpSpPr/>
             <p:nvPr/>
           </p:nvGrpSpPr>
           <p:grpSpPr>
             <a:xfrm>
-              <a:off x="10426486" y="-1"/>
-              <a:ext cx="6617039" cy="3748004"/>
+              <a:off x="11780011" y="-1"/>
+              <a:ext cx="7476038" cy="4234554"/>
               <a:chOff x="0" y="0"/>
-              <a:chExt cx="6617037" cy="3748002"/>
+              <a:chExt cx="7476036" cy="4234553"/>
             </a:xfrm>
           </p:grpSpPr>
           <p:sp>
             <p:nvSpPr>
-              <p:cNvPr id="214" name="도형"/>
+              <p:cNvPr id="213" name="도형"/>
               <p:cNvSpPr/>
               <p:nvPr/>
             </p:nvSpPr>
             <p:spPr>
               <a:xfrm>
                 <a:off x="0" y="-1"/>
-                <a:ext cx="6617039" cy="3748004"/>
+                <a:ext cx="7476037" cy="4234555"/>
               </a:xfrm>
               <a:custGeom>
                 <a:avLst/>
@@ -3480,14 +3454,14 @@
           </p:sp>
           <p:sp>
             <p:nvSpPr>
-              <p:cNvPr id="215" name="3"/>
+              <p:cNvPr id="214" name="3"/>
               <p:cNvSpPr txBox="1"/>
               <p:nvPr/>
             </p:nvSpPr>
             <p:spPr>
               <a:xfrm>
-                <a:off x="0" y="1061200"/>
-                <a:ext cx="6617038" cy="1625601"/>
+                <a:off x="0" y="1198961"/>
+                <a:ext cx="7476036" cy="1836630"/>
               </a:xfrm>
               <a:prstGeom prst="rect">
                 <a:avLst/>
@@ -3506,7 +3480,7 @@
             </p:spPr>
             <p:txBody>
               <a:bodyPr wrap="square" lIns="50800" tIns="50800" rIns="50800" bIns="50800" numCol="1" anchor="ctr">
-                <a:spAutoFit/>
+                <a:noAutofit/>
               </a:bodyPr>
               <a:lstStyle>
                 <a:lvl1pPr algn="ctr">
@@ -3535,28 +3509,28 @@
         </p:grpSp>
         <p:grpSp>
           <p:nvGrpSpPr>
-            <p:cNvPr id="219" name="2"/>
+            <p:cNvPr id="218" name="2"/>
             <p:cNvGrpSpPr/>
             <p:nvPr/>
           </p:nvGrpSpPr>
           <p:grpSpPr>
             <a:xfrm>
-              <a:off x="5317575" y="-1"/>
-              <a:ext cx="6617039" cy="3748004"/>
+              <a:off x="6007881" y="-1"/>
+              <a:ext cx="7476038" cy="4234554"/>
               <a:chOff x="0" y="0"/>
-              <a:chExt cx="6617037" cy="3748002"/>
+              <a:chExt cx="7476036" cy="4234553"/>
             </a:xfrm>
           </p:grpSpPr>
           <p:sp>
             <p:nvSpPr>
-              <p:cNvPr id="217" name="도형"/>
+              <p:cNvPr id="216" name="도형"/>
               <p:cNvSpPr/>
               <p:nvPr/>
             </p:nvSpPr>
             <p:spPr>
               <a:xfrm>
                 <a:off x="0" y="-1"/>
-                <a:ext cx="6617039" cy="3748004"/>
+                <a:ext cx="7476037" cy="4234555"/>
               </a:xfrm>
               <a:custGeom>
                 <a:avLst/>
@@ -3641,14 +3615,14 @@
           </p:sp>
           <p:sp>
             <p:nvSpPr>
-              <p:cNvPr id="218" name="2"/>
+              <p:cNvPr id="217" name="2"/>
               <p:cNvSpPr txBox="1"/>
               <p:nvPr/>
             </p:nvSpPr>
             <p:spPr>
               <a:xfrm>
-                <a:off x="0" y="1061200"/>
-                <a:ext cx="6617038" cy="1625601"/>
+                <a:off x="0" y="1198961"/>
+                <a:ext cx="7476036" cy="1836630"/>
               </a:xfrm>
               <a:prstGeom prst="rect">
                 <a:avLst/>
@@ -3667,7 +3641,7 @@
             </p:spPr>
             <p:txBody>
               <a:bodyPr wrap="square" lIns="50800" tIns="50800" rIns="50800" bIns="50800" numCol="1" anchor="ctr">
-                <a:spAutoFit/>
+                <a:noAutofit/>
               </a:bodyPr>
               <a:lstStyle>
                 <a:lvl1pPr algn="ctr">
@@ -3696,28 +3670,28 @@
         </p:grpSp>
         <p:grpSp>
           <p:nvGrpSpPr>
-            <p:cNvPr id="222" name="1"/>
+            <p:cNvPr id="221" name="1"/>
             <p:cNvGrpSpPr/>
             <p:nvPr/>
           </p:nvGrpSpPr>
           <p:grpSpPr>
             <a:xfrm>
-              <a:off x="18151" y="-1"/>
-              <a:ext cx="6617039" cy="3748004"/>
+              <a:off x="20508" y="-1"/>
+              <a:ext cx="7476037" cy="4234554"/>
               <a:chOff x="0" y="0"/>
-              <a:chExt cx="6617037" cy="3748002"/>
+              <a:chExt cx="7476036" cy="4234553"/>
             </a:xfrm>
           </p:grpSpPr>
           <p:sp>
             <p:nvSpPr>
-              <p:cNvPr id="220" name="도형"/>
+              <p:cNvPr id="219" name="도형"/>
               <p:cNvSpPr/>
               <p:nvPr/>
             </p:nvSpPr>
             <p:spPr>
               <a:xfrm>
                 <a:off x="0" y="-1"/>
-                <a:ext cx="6617039" cy="3748004"/>
+                <a:ext cx="7476037" cy="4234555"/>
               </a:xfrm>
               <a:custGeom>
                 <a:avLst/>
@@ -3802,14 +3776,14 @@
           </p:sp>
           <p:sp>
             <p:nvSpPr>
-              <p:cNvPr id="221" name="1"/>
+              <p:cNvPr id="220" name="1"/>
               <p:cNvSpPr txBox="1"/>
               <p:nvPr/>
             </p:nvSpPr>
             <p:spPr>
               <a:xfrm>
-                <a:off x="0" y="1061200"/>
-                <a:ext cx="6617038" cy="1625601"/>
+                <a:off x="0" y="1198961"/>
+                <a:ext cx="7476036" cy="1836630"/>
               </a:xfrm>
               <a:prstGeom prst="rect">
                 <a:avLst/>
@@ -3828,7 +3802,7 @@
             </p:spPr>
             <p:txBody>
               <a:bodyPr wrap="square" lIns="50800" tIns="50800" rIns="50800" bIns="50800" numCol="1" anchor="ctr">
-                <a:spAutoFit/>
+                <a:noAutofit/>
               </a:bodyPr>
               <a:lstStyle>
                 <a:lvl1pPr algn="ctr">
@@ -3857,14 +3831,14 @@
         </p:grpSp>
         <p:sp>
           <p:nvSpPr>
-            <p:cNvPr id="223" name="얼굴 데이터 확보 - Kaggle, Github"/>
+            <p:cNvPr id="222" name="얼굴 데이터 확보 - Kaggle, Github"/>
             <p:cNvSpPr txBox="1"/>
             <p:nvPr/>
           </p:nvSpPr>
           <p:spPr>
             <a:xfrm>
-              <a:off x="-1" y="4148299"/>
-              <a:ext cx="5046622" cy="1478916"/>
+              <a:off x="-1" y="4686815"/>
+              <a:ext cx="5701754" cy="1670903"/>
             </a:xfrm>
             <a:prstGeom prst="rect">
               <a:avLst/>
@@ -3891,7 +3865,7 @@
                 <a:lnSpc>
                   <a:spcPct val="100000"/>
                 </a:lnSpc>
-                <a:defRPr b="1" sz="2600">
+                <a:defRPr b="1" sz="3300">
                   <a:solidFill>
                     <a:srgbClr val="232323"/>
                   </a:solidFill>
@@ -3918,14 +3892,14 @@
         </p:sp>
         <p:sp>
           <p:nvSpPr>
-            <p:cNvPr id="224" name="Data Labeling"/>
+            <p:cNvPr id="223" name="Data Labeling"/>
             <p:cNvSpPr txBox="1"/>
             <p:nvPr/>
           </p:nvSpPr>
           <p:spPr>
             <a:xfrm>
-              <a:off x="5470224" y="4148299"/>
-              <a:ext cx="5046622" cy="762002"/>
+              <a:off x="6180347" y="4686815"/>
+              <a:ext cx="5701754" cy="860922"/>
             </a:xfrm>
             <a:prstGeom prst="rect">
               <a:avLst/>
@@ -3951,7 +3925,7 @@
                 <a:lnSpc>
                   <a:spcPct val="100000"/>
                 </a:lnSpc>
-                <a:defRPr b="1" sz="2700">
+                <a:defRPr b="1" sz="3300">
                   <a:solidFill>
                     <a:srgbClr val="232323"/>
                   </a:solidFill>
@@ -3972,14 +3946,14 @@
         </p:sp>
         <p:sp>
           <p:nvSpPr>
-            <p:cNvPr id="225" name="Image Crop"/>
+            <p:cNvPr id="224" name="Image Crop"/>
             <p:cNvSpPr txBox="1"/>
             <p:nvPr/>
           </p:nvSpPr>
           <p:spPr>
             <a:xfrm>
-              <a:off x="10940450" y="4148299"/>
-              <a:ext cx="5046622" cy="762002"/>
+              <a:off x="12360695" y="4686815"/>
+              <a:ext cx="5701755" cy="860922"/>
             </a:xfrm>
             <a:prstGeom prst="rect">
               <a:avLst/>
@@ -4005,7 +3979,7 @@
                 <a:lnSpc>
                   <a:spcPct val="100000"/>
                 </a:lnSpc>
-                <a:defRPr b="1" sz="2700">
+                <a:defRPr b="1" sz="3300">
                   <a:solidFill>
                     <a:srgbClr val="232323"/>
                   </a:solidFill>
@@ -4053,7 +4027,7 @@
       </p:grpSpPr>
       <p:sp>
         <p:nvSpPr>
-          <p:cNvPr id="228" name="슬라이드 번호"/>
+          <p:cNvPr id="227" name="슬라이드 번호"/>
           <p:cNvSpPr txBox="1"/>
           <p:nvPr>
             <p:ph type="sldNum" sz="quarter" idx="4294967295"/>
@@ -4084,7 +4058,7 @@
       </p:sp>
       <p:sp>
         <p:nvSpPr>
-          <p:cNvPr id="229" name="주요 기능 - Data Labeling &amp; Data Processing"/>
+          <p:cNvPr id="228" name="주요 기능 - Data Labeling &amp; Data Processing"/>
           <p:cNvSpPr txBox="1"/>
           <p:nvPr>
             <p:ph type="title"/>
@@ -4112,7 +4086,7 @@
       </p:sp>
       <p:sp>
         <p:nvSpPr>
-          <p:cNvPr id="230" name="선"/>
+          <p:cNvPr id="229" name="선"/>
           <p:cNvSpPr/>
           <p:nvPr/>
         </p:nvSpPr>
@@ -4147,14 +4121,14 @@
       </p:sp>
       <p:sp>
         <p:nvSpPr>
-          <p:cNvPr id="231" name="유의미한 데이터를 추출하기 위해 정면 사진, 얼굴형 판단이 가능한 사진 75,000장 확보."/>
+          <p:cNvPr id="230" name="유의미한 데이터를 추출하기 위해 정면 사진, 얼굴형 판단이 가능한 사진 75,000장 확보."/>
           <p:cNvSpPr txBox="1"/>
           <p:nvPr/>
         </p:nvSpPr>
         <p:spPr>
           <a:xfrm>
-            <a:off x="2574228" y="4959708"/>
-            <a:ext cx="6677347" cy="1939977"/>
+            <a:off x="1185165" y="5236042"/>
+            <a:ext cx="10697784" cy="2694118"/>
           </a:xfrm>
           <a:prstGeom prst="rect">
             <a:avLst/>
@@ -4181,7 +4155,7 @@
               <a:buSzPct val="100000"/>
               <a:buFont typeface="Arial"/>
               <a:buChar char="•"/>
-              <a:defRPr sz="2400">
+              <a:defRPr sz="3700">
                 <a:solidFill>
                   <a:srgbClr val="838383"/>
                 </a:solidFill>
@@ -4194,14 +4168,13 @@
             <a:r>
               <a:t>유의미한 데이터를 추출 </a:t>
             </a:r>
-            <a:endParaRPr sz="2000"/>
           </a:p>
           <a:p>
             <a:pPr>
               <a:lnSpc>
                 <a:spcPct val="150000"/>
               </a:lnSpc>
-              <a:defRPr sz="2400">
+              <a:defRPr sz="3700">
                 <a:solidFill>
                   <a:srgbClr val="838383"/>
                 </a:solidFill>
@@ -4224,14 +4197,27 @@
               <a:t> </a:t>
             </a:r>
             <a:r>
-              <a:rPr b="1"/>
+              <a:rPr b="1">
+                <a:solidFill>
+                  <a:srgbClr val="1F1F1F"/>
+                </a:solidFill>
+              </a:rPr>
               <a:t>정면 사진</a:t>
             </a:r>
             <a:r>
+              <a:rPr>
+                <a:solidFill>
+                  <a:srgbClr val="1F1F1F"/>
+                </a:solidFill>
+              </a:rPr>
               <a:t>, </a:t>
             </a:r>
             <a:r>
-              <a:rPr b="1"/>
+              <a:rPr b="1">
+                <a:solidFill>
+                  <a:srgbClr val="1F1F1F"/>
+                </a:solidFill>
+              </a:rPr>
               <a:t>얼굴형 판단이 가능</a:t>
             </a:r>
             <a:r>
@@ -4245,14 +4231,14 @@
       </p:sp>
       <p:sp>
         <p:nvSpPr>
-          <p:cNvPr id="232" name="조사한 자료와 논문을 바탕으로 얼굴형 판단에 대한 기준을 설정하여 총 4가지의 얼굴형으로 구분…"/>
+          <p:cNvPr id="231" name="조사한 자료와 논문을 바탕으로 얼굴형 판단에 대한 기준을 설정하여 총 4가지의 얼굴형으로 구분…"/>
           <p:cNvSpPr txBox="1"/>
           <p:nvPr/>
         </p:nvSpPr>
         <p:spPr>
           <a:xfrm>
-            <a:off x="12510681" y="4959708"/>
-            <a:ext cx="9299091" cy="2244633"/>
+            <a:off x="12747649" y="4736241"/>
+            <a:ext cx="13490041" cy="4243518"/>
           </a:xfrm>
           <a:prstGeom prst="rect">
             <a:avLst/>
@@ -4272,14 +4258,14 @@
           </a:bodyPr>
           <a:lstStyle/>
           <a:p>
-            <a:pPr marL="342900" indent="-342900">
+            <a:pPr marL="342899" indent="-342899">
               <a:lnSpc>
                 <a:spcPct val="150000"/>
               </a:lnSpc>
               <a:buSzPct val="100000"/>
               <a:buFont typeface="Arial"/>
               <a:buChar char="•"/>
-              <a:defRPr sz="2400">
+              <a:defRPr sz="3700">
                 <a:solidFill>
                   <a:srgbClr val="838383"/>
                 </a:solidFill>
@@ -4290,7 +4276,28 @@
               </a:defRPr>
             </a:pPr>
             <a:r>
-              <a:t>조사한 자료와 논문을 바탕으로 얼굴형 판단에 대한 </a:t>
+              <a:t>조사한 자료와 논문을 바탕으로 얼굴형 판단에 대한</a:t>
+            </a:r>
+            <a:br/>
+            <a:r>
+              <a:t>기준을 설정</a:t>
+            </a:r>
+            <a:r>
+              <a:t>하여</a:t>
+            </a:r>
+            <a:r>
+              <a:t> </a:t>
+            </a:r>
+            <a:r>
+              <a:rPr b="1">
+                <a:solidFill>
+                  <a:srgbClr val="1F1F1F"/>
+                </a:solidFill>
+              </a:rPr>
+              <a:t>총 4가지의 얼굴형</a:t>
+            </a:r>
+            <a:r>
+              <a:t>으로 구분 </a:t>
             </a:r>
           </a:p>
           <a:p>
@@ -4298,7 +4305,7 @@
               <a:lnSpc>
                 <a:spcPct val="150000"/>
               </a:lnSpc>
-              <a:defRPr sz="2400">
+              <a:defRPr b="1" sz="3700">
                 <a:solidFill>
                   <a:srgbClr val="838383"/>
                 </a:solidFill>
@@ -4309,29 +4316,85 @@
               </a:defRPr>
             </a:pPr>
             <a:r>
-              <a:t>    기준을 설정</a:t>
-            </a:r>
-            <a:r>
-              <a:t>하여</a:t>
-            </a:r>
-            <a:r>
-              <a:t> </a:t>
-            </a:r>
-            <a:r>
-              <a:rPr b="1"/>
-              <a:t>총 4가지의 얼굴형</a:t>
-            </a:r>
-            <a:r>
-              <a:t>으로 구분 </a:t>
-            </a:r>
-            <a:endParaRPr sz="2000"/>
-          </a:p>
-          <a:p>
-            <a:pPr>
+              <a:rPr b="0">
+                <a:latin typeface="Wingdings"/>
+                <a:ea typeface="Wingdings"/>
+                <a:cs typeface="Wingdings"/>
+                <a:sym typeface="Wingdings"/>
+              </a:rPr>
+              <a:t>     </a:t>
+            </a:r>
+            <a:r>
+              <a:rPr>
+                <a:solidFill>
+                  <a:srgbClr val="1F1F1F"/>
+                </a:solidFill>
+              </a:rPr>
+              <a:t>각진형</a:t>
+            </a:r>
+            <a:r>
+              <a:rPr>
+                <a:solidFill>
+                  <a:srgbClr val="1F1F1F"/>
+                </a:solidFill>
+              </a:rPr>
+              <a:t>, </a:t>
+            </a:r>
+            <a:r>
+              <a:rPr>
+                <a:solidFill>
+                  <a:srgbClr val="1F1F1F"/>
+                </a:solidFill>
+              </a:rPr>
+              <a:t>계란형</a:t>
+            </a:r>
+            <a:r>
+              <a:rPr>
+                <a:solidFill>
+                  <a:srgbClr val="1F1F1F"/>
+                </a:solidFill>
+              </a:rPr>
+              <a:t>, </a:t>
+            </a:r>
+            <a:r>
+              <a:rPr>
+                <a:solidFill>
+                  <a:srgbClr val="1F1F1F"/>
+                </a:solidFill>
+              </a:rPr>
+              <a:t>둥근형</a:t>
+            </a:r>
+            <a:r>
+              <a:rPr>
+                <a:solidFill>
+                  <a:srgbClr val="1F1F1F"/>
+                </a:solidFill>
+              </a:rPr>
+              <a:t>, </a:t>
+            </a:r>
+            <a:r>
+              <a:rPr>
+                <a:solidFill>
+                  <a:srgbClr val="1F1F1F"/>
+                </a:solidFill>
+              </a:rPr>
+              <a:t>역삼각형</a:t>
+            </a:r>
+            <a:endParaRPr>
+              <a:solidFill>
+                <a:srgbClr val="1F1F1F"/>
+              </a:solidFill>
+            </a:endParaRPr>
+          </a:p>
+          <a:p>
+            <a:pPr marL="342899" indent="-342899">
               <a:lnSpc>
                 <a:spcPct val="150000"/>
               </a:lnSpc>
-              <a:defRPr b="1" sz="2400">
+              <a:buSzPct val="100000"/>
+              <a:buFont typeface="Arial"/>
+              <a:buChar char="•"/>
+              <a:defRPr sz="3700">
                 <a:solidFill>
                   <a:srgbClr val="838383"/>
                 </a:solidFill>
@@ -4342,70 +4405,25 @@
               </a:defRPr>
             </a:pPr>
             <a:r>
-              <a:rPr b="0">
-                <a:latin typeface="Wingdings"/>
-                <a:ea typeface="Wingdings"/>
-                <a:cs typeface="Wingdings"/>
-                <a:sym typeface="Wingdings"/>
-              </a:rPr>
-              <a:t>     </a:t>
-            </a:r>
-            <a:r>
-              <a:t>각진형</a:t>
-            </a:r>
-            <a:r>
-              <a:t>, </a:t>
-            </a:r>
-            <a:r>
-              <a:t>계란형</a:t>
-            </a:r>
-            <a:r>
-              <a:t>, </a:t>
-            </a:r>
-            <a:r>
-              <a:t>둥근형</a:t>
-            </a:r>
-            <a:r>
-              <a:t>, </a:t>
-            </a:r>
-            <a:r>
-              <a:t>역삼각형</a:t>
-            </a:r>
-          </a:p>
-          <a:p>
-            <a:pPr marL="342900" indent="-342900">
-              <a:lnSpc>
-                <a:spcPct val="150000"/>
-              </a:lnSpc>
-              <a:buSzPct val="100000"/>
-              <a:buFont typeface="Arial"/>
-              <a:buChar char="•"/>
-              <a:defRPr sz="2400">
-                <a:solidFill>
-                  <a:srgbClr val="838383"/>
-                </a:solidFill>
-                <a:latin typeface="+mn-lt"/>
-                <a:ea typeface="+mn-ea"/>
-                <a:cs typeface="+mn-cs"/>
-                <a:sym typeface="Helvetica"/>
-              </a:defRPr>
-            </a:pPr>
-            <a:r>
-              <a:t>설정한 기준을 토대로 수집한 얼굴 사진에 대해 직접 라벨링 진행</a:t>
+              <a:t>설정한 기준을 토대로 수집한 </a:t>
+            </a:r>
+            <a:br/>
+            <a:r>
+              <a:t>얼굴 사진에 대해 직접 라벨링 진행</a:t>
             </a:r>
           </a:p>
         </p:txBody>
       </p:sp>
       <p:sp>
         <p:nvSpPr>
-          <p:cNvPr id="233" name="얼굴 데이터 확보 - Kaggle, Github"/>
+          <p:cNvPr id="232" name="얼굴 데이터 확보 - Kaggle, Github"/>
           <p:cNvSpPr txBox="1"/>
           <p:nvPr/>
         </p:nvSpPr>
         <p:spPr>
           <a:xfrm>
-            <a:off x="2574227" y="3461363"/>
-            <a:ext cx="7717254" cy="653931"/>
+            <a:off x="1101174" y="3447122"/>
+            <a:ext cx="10865766" cy="949338"/>
           </a:xfrm>
           <a:prstGeom prst="rect">
             <a:avLst/>
@@ -4429,7 +4447,7 @@
               <a:lnSpc>
                 <a:spcPct val="100000"/>
               </a:lnSpc>
-              <a:defRPr b="1" sz="3200">
+              <a:defRPr b="1" sz="5000">
                 <a:solidFill>
                   <a:srgbClr val="232323"/>
                 </a:solidFill>
@@ -4460,66 +4478,15 @@
           </a:p>
         </p:txBody>
       </p:sp>
-      <p:sp>
-        <p:nvSpPr>
-          <p:cNvPr id="234" name="Data Labeling"/>
-          <p:cNvSpPr txBox="1"/>
-          <p:nvPr/>
-        </p:nvSpPr>
-        <p:spPr>
-          <a:xfrm>
-            <a:off x="12192000" y="3457237"/>
-            <a:ext cx="5342965" cy="762002"/>
-          </a:xfrm>
-          <a:prstGeom prst="rect">
-            <a:avLst/>
-          </a:prstGeom>
-          <a:ln w="12700">
-            <a:miter lim="400000"/>
-          </a:ln>
-          <a:extLst>
-            <a:ext uri="{C572A759-6A51-4108-AA02-DFA0A04FC94B}">
-              <ma14:wrappingTextBoxFlag xmlns:ma14="http://schemas.microsoft.com/office/mac/drawingml/2011/main" val="1"/>
-            </a:ext>
-          </a:extLst>
-        </p:spPr>
-        <p:txBody>
-          <a:bodyPr lIns="71436" tIns="71436" rIns="71436" bIns="71436">
-            <a:normAutofit fontScale="100000" lnSpcReduction="0"/>
-          </a:bodyPr>
-          <a:lstStyle>
-            <a:lvl1pPr defTabSz="825500">
-              <a:lnSpc>
-                <a:spcPct val="100000"/>
-              </a:lnSpc>
-              <a:defRPr b="1" sz="3200">
-                <a:solidFill>
-                  <a:srgbClr val="232323"/>
-                </a:solidFill>
-                <a:latin typeface="+mn-lt"/>
-                <a:ea typeface="+mn-ea"/>
-                <a:cs typeface="+mn-cs"/>
-                <a:sym typeface="Helvetica"/>
-              </a:defRPr>
-            </a:lvl1pPr>
-          </a:lstStyle>
-          <a:p>
-            <a:pPr/>
-            <a:r>
-              <a:t>Data Labeling</a:t>
-            </a:r>
-          </a:p>
-        </p:txBody>
-      </p:sp>
       <p:grpSp>
         <p:nvGrpSpPr>
-          <p:cNvPr id="241" name="그룹 1"/>
+          <p:cNvPr id="239" name="그룹 1"/>
           <p:cNvGrpSpPr/>
           <p:nvPr/>
         </p:nvGrpSpPr>
         <p:grpSpPr>
           <a:xfrm>
-            <a:off x="2574228" y="7134663"/>
+            <a:off x="2271395" y="8769742"/>
             <a:ext cx="7283014" cy="3377452"/>
             <a:chOff x="0" y="0"/>
             <a:chExt cx="7283013" cy="3377450"/>
@@ -4527,7 +4494,7 @@
         </p:grpSpPr>
         <p:grpSp>
           <p:nvGrpSpPr>
-            <p:cNvPr id="237" name="그룹 16"/>
+            <p:cNvPr id="235" name="그룹 16"/>
             <p:cNvGrpSpPr/>
             <p:nvPr/>
           </p:nvGrpSpPr>
@@ -4541,7 +4508,7 @@
           </p:grpSpPr>
           <p:pic>
             <p:nvPicPr>
-              <p:cNvPr id="235" name="그림 17" descr="그림 17"/>
+              <p:cNvPr id="233" name="그림 17" descr="그림 17"/>
               <p:cNvPicPr>
                 <a:picLocks noChangeAspect="1"/>
               </p:cNvPicPr>
@@ -4581,7 +4548,7 @@
           </p:pic>
           <p:pic>
             <p:nvPicPr>
-              <p:cNvPr id="236" name="그래픽 18" descr="그래픽 18"/>
+              <p:cNvPr id="234" name="그래픽 18" descr="그래픽 18"/>
               <p:cNvPicPr>
                 <a:picLocks noChangeAspect="1"/>
               </p:cNvPicPr>
@@ -4613,7 +4580,7 @@
         </p:grpSp>
         <p:grpSp>
           <p:nvGrpSpPr>
-            <p:cNvPr id="240" name="그룹 19"/>
+            <p:cNvPr id="238" name="그룹 19"/>
             <p:cNvGrpSpPr/>
             <p:nvPr/>
           </p:nvGrpSpPr>
@@ -4627,7 +4594,7 @@
           </p:grpSpPr>
           <p:pic>
             <p:nvPicPr>
-              <p:cNvPr id="238" name="그림 20" descr="그림 20"/>
+              <p:cNvPr id="236" name="그림 20" descr="그림 20"/>
               <p:cNvPicPr>
                 <a:picLocks noChangeAspect="1"/>
               </p:cNvPicPr>
@@ -4667,7 +4634,7 @@
           </p:pic>
           <p:pic>
             <p:nvPicPr>
-              <p:cNvPr id="239" name="그래픽 21" descr="그래픽 21"/>
+              <p:cNvPr id="237" name="그래픽 21" descr="그래픽 21"/>
               <p:cNvPicPr>
                 <a:picLocks noChangeAspect="1"/>
               </p:cNvPicPr>
@@ -4700,21 +4667,21 @@
       </p:grpSp>
       <p:grpSp>
         <p:nvGrpSpPr>
-          <p:cNvPr id="251" name="그룹 12"/>
+          <p:cNvPr id="249" name="그룹 12"/>
           <p:cNvGrpSpPr/>
           <p:nvPr/>
         </p:nvGrpSpPr>
         <p:grpSpPr>
           <a:xfrm>
-            <a:off x="13084029" y="7839012"/>
-            <a:ext cx="8725743" cy="2336363"/>
+            <a:off x="13084029" y="10063609"/>
+            <a:ext cx="8725743" cy="2336362"/>
             <a:chOff x="0" y="0"/>
             <a:chExt cx="8725742" cy="2336361"/>
           </a:xfrm>
         </p:grpSpPr>
         <p:grpSp>
           <p:nvGrpSpPr>
-            <p:cNvPr id="246" name="그룹 10"/>
+            <p:cNvPr id="244" name="그룹 10"/>
             <p:cNvGrpSpPr/>
             <p:nvPr/>
           </p:nvGrpSpPr>
@@ -4728,7 +4695,7 @@
           </p:grpSpPr>
           <p:pic>
             <p:nvPicPr>
-              <p:cNvPr id="242" name="그림 3" descr="그림 3"/>
+              <p:cNvPr id="240" name="그림 3" descr="그림 3"/>
               <p:cNvPicPr>
                 <a:picLocks noChangeAspect="1"/>
               </p:cNvPicPr>
@@ -4759,7 +4726,7 @@
           </p:pic>
           <p:pic>
             <p:nvPicPr>
-              <p:cNvPr id="243" name="그림 5" descr="그림 5"/>
+              <p:cNvPr id="241" name="그림 5" descr="그림 5"/>
               <p:cNvPicPr>
                 <a:picLocks noChangeAspect="1"/>
               </p:cNvPicPr>
@@ -4790,7 +4757,7 @@
           </p:pic>
           <p:pic>
             <p:nvPicPr>
-              <p:cNvPr id="244" name="그림 7" descr="그림 7"/>
+              <p:cNvPr id="242" name="그림 7" descr="그림 7"/>
               <p:cNvPicPr>
                 <a:picLocks noChangeAspect="1"/>
               </p:cNvPicPr>
@@ -4821,7 +4788,7 @@
           </p:pic>
           <p:pic>
             <p:nvPicPr>
-              <p:cNvPr id="245" name="그림 9" descr="그림 9"/>
+              <p:cNvPr id="243" name="그림 9" descr="그림 9"/>
               <p:cNvPicPr>
                 <a:picLocks noChangeAspect="1"/>
               </p:cNvPicPr>
@@ -4853,7 +4820,7 @@
         </p:grpSp>
         <p:sp>
           <p:nvSpPr>
-            <p:cNvPr id="247" name="TextBox 11"/>
+            <p:cNvPr id="245" name="TextBox 11"/>
             <p:cNvSpPr txBox="1"/>
             <p:nvPr/>
           </p:nvSpPr>
@@ -4904,7 +4871,7 @@
         </p:sp>
         <p:sp>
           <p:nvSpPr>
-            <p:cNvPr id="248" name="TextBox 33"/>
+            <p:cNvPr id="246" name="TextBox 33"/>
             <p:cNvSpPr txBox="1"/>
             <p:nvPr/>
           </p:nvSpPr>
@@ -4955,7 +4922,7 @@
         </p:sp>
         <p:sp>
           <p:nvSpPr>
-            <p:cNvPr id="249" name="TextBox 34"/>
+            <p:cNvPr id="247" name="TextBox 34"/>
             <p:cNvSpPr txBox="1"/>
             <p:nvPr/>
           </p:nvSpPr>
@@ -5006,7 +4973,7 @@
         </p:sp>
         <p:sp>
           <p:nvSpPr>
-            <p:cNvPr id="250" name="TextBox 35"/>
+            <p:cNvPr id="248" name="TextBox 35"/>
             <p:cNvSpPr txBox="1"/>
             <p:nvPr/>
           </p:nvSpPr>
@@ -5058,14 +5025,14 @@
       </p:grpSp>
       <p:sp>
         <p:nvSpPr>
-          <p:cNvPr id="252" name="TextBox 13"/>
+          <p:cNvPr id="250" name="TextBox 13"/>
           <p:cNvSpPr txBox="1"/>
           <p:nvPr/>
         </p:nvSpPr>
         <p:spPr>
           <a:xfrm>
-            <a:off x="15615749" y="10639401"/>
-            <a:ext cx="3838433" cy="491243"/>
+            <a:off x="15527684" y="12886078"/>
+            <a:ext cx="3838433" cy="491244"/>
           </a:xfrm>
           <a:prstGeom prst="rect">
             <a:avLst/>
@@ -5107,6 +5074,57 @@
             </a:r>
             <a:r>
               <a:t>]</a:t>
+            </a:r>
+          </a:p>
+        </p:txBody>
+      </p:sp>
+      <p:sp>
+        <p:nvSpPr>
+          <p:cNvPr id="251" name="얼굴 데이터 확보 - Kaggle, Github"/>
+          <p:cNvSpPr txBox="1"/>
+          <p:nvPr/>
+        </p:nvSpPr>
+        <p:spPr>
+          <a:xfrm>
+            <a:off x="15539480" y="3336860"/>
+            <a:ext cx="4314646" cy="904875"/>
+          </a:xfrm>
+          <a:prstGeom prst="rect">
+            <a:avLst/>
+          </a:prstGeom>
+          <a:ln w="12700">
+            <a:miter lim="400000"/>
+          </a:ln>
+          <a:extLst>
+            <a:ext uri="{C572A759-6A51-4108-AA02-DFA0A04FC94B}">
+              <ma14:wrappingTextBoxFlag xmlns:ma14="http://schemas.microsoft.com/office/mac/drawingml/2011/main" val="1"/>
+            </a:ext>
+          </a:extLst>
+        </p:spPr>
+        <p:txBody>
+          <a:bodyPr lIns="71436" tIns="71436" rIns="71436" bIns="71436">
+            <a:spAutoFit/>
+          </a:bodyPr>
+          <a:lstStyle>
+            <a:lvl1pPr defTabSz="800734">
+              <a:lnSpc>
+                <a:spcPct val="100000"/>
+              </a:lnSpc>
+              <a:defRPr b="1" sz="5000">
+                <a:solidFill>
+                  <a:srgbClr val="232323"/>
+                </a:solidFill>
+                <a:latin typeface="+mn-lt"/>
+                <a:ea typeface="+mn-ea"/>
+                <a:cs typeface="+mn-cs"/>
+                <a:sym typeface="Helvetica"/>
+              </a:defRPr>
+            </a:lvl1pPr>
+          </a:lstStyle>
+          <a:p>
+            <a:pPr/>
+            <a:r>
+              <a:t>Data Labeling</a:t>
             </a:r>
           </a:p>
         </p:txBody>
@@ -5139,7 +5157,7 @@
       </p:grpSpPr>
       <p:sp>
         <p:nvSpPr>
-          <p:cNvPr id="254" name="슬라이드 번호"/>
+          <p:cNvPr id="253" name="슬라이드 번호"/>
           <p:cNvSpPr txBox="1"/>
           <p:nvPr>
             <p:ph type="sldNum" sz="quarter" idx="4294967295"/>
@@ -5170,7 +5188,7 @@
       </p:sp>
       <p:sp>
         <p:nvSpPr>
-          <p:cNvPr id="255" name="주요 기능 - Data Labeling &amp; Data Processing"/>
+          <p:cNvPr id="254" name="주요 기능 - Data Labeling &amp; Data Processing"/>
           <p:cNvSpPr txBox="1"/>
           <p:nvPr>
             <p:ph type="title"/>
@@ -5201,7 +5219,7 @@
       </p:sp>
       <p:sp>
         <p:nvSpPr>
-          <p:cNvPr id="256" name="선"/>
+          <p:cNvPr id="255" name="선"/>
           <p:cNvSpPr/>
           <p:nvPr/>
         </p:nvSpPr>
@@ -5236,14 +5254,14 @@
       </p:sp>
       <p:sp>
         <p:nvSpPr>
-          <p:cNvPr id="257" name="얼굴 데이터 확보 - Kaggle, Github"/>
+          <p:cNvPr id="256" name="얼굴 데이터 확보 - Kaggle, Github"/>
           <p:cNvSpPr txBox="1"/>
           <p:nvPr/>
         </p:nvSpPr>
         <p:spPr>
           <a:xfrm>
-            <a:off x="2574227" y="3461363"/>
-            <a:ext cx="7717254" cy="625475"/>
+            <a:off x="4888575" y="3566243"/>
+            <a:ext cx="3821866" cy="904875"/>
           </a:xfrm>
           <a:prstGeom prst="rect">
             <a:avLst/>
@@ -5266,7 +5284,7 @@
               <a:lnSpc>
                 <a:spcPct val="100000"/>
               </a:lnSpc>
-              <a:defRPr b="1" sz="3200">
+              <a:defRPr b="1" sz="5000">
                 <a:solidFill>
                   <a:srgbClr val="232323"/>
                 </a:solidFill>
@@ -5287,14 +5305,14 @@
       </p:sp>
       <p:sp>
         <p:nvSpPr>
-          <p:cNvPr id="258" name="Data Labeling"/>
+          <p:cNvPr id="257" name="모델 학습 시, 방해가 되는 특징점을 제거하기 위해서 OpenCV를 이용하여 얼굴만 추출"/>
           <p:cNvSpPr txBox="1"/>
           <p:nvPr/>
         </p:nvSpPr>
         <p:spPr>
           <a:xfrm>
-            <a:off x="12192000" y="3457237"/>
-            <a:ext cx="5342965" cy="762002"/>
+            <a:off x="2015088" y="5473854"/>
+            <a:ext cx="9568840" cy="2223461"/>
           </a:xfrm>
           <a:prstGeom prst="rect">
             <a:avLst/>
@@ -5309,18 +5327,21 @@
           </a:extLst>
         </p:spPr>
         <p:txBody>
-          <a:bodyPr lIns="71436" tIns="71436" rIns="71436" bIns="71436">
+          <a:bodyPr lIns="50800" tIns="50800" rIns="50800" bIns="50800">
             <a:normAutofit fontScale="100000" lnSpcReduction="0"/>
           </a:bodyPr>
           <a:lstStyle/>
           <a:p>
-            <a:pPr defTabSz="825500">
+            <a:pPr marL="342900" indent="-342900">
               <a:lnSpc>
-                <a:spcPct val="100000"/>
+                <a:spcPct val="150000"/>
               </a:lnSpc>
-              <a:defRPr b="1" sz="3200">
+              <a:buSzPct val="100000"/>
+              <a:buFont typeface="Arial"/>
+              <a:buChar char="•"/>
+              <a:defRPr sz="4000">
                 <a:solidFill>
-                  <a:srgbClr val="232323"/>
+                  <a:srgbClr val="838383"/>
                 </a:solidFill>
                 <a:latin typeface="+mn-lt"/>
                 <a:ea typeface="+mn-ea"/>
@@ -5329,24 +5350,32 @@
               </a:defRPr>
             </a:pPr>
             <a:r>
-              <a:t>Data </a:t>
-            </a:r>
-            <a:r>
-              <a:t>Augmentaion</a:t>
+              <a:t>모델 학습 시, </a:t>
+            </a:r>
+            <a:r>
+              <a:rPr b="1">
+                <a:solidFill>
+                  <a:srgbClr val="000000"/>
+                </a:solidFill>
+              </a:rPr>
+              <a:t>방해가 되는 특징점을 제거</a:t>
+            </a:r>
+            <a:r>
+              <a:t>하기 위해서 OpenCV를 이용하여 얼굴만 추출</a:t>
             </a:r>
           </a:p>
         </p:txBody>
       </p:sp>
       <p:sp>
         <p:nvSpPr>
-          <p:cNvPr id="259" name="모델 학습 시, 방해가 되는 특징점을 제거하기 위해서 OpenCV를 이용하여 얼굴만 추출"/>
+          <p:cNvPr id="258" name="Overfitting 방지 및 모델 성능 향상을  위해 Keras의 ImageDataGenerator를 사용한다. 좌우 반전, 좌우 이동, 밝기 조절, 정규화 이미지로 데이터를 추가 확보한다."/>
           <p:cNvSpPr txBox="1"/>
           <p:nvPr/>
         </p:nvSpPr>
         <p:spPr>
           <a:xfrm>
-            <a:off x="2574227" y="5142141"/>
-            <a:ext cx="6677349" cy="2069110"/>
+            <a:off x="13423570" y="5385170"/>
+            <a:ext cx="8975825" cy="2400828"/>
           </a:xfrm>
           <a:prstGeom prst="rect">
             <a:avLst/>
@@ -5366,14 +5395,14 @@
           </a:bodyPr>
           <a:lstStyle/>
           <a:p>
-            <a:pPr marL="342900" indent="-342900">
+            <a:pPr marL="305180" indent="-305180" defTabSz="2170120">
               <a:lnSpc>
                 <a:spcPct val="150000"/>
               </a:lnSpc>
               <a:buSzPct val="100000"/>
               <a:buFont typeface="Arial"/>
               <a:buChar char="•"/>
-              <a:defRPr sz="2400">
+              <a:defRPr sz="3559">
                 <a:solidFill>
                   <a:srgbClr val="838383"/>
                 </a:solidFill>
@@ -5384,76 +5413,30 @@
               </a:defRPr>
             </a:pPr>
             <a:r>
-              <a:t>모델 학습 시, </a:t>
-            </a:r>
-            <a:r>
-              <a:rPr b="1"/>
-              <a:t>방해가 되는 특징점을 제거</a:t>
-            </a:r>
-            <a:r>
-              <a:t>하기 위해서 OpenCV를 이용하여 얼굴만 추출</a:t>
-            </a:r>
-          </a:p>
-        </p:txBody>
-      </p:sp>
-      <p:sp>
-        <p:nvSpPr>
-          <p:cNvPr id="260" name="Overfitting 방지 및 모델 성능 향상을  위해 Keras의 ImageDataGenerator를 사용한다. 좌우 반전, 좌우 이동, 밝기 조절, 정규화 이미지로 데이터를 추가 확보한다."/>
-          <p:cNvSpPr txBox="1"/>
-          <p:nvPr/>
-        </p:nvSpPr>
-        <p:spPr>
-          <a:xfrm>
-            <a:off x="12340170" y="4976281"/>
-            <a:ext cx="8325271" cy="2400828"/>
-          </a:xfrm>
-          <a:prstGeom prst="rect">
-            <a:avLst/>
-          </a:prstGeom>
-          <a:ln w="12700">
-            <a:miter lim="400000"/>
-          </a:ln>
-          <a:extLst>
-            <a:ext uri="{C572A759-6A51-4108-AA02-DFA0A04FC94B}">
-              <ma14:wrappingTextBoxFlag xmlns:ma14="http://schemas.microsoft.com/office/mac/drawingml/2011/main" val="1"/>
-            </a:ext>
-          </a:extLst>
-        </p:spPr>
-        <p:txBody>
-          <a:bodyPr lIns="50800" tIns="50800" rIns="50800" bIns="50800">
-            <a:normAutofit fontScale="100000" lnSpcReduction="0"/>
-          </a:bodyPr>
-          <a:lstStyle/>
-          <a:p>
-            <a:pPr marL="342900" indent="-342900">
-              <a:lnSpc>
-                <a:spcPct val="150000"/>
-              </a:lnSpc>
-              <a:buSzPct val="100000"/>
-              <a:buFont typeface="Arial"/>
-              <a:buChar char="•"/>
-              <a:defRPr sz="2400">
+              <a:t>라벨링한 원본 이미지에 좌우 반전과 밝기 조절, 정규화를 적용하여 </a:t>
+            </a:r>
+            <a:r>
+              <a:rPr b="1">
                 <a:solidFill>
-                  <a:srgbClr val="838383"/>
+                  <a:srgbClr val="000000"/>
                 </a:solidFill>
-                <a:latin typeface="+mn-lt"/>
-                <a:ea typeface="+mn-ea"/>
-                <a:cs typeface="+mn-cs"/>
-                <a:sym typeface="Helvetica"/>
-              </a:defRPr>
-            </a:pPr>
-            <a:r>
-              <a:t>라벨링한 원본 이미지에 좌우 반전과 밝기 조절, 정규화를 적용하여 </a:t>
-            </a:r>
-            <a:r>
-              <a:rPr b="1"/>
+              </a:rPr>
               <a:t>정확하고 신뢰할 수 있는</a:t>
             </a:r>
             <a:r>
+              <a:rPr>
+                <a:solidFill>
+                  <a:srgbClr val="000000"/>
+                </a:solidFill>
+              </a:rPr>
               <a:t> </a:t>
             </a:r>
             <a:r>
-              <a:rPr b="1"/>
+              <a:rPr b="1">
+                <a:solidFill>
+                  <a:srgbClr val="000000"/>
+                </a:solidFill>
+              </a:rPr>
               <a:t>데이터를 추가 확보</a:t>
             </a:r>
           </a:p>
@@ -5461,21 +5444,21 @@
       </p:sp>
       <p:grpSp>
         <p:nvGrpSpPr>
-          <p:cNvPr id="264" name="그룹 25"/>
+          <p:cNvPr id="262" name="그룹 25"/>
           <p:cNvGrpSpPr/>
           <p:nvPr/>
         </p:nvGrpSpPr>
         <p:grpSpPr>
           <a:xfrm>
-            <a:off x="2779723" y="7211252"/>
-            <a:ext cx="5790538" cy="2974172"/>
+            <a:off x="2980499" y="8700050"/>
+            <a:ext cx="7638018" cy="3923086"/>
             <a:chOff x="0" y="0"/>
-            <a:chExt cx="5790537" cy="2974170"/>
+            <a:chExt cx="7638017" cy="3923084"/>
           </a:xfrm>
         </p:grpSpPr>
         <p:pic>
           <p:nvPicPr>
-            <p:cNvPr id="261" name="그림 26" descr="그림 26"/>
+            <p:cNvPr id="259" name="그림 26" descr="그림 26"/>
             <p:cNvPicPr>
               <a:picLocks noChangeAspect="1"/>
             </p:cNvPicPr>
@@ -5491,8 +5474,8 @@
           </p:blipFill>
           <p:spPr>
             <a:xfrm flipH="1">
-              <a:off x="3388480" y="447093"/>
-              <a:ext cx="2402058" cy="2262231"/>
+              <a:off x="4469580" y="589739"/>
+              <a:ext cx="3168438" cy="2983999"/>
             </a:xfrm>
             <a:prstGeom prst="rect">
               <a:avLst/>
@@ -5512,7 +5495,7 @@
         </p:pic>
         <p:pic>
           <p:nvPicPr>
-            <p:cNvPr id="262" name="그림 27" descr="그림 27"/>
+            <p:cNvPr id="260" name="그림 27" descr="그림 27"/>
             <p:cNvPicPr>
               <a:picLocks noChangeAspect="1"/>
             </p:cNvPicPr>
@@ -5529,7 +5512,7 @@
           <p:spPr>
             <a:xfrm>
               <a:off x="0" y="0"/>
-              <a:ext cx="2522839" cy="2974171"/>
+              <a:ext cx="3327754" cy="3923085"/>
             </a:xfrm>
             <a:prstGeom prst="rect">
               <a:avLst/>
@@ -5549,14 +5532,14 @@
         </p:pic>
         <p:sp>
           <p:nvSpPr>
-            <p:cNvPr id="263" name="화살표: 아래쪽 28"/>
+            <p:cNvPr id="261" name="화살표: 아래쪽 28"/>
             <p:cNvSpPr/>
             <p:nvPr/>
           </p:nvSpPr>
           <p:spPr>
             <a:xfrm rot="16200000">
-              <a:off x="2816339" y="1322885"/>
-              <a:ext cx="332542" cy="510651"/>
+              <a:off x="3714897" y="1744953"/>
+              <a:ext cx="438640" cy="673575"/>
             </a:xfrm>
             <a:custGeom>
               <a:avLst/>
@@ -5633,6 +5616,57 @@
           </p:txBody>
         </p:sp>
       </p:grpSp>
+      <p:sp>
+        <p:nvSpPr>
+          <p:cNvPr id="263" name="얼굴 데이터 확보 - Kaggle, Github"/>
+          <p:cNvSpPr txBox="1"/>
+          <p:nvPr/>
+        </p:nvSpPr>
+        <p:spPr>
+          <a:xfrm>
+            <a:off x="14934069" y="3566243"/>
+            <a:ext cx="5954827" cy="904875"/>
+          </a:xfrm>
+          <a:prstGeom prst="rect">
+            <a:avLst/>
+          </a:prstGeom>
+          <a:ln w="12700">
+            <a:miter lim="400000"/>
+          </a:ln>
+          <a:extLst>
+            <a:ext uri="{C572A759-6A51-4108-AA02-DFA0A04FC94B}">
+              <ma14:wrappingTextBoxFlag xmlns:ma14="http://schemas.microsoft.com/office/mac/drawingml/2011/main" val="1"/>
+            </a:ext>
+          </a:extLst>
+        </p:spPr>
+        <p:txBody>
+          <a:bodyPr lIns="71436" tIns="71436" rIns="71436" bIns="71436">
+            <a:spAutoFit/>
+          </a:bodyPr>
+          <a:lstStyle>
+            <a:lvl1pPr defTabSz="800734">
+              <a:lnSpc>
+                <a:spcPct val="100000"/>
+              </a:lnSpc>
+              <a:defRPr b="1" sz="5000">
+                <a:solidFill>
+                  <a:srgbClr val="232323"/>
+                </a:solidFill>
+                <a:latin typeface="+mn-lt"/>
+                <a:ea typeface="+mn-ea"/>
+                <a:cs typeface="+mn-cs"/>
+                <a:sym typeface="Helvetica"/>
+              </a:defRPr>
+            </a:lvl1pPr>
+          </a:lstStyle>
+          <a:p>
+            <a:pPr/>
+            <a:r>
+              <a:t>Data Augmentation</a:t>
+            </a:r>
+          </a:p>
+        </p:txBody>
+      </p:sp>
     </p:spTree>
   </p:cSld>
   <p:clrMapOvr>
@@ -5661,7 +5695,7 @@
       </p:grpSpPr>
       <p:sp>
         <p:nvSpPr>
-          <p:cNvPr id="266" name="슬라이드 번호"/>
+          <p:cNvPr id="265" name="슬라이드 번호"/>
           <p:cNvSpPr txBox="1"/>
           <p:nvPr>
             <p:ph type="sldNum" sz="quarter" idx="4294967295"/>
@@ -5692,7 +5726,7 @@
       </p:sp>
       <p:sp>
         <p:nvSpPr>
-          <p:cNvPr id="267" name="주요 기능 - 얼굴형 판단"/>
+          <p:cNvPr id="266" name="주요 기능 - 얼굴형 판단"/>
           <p:cNvSpPr txBox="1"/>
           <p:nvPr>
             <p:ph type="title"/>
@@ -5726,7 +5760,7 @@
       </p:sp>
       <p:sp>
         <p:nvSpPr>
-          <p:cNvPr id="268" name="선"/>
+          <p:cNvPr id="267" name="선"/>
           <p:cNvSpPr/>
           <p:nvPr/>
         </p:nvSpPr>
@@ -5761,21 +5795,21 @@
       </p:sp>
       <p:grpSp>
         <p:nvGrpSpPr>
-          <p:cNvPr id="281" name="다이어그램 6"/>
+          <p:cNvPr id="280" name="다이어그램 6"/>
           <p:cNvGrpSpPr/>
           <p:nvPr/>
         </p:nvGrpSpPr>
         <p:grpSpPr>
           <a:xfrm>
-            <a:off x="1449923" y="3016158"/>
-            <a:ext cx="17574962" cy="8189680"/>
+            <a:off x="3404519" y="3016157"/>
+            <a:ext cx="17574962" cy="8559770"/>
             <a:chOff x="0" y="0"/>
-            <a:chExt cx="17574961" cy="8189679"/>
+            <a:chExt cx="17574961" cy="8559768"/>
           </a:xfrm>
         </p:grpSpPr>
         <p:grpSp>
           <p:nvGrpSpPr>
-            <p:cNvPr id="271" name="그룹"/>
+            <p:cNvPr id="270" name="그룹"/>
             <p:cNvGrpSpPr/>
             <p:nvPr/>
           </p:nvGrpSpPr>
@@ -5789,7 +5823,7 @@
           </p:grpSpPr>
           <p:sp>
             <p:nvSpPr>
-              <p:cNvPr id="269" name="모서리가 둥근 직사각형"/>
+              <p:cNvPr id="268" name="모서리가 둥근 직사각형"/>
               <p:cNvSpPr/>
               <p:nvPr/>
             </p:nvSpPr>
@@ -5837,14 +5871,14 @@
           </p:sp>
           <p:sp>
             <p:nvSpPr>
-              <p:cNvPr id="270" name="CNN 모델"/>
+              <p:cNvPr id="269" name="CNN 모델"/>
               <p:cNvSpPr txBox="1"/>
               <p:nvPr/>
             </p:nvSpPr>
             <p:spPr>
               <a:xfrm>
                 <a:off x="42950" y="89399"/>
-                <a:ext cx="17489062" cy="701042"/>
+                <a:ext cx="17489062" cy="701041"/>
               </a:xfrm>
               <a:prstGeom prst="rect">
                 <a:avLst/>
@@ -5863,11 +5897,11 @@
             </p:spPr>
             <p:txBody>
               <a:bodyPr wrap="square" lIns="121920" tIns="121920" rIns="121920" bIns="121920" numCol="1" anchor="ctr">
-                <a:spAutoFit/>
+                <a:noAutofit/>
               </a:bodyPr>
               <a:lstStyle/>
               <a:p>
-                <a:pPr defTabSz="1422400">
+                <a:pPr algn="ctr" defTabSz="1422400">
                   <a:lnSpc>
                     <a:spcPct val="90000"/>
                   </a:lnSpc>
@@ -5892,14 +5926,14 @@
         </p:grpSp>
         <p:sp>
           <p:nvSpPr>
-            <p:cNvPr id="272" name="Image Classification에 최적화된 신경망 구조…"/>
+            <p:cNvPr id="271" name="Image Classification에 최적화된 신경망 구조…"/>
             <p:cNvSpPr txBox="1"/>
             <p:nvPr/>
           </p:nvSpPr>
           <p:spPr>
             <a:xfrm>
-              <a:off x="527524" y="879839"/>
-              <a:ext cx="16907230" cy="1202945"/>
+              <a:off x="527524" y="990448"/>
+              <a:ext cx="16907230" cy="1202944"/>
             </a:xfrm>
             <a:prstGeom prst="rect">
               <a:avLst/>
@@ -5918,7 +5952,7 @@
           </p:spPr>
           <p:txBody>
             <a:bodyPr wrap="square" lIns="30480" tIns="30480" rIns="30480" bIns="30480" numCol="1" anchor="t">
-              <a:spAutoFit/>
+              <a:noAutofit/>
             </a:bodyPr>
             <a:lstStyle/>
             <a:p>
@@ -5989,7 +6023,7 @@
         </p:sp>
         <p:grpSp>
           <p:nvGrpSpPr>
-            <p:cNvPr id="275" name="그룹"/>
+            <p:cNvPr id="274" name="그룹"/>
             <p:cNvGrpSpPr/>
             <p:nvPr/>
           </p:nvGrpSpPr>
@@ -6003,7 +6037,7 @@
           </p:grpSpPr>
           <p:sp>
             <p:nvSpPr>
-              <p:cNvPr id="273" name="모서리가 둥근 직사각형"/>
+              <p:cNvPr id="272" name="모서리가 둥근 직사각형"/>
               <p:cNvSpPr/>
               <p:nvPr/>
             </p:nvSpPr>
@@ -6051,7 +6085,7 @@
           </p:sp>
           <p:sp>
             <p:nvSpPr>
-              <p:cNvPr id="274" name="선택 모델"/>
+              <p:cNvPr id="273" name="선택 모델"/>
               <p:cNvSpPr txBox="1"/>
               <p:nvPr/>
             </p:nvSpPr>
@@ -6077,10 +6111,10 @@
             </p:spPr>
             <p:txBody>
               <a:bodyPr wrap="square" lIns="121920" tIns="121920" rIns="121920" bIns="121920" numCol="1" anchor="ctr">
-                <a:spAutoFit/>
+                <a:noAutofit/>
               </a:bodyPr>
               <a:lstStyle>
-                <a:lvl1pPr defTabSz="1422400">
+                <a:lvl1pPr algn="ctr" defTabSz="1422400">
                   <a:lnSpc>
                     <a:spcPct val="90000"/>
                   </a:lnSpc>
@@ -6105,14 +6139,14 @@
         </p:grpSp>
         <p:sp>
           <p:nvSpPr>
-            <p:cNvPr id="276" name="VGGNet(VGG16)…"/>
+            <p:cNvPr id="275" name="VGGNet(VGG16)…"/>
             <p:cNvSpPr txBox="1"/>
             <p:nvPr/>
           </p:nvSpPr>
           <p:spPr>
             <a:xfrm>
-              <a:off x="527524" y="3183839"/>
-              <a:ext cx="16907230" cy="2969261"/>
+              <a:off x="333866" y="3553929"/>
+              <a:ext cx="16907229" cy="2969261"/>
             </a:xfrm>
             <a:prstGeom prst="rect">
               <a:avLst/>
@@ -6131,7 +6165,7 @@
           </p:spPr>
           <p:txBody>
             <a:bodyPr wrap="square" lIns="30480" tIns="30480" rIns="30480" bIns="30480" numCol="1" anchor="t">
-              <a:spAutoFit/>
+              <a:noAutofit/>
             </a:bodyPr>
             <a:lstStyle/>
             <a:p>
@@ -6155,7 +6189,7 @@
               </a:r>
             </a:p>
             <a:p>
-              <a:pPr lvl="2" marL="457200" indent="-228600" defTabSz="977900">
+              <a:pPr lvl="2" marL="457200" indent="-228600" defTabSz="1066800">
                 <a:lnSpc>
                   <a:spcPct val="90000"/>
                 </a:lnSpc>
@@ -6164,7 +6198,7 @@
                 </a:spcBef>
                 <a:buSzPct val="100000"/>
                 <a:buChar char="•"/>
-                <a:defRPr b="1" sz="2200">
+                <a:defRPr b="1" sz="2400">
                   <a:solidFill>
                     <a:srgbClr val="818779"/>
                   </a:solidFill>
@@ -6284,7 +6318,7 @@
         </p:sp>
         <p:grpSp>
           <p:nvGrpSpPr>
-            <p:cNvPr id="279" name="그룹"/>
+            <p:cNvPr id="278" name="그룹"/>
             <p:cNvGrpSpPr/>
             <p:nvPr/>
           </p:nvGrpSpPr>
@@ -6298,7 +6332,7 @@
           </p:grpSpPr>
           <p:sp>
             <p:nvSpPr>
-              <p:cNvPr id="277" name="모서리가 둥근 직사각형"/>
+              <p:cNvPr id="276" name="모서리가 둥근 직사각형"/>
               <p:cNvSpPr/>
               <p:nvPr/>
             </p:nvSpPr>
@@ -6346,7 +6380,7 @@
           </p:sp>
           <p:sp>
             <p:nvSpPr>
-              <p:cNvPr id="278" name="학습 진행"/>
+              <p:cNvPr id="277" name="학습 진행"/>
               <p:cNvSpPr txBox="1"/>
               <p:nvPr/>
             </p:nvSpPr>
@@ -6372,11 +6406,11 @@
             </p:spPr>
             <p:txBody>
               <a:bodyPr wrap="square" lIns="121920" tIns="121920" rIns="121920" bIns="121920" numCol="1" anchor="ctr">
-                <a:spAutoFit/>
+                <a:noAutofit/>
               </a:bodyPr>
               <a:lstStyle/>
               <a:p>
-                <a:pPr defTabSz="1422400">
+                <a:pPr algn="ctr" defTabSz="1422400">
                   <a:lnSpc>
                     <a:spcPct val="90000"/>
                   </a:lnSpc>
@@ -6404,14 +6438,14 @@
         </p:grpSp>
         <p:sp>
           <p:nvSpPr>
-            <p:cNvPr id="280" name="Transfer Learning"/>
+            <p:cNvPr id="279" name="Transfer Learning"/>
             <p:cNvSpPr txBox="1"/>
             <p:nvPr/>
           </p:nvSpPr>
           <p:spPr>
             <a:xfrm>
-              <a:off x="527524" y="7773119"/>
-              <a:ext cx="16907230" cy="416561"/>
+              <a:off x="333866" y="8143208"/>
+              <a:ext cx="16907229" cy="416561"/>
             </a:xfrm>
             <a:prstGeom prst="rect">
               <a:avLst/>
@@ -6430,7 +6464,7 @@
           </p:spPr>
           <p:txBody>
             <a:bodyPr wrap="square" lIns="30480" tIns="30480" rIns="30480" bIns="30480" numCol="1" anchor="t">
-              <a:spAutoFit/>
+              <a:noAutofit/>
             </a:bodyPr>
             <a:lstStyle/>
             <a:p>
@@ -6458,13 +6492,13 @@
       </p:grpSp>
       <p:grpSp>
         <p:nvGrpSpPr>
-          <p:cNvPr id="286" name="그룹 7"/>
+          <p:cNvPr id="285" name="그룹 7"/>
           <p:cNvGrpSpPr/>
           <p:nvPr/>
         </p:nvGrpSpPr>
         <p:grpSpPr>
           <a:xfrm>
-            <a:off x="1412865" y="11377156"/>
+            <a:off x="3404519" y="11445259"/>
             <a:ext cx="17574962" cy="2130253"/>
             <a:chOff x="0" y="0"/>
             <a:chExt cx="17574961" cy="2130252"/>
@@ -6472,7 +6506,7 @@
         </p:grpSpPr>
         <p:grpSp>
           <p:nvGrpSpPr>
-            <p:cNvPr id="284" name="그룹 8"/>
+            <p:cNvPr id="283" name="그룹 8"/>
             <p:cNvGrpSpPr/>
             <p:nvPr/>
           </p:nvGrpSpPr>
@@ -6486,7 +6520,7 @@
           </p:grpSpPr>
           <p:sp>
             <p:nvSpPr>
-              <p:cNvPr id="282" name="TextBox 10"/>
+              <p:cNvPr id="281" name="TextBox 10"/>
               <p:cNvSpPr txBox="1"/>
               <p:nvPr/>
             </p:nvSpPr>
@@ -6537,7 +6571,7 @@
           </p:sp>
           <p:sp>
             <p:nvSpPr>
-              <p:cNvPr id="283" name="화살표: 오른쪽 11"/>
+              <p:cNvPr id="282" name="화살표: 오른쪽 11"/>
               <p:cNvSpPr/>
               <p:nvPr/>
             </p:nvSpPr>
@@ -6583,7 +6617,7 @@
         </p:grpSp>
         <p:sp>
           <p:nvSpPr>
-            <p:cNvPr id="285" name="순서도: 대체 처리 9"/>
+            <p:cNvPr id="284" name="순서도: 대체 처리 9"/>
             <p:cNvSpPr/>
             <p:nvPr/>
           </p:nvSpPr>
@@ -6704,7 +6738,7 @@
       </p:grpSpPr>
       <p:sp>
         <p:nvSpPr>
-          <p:cNvPr id="288" name="슬라이드 번호"/>
+          <p:cNvPr id="287" name="슬라이드 번호"/>
           <p:cNvSpPr txBox="1"/>
           <p:nvPr>
             <p:ph type="sldNum" sz="quarter" idx="4294967295"/>
@@ -6735,7 +6769,7 @@
       </p:sp>
       <p:sp>
         <p:nvSpPr>
-          <p:cNvPr id="289" name="주요 기능 - VGGNet &amp; Mobile Net V2"/>
+          <p:cNvPr id="288" name="주요 기능 - VGGNet &amp; Mobile Net V2"/>
           <p:cNvSpPr txBox="1"/>
           <p:nvPr>
             <p:ph type="title"/>
@@ -6762,14 +6796,14 @@
               <a:t>– </a:t>
             </a:r>
             <a:r>
-              <a:t>모델 평가 기준</a:t>
+              <a:t>모델 학습 결과</a:t>
             </a:r>
           </a:p>
         </p:txBody>
       </p:sp>
       <p:sp>
         <p:nvSpPr>
-          <p:cNvPr id="290" name="선"/>
+          <p:cNvPr id="289" name="선"/>
           <p:cNvSpPr/>
           <p:nvPr/>
         </p:nvSpPr>
@@ -6804,14 +6838,14 @@
       </p:sp>
       <p:sp>
         <p:nvSpPr>
-          <p:cNvPr id="291" name="TextBox 1"/>
+          <p:cNvPr id="290" name="TextBox 1"/>
           <p:cNvSpPr txBox="1"/>
           <p:nvPr/>
         </p:nvSpPr>
         <p:spPr>
           <a:xfrm>
-            <a:off x="1783976" y="2713273"/>
-            <a:ext cx="20816046" cy="5876539"/>
+            <a:off x="1511524" y="3158338"/>
+            <a:ext cx="14856236" cy="8598390"/>
           </a:xfrm>
           <a:prstGeom prst="rect">
             <a:avLst/>
@@ -6831,10 +6865,169 @@
           </a:bodyPr>
           <a:lstStyle/>
           <a:p>
-            <a:pPr marL="342900" indent="-342900">
+            <a:pPr marL="428625" indent="-428625">
               <a:buSzPct val="100000"/>
               <a:buFont typeface="Arial"/>
               <a:buChar char="•"/>
+              <a:defRPr b="1" sz="3200">
+                <a:solidFill>
+                  <a:srgbClr val="818779"/>
+                </a:solidFill>
+                <a:latin typeface="+mn-lt"/>
+                <a:ea typeface="+mn-ea"/>
+                <a:cs typeface="+mn-cs"/>
+                <a:sym typeface="Helvetica"/>
+              </a:defRPr>
+            </a:pPr>
+            <a:r>
+              <a:rPr sz="4000"/>
+              <a:t>VGG16</a:t>
+            </a:r>
+            <a:r>
+              <a:rPr b="0" sz="2000"/>
+              <a:t>		</a:t>
+            </a:r>
+          </a:p>
+          <a:p>
+            <a:pPr lvl="1">
+              <a:defRPr sz="2900">
+                <a:solidFill>
+                  <a:srgbClr val="818779"/>
+                </a:solidFill>
+                <a:latin typeface="+mn-lt"/>
+                <a:ea typeface="+mn-ea"/>
+                <a:cs typeface="+mn-cs"/>
+                <a:sym typeface="Helvetica"/>
+              </a:defRPr>
+            </a:pPr>
+            <a:r>
+              <a:t>- Training Set Accuracy</a:t>
+            </a:r>
+            <a:r>
+              <a:t>는 약 </a:t>
+            </a:r>
+            <a:r>
+              <a:t>100%</a:t>
+            </a:r>
+          </a:p>
+          <a:p>
+            <a:pPr lvl="1">
+              <a:defRPr sz="2900">
+                <a:solidFill>
+                  <a:srgbClr val="818779"/>
+                </a:solidFill>
+                <a:latin typeface="+mn-lt"/>
+                <a:ea typeface="+mn-ea"/>
+                <a:cs typeface="+mn-cs"/>
+                <a:sym typeface="Helvetica"/>
+              </a:defRPr>
+            </a:pPr>
+            <a:r>
+              <a:t>- Test Set Accuracy</a:t>
+            </a:r>
+            <a:r>
+              <a:t>는 약 </a:t>
+            </a:r>
+            <a:r>
+              <a:t>60~65%</a:t>
+            </a:r>
+          </a:p>
+          <a:p>
+            <a:pPr lvl="1">
+              <a:defRPr sz="2000">
+                <a:solidFill>
+                  <a:srgbClr val="818779"/>
+                </a:solidFill>
+                <a:latin typeface="+mn-lt"/>
+                <a:ea typeface="+mn-ea"/>
+                <a:cs typeface="+mn-cs"/>
+                <a:sym typeface="Helvetica"/>
+              </a:defRPr>
+            </a:pPr>
+          </a:p>
+          <a:p>
+            <a:pPr lvl="1">
+              <a:defRPr sz="2000">
+                <a:solidFill>
+                  <a:srgbClr val="818779"/>
+                </a:solidFill>
+                <a:latin typeface="+mn-lt"/>
+                <a:ea typeface="+mn-ea"/>
+                <a:cs typeface="+mn-cs"/>
+                <a:sym typeface="Helvetica"/>
+              </a:defRPr>
+            </a:pPr>
+          </a:p>
+          <a:p>
+            <a:pPr marL="428625" indent="-428625">
+              <a:buSzPct val="100000"/>
+              <a:buFont typeface="Arial"/>
+              <a:buChar char="•"/>
+              <a:defRPr b="1" sz="3200">
+                <a:solidFill>
+                  <a:srgbClr val="818779"/>
+                </a:solidFill>
+                <a:latin typeface="+mn-lt"/>
+                <a:ea typeface="+mn-ea"/>
+                <a:cs typeface="+mn-cs"/>
+                <a:sym typeface="Helvetica"/>
+              </a:defRPr>
+            </a:pPr>
+            <a:r>
+              <a:rPr sz="4000"/>
+              <a:t>MobileNet V2</a:t>
+            </a:r>
+            <a:r>
+              <a:rPr b="0" sz="2000"/>
+              <a:t>		</a:t>
+            </a:r>
+          </a:p>
+          <a:p>
+            <a:pPr lvl="1">
+              <a:defRPr sz="2900">
+                <a:solidFill>
+                  <a:srgbClr val="818779"/>
+                </a:solidFill>
+                <a:latin typeface="+mn-lt"/>
+                <a:ea typeface="+mn-ea"/>
+                <a:cs typeface="+mn-cs"/>
+                <a:sym typeface="Helvetica"/>
+              </a:defRPr>
+            </a:pPr>
+            <a:r>
+              <a:t>- Training Set Accuracy</a:t>
+            </a:r>
+            <a:r>
+              <a:t>는 약 </a:t>
+            </a:r>
+            <a:r>
+              <a:t>100%</a:t>
+            </a:r>
+          </a:p>
+          <a:p>
+            <a:pPr lvl="1">
+              <a:defRPr sz="2900">
+                <a:solidFill>
+                  <a:srgbClr val="818779"/>
+                </a:solidFill>
+                <a:latin typeface="+mn-lt"/>
+                <a:ea typeface="+mn-ea"/>
+                <a:cs typeface="+mn-cs"/>
+                <a:sym typeface="Helvetica"/>
+              </a:defRPr>
+            </a:pPr>
+            <a:r>
+              <a:t>- Test Set Accuracy</a:t>
+            </a:r>
+            <a:r>
+              <a:t>는 약 </a:t>
+            </a:r>
+            <a:r>
+              <a:t>60~75%</a:t>
+            </a:r>
+          </a:p>
+          <a:p>
+            <a:pPr lvl="1">
               <a:defRPr b="1" sz="2400">
                 <a:solidFill>
                   <a:srgbClr val="818779"/>
@@ -6845,9 +7038,96 @@
                 <a:sym typeface="Helvetica"/>
               </a:defRPr>
             </a:pPr>
-            <a:r>
-              <a:t>Training Set</a:t>
-            </a:r>
+          </a:p>
+          <a:p>
+            <a:pPr lvl="1">
+              <a:defRPr b="1" sz="2400">
+                <a:solidFill>
+                  <a:srgbClr val="818779"/>
+                </a:solidFill>
+                <a:latin typeface="+mn-lt"/>
+                <a:ea typeface="+mn-ea"/>
+                <a:cs typeface="+mn-cs"/>
+                <a:sym typeface="Helvetica"/>
+              </a:defRPr>
+            </a:pPr>
+          </a:p>
+          <a:p>
+            <a:pPr marL="428625" indent="-428625">
+              <a:buSzPct val="100000"/>
+              <a:buFont typeface="Arial"/>
+              <a:buChar char="•"/>
+              <a:defRPr b="1" sz="3200">
+                <a:solidFill>
+                  <a:srgbClr val="818779"/>
+                </a:solidFill>
+                <a:latin typeface="+mn-lt"/>
+                <a:ea typeface="+mn-ea"/>
+                <a:cs typeface="+mn-cs"/>
+                <a:sym typeface="Helvetica"/>
+              </a:defRPr>
+            </a:pPr>
+            <a:r>
+              <a:rPr sz="4000"/>
+              <a:t>Inception</a:t>
+            </a:r>
+            <a:r>
+              <a:rPr sz="4000"/>
+              <a:t> </a:t>
+            </a:r>
+            <a:r>
+              <a:rPr sz="4000"/>
+              <a:t>V3</a:t>
+            </a:r>
+            <a:r>
+              <a:rPr b="0" sz="2000"/>
+              <a:t>		</a:t>
+            </a:r>
+          </a:p>
+          <a:p>
+            <a:pPr lvl="1">
+              <a:defRPr sz="2900">
+                <a:solidFill>
+                  <a:srgbClr val="818779"/>
+                </a:solidFill>
+                <a:latin typeface="+mn-lt"/>
+                <a:ea typeface="+mn-ea"/>
+                <a:cs typeface="+mn-cs"/>
+                <a:sym typeface="Helvetica"/>
+              </a:defRPr>
+            </a:pPr>
+            <a:r>
+              <a:t>- Training Set Accuracy</a:t>
+            </a:r>
+            <a:r>
+              <a:t>는 약 </a:t>
+            </a:r>
+            <a:r>
+              <a:t>100%</a:t>
+            </a:r>
+          </a:p>
+          <a:p>
+            <a:pPr lvl="1">
+              <a:defRPr sz="2900">
+                <a:solidFill>
+                  <a:srgbClr val="818779"/>
+                </a:solidFill>
+                <a:latin typeface="+mn-lt"/>
+                <a:ea typeface="+mn-ea"/>
+                <a:cs typeface="+mn-cs"/>
+                <a:sym typeface="Helvetica"/>
+              </a:defRPr>
+            </a:pPr>
+            <a:r>
+              <a:t>- Test Set Accuracy</a:t>
+            </a:r>
+            <a:r>
+              <a:t>는 약 </a:t>
+            </a:r>
+            <a:r>
+              <a:t>80%</a:t>
+            </a:r>
+            <a:endParaRPr sz="2400"/>
           </a:p>
           <a:p>
             <a:pPr>
@@ -6861,480 +7141,9 @@
                 <a:sym typeface="Helvetica"/>
               </a:defRPr>
             </a:pPr>
-            <a:r>
-              <a:t>    -  </a:t>
-            </a:r>
-            <a:r>
-              <a:t>모델 학습에 사용된 </a:t>
-            </a:r>
-            <a:r>
-              <a:t>Data Set </a:t>
-            </a:r>
-          </a:p>
-          <a:p>
-            <a:pPr>
-              <a:defRPr sz="2000">
-                <a:solidFill>
-                  <a:srgbClr val="818779"/>
-                </a:solidFill>
-                <a:latin typeface="+mn-lt"/>
-                <a:ea typeface="+mn-ea"/>
-                <a:cs typeface="+mn-cs"/>
-                <a:sym typeface="Helvetica"/>
-              </a:defRPr>
-            </a:pPr>
-          </a:p>
-          <a:p>
-            <a:pPr marL="342900" indent="-342900">
-              <a:buSzPct val="100000"/>
-              <a:buFont typeface="Arial"/>
-              <a:buChar char="•"/>
-              <a:defRPr b="1" sz="2400">
-                <a:solidFill>
-                  <a:srgbClr val="818779"/>
-                </a:solidFill>
-                <a:latin typeface="+mn-lt"/>
-                <a:ea typeface="+mn-ea"/>
-                <a:cs typeface="+mn-cs"/>
-                <a:sym typeface="Helvetica"/>
-              </a:defRPr>
-            </a:pPr>
-            <a:r>
-              <a:t>Validation Set</a:t>
-            </a:r>
-          </a:p>
-          <a:p>
-            <a:pPr lvl="1">
-              <a:defRPr sz="2400">
-                <a:solidFill>
-                  <a:srgbClr val="818779"/>
-                </a:solidFill>
-                <a:latin typeface="+mn-lt"/>
-                <a:ea typeface="+mn-ea"/>
-                <a:cs typeface="+mn-cs"/>
-                <a:sym typeface="Helvetica"/>
-              </a:defRPr>
-            </a:pPr>
-            <a:r>
-              <a:t>    </a:t>
-            </a:r>
-            <a:r>
-              <a:rPr sz="2000"/>
-              <a:t>- </a:t>
-            </a:r>
-            <a:r>
-              <a:rPr sz="2000"/>
-              <a:t>모델 학습에 사용되지 않은 </a:t>
-            </a:r>
-            <a:r>
-              <a:rPr sz="2000"/>
-              <a:t>Data Set</a:t>
-            </a:r>
-          </a:p>
-          <a:p>
-            <a:pPr lvl="1">
-              <a:defRPr sz="2000">
-                <a:solidFill>
-                  <a:srgbClr val="818779"/>
-                </a:solidFill>
-                <a:latin typeface="+mn-lt"/>
-                <a:ea typeface="+mn-ea"/>
-                <a:cs typeface="+mn-cs"/>
-                <a:sym typeface="Helvetica"/>
-              </a:defRPr>
-            </a:pPr>
-          </a:p>
-          <a:p>
-            <a:pPr lvl="1" marL="342900" indent="-342900">
-              <a:buSzPct val="100000"/>
-              <a:buFont typeface="Arial"/>
-              <a:buChar char="•"/>
-              <a:defRPr b="1" sz="2400">
-                <a:solidFill>
-                  <a:srgbClr val="818779"/>
-                </a:solidFill>
-                <a:latin typeface="+mn-lt"/>
-                <a:ea typeface="+mn-ea"/>
-                <a:cs typeface="+mn-cs"/>
-                <a:sym typeface="Helvetica"/>
-              </a:defRPr>
-            </a:pPr>
-            <a:r>
-              <a:t>좋은 성능의 모델</a:t>
-            </a:r>
-          </a:p>
-          <a:p>
-            <a:pPr lvl="1">
-              <a:defRPr sz="2000">
-                <a:solidFill>
-                  <a:srgbClr val="818779"/>
-                </a:solidFill>
-                <a:latin typeface="+mn-lt"/>
-                <a:ea typeface="+mn-ea"/>
-                <a:cs typeface="+mn-cs"/>
-                <a:sym typeface="Helvetica"/>
-              </a:defRPr>
-            </a:pPr>
-            <a:r>
-              <a:t>    - </a:t>
-            </a:r>
-            <a:r>
-              <a:t>학습한 데이터 이외에 새로운 데이터도 정확하게 판단하는 모델</a:t>
-            </a:r>
-          </a:p>
-          <a:p>
-            <a:pPr lvl="1">
-              <a:defRPr sz="2000">
-                <a:solidFill>
-                  <a:srgbClr val="818779"/>
-                </a:solidFill>
-                <a:latin typeface="+mn-lt"/>
-                <a:ea typeface="+mn-ea"/>
-                <a:cs typeface="+mn-cs"/>
-                <a:sym typeface="Helvetica"/>
-              </a:defRPr>
-            </a:pPr>
-          </a:p>
-          <a:p>
-            <a:pPr lvl="1" marL="342900" indent="-342900">
-              <a:buSzPct val="100000"/>
-              <a:buFont typeface="Arial"/>
-              <a:buChar char="•"/>
-              <a:defRPr sz="2400">
-                <a:solidFill>
-                  <a:srgbClr val="818779"/>
-                </a:solidFill>
-                <a:latin typeface="+mn-lt"/>
-                <a:ea typeface="+mn-ea"/>
-                <a:cs typeface="+mn-cs"/>
-                <a:sym typeface="Helvetica"/>
-              </a:defRPr>
-            </a:pPr>
-            <a:r>
-              <a:t>Validation Set</a:t>
-            </a:r>
-            <a:r>
-              <a:t>의</a:t>
-            </a:r>
-            <a:r>
-              <a:t> Accuracy</a:t>
-            </a:r>
-            <a:r>
-              <a:t>와 </a:t>
-            </a:r>
-            <a:r>
-              <a:t>Loss</a:t>
-            </a:r>
-            <a:r>
-              <a:t>가 </a:t>
-            </a:r>
-            <a:r>
-              <a:rPr b="1"/>
-              <a:t>그림</a:t>
-            </a:r>
-            <a:r>
-              <a:rPr b="1"/>
-              <a:t>1</a:t>
-            </a:r>
-            <a:r>
-              <a:t>과 같이 </a:t>
-            </a:r>
-            <a:r>
-              <a:t>Training Set</a:t>
-            </a:r>
-            <a:r>
-              <a:t>의 </a:t>
-            </a:r>
-            <a:r>
-              <a:t>Accuracy</a:t>
-            </a:r>
-            <a:r>
-              <a:t>와 </a:t>
-            </a:r>
-            <a:r>
-              <a:t>Loss</a:t>
-            </a:r>
-            <a:r>
-              <a:t>의 형태를 따른다면 좋은 성능의 모델이라 할 수 있다</a:t>
-            </a:r>
-            <a:r>
-              <a:t>.</a:t>
-            </a:r>
-          </a:p>
-          <a:p>
-            <a:pPr lvl="1" marL="342900" indent="-342900">
-              <a:buSzPct val="100000"/>
-              <a:buFont typeface="Arial"/>
-              <a:buChar char="•"/>
-              <a:defRPr sz="2400">
-                <a:solidFill>
-                  <a:srgbClr val="818779"/>
-                </a:solidFill>
-                <a:latin typeface="+mn-lt"/>
-                <a:ea typeface="+mn-ea"/>
-                <a:cs typeface="+mn-cs"/>
-                <a:sym typeface="Helvetica"/>
-              </a:defRPr>
-            </a:pPr>
-          </a:p>
-          <a:p>
-            <a:pPr lvl="1" marL="342900" indent="-342900">
-              <a:buSzPct val="100000"/>
-              <a:buFont typeface="Arial"/>
-              <a:buChar char="•"/>
-              <a:defRPr sz="2400">
-                <a:solidFill>
-                  <a:srgbClr val="818779"/>
-                </a:solidFill>
-                <a:latin typeface="+mn-lt"/>
-                <a:ea typeface="+mn-ea"/>
-                <a:cs typeface="+mn-cs"/>
-                <a:sym typeface="Helvetica"/>
-              </a:defRPr>
-            </a:pPr>
-            <a:r>
-              <a:t>Validation Set</a:t>
-            </a:r>
-            <a:r>
-              <a:t>의</a:t>
-            </a:r>
-            <a:r>
-              <a:t> Accuracy</a:t>
-            </a:r>
-            <a:r>
-              <a:t>는 </a:t>
-            </a:r>
-            <a:r>
-              <a:t>Training Set</a:t>
-            </a:r>
-            <a:r>
-              <a:t>의 </a:t>
-            </a:r>
-            <a:r>
-              <a:t>Accuracy</a:t>
-            </a:r>
-            <a:r>
-              <a:t>에 근접하지만 </a:t>
-            </a:r>
-            <a:r>
-              <a:rPr b="1"/>
-              <a:t>그림</a:t>
-            </a:r>
-            <a:r>
-              <a:rPr b="1"/>
-              <a:t>2</a:t>
-            </a:r>
-            <a:r>
-              <a:t>와 같이 </a:t>
-            </a:r>
-            <a:r>
-              <a:t>Loss</a:t>
-            </a:r>
-            <a:r>
-              <a:t>가 증가한다면 좋은 성능의 모델이라 할 수 없다</a:t>
-            </a:r>
-            <a:r>
-              <a:t>.</a:t>
-            </a:r>
           </a:p>
         </p:txBody>
       </p:sp>
-      <p:grpSp>
-        <p:nvGrpSpPr>
-          <p:cNvPr id="294" name="그룹 8"/>
-          <p:cNvGrpSpPr/>
-          <p:nvPr/>
-        </p:nvGrpSpPr>
-        <p:grpSpPr>
-          <a:xfrm>
-            <a:off x="2224534" y="8799144"/>
-            <a:ext cx="7294451" cy="4582084"/>
-            <a:chOff x="0" y="0"/>
-            <a:chExt cx="7294449" cy="4582083"/>
-          </a:xfrm>
-        </p:grpSpPr>
-        <p:pic>
-          <p:nvPicPr>
-            <p:cNvPr id="292" name="그림 6" descr="그림 6"/>
-            <p:cNvPicPr>
-              <a:picLocks noChangeAspect="1"/>
-            </p:cNvPicPr>
-            <p:nvPr/>
-          </p:nvPicPr>
-          <p:blipFill>
-            <a:blip r:embed="rId2">
-              <a:extLst/>
-            </a:blip>
-            <a:stretch>
-              <a:fillRect/>
-            </a:stretch>
-          </p:blipFill>
-          <p:spPr>
-            <a:xfrm>
-              <a:off x="0" y="0"/>
-              <a:ext cx="7294450" cy="4538768"/>
-            </a:xfrm>
-            <a:prstGeom prst="rect">
-              <a:avLst/>
-            </a:prstGeom>
-            <a:ln w="12700" cap="flat">
-              <a:noFill/>
-              <a:miter lim="400000"/>
-            </a:ln>
-            <a:effectLst/>
-          </p:spPr>
-        </p:pic>
-        <p:sp>
-          <p:nvSpPr>
-            <p:cNvPr id="293" name="TextBox 7"/>
-            <p:cNvSpPr txBox="1"/>
-            <p:nvPr/>
-          </p:nvSpPr>
-          <p:spPr>
-            <a:xfrm>
-              <a:off x="2864807" y="4157898"/>
-              <a:ext cx="1564835" cy="424186"/>
-            </a:xfrm>
-            <a:prstGeom prst="rect">
-              <a:avLst/>
-            </a:prstGeom>
-            <a:noFill/>
-            <a:ln w="12700" cap="flat">
-              <a:noFill/>
-              <a:miter lim="400000"/>
-            </a:ln>
-            <a:effectLst/>
-            <a:extLst>
-              <a:ext uri="{C572A759-6A51-4108-AA02-DFA0A04FC94B}">
-                <ma14:wrappingTextBoxFlag xmlns:ma14="http://schemas.microsoft.com/office/mac/drawingml/2011/main" val="1"/>
-              </a:ext>
-            </a:extLst>
-          </p:spPr>
-          <p:txBody>
-            <a:bodyPr wrap="square" lIns="50800" tIns="50800" rIns="50800" bIns="50800" numCol="1" anchor="ctr">
-              <a:spAutoFit/>
-            </a:bodyPr>
-            <a:lstStyle/>
-            <a:p>
-              <a:pPr>
-                <a:defRPr b="1" sz="2000">
-                  <a:solidFill>
-                    <a:srgbClr val="5E5E5E"/>
-                  </a:solidFill>
-                  <a:latin typeface="+mn-lt"/>
-                  <a:ea typeface="+mn-ea"/>
-                  <a:cs typeface="+mn-cs"/>
-                  <a:sym typeface="Helvetica"/>
-                </a:defRPr>
-              </a:pPr>
-              <a:r>
-                <a:t>그림 </a:t>
-              </a:r>
-              <a:r>
-                <a:t>1</a:t>
-              </a:r>
-            </a:p>
-          </p:txBody>
-        </p:sp>
-      </p:grpSp>
-      <p:grpSp>
-        <p:nvGrpSpPr>
-          <p:cNvPr id="297" name="그룹 9"/>
-          <p:cNvGrpSpPr/>
-          <p:nvPr/>
-        </p:nvGrpSpPr>
-        <p:grpSpPr>
-          <a:xfrm>
-            <a:off x="12510681" y="8633345"/>
-            <a:ext cx="7607047" cy="4770343"/>
-            <a:chOff x="0" y="0"/>
-            <a:chExt cx="7607045" cy="4770342"/>
-          </a:xfrm>
-        </p:grpSpPr>
-        <p:pic>
-          <p:nvPicPr>
-            <p:cNvPr id="295" name="그림 4" descr="그림 4"/>
-            <p:cNvPicPr>
-              <a:picLocks noChangeAspect="1"/>
-            </p:cNvPicPr>
-            <p:nvPr/>
-          </p:nvPicPr>
-          <p:blipFill>
-            <a:blip r:embed="rId3">
-              <a:extLst/>
-            </a:blip>
-            <a:stretch>
-              <a:fillRect/>
-            </a:stretch>
-          </p:blipFill>
-          <p:spPr>
-            <a:xfrm>
-              <a:off x="0" y="0"/>
-              <a:ext cx="7607046" cy="4193627"/>
-            </a:xfrm>
-            <a:prstGeom prst="rect">
-              <a:avLst/>
-            </a:prstGeom>
-            <a:ln w="12700" cap="flat">
-              <a:noFill/>
-              <a:miter lim="400000"/>
-            </a:ln>
-            <a:effectLst/>
-          </p:spPr>
-        </p:pic>
-        <p:sp>
-          <p:nvSpPr>
-            <p:cNvPr id="296" name="TextBox 11"/>
-            <p:cNvSpPr txBox="1"/>
-            <p:nvPr/>
-          </p:nvSpPr>
-          <p:spPr>
-            <a:xfrm>
-              <a:off x="3475818" y="4346157"/>
-              <a:ext cx="1564834" cy="424186"/>
-            </a:xfrm>
-            <a:prstGeom prst="rect">
-              <a:avLst/>
-            </a:prstGeom>
-            <a:noFill/>
-            <a:ln w="12700" cap="flat">
-              <a:noFill/>
-              <a:miter lim="400000"/>
-            </a:ln>
-            <a:effectLst/>
-            <a:extLst>
-              <a:ext uri="{C572A759-6A51-4108-AA02-DFA0A04FC94B}">
-                <ma14:wrappingTextBoxFlag xmlns:ma14="http://schemas.microsoft.com/office/mac/drawingml/2011/main" val="1"/>
-              </a:ext>
-            </a:extLst>
-          </p:spPr>
-          <p:txBody>
-            <a:bodyPr wrap="square" lIns="50800" tIns="50800" rIns="50800" bIns="50800" numCol="1" anchor="ctr">
-              <a:spAutoFit/>
-            </a:bodyPr>
-            <a:lstStyle/>
-            <a:p>
-              <a:pPr>
-                <a:defRPr b="1" sz="2000">
-                  <a:solidFill>
-                    <a:srgbClr val="060606"/>
-                  </a:solidFill>
-                  <a:latin typeface="+mn-lt"/>
-                  <a:ea typeface="+mn-ea"/>
-                  <a:cs typeface="+mn-cs"/>
-                  <a:sym typeface="Helvetica"/>
-                </a:defRPr>
-              </a:pPr>
-              <a:r>
-                <a:t>그림 </a:t>
-              </a:r>
-              <a:r>
-                <a:t>2</a:t>
-              </a:r>
-            </a:p>
-          </p:txBody>
-        </p:sp>
-      </p:grpSp>
     </p:spTree>
   </p:cSld>
   <p:clrMapOvr>
@@ -7363,7 +7172,7 @@
       </p:grpSpPr>
       <p:sp>
         <p:nvSpPr>
-          <p:cNvPr id="299" name="슬라이드 번호"/>
+          <p:cNvPr id="292" name="슬라이드 번호"/>
           <p:cNvSpPr txBox="1"/>
           <p:nvPr>
             <p:ph type="sldNum" sz="quarter" idx="4294967295"/>
@@ -7394,7 +7203,7 @@
       </p:sp>
       <p:sp>
         <p:nvSpPr>
-          <p:cNvPr id="300" name="주요 기능 - VGGNet &amp; Mobile Net V2"/>
+          <p:cNvPr id="293" name="주요 기능 - VGGNet &amp; Mobile Net V2"/>
           <p:cNvSpPr txBox="1"/>
           <p:nvPr>
             <p:ph type="title"/>
@@ -7421,14 +7230,14 @@
               <a:t>– </a:t>
             </a:r>
             <a:r>
-              <a:t>모델 학습 결과</a:t>
+              <a:t>최종 모델 선택</a:t>
             </a:r>
           </a:p>
         </p:txBody>
       </p:sp>
       <p:sp>
         <p:nvSpPr>
-          <p:cNvPr id="301" name="선"/>
+          <p:cNvPr id="294" name="선"/>
           <p:cNvSpPr/>
           <p:nvPr/>
         </p:nvSpPr>
@@ -7461,1896 +7270,23 @@
           </a:p>
         </p:txBody>
       </p:sp>
-      <p:grpSp>
-        <p:nvGrpSpPr>
-          <p:cNvPr id="304" name="그룹 7"/>
-          <p:cNvGrpSpPr/>
-          <p:nvPr/>
-        </p:nvGrpSpPr>
-        <p:grpSpPr>
-          <a:xfrm>
-            <a:off x="853156" y="3832702"/>
-            <a:ext cx="6247190" cy="8286258"/>
-            <a:chOff x="0" y="0"/>
-            <a:chExt cx="6247189" cy="8286257"/>
-          </a:xfrm>
-        </p:grpSpPr>
-        <p:sp>
-          <p:nvSpPr>
-            <p:cNvPr id="302" name="TextBox 1"/>
-            <p:cNvSpPr txBox="1"/>
-            <p:nvPr/>
-          </p:nvSpPr>
-          <p:spPr>
-            <a:xfrm>
-              <a:off x="0" y="-1"/>
-              <a:ext cx="6247190" cy="7667512"/>
-            </a:xfrm>
-            <a:prstGeom prst="rect">
-              <a:avLst/>
-            </a:prstGeom>
-            <a:noFill/>
-            <a:ln w="12700" cap="flat">
-              <a:noFill/>
-              <a:miter lim="400000"/>
-            </a:ln>
-            <a:effectLst/>
-            <a:extLst>
-              <a:ext uri="{C572A759-6A51-4108-AA02-DFA0A04FC94B}">
-                <ma14:wrappingTextBoxFlag xmlns:ma14="http://schemas.microsoft.com/office/mac/drawingml/2011/main" val="1"/>
-              </a:ext>
-            </a:extLst>
-          </p:spPr>
-          <p:txBody>
-            <a:bodyPr wrap="square" lIns="50800" tIns="50800" rIns="50800" bIns="50800" numCol="1" anchor="ctr">
-              <a:spAutoFit/>
-            </a:bodyPr>
-            <a:lstStyle/>
-            <a:p>
-              <a:pPr marL="342900" indent="-342900">
-                <a:buSzPct val="100000"/>
-                <a:buFont typeface="Arial"/>
-                <a:buChar char="•"/>
-                <a:defRPr b="1" sz="2400">
-                  <a:solidFill>
-                    <a:srgbClr val="818779"/>
-                  </a:solidFill>
-                  <a:latin typeface="+mn-lt"/>
-                  <a:ea typeface="+mn-ea"/>
-                  <a:cs typeface="+mn-cs"/>
-                  <a:sym typeface="Helvetica"/>
-                </a:defRPr>
-              </a:pPr>
-              <a:r>
-                <a:t>VGG16</a:t>
-              </a:r>
-              <a:r>
-                <a:rPr b="0" sz="2000"/>
-                <a:t>		</a:t>
-              </a:r>
-            </a:p>
-            <a:p>
-              <a:pPr lvl="1">
-                <a:defRPr sz="2000">
-                  <a:solidFill>
-                    <a:srgbClr val="818779"/>
-                  </a:solidFill>
-                  <a:latin typeface="+mn-lt"/>
-                  <a:ea typeface="+mn-ea"/>
-                  <a:cs typeface="+mn-cs"/>
-                  <a:sym typeface="Helvetica"/>
-                </a:defRPr>
-              </a:pPr>
-              <a:r>
-                <a:t>Accuracy</a:t>
-              </a:r>
-              <a:r>
-                <a:t>는 약</a:t>
-              </a:r>
-              <a:r>
-                <a:t>60~65%</a:t>
-              </a:r>
-              <a:r>
-                <a:t>사이로 유지되지만 학습을</a:t>
-              </a:r>
-              <a:r>
-                <a:t> </a:t>
-              </a:r>
-              <a:r>
-                <a:t>진행하고 얼마 지나지 않아 </a:t>
-              </a:r>
-              <a:r>
-                <a:t>Loss</a:t>
-              </a:r>
-              <a:r>
-                <a:t>가 증가한다</a:t>
-              </a:r>
-              <a:r>
-                <a:t>.					</a:t>
-              </a:r>
-            </a:p>
-            <a:p>
-              <a:pPr lvl="1">
-                <a:defRPr sz="2000">
-                  <a:solidFill>
-                    <a:srgbClr val="818779"/>
-                  </a:solidFill>
-                  <a:latin typeface="+mn-lt"/>
-                  <a:ea typeface="+mn-ea"/>
-                  <a:cs typeface="+mn-cs"/>
-                  <a:sym typeface="Helvetica"/>
-                </a:defRPr>
-              </a:pPr>
-            </a:p>
-            <a:p>
-              <a:pPr lvl="1">
-                <a:defRPr sz="2000">
-                  <a:solidFill>
-                    <a:srgbClr val="818779"/>
-                  </a:solidFill>
-                  <a:latin typeface="+mn-lt"/>
-                  <a:ea typeface="+mn-ea"/>
-                  <a:cs typeface="+mn-cs"/>
-                  <a:sym typeface="Helvetica"/>
-                </a:defRPr>
-              </a:pPr>
-            </a:p>
-            <a:p>
-              <a:pPr lvl="1">
-                <a:defRPr sz="2000">
-                  <a:solidFill>
-                    <a:srgbClr val="818779"/>
-                  </a:solidFill>
-                  <a:latin typeface="+mn-lt"/>
-                  <a:ea typeface="+mn-ea"/>
-                  <a:cs typeface="+mn-cs"/>
-                  <a:sym typeface="Helvetica"/>
-                </a:defRPr>
-              </a:pPr>
-            </a:p>
-            <a:p>
-              <a:pPr lvl="1">
-                <a:defRPr sz="2000">
-                  <a:solidFill>
-                    <a:srgbClr val="818779"/>
-                  </a:solidFill>
-                  <a:latin typeface="+mn-lt"/>
-                  <a:ea typeface="+mn-ea"/>
-                  <a:cs typeface="+mn-cs"/>
-                  <a:sym typeface="Helvetica"/>
-                </a:defRPr>
-              </a:pPr>
-            </a:p>
-            <a:p>
-              <a:pPr lvl="1">
-                <a:defRPr sz="2000">
-                  <a:solidFill>
-                    <a:srgbClr val="818779"/>
-                  </a:solidFill>
-                  <a:latin typeface="+mn-lt"/>
-                  <a:ea typeface="+mn-ea"/>
-                  <a:cs typeface="+mn-cs"/>
-                  <a:sym typeface="Helvetica"/>
-                </a:defRPr>
-              </a:pPr>
-            </a:p>
-            <a:p>
-              <a:pPr lvl="1">
-                <a:defRPr sz="2000">
-                  <a:solidFill>
-                    <a:srgbClr val="818779"/>
-                  </a:solidFill>
-                  <a:latin typeface="+mn-lt"/>
-                  <a:ea typeface="+mn-ea"/>
-                  <a:cs typeface="+mn-cs"/>
-                  <a:sym typeface="Helvetica"/>
-                </a:defRPr>
-              </a:pPr>
-            </a:p>
-            <a:p>
-              <a:pPr lvl="1">
-                <a:defRPr sz="2000">
-                  <a:solidFill>
-                    <a:srgbClr val="818779"/>
-                  </a:solidFill>
-                  <a:latin typeface="+mn-lt"/>
-                  <a:ea typeface="+mn-ea"/>
-                  <a:cs typeface="+mn-cs"/>
-                  <a:sym typeface="Helvetica"/>
-                </a:defRPr>
-              </a:pPr>
-              <a:r>
-                <a:t>   </a:t>
-              </a:r>
-            </a:p>
-            <a:p>
-              <a:pPr marL="342900" indent="-342900">
-                <a:buSzPct val="100000"/>
-                <a:buFont typeface="Arial"/>
-                <a:buChar char="•"/>
-                <a:defRPr sz="2000">
-                  <a:solidFill>
-                    <a:srgbClr val="818779"/>
-                  </a:solidFill>
-                  <a:latin typeface="+mn-lt"/>
-                  <a:ea typeface="+mn-ea"/>
-                  <a:cs typeface="+mn-cs"/>
-                  <a:sym typeface="Helvetica"/>
-                </a:defRPr>
-              </a:pPr>
-            </a:p>
-            <a:p>
-              <a:pPr marL="342900" indent="-342900">
-                <a:buSzPct val="100000"/>
-                <a:buFont typeface="Arial"/>
-                <a:buChar char="•"/>
-                <a:defRPr sz="2000">
-                  <a:solidFill>
-                    <a:srgbClr val="818779"/>
-                  </a:solidFill>
-                  <a:latin typeface="+mn-lt"/>
-                  <a:ea typeface="+mn-ea"/>
-                  <a:cs typeface="+mn-cs"/>
-                  <a:sym typeface="Helvetica"/>
-                </a:defRPr>
-              </a:pPr>
-            </a:p>
-            <a:p>
-              <a:pPr>
-                <a:defRPr sz="2000">
-                  <a:solidFill>
-                    <a:srgbClr val="818779"/>
-                  </a:solidFill>
-                  <a:latin typeface="+mn-lt"/>
-                  <a:ea typeface="+mn-ea"/>
-                  <a:cs typeface="+mn-cs"/>
-                  <a:sym typeface="Helvetica"/>
-                </a:defRPr>
-              </a:pPr>
-            </a:p>
-            <a:p>
-              <a:pPr>
-                <a:defRPr sz="2000">
-                  <a:solidFill>
-                    <a:srgbClr val="818779"/>
-                  </a:solidFill>
-                  <a:latin typeface="+mn-lt"/>
-                  <a:ea typeface="+mn-ea"/>
-                  <a:cs typeface="+mn-cs"/>
-                  <a:sym typeface="Helvetica"/>
-                </a:defRPr>
-              </a:pPr>
-            </a:p>
-            <a:p>
-              <a:pPr marL="342900" indent="-342900">
-                <a:buSzPct val="100000"/>
-                <a:buFont typeface="Arial"/>
-                <a:buChar char="•"/>
-                <a:defRPr sz="2000">
-                  <a:solidFill>
-                    <a:srgbClr val="818779"/>
-                  </a:solidFill>
-                  <a:latin typeface="+mn-lt"/>
-                  <a:ea typeface="+mn-ea"/>
-                  <a:cs typeface="+mn-cs"/>
-                  <a:sym typeface="Helvetica"/>
-                </a:defRPr>
-              </a:pPr>
-            </a:p>
-            <a:p>
-              <a:pPr marL="342900" indent="-342900">
-                <a:buSzPct val="100000"/>
-                <a:buFont typeface="Arial"/>
-                <a:buChar char="•"/>
-                <a:defRPr sz="2000">
-                  <a:solidFill>
-                    <a:srgbClr val="818779"/>
-                  </a:solidFill>
-                  <a:latin typeface="+mn-lt"/>
-                  <a:ea typeface="+mn-ea"/>
-                  <a:cs typeface="+mn-cs"/>
-                  <a:sym typeface="Helvetica"/>
-                </a:defRPr>
-              </a:pPr>
-            </a:p>
-            <a:p>
-              <a:pPr>
-                <a:defRPr sz="2000">
-                  <a:solidFill>
-                    <a:srgbClr val="818779"/>
-                  </a:solidFill>
-                  <a:latin typeface="+mn-lt"/>
-                  <a:ea typeface="+mn-ea"/>
-                  <a:cs typeface="+mn-cs"/>
-                  <a:sym typeface="Helvetica"/>
-                </a:defRPr>
-              </a:pPr>
-            </a:p>
-          </p:txBody>
-        </p:sp>
-        <p:pic>
-          <p:nvPicPr>
-            <p:cNvPr id="303" name="그림 3" descr="그림 3"/>
-            <p:cNvPicPr>
-              <a:picLocks noChangeAspect="1"/>
-            </p:cNvPicPr>
-            <p:nvPr/>
-          </p:nvPicPr>
-          <p:blipFill>
-            <a:blip r:embed="rId2">
-              <a:extLst/>
-            </a:blip>
-            <a:stretch>
-              <a:fillRect/>
-            </a:stretch>
-          </p:blipFill>
-          <p:spPr>
-            <a:xfrm>
-              <a:off x="0" y="1456470"/>
-              <a:ext cx="5615129" cy="6829788"/>
-            </a:xfrm>
-            <a:prstGeom prst="rect">
-              <a:avLst/>
-            </a:prstGeom>
-            <a:ln w="12700" cap="flat">
-              <a:noFill/>
-              <a:miter lim="400000"/>
-            </a:ln>
-            <a:effectLst/>
-          </p:spPr>
-        </p:pic>
-      </p:grpSp>
       <p:sp>
         <p:nvSpPr>
-          <p:cNvPr id="305" name="TextBox 10"/>
-          <p:cNvSpPr txBox="1"/>
-          <p:nvPr/>
-        </p:nvSpPr>
-        <p:spPr>
-          <a:xfrm>
-            <a:off x="7800506" y="3832703"/>
-            <a:ext cx="6247191" cy="7667512"/>
-          </a:xfrm>
-          <a:prstGeom prst="rect">
-            <a:avLst/>
-          </a:prstGeom>
-          <a:ln w="12700">
-            <a:miter lim="400000"/>
-          </a:ln>
-          <a:extLst>
-            <a:ext uri="{C572A759-6A51-4108-AA02-DFA0A04FC94B}">
-              <ma14:wrappingTextBoxFlag xmlns:ma14="http://schemas.microsoft.com/office/mac/drawingml/2011/main" val="1"/>
-            </a:ext>
-          </a:extLst>
-        </p:spPr>
-        <p:txBody>
-          <a:bodyPr lIns="50800" tIns="50800" rIns="50800" bIns="50800" anchor="ctr">
-            <a:spAutoFit/>
-          </a:bodyPr>
-          <a:lstStyle/>
-          <a:p>
-            <a:pPr marL="342900" indent="-342900">
-              <a:buSzPct val="100000"/>
-              <a:buFont typeface="Arial"/>
-              <a:buChar char="•"/>
-              <a:defRPr b="1" sz="2400">
-                <a:solidFill>
-                  <a:srgbClr val="818779"/>
-                </a:solidFill>
-                <a:latin typeface="+mn-lt"/>
-                <a:ea typeface="+mn-ea"/>
-                <a:cs typeface="+mn-cs"/>
-                <a:sym typeface="Helvetica"/>
-              </a:defRPr>
-            </a:pPr>
-            <a:r>
-              <a:t>Inception</a:t>
-            </a:r>
-            <a:r>
-              <a:t> </a:t>
-            </a:r>
-            <a:r>
-              <a:t>V3</a:t>
-            </a:r>
-            <a:r>
-              <a:rPr b="0" sz="2000"/>
-              <a:t>		</a:t>
-            </a:r>
-          </a:p>
-          <a:p>
-            <a:pPr lvl="1">
-              <a:defRPr sz="2000">
-                <a:solidFill>
-                  <a:srgbClr val="818779"/>
-                </a:solidFill>
-                <a:latin typeface="+mn-lt"/>
-                <a:ea typeface="+mn-ea"/>
-                <a:cs typeface="+mn-cs"/>
-                <a:sym typeface="Helvetica"/>
-              </a:defRPr>
-            </a:pPr>
-            <a:r>
-              <a:t>Accuracy</a:t>
-            </a:r>
-            <a:r>
-              <a:t>는 약</a:t>
-            </a:r>
-            <a:r>
-              <a:t>80%</a:t>
-            </a:r>
-            <a:r>
-              <a:t>로 유지되고 </a:t>
-            </a:r>
-            <a:r>
-              <a:t>Loss</a:t>
-            </a:r>
-            <a:r>
-              <a:t>가 떨어지지 않지만 </a:t>
-            </a:r>
-            <a:r>
-              <a:t>VGG16</a:t>
-            </a:r>
-            <a:r>
-              <a:t>에 비해 </a:t>
-            </a:r>
-            <a:r>
-              <a:t>Loss</a:t>
-            </a:r>
-            <a:r>
-              <a:t>가 일정한 것을 볼 수 있다</a:t>
-            </a:r>
-            <a:r>
-              <a:t>.					</a:t>
-            </a:r>
-          </a:p>
-          <a:p>
-            <a:pPr lvl="1">
-              <a:defRPr sz="2000">
-                <a:solidFill>
-                  <a:srgbClr val="818779"/>
-                </a:solidFill>
-                <a:latin typeface="+mn-lt"/>
-                <a:ea typeface="+mn-ea"/>
-                <a:cs typeface="+mn-cs"/>
-                <a:sym typeface="Helvetica"/>
-              </a:defRPr>
-            </a:pPr>
-          </a:p>
-          <a:p>
-            <a:pPr lvl="1">
-              <a:defRPr sz="2000">
-                <a:solidFill>
-                  <a:srgbClr val="818779"/>
-                </a:solidFill>
-                <a:latin typeface="+mn-lt"/>
-                <a:ea typeface="+mn-ea"/>
-                <a:cs typeface="+mn-cs"/>
-                <a:sym typeface="Helvetica"/>
-              </a:defRPr>
-            </a:pPr>
-          </a:p>
-          <a:p>
-            <a:pPr lvl="1">
-              <a:defRPr sz="2000">
-                <a:solidFill>
-                  <a:srgbClr val="818779"/>
-                </a:solidFill>
-                <a:latin typeface="+mn-lt"/>
-                <a:ea typeface="+mn-ea"/>
-                <a:cs typeface="+mn-cs"/>
-                <a:sym typeface="Helvetica"/>
-              </a:defRPr>
-            </a:pPr>
-          </a:p>
-          <a:p>
-            <a:pPr lvl="1">
-              <a:defRPr sz="2000">
-                <a:solidFill>
-                  <a:srgbClr val="818779"/>
-                </a:solidFill>
-                <a:latin typeface="+mn-lt"/>
-                <a:ea typeface="+mn-ea"/>
-                <a:cs typeface="+mn-cs"/>
-                <a:sym typeface="Helvetica"/>
-              </a:defRPr>
-            </a:pPr>
-          </a:p>
-          <a:p>
-            <a:pPr lvl="1">
-              <a:defRPr sz="2000">
-                <a:solidFill>
-                  <a:srgbClr val="818779"/>
-                </a:solidFill>
-                <a:latin typeface="+mn-lt"/>
-                <a:ea typeface="+mn-ea"/>
-                <a:cs typeface="+mn-cs"/>
-                <a:sym typeface="Helvetica"/>
-              </a:defRPr>
-            </a:pPr>
-          </a:p>
-          <a:p>
-            <a:pPr lvl="1">
-              <a:defRPr sz="2000">
-                <a:solidFill>
-                  <a:srgbClr val="818779"/>
-                </a:solidFill>
-                <a:latin typeface="+mn-lt"/>
-                <a:ea typeface="+mn-ea"/>
-                <a:cs typeface="+mn-cs"/>
-                <a:sym typeface="Helvetica"/>
-              </a:defRPr>
-            </a:pPr>
-          </a:p>
-          <a:p>
-            <a:pPr lvl="1">
-              <a:defRPr sz="2000">
-                <a:solidFill>
-                  <a:srgbClr val="818779"/>
-                </a:solidFill>
-                <a:latin typeface="+mn-lt"/>
-                <a:ea typeface="+mn-ea"/>
-                <a:cs typeface="+mn-cs"/>
-                <a:sym typeface="Helvetica"/>
-              </a:defRPr>
-            </a:pPr>
-            <a:r>
-              <a:t>   </a:t>
-            </a:r>
-          </a:p>
-          <a:p>
-            <a:pPr marL="342900" indent="-342900">
-              <a:buSzPct val="100000"/>
-              <a:buFont typeface="Arial"/>
-              <a:buChar char="•"/>
-              <a:defRPr sz="2000">
-                <a:solidFill>
-                  <a:srgbClr val="818779"/>
-                </a:solidFill>
-                <a:latin typeface="+mn-lt"/>
-                <a:ea typeface="+mn-ea"/>
-                <a:cs typeface="+mn-cs"/>
-                <a:sym typeface="Helvetica"/>
-              </a:defRPr>
-            </a:pPr>
-          </a:p>
-          <a:p>
-            <a:pPr marL="342900" indent="-342900">
-              <a:buSzPct val="100000"/>
-              <a:buFont typeface="Arial"/>
-              <a:buChar char="•"/>
-              <a:defRPr sz="2000">
-                <a:solidFill>
-                  <a:srgbClr val="818779"/>
-                </a:solidFill>
-                <a:latin typeface="+mn-lt"/>
-                <a:ea typeface="+mn-ea"/>
-                <a:cs typeface="+mn-cs"/>
-                <a:sym typeface="Helvetica"/>
-              </a:defRPr>
-            </a:pPr>
-          </a:p>
-          <a:p>
-            <a:pPr>
-              <a:defRPr sz="2000">
-                <a:solidFill>
-                  <a:srgbClr val="818779"/>
-                </a:solidFill>
-                <a:latin typeface="+mn-lt"/>
-                <a:ea typeface="+mn-ea"/>
-                <a:cs typeface="+mn-cs"/>
-                <a:sym typeface="Helvetica"/>
-              </a:defRPr>
-            </a:pPr>
-          </a:p>
-          <a:p>
-            <a:pPr>
-              <a:defRPr sz="2000">
-                <a:solidFill>
-                  <a:srgbClr val="818779"/>
-                </a:solidFill>
-                <a:latin typeface="+mn-lt"/>
-                <a:ea typeface="+mn-ea"/>
-                <a:cs typeface="+mn-cs"/>
-                <a:sym typeface="Helvetica"/>
-              </a:defRPr>
-            </a:pPr>
-          </a:p>
-          <a:p>
-            <a:pPr marL="342900" indent="-342900">
-              <a:buSzPct val="100000"/>
-              <a:buFont typeface="Arial"/>
-              <a:buChar char="•"/>
-              <a:defRPr sz="2000">
-                <a:solidFill>
-                  <a:srgbClr val="818779"/>
-                </a:solidFill>
-                <a:latin typeface="+mn-lt"/>
-                <a:ea typeface="+mn-ea"/>
-                <a:cs typeface="+mn-cs"/>
-                <a:sym typeface="Helvetica"/>
-              </a:defRPr>
-            </a:pPr>
-          </a:p>
-          <a:p>
-            <a:pPr marL="342900" indent="-342900">
-              <a:buSzPct val="100000"/>
-              <a:buFont typeface="Arial"/>
-              <a:buChar char="•"/>
-              <a:defRPr sz="2000">
-                <a:solidFill>
-                  <a:srgbClr val="818779"/>
-                </a:solidFill>
-                <a:latin typeface="+mn-lt"/>
-                <a:ea typeface="+mn-ea"/>
-                <a:cs typeface="+mn-cs"/>
-                <a:sym typeface="Helvetica"/>
-              </a:defRPr>
-            </a:pPr>
-          </a:p>
-          <a:p>
-            <a:pPr>
-              <a:defRPr sz="2000">
-                <a:solidFill>
-                  <a:srgbClr val="818779"/>
-                </a:solidFill>
-                <a:latin typeface="+mn-lt"/>
-                <a:ea typeface="+mn-ea"/>
-                <a:cs typeface="+mn-cs"/>
-                <a:sym typeface="Helvetica"/>
-              </a:defRPr>
-            </a:pPr>
-          </a:p>
-        </p:txBody>
-      </p:sp>
-      <p:pic>
-        <p:nvPicPr>
-          <p:cNvPr id="306" name="그림 9" descr="그림 9"/>
-          <p:cNvPicPr>
-            <a:picLocks noChangeAspect="1"/>
-          </p:cNvPicPr>
-          <p:nvPr/>
-        </p:nvPicPr>
-        <p:blipFill>
-          <a:blip r:embed="rId3">
-            <a:extLst/>
-          </a:blip>
-          <a:stretch>
-            <a:fillRect/>
-          </a:stretch>
-        </p:blipFill>
-        <p:spPr>
-          <a:xfrm>
-            <a:off x="7550074" y="5289174"/>
-            <a:ext cx="7008608" cy="6829787"/>
-          </a:xfrm>
-          <a:prstGeom prst="rect">
-            <a:avLst/>
-          </a:prstGeom>
-          <a:ln w="12700">
-            <a:miter lim="400000"/>
-          </a:ln>
-        </p:spPr>
-      </p:pic>
-      <p:grpSp>
-        <p:nvGrpSpPr>
-          <p:cNvPr id="309" name="그룹 5"/>
-          <p:cNvGrpSpPr/>
-          <p:nvPr/>
-        </p:nvGrpSpPr>
-        <p:grpSpPr>
-          <a:xfrm>
-            <a:off x="14809114" y="3470718"/>
-            <a:ext cx="6247190" cy="9671833"/>
-            <a:chOff x="0" y="0"/>
-            <a:chExt cx="6247189" cy="9671831"/>
-          </a:xfrm>
-        </p:grpSpPr>
-        <p:sp>
-          <p:nvSpPr>
-            <p:cNvPr id="307" name="TextBox 15"/>
-            <p:cNvSpPr txBox="1"/>
-            <p:nvPr/>
-          </p:nvSpPr>
-          <p:spPr>
-            <a:xfrm>
-              <a:off x="0" y="-1"/>
-              <a:ext cx="6247190" cy="9671833"/>
-            </a:xfrm>
-            <a:prstGeom prst="rect">
-              <a:avLst/>
-            </a:prstGeom>
-            <a:noFill/>
-            <a:ln w="12700" cap="flat">
-              <a:noFill/>
-              <a:miter lim="400000"/>
-            </a:ln>
-            <a:effectLst/>
-            <a:extLst>
-              <a:ext uri="{C572A759-6A51-4108-AA02-DFA0A04FC94B}">
-                <ma14:wrappingTextBoxFlag xmlns:ma14="http://schemas.microsoft.com/office/mac/drawingml/2011/main" val="1"/>
-              </a:ext>
-            </a:extLst>
-          </p:spPr>
-          <p:txBody>
-            <a:bodyPr wrap="square" lIns="50800" tIns="50800" rIns="50800" bIns="50800" numCol="1" anchor="ctr">
-              <a:spAutoFit/>
-            </a:bodyPr>
-            <a:lstStyle/>
-            <a:p>
-              <a:pPr marL="342900" indent="-342900">
-                <a:buSzPct val="100000"/>
-                <a:buFont typeface="Arial"/>
-                <a:buChar char="•"/>
-                <a:defRPr b="1" sz="2400">
-                  <a:solidFill>
-                    <a:srgbClr val="818779"/>
-                  </a:solidFill>
-                  <a:latin typeface="+mn-lt"/>
-                  <a:ea typeface="+mn-ea"/>
-                  <a:cs typeface="+mn-cs"/>
-                  <a:sym typeface="Helvetica"/>
-                </a:defRPr>
-              </a:pPr>
-              <a:r>
-                <a:t>MobileNet V2</a:t>
-              </a:r>
-              <a:r>
-                <a:rPr b="0" sz="2000"/>
-                <a:t>		</a:t>
-              </a:r>
-            </a:p>
-            <a:p>
-              <a:pPr lvl="1">
-                <a:defRPr sz="2000">
-                  <a:solidFill>
-                    <a:srgbClr val="818779"/>
-                  </a:solidFill>
-                  <a:latin typeface="+mn-lt"/>
-                  <a:ea typeface="+mn-ea"/>
-                  <a:cs typeface="+mn-cs"/>
-                  <a:sym typeface="Helvetica"/>
-                </a:defRPr>
-              </a:pPr>
-              <a:r>
-                <a:t>Accuracy</a:t>
-              </a:r>
-              <a:r>
-                <a:t>는 약 </a:t>
-              </a:r>
-              <a:r>
-                <a:t>60~75%</a:t>
-              </a:r>
-              <a:r>
-                <a:t>사이에서 일정하게 유지되는 상황이 적었다</a:t>
-              </a:r>
-              <a:r>
-                <a:t>. Loss</a:t>
-              </a:r>
-              <a:r>
-                <a:t>의 경우 또한 </a:t>
-              </a:r>
-              <a:r>
-                <a:t>Accuracy</a:t>
-              </a:r>
-              <a:r>
-                <a:t>와 비슷한 형태를 보였다</a:t>
-              </a:r>
-              <a:r>
-                <a:t>. Loss</a:t>
-              </a:r>
-              <a:r>
-                <a:t>관점에서 </a:t>
-              </a:r>
-              <a:r>
-                <a:t>VGG16</a:t>
-              </a:r>
-              <a:r>
-                <a:t>보다 더 나은 형태를 보인다</a:t>
-              </a:r>
-              <a:r>
-                <a:t>.		</a:t>
-              </a:r>
-            </a:p>
-            <a:p>
-              <a:pPr lvl="1">
-                <a:defRPr sz="2000">
-                  <a:solidFill>
-                    <a:srgbClr val="818779"/>
-                  </a:solidFill>
-                  <a:latin typeface="+mn-lt"/>
-                  <a:ea typeface="+mn-ea"/>
-                  <a:cs typeface="+mn-cs"/>
-                  <a:sym typeface="Helvetica"/>
-                </a:defRPr>
-              </a:pPr>
-            </a:p>
-            <a:p>
-              <a:pPr lvl="1">
-                <a:defRPr sz="2000">
-                  <a:solidFill>
-                    <a:srgbClr val="818779"/>
-                  </a:solidFill>
-                  <a:latin typeface="+mn-lt"/>
-                  <a:ea typeface="+mn-ea"/>
-                  <a:cs typeface="+mn-cs"/>
-                  <a:sym typeface="Helvetica"/>
-                </a:defRPr>
-              </a:pPr>
-            </a:p>
-            <a:p>
-              <a:pPr lvl="1">
-                <a:defRPr sz="2000">
-                  <a:solidFill>
-                    <a:srgbClr val="818779"/>
-                  </a:solidFill>
-                  <a:latin typeface="+mn-lt"/>
-                  <a:ea typeface="+mn-ea"/>
-                  <a:cs typeface="+mn-cs"/>
-                  <a:sym typeface="Helvetica"/>
-                </a:defRPr>
-              </a:pPr>
-            </a:p>
-            <a:p>
-              <a:pPr lvl="1">
-                <a:defRPr sz="2000">
-                  <a:solidFill>
-                    <a:srgbClr val="818779"/>
-                  </a:solidFill>
-                  <a:latin typeface="+mn-lt"/>
-                  <a:ea typeface="+mn-ea"/>
-                  <a:cs typeface="+mn-cs"/>
-                  <a:sym typeface="Helvetica"/>
-                </a:defRPr>
-              </a:pPr>
-            </a:p>
-            <a:p>
-              <a:pPr lvl="1">
-                <a:defRPr sz="2000">
-                  <a:solidFill>
-                    <a:srgbClr val="818779"/>
-                  </a:solidFill>
-                  <a:latin typeface="+mn-lt"/>
-                  <a:ea typeface="+mn-ea"/>
-                  <a:cs typeface="+mn-cs"/>
-                  <a:sym typeface="Helvetica"/>
-                </a:defRPr>
-              </a:pPr>
-            </a:p>
-            <a:p>
-              <a:pPr lvl="1">
-                <a:defRPr sz="2000">
-                  <a:solidFill>
-                    <a:srgbClr val="818779"/>
-                  </a:solidFill>
-                  <a:latin typeface="+mn-lt"/>
-                  <a:ea typeface="+mn-ea"/>
-                  <a:cs typeface="+mn-cs"/>
-                  <a:sym typeface="Helvetica"/>
-                </a:defRPr>
-              </a:pPr>
-            </a:p>
-            <a:p>
-              <a:pPr lvl="1">
-                <a:defRPr sz="2000">
-                  <a:solidFill>
-                    <a:srgbClr val="818779"/>
-                  </a:solidFill>
-                  <a:latin typeface="+mn-lt"/>
-                  <a:ea typeface="+mn-ea"/>
-                  <a:cs typeface="+mn-cs"/>
-                  <a:sym typeface="Helvetica"/>
-                </a:defRPr>
-              </a:pPr>
-              <a:r>
-                <a:t>   </a:t>
-              </a:r>
-            </a:p>
-            <a:p>
-              <a:pPr marL="342900" indent="-342900">
-                <a:buSzPct val="100000"/>
-                <a:buFont typeface="Arial"/>
-                <a:buChar char="•"/>
-                <a:defRPr sz="2000">
-                  <a:solidFill>
-                    <a:srgbClr val="818779"/>
-                  </a:solidFill>
-                  <a:latin typeface="+mn-lt"/>
-                  <a:ea typeface="+mn-ea"/>
-                  <a:cs typeface="+mn-cs"/>
-                  <a:sym typeface="Helvetica"/>
-                </a:defRPr>
-              </a:pPr>
-            </a:p>
-            <a:p>
-              <a:pPr marL="342900" indent="-342900">
-                <a:buSzPct val="100000"/>
-                <a:buFont typeface="Arial"/>
-                <a:buChar char="•"/>
-                <a:defRPr sz="2000">
-                  <a:solidFill>
-                    <a:srgbClr val="818779"/>
-                  </a:solidFill>
-                  <a:latin typeface="+mn-lt"/>
-                  <a:ea typeface="+mn-ea"/>
-                  <a:cs typeface="+mn-cs"/>
-                  <a:sym typeface="Helvetica"/>
-                </a:defRPr>
-              </a:pPr>
-            </a:p>
-            <a:p>
-              <a:pPr>
-                <a:defRPr sz="2000">
-                  <a:solidFill>
-                    <a:srgbClr val="818779"/>
-                  </a:solidFill>
-                  <a:latin typeface="+mn-lt"/>
-                  <a:ea typeface="+mn-ea"/>
-                  <a:cs typeface="+mn-cs"/>
-                  <a:sym typeface="Helvetica"/>
-                </a:defRPr>
-              </a:pPr>
-            </a:p>
-            <a:p>
-              <a:pPr>
-                <a:defRPr sz="2000">
-                  <a:solidFill>
-                    <a:srgbClr val="818779"/>
-                  </a:solidFill>
-                  <a:latin typeface="+mn-lt"/>
-                  <a:ea typeface="+mn-ea"/>
-                  <a:cs typeface="+mn-cs"/>
-                  <a:sym typeface="Helvetica"/>
-                </a:defRPr>
-              </a:pPr>
-            </a:p>
-            <a:p>
-              <a:pPr marL="342900" indent="-342900">
-                <a:buSzPct val="100000"/>
-                <a:buFont typeface="Arial"/>
-                <a:buChar char="•"/>
-                <a:defRPr sz="2000">
-                  <a:solidFill>
-                    <a:srgbClr val="818779"/>
-                  </a:solidFill>
-                  <a:latin typeface="+mn-lt"/>
-                  <a:ea typeface="+mn-ea"/>
-                  <a:cs typeface="+mn-cs"/>
-                  <a:sym typeface="Helvetica"/>
-                </a:defRPr>
-              </a:pPr>
-            </a:p>
-            <a:p>
-              <a:pPr marL="342900" indent="-342900">
-                <a:buSzPct val="100000"/>
-                <a:buFont typeface="Arial"/>
-                <a:buChar char="•"/>
-                <a:defRPr sz="2000">
-                  <a:solidFill>
-                    <a:srgbClr val="818779"/>
-                  </a:solidFill>
-                  <a:latin typeface="+mn-lt"/>
-                  <a:ea typeface="+mn-ea"/>
-                  <a:cs typeface="+mn-cs"/>
-                  <a:sym typeface="Helvetica"/>
-                </a:defRPr>
-              </a:pPr>
-            </a:p>
-            <a:p>
-              <a:pPr>
-                <a:defRPr sz="2000">
-                  <a:solidFill>
-                    <a:srgbClr val="818779"/>
-                  </a:solidFill>
-                  <a:latin typeface="+mn-lt"/>
-                  <a:ea typeface="+mn-ea"/>
-                  <a:cs typeface="+mn-cs"/>
-                  <a:sym typeface="Helvetica"/>
-                </a:defRPr>
-              </a:pPr>
-            </a:p>
-            <a:p>
-              <a:pPr>
-                <a:defRPr sz="2000">
-                  <a:solidFill>
-                    <a:srgbClr val="818779"/>
-                  </a:solidFill>
-                  <a:latin typeface="+mn-lt"/>
-                  <a:ea typeface="+mn-ea"/>
-                  <a:cs typeface="+mn-cs"/>
-                  <a:sym typeface="Helvetica"/>
-                </a:defRPr>
-              </a:pPr>
-            </a:p>
-            <a:p>
-              <a:pPr>
-                <a:defRPr sz="2000">
-                  <a:solidFill>
-                    <a:srgbClr val="818779"/>
-                  </a:solidFill>
-                  <a:latin typeface="+mn-lt"/>
-                  <a:ea typeface="+mn-ea"/>
-                  <a:cs typeface="+mn-cs"/>
-                  <a:sym typeface="Helvetica"/>
-                </a:defRPr>
-              </a:pPr>
-            </a:p>
-            <a:p>
-              <a:pPr>
-                <a:defRPr sz="2000">
-                  <a:solidFill>
-                    <a:srgbClr val="818779"/>
-                  </a:solidFill>
-                  <a:latin typeface="+mn-lt"/>
-                  <a:ea typeface="+mn-ea"/>
-                  <a:cs typeface="+mn-cs"/>
-                  <a:sym typeface="Helvetica"/>
-                </a:defRPr>
-              </a:pPr>
-            </a:p>
-            <a:p>
-              <a:pPr>
-                <a:defRPr sz="2000">
-                  <a:solidFill>
-                    <a:srgbClr val="818779"/>
-                  </a:solidFill>
-                  <a:latin typeface="+mn-lt"/>
-                  <a:ea typeface="+mn-ea"/>
-                  <a:cs typeface="+mn-cs"/>
-                  <a:sym typeface="Helvetica"/>
-                </a:defRPr>
-              </a:pPr>
-            </a:p>
-          </p:txBody>
-        </p:sp>
-        <p:pic>
-          <p:nvPicPr>
-            <p:cNvPr id="308" name="그림 4" descr="그림 4"/>
-            <p:cNvPicPr>
-              <a:picLocks noChangeAspect="1"/>
-            </p:cNvPicPr>
-            <p:nvPr/>
-          </p:nvPicPr>
-          <p:blipFill>
-            <a:blip r:embed="rId4">
-              <a:extLst/>
-            </a:blip>
-            <a:stretch>
-              <a:fillRect/>
-            </a:stretch>
-          </p:blipFill>
-          <p:spPr>
-            <a:xfrm>
-              <a:off x="199295" y="2306988"/>
-              <a:ext cx="5413192" cy="6659992"/>
-            </a:xfrm>
-            <a:prstGeom prst="rect">
-              <a:avLst/>
-            </a:prstGeom>
-            <a:ln w="12700" cap="flat">
-              <a:noFill/>
-              <a:miter lim="400000"/>
-            </a:ln>
-            <a:effectLst/>
-          </p:spPr>
-        </p:pic>
-      </p:grpSp>
-    </p:spTree>
-  </p:cSld>
-  <p:clrMapOvr>
-    <a:masterClrMapping/>
-  </p:clrMapOvr>
-  <p:transition xmlns:p14="http://schemas.microsoft.com/office/powerpoint/2010/main" spd="med" advClick="1"/>
-</p:sld>
-</file>
-
-<file path=ppt/slides/slide17.xml><?xml version="1.0" encoding="utf-8"?>
-<p:sld xmlns:a="http://schemas.openxmlformats.org/drawingml/2006/main" xmlns:r="http://schemas.openxmlformats.org/officeDocument/2006/relationships" xmlns:p="http://schemas.openxmlformats.org/presentationml/2006/main" xmlns:m="http://schemas.openxmlformats.org/officeDocument/2006/math" xmlns:a14="http://schemas.microsoft.com/office/drawing/2010/main" showMasterSp="1" showMasterPhAnim="1">
-  <p:cSld>
-    <p:spTree>
-      <p:nvGrpSpPr>
-        <p:cNvPr id="1" name=""/>
-        <p:cNvGrpSpPr/>
-        <p:nvPr/>
-      </p:nvGrpSpPr>
-      <p:grpSpPr>
-        <a:xfrm>
-          <a:off x="0" y="0"/>
-          <a:ext cx="0" cy="0"/>
-          <a:chOff x="0" y="0"/>
-          <a:chExt cx="0" cy="0"/>
-        </a:xfrm>
-      </p:grpSpPr>
-      <p:sp>
-        <p:nvSpPr>
-          <p:cNvPr id="311" name="슬라이드 번호"/>
-          <p:cNvSpPr txBox="1"/>
-          <p:nvPr>
-            <p:ph type="sldNum" sz="quarter" idx="4294967295"/>
-          </p:nvPr>
-        </p:nvSpPr>
-        <p:spPr>
-          <a:xfrm>
-            <a:off x="22927548" y="12437698"/>
-            <a:ext cx="467458" cy="482601"/>
-          </a:xfrm>
-          <a:prstGeom prst="rect">
-            <a:avLst/>
-          </a:prstGeom>
-          <a:extLst>
-            <a:ext uri="{C572A759-6A51-4108-AA02-DFA0A04FC94B}">
-              <ma14:wrappingTextBoxFlag xmlns:ma14="http://schemas.microsoft.com/office/mac/drawingml/2011/main" val="1"/>
-            </a:ext>
-          </a:extLst>
-        </p:spPr>
-        <p:txBody>
-          <a:bodyPr/>
-          <a:lstStyle/>
-          <a:p>
-            <a:pPr/>
-            <a:fld id="{86CB4B4D-7CA3-9044-876B-883B54F8677D}" type="slidenum"/>
-          </a:p>
-        </p:txBody>
-      </p:sp>
-      <p:sp>
-        <p:nvSpPr>
-          <p:cNvPr id="312" name="주요 기능 - VGGNet &amp; Mobile Net V2"/>
-          <p:cNvSpPr txBox="1"/>
-          <p:nvPr>
-            <p:ph type="title"/>
-          </p:nvPr>
-        </p:nvSpPr>
-        <p:spPr>
-          <a:xfrm>
-            <a:off x="843969" y="993132"/>
-            <a:ext cx="23333424" cy="1902088"/>
-          </a:xfrm>
-          <a:prstGeom prst="rect">
-            <a:avLst/>
-          </a:prstGeom>
-        </p:spPr>
-        <p:txBody>
-          <a:bodyPr/>
-          <a:lstStyle/>
-          <a:p>
-            <a:pPr/>
-            <a:r>
-              <a:t>주요 기능 </a:t>
-            </a:r>
-            <a:r>
-              <a:t>– </a:t>
-            </a:r>
-            <a:r>
-              <a:t>최종 모델 선택</a:t>
-            </a:r>
-          </a:p>
-        </p:txBody>
-      </p:sp>
-      <p:sp>
-        <p:nvSpPr>
-          <p:cNvPr id="313" name="선"/>
+          <p:cNvPr id="295" name="직사각형 5"/>
           <p:cNvSpPr/>
           <p:nvPr/>
         </p:nvSpPr>
         <p:spPr>
-          <a:xfrm flipV="1">
-            <a:off x="853156" y="2606184"/>
-            <a:ext cx="22677688" cy="2"/>
-          </a:xfrm>
-          <a:prstGeom prst="line">
-            <a:avLst/>
-          </a:prstGeom>
-          <a:ln w="25400">
-            <a:solidFill>
-              <a:srgbClr val="818779"/>
-            </a:solidFill>
-            <a:miter lim="400000"/>
-          </a:ln>
-        </p:spPr>
-        <p:txBody>
-          <a:bodyPr lIns="45718" tIns="45718" rIns="45718" bIns="45718"/>
-          <a:lstStyle/>
-          <a:p>
-            <a:pPr>
-              <a:defRPr>
-                <a:solidFill>
-                  <a:srgbClr val="818779"/>
-                </a:solidFill>
-              </a:defRPr>
-            </a:pPr>
-          </a:p>
-        </p:txBody>
-      </p:sp>
-      <p:grpSp>
-        <p:nvGrpSpPr>
-          <p:cNvPr id="316" name="그룹 7"/>
-          <p:cNvGrpSpPr/>
-          <p:nvPr/>
-        </p:nvGrpSpPr>
-        <p:grpSpPr>
           <a:xfrm>
-            <a:off x="853156" y="3832702"/>
-            <a:ext cx="6247190" cy="8286258"/>
-            <a:chOff x="0" y="0"/>
-            <a:chExt cx="6247189" cy="8286257"/>
-          </a:xfrm>
-        </p:grpSpPr>
-        <p:sp>
-          <p:nvSpPr>
-            <p:cNvPr id="314" name="TextBox 1"/>
-            <p:cNvSpPr txBox="1"/>
-            <p:nvPr/>
-          </p:nvSpPr>
-          <p:spPr>
-            <a:xfrm>
-              <a:off x="0" y="-1"/>
-              <a:ext cx="6247190" cy="7667512"/>
-            </a:xfrm>
-            <a:prstGeom prst="rect">
-              <a:avLst/>
-            </a:prstGeom>
-            <a:noFill/>
-            <a:ln w="12700" cap="flat">
-              <a:noFill/>
-              <a:miter lim="400000"/>
-            </a:ln>
-            <a:effectLst/>
-            <a:extLst>
-              <a:ext uri="{C572A759-6A51-4108-AA02-DFA0A04FC94B}">
-                <ma14:wrappingTextBoxFlag xmlns:ma14="http://schemas.microsoft.com/office/mac/drawingml/2011/main" val="1"/>
-              </a:ext>
-            </a:extLst>
-          </p:spPr>
-          <p:txBody>
-            <a:bodyPr wrap="square" lIns="50800" tIns="50800" rIns="50800" bIns="50800" numCol="1" anchor="ctr">
-              <a:spAutoFit/>
-            </a:bodyPr>
-            <a:lstStyle/>
-            <a:p>
-              <a:pPr marL="342900" indent="-342900">
-                <a:buSzPct val="100000"/>
-                <a:buFont typeface="Arial"/>
-                <a:buChar char="•"/>
-                <a:defRPr b="1" sz="2400">
-                  <a:solidFill>
-                    <a:srgbClr val="818779"/>
-                  </a:solidFill>
-                  <a:latin typeface="+mn-lt"/>
-                  <a:ea typeface="+mn-ea"/>
-                  <a:cs typeface="+mn-cs"/>
-                  <a:sym typeface="Helvetica"/>
-                </a:defRPr>
-              </a:pPr>
-              <a:r>
-                <a:t>VGG16</a:t>
-              </a:r>
-              <a:r>
-                <a:rPr b="0" sz="2000"/>
-                <a:t>		</a:t>
-              </a:r>
-            </a:p>
-            <a:p>
-              <a:pPr lvl="1">
-                <a:defRPr sz="2000">
-                  <a:solidFill>
-                    <a:srgbClr val="818779"/>
-                  </a:solidFill>
-                  <a:latin typeface="+mn-lt"/>
-                  <a:ea typeface="+mn-ea"/>
-                  <a:cs typeface="+mn-cs"/>
-                  <a:sym typeface="Helvetica"/>
-                </a:defRPr>
-              </a:pPr>
-              <a:r>
-                <a:t>Accuracy</a:t>
-              </a:r>
-              <a:r>
-                <a:t>는 약</a:t>
-              </a:r>
-              <a:r>
-                <a:t>60~65%</a:t>
-              </a:r>
-              <a:r>
-                <a:t>사이로 유지되지만 학습을</a:t>
-              </a:r>
-              <a:r>
-                <a:t> </a:t>
-              </a:r>
-              <a:r>
-                <a:t>진행하고 얼마 지나지 않아 </a:t>
-              </a:r>
-              <a:r>
-                <a:t>Loss</a:t>
-              </a:r>
-              <a:r>
-                <a:t>가 증가한다</a:t>
-              </a:r>
-              <a:r>
-                <a:t>.					</a:t>
-              </a:r>
-            </a:p>
-            <a:p>
-              <a:pPr lvl="1">
-                <a:defRPr sz="2000">
-                  <a:solidFill>
-                    <a:srgbClr val="818779"/>
-                  </a:solidFill>
-                  <a:latin typeface="+mn-lt"/>
-                  <a:ea typeface="+mn-ea"/>
-                  <a:cs typeface="+mn-cs"/>
-                  <a:sym typeface="Helvetica"/>
-                </a:defRPr>
-              </a:pPr>
-            </a:p>
-            <a:p>
-              <a:pPr lvl="1">
-                <a:defRPr sz="2000">
-                  <a:solidFill>
-                    <a:srgbClr val="818779"/>
-                  </a:solidFill>
-                  <a:latin typeface="+mn-lt"/>
-                  <a:ea typeface="+mn-ea"/>
-                  <a:cs typeface="+mn-cs"/>
-                  <a:sym typeface="Helvetica"/>
-                </a:defRPr>
-              </a:pPr>
-            </a:p>
-            <a:p>
-              <a:pPr lvl="1">
-                <a:defRPr sz="2000">
-                  <a:solidFill>
-                    <a:srgbClr val="818779"/>
-                  </a:solidFill>
-                  <a:latin typeface="+mn-lt"/>
-                  <a:ea typeface="+mn-ea"/>
-                  <a:cs typeface="+mn-cs"/>
-                  <a:sym typeface="Helvetica"/>
-                </a:defRPr>
-              </a:pPr>
-            </a:p>
-            <a:p>
-              <a:pPr lvl="1">
-                <a:defRPr sz="2000">
-                  <a:solidFill>
-                    <a:srgbClr val="818779"/>
-                  </a:solidFill>
-                  <a:latin typeface="+mn-lt"/>
-                  <a:ea typeface="+mn-ea"/>
-                  <a:cs typeface="+mn-cs"/>
-                  <a:sym typeface="Helvetica"/>
-                </a:defRPr>
-              </a:pPr>
-            </a:p>
-            <a:p>
-              <a:pPr lvl="1">
-                <a:defRPr sz="2000">
-                  <a:solidFill>
-                    <a:srgbClr val="818779"/>
-                  </a:solidFill>
-                  <a:latin typeface="+mn-lt"/>
-                  <a:ea typeface="+mn-ea"/>
-                  <a:cs typeface="+mn-cs"/>
-                  <a:sym typeface="Helvetica"/>
-                </a:defRPr>
-              </a:pPr>
-            </a:p>
-            <a:p>
-              <a:pPr lvl="1">
-                <a:defRPr sz="2000">
-                  <a:solidFill>
-                    <a:srgbClr val="818779"/>
-                  </a:solidFill>
-                  <a:latin typeface="+mn-lt"/>
-                  <a:ea typeface="+mn-ea"/>
-                  <a:cs typeface="+mn-cs"/>
-                  <a:sym typeface="Helvetica"/>
-                </a:defRPr>
-              </a:pPr>
-            </a:p>
-            <a:p>
-              <a:pPr lvl="1">
-                <a:defRPr sz="2000">
-                  <a:solidFill>
-                    <a:srgbClr val="818779"/>
-                  </a:solidFill>
-                  <a:latin typeface="+mn-lt"/>
-                  <a:ea typeface="+mn-ea"/>
-                  <a:cs typeface="+mn-cs"/>
-                  <a:sym typeface="Helvetica"/>
-                </a:defRPr>
-              </a:pPr>
-              <a:r>
-                <a:t>   </a:t>
-              </a:r>
-            </a:p>
-            <a:p>
-              <a:pPr marL="342900" indent="-342900">
-                <a:buSzPct val="100000"/>
-                <a:buFont typeface="Arial"/>
-                <a:buChar char="•"/>
-                <a:defRPr sz="2000">
-                  <a:solidFill>
-                    <a:srgbClr val="818779"/>
-                  </a:solidFill>
-                  <a:latin typeface="+mn-lt"/>
-                  <a:ea typeface="+mn-ea"/>
-                  <a:cs typeface="+mn-cs"/>
-                  <a:sym typeface="Helvetica"/>
-                </a:defRPr>
-              </a:pPr>
-            </a:p>
-            <a:p>
-              <a:pPr marL="342900" indent="-342900">
-                <a:buSzPct val="100000"/>
-                <a:buFont typeface="Arial"/>
-                <a:buChar char="•"/>
-                <a:defRPr sz="2000">
-                  <a:solidFill>
-                    <a:srgbClr val="818779"/>
-                  </a:solidFill>
-                  <a:latin typeface="+mn-lt"/>
-                  <a:ea typeface="+mn-ea"/>
-                  <a:cs typeface="+mn-cs"/>
-                  <a:sym typeface="Helvetica"/>
-                </a:defRPr>
-              </a:pPr>
-            </a:p>
-            <a:p>
-              <a:pPr>
-                <a:defRPr sz="2000">
-                  <a:solidFill>
-                    <a:srgbClr val="818779"/>
-                  </a:solidFill>
-                  <a:latin typeface="+mn-lt"/>
-                  <a:ea typeface="+mn-ea"/>
-                  <a:cs typeface="+mn-cs"/>
-                  <a:sym typeface="Helvetica"/>
-                </a:defRPr>
-              </a:pPr>
-            </a:p>
-            <a:p>
-              <a:pPr>
-                <a:defRPr sz="2000">
-                  <a:solidFill>
-                    <a:srgbClr val="818779"/>
-                  </a:solidFill>
-                  <a:latin typeface="+mn-lt"/>
-                  <a:ea typeface="+mn-ea"/>
-                  <a:cs typeface="+mn-cs"/>
-                  <a:sym typeface="Helvetica"/>
-                </a:defRPr>
-              </a:pPr>
-            </a:p>
-            <a:p>
-              <a:pPr marL="342900" indent="-342900">
-                <a:buSzPct val="100000"/>
-                <a:buFont typeface="Arial"/>
-                <a:buChar char="•"/>
-                <a:defRPr sz="2000">
-                  <a:solidFill>
-                    <a:srgbClr val="818779"/>
-                  </a:solidFill>
-                  <a:latin typeface="+mn-lt"/>
-                  <a:ea typeface="+mn-ea"/>
-                  <a:cs typeface="+mn-cs"/>
-                  <a:sym typeface="Helvetica"/>
-                </a:defRPr>
-              </a:pPr>
-            </a:p>
-            <a:p>
-              <a:pPr marL="342900" indent="-342900">
-                <a:buSzPct val="100000"/>
-                <a:buFont typeface="Arial"/>
-                <a:buChar char="•"/>
-                <a:defRPr sz="2000">
-                  <a:solidFill>
-                    <a:srgbClr val="818779"/>
-                  </a:solidFill>
-                  <a:latin typeface="+mn-lt"/>
-                  <a:ea typeface="+mn-ea"/>
-                  <a:cs typeface="+mn-cs"/>
-                  <a:sym typeface="Helvetica"/>
-                </a:defRPr>
-              </a:pPr>
-            </a:p>
-            <a:p>
-              <a:pPr>
-                <a:defRPr sz="2000">
-                  <a:solidFill>
-                    <a:srgbClr val="818779"/>
-                  </a:solidFill>
-                  <a:latin typeface="+mn-lt"/>
-                  <a:ea typeface="+mn-ea"/>
-                  <a:cs typeface="+mn-cs"/>
-                  <a:sym typeface="Helvetica"/>
-                </a:defRPr>
-              </a:pPr>
-            </a:p>
-          </p:txBody>
-        </p:sp>
-        <p:pic>
-          <p:nvPicPr>
-            <p:cNvPr id="315" name="그림 3" descr="그림 3"/>
-            <p:cNvPicPr>
-              <a:picLocks noChangeAspect="1"/>
-            </p:cNvPicPr>
-            <p:nvPr/>
-          </p:nvPicPr>
-          <p:blipFill>
-            <a:blip r:embed="rId2">
-              <a:extLst/>
-            </a:blip>
-            <a:stretch>
-              <a:fillRect/>
-            </a:stretch>
-          </p:blipFill>
-          <p:spPr>
-            <a:xfrm>
-              <a:off x="0" y="1456470"/>
-              <a:ext cx="5615129" cy="6829788"/>
-            </a:xfrm>
-            <a:prstGeom prst="rect">
-              <a:avLst/>
-            </a:prstGeom>
-            <a:ln w="12700" cap="flat">
-              <a:noFill/>
-              <a:miter lim="400000"/>
-            </a:ln>
-            <a:effectLst/>
-          </p:spPr>
-        </p:pic>
-      </p:grpSp>
-      <p:sp>
-        <p:nvSpPr>
-          <p:cNvPr id="317" name="TextBox 10"/>
-          <p:cNvSpPr txBox="1"/>
-          <p:nvPr/>
-        </p:nvSpPr>
-        <p:spPr>
-          <a:xfrm>
-            <a:off x="7800506" y="3832703"/>
-            <a:ext cx="6247191" cy="7667512"/>
-          </a:xfrm>
-          <a:prstGeom prst="rect">
-            <a:avLst/>
-          </a:prstGeom>
-          <a:ln w="12700">
-            <a:miter lim="400000"/>
-          </a:ln>
-          <a:extLst>
-            <a:ext uri="{C572A759-6A51-4108-AA02-DFA0A04FC94B}">
-              <ma14:wrappingTextBoxFlag xmlns:ma14="http://schemas.microsoft.com/office/mac/drawingml/2011/main" val="1"/>
-            </a:ext>
-          </a:extLst>
-        </p:spPr>
-        <p:txBody>
-          <a:bodyPr lIns="50800" tIns="50800" rIns="50800" bIns="50800" anchor="ctr">
-            <a:spAutoFit/>
-          </a:bodyPr>
-          <a:lstStyle/>
-          <a:p>
-            <a:pPr marL="342900" indent="-342900">
-              <a:buSzPct val="100000"/>
-              <a:buFont typeface="Arial"/>
-              <a:buChar char="•"/>
-              <a:defRPr b="1" sz="2400">
-                <a:solidFill>
-                  <a:srgbClr val="818779"/>
-                </a:solidFill>
-                <a:latin typeface="+mn-lt"/>
-                <a:ea typeface="+mn-ea"/>
-                <a:cs typeface="+mn-cs"/>
-                <a:sym typeface="Helvetica"/>
-              </a:defRPr>
-            </a:pPr>
-            <a:r>
-              <a:t>Inception</a:t>
-            </a:r>
-            <a:r>
-              <a:t> </a:t>
-            </a:r>
-            <a:r>
-              <a:t>V3</a:t>
-            </a:r>
-            <a:r>
-              <a:rPr sz="2000"/>
-              <a:t>	</a:t>
-            </a:r>
-            <a:r>
-              <a:rPr b="0" sz="2000"/>
-              <a:t>	</a:t>
-            </a:r>
-          </a:p>
-          <a:p>
-            <a:pPr lvl="1">
-              <a:defRPr sz="2000">
-                <a:solidFill>
-                  <a:srgbClr val="818779"/>
-                </a:solidFill>
-                <a:latin typeface="+mn-lt"/>
-                <a:ea typeface="+mn-ea"/>
-                <a:cs typeface="+mn-cs"/>
-                <a:sym typeface="Helvetica"/>
-              </a:defRPr>
-            </a:pPr>
-            <a:r>
-              <a:t>Accuracy</a:t>
-            </a:r>
-            <a:r>
-              <a:t>는 약</a:t>
-            </a:r>
-            <a:r>
-              <a:t>80%</a:t>
-            </a:r>
-            <a:r>
-              <a:t>로 유지되고 </a:t>
-            </a:r>
-            <a:r>
-              <a:t>Loss</a:t>
-            </a:r>
-            <a:r>
-              <a:t>가 떨어지지 않지만 </a:t>
-            </a:r>
-            <a:r>
-              <a:t>VGG16</a:t>
-            </a:r>
-            <a:r>
-              <a:t>에 비해 </a:t>
-            </a:r>
-            <a:r>
-              <a:t>Loss</a:t>
-            </a:r>
-            <a:r>
-              <a:t>가 일정한 것을 볼 수 있다</a:t>
-            </a:r>
-            <a:r>
-              <a:t>.					</a:t>
-            </a:r>
-          </a:p>
-          <a:p>
-            <a:pPr lvl="1">
-              <a:defRPr sz="2000">
-                <a:solidFill>
-                  <a:srgbClr val="818779"/>
-                </a:solidFill>
-                <a:latin typeface="+mn-lt"/>
-                <a:ea typeface="+mn-ea"/>
-                <a:cs typeface="+mn-cs"/>
-                <a:sym typeface="Helvetica"/>
-              </a:defRPr>
-            </a:pPr>
-          </a:p>
-          <a:p>
-            <a:pPr lvl="1">
-              <a:defRPr sz="2000">
-                <a:solidFill>
-                  <a:srgbClr val="818779"/>
-                </a:solidFill>
-                <a:latin typeface="+mn-lt"/>
-                <a:ea typeface="+mn-ea"/>
-                <a:cs typeface="+mn-cs"/>
-                <a:sym typeface="Helvetica"/>
-              </a:defRPr>
-            </a:pPr>
-          </a:p>
-          <a:p>
-            <a:pPr lvl="1">
-              <a:defRPr sz="2000">
-                <a:solidFill>
-                  <a:srgbClr val="818779"/>
-                </a:solidFill>
-                <a:latin typeface="+mn-lt"/>
-                <a:ea typeface="+mn-ea"/>
-                <a:cs typeface="+mn-cs"/>
-                <a:sym typeface="Helvetica"/>
-              </a:defRPr>
-            </a:pPr>
-          </a:p>
-          <a:p>
-            <a:pPr lvl="1">
-              <a:defRPr sz="2000">
-                <a:solidFill>
-                  <a:srgbClr val="818779"/>
-                </a:solidFill>
-                <a:latin typeface="+mn-lt"/>
-                <a:ea typeface="+mn-ea"/>
-                <a:cs typeface="+mn-cs"/>
-                <a:sym typeface="Helvetica"/>
-              </a:defRPr>
-            </a:pPr>
-          </a:p>
-          <a:p>
-            <a:pPr lvl="1">
-              <a:defRPr sz="2000">
-                <a:solidFill>
-                  <a:srgbClr val="818779"/>
-                </a:solidFill>
-                <a:latin typeface="+mn-lt"/>
-                <a:ea typeface="+mn-ea"/>
-                <a:cs typeface="+mn-cs"/>
-                <a:sym typeface="Helvetica"/>
-              </a:defRPr>
-            </a:pPr>
-          </a:p>
-          <a:p>
-            <a:pPr lvl="1">
-              <a:defRPr sz="2000">
-                <a:solidFill>
-                  <a:srgbClr val="818779"/>
-                </a:solidFill>
-                <a:latin typeface="+mn-lt"/>
-                <a:ea typeface="+mn-ea"/>
-                <a:cs typeface="+mn-cs"/>
-                <a:sym typeface="Helvetica"/>
-              </a:defRPr>
-            </a:pPr>
-          </a:p>
-          <a:p>
-            <a:pPr lvl="1">
-              <a:defRPr sz="2000">
-                <a:solidFill>
-                  <a:srgbClr val="818779"/>
-                </a:solidFill>
-                <a:latin typeface="+mn-lt"/>
-                <a:ea typeface="+mn-ea"/>
-                <a:cs typeface="+mn-cs"/>
-                <a:sym typeface="Helvetica"/>
-              </a:defRPr>
-            </a:pPr>
-            <a:r>
-              <a:t>   </a:t>
-            </a:r>
-          </a:p>
-          <a:p>
-            <a:pPr marL="342900" indent="-342900">
-              <a:buSzPct val="100000"/>
-              <a:buFont typeface="Arial"/>
-              <a:buChar char="•"/>
-              <a:defRPr sz="2000">
-                <a:solidFill>
-                  <a:srgbClr val="818779"/>
-                </a:solidFill>
-                <a:latin typeface="+mn-lt"/>
-                <a:ea typeface="+mn-ea"/>
-                <a:cs typeface="+mn-cs"/>
-                <a:sym typeface="Helvetica"/>
-              </a:defRPr>
-            </a:pPr>
-          </a:p>
-          <a:p>
-            <a:pPr marL="342900" indent="-342900">
-              <a:buSzPct val="100000"/>
-              <a:buFont typeface="Arial"/>
-              <a:buChar char="•"/>
-              <a:defRPr sz="2000">
-                <a:solidFill>
-                  <a:srgbClr val="818779"/>
-                </a:solidFill>
-                <a:latin typeface="+mn-lt"/>
-                <a:ea typeface="+mn-ea"/>
-                <a:cs typeface="+mn-cs"/>
-                <a:sym typeface="Helvetica"/>
-              </a:defRPr>
-            </a:pPr>
-          </a:p>
-          <a:p>
-            <a:pPr>
-              <a:defRPr sz="2000">
-                <a:solidFill>
-                  <a:srgbClr val="818779"/>
-                </a:solidFill>
-                <a:latin typeface="+mn-lt"/>
-                <a:ea typeface="+mn-ea"/>
-                <a:cs typeface="+mn-cs"/>
-                <a:sym typeface="Helvetica"/>
-              </a:defRPr>
-            </a:pPr>
-          </a:p>
-          <a:p>
-            <a:pPr>
-              <a:defRPr sz="2000">
-                <a:solidFill>
-                  <a:srgbClr val="818779"/>
-                </a:solidFill>
-                <a:latin typeface="+mn-lt"/>
-                <a:ea typeface="+mn-ea"/>
-                <a:cs typeface="+mn-cs"/>
-                <a:sym typeface="Helvetica"/>
-              </a:defRPr>
-            </a:pPr>
-          </a:p>
-          <a:p>
-            <a:pPr marL="342900" indent="-342900">
-              <a:buSzPct val="100000"/>
-              <a:buFont typeface="Arial"/>
-              <a:buChar char="•"/>
-              <a:defRPr sz="2000">
-                <a:solidFill>
-                  <a:srgbClr val="818779"/>
-                </a:solidFill>
-                <a:latin typeface="+mn-lt"/>
-                <a:ea typeface="+mn-ea"/>
-                <a:cs typeface="+mn-cs"/>
-                <a:sym typeface="Helvetica"/>
-              </a:defRPr>
-            </a:pPr>
-          </a:p>
-          <a:p>
-            <a:pPr marL="342900" indent="-342900">
-              <a:buSzPct val="100000"/>
-              <a:buFont typeface="Arial"/>
-              <a:buChar char="•"/>
-              <a:defRPr sz="2000">
-                <a:solidFill>
-                  <a:srgbClr val="818779"/>
-                </a:solidFill>
-                <a:latin typeface="+mn-lt"/>
-                <a:ea typeface="+mn-ea"/>
-                <a:cs typeface="+mn-cs"/>
-                <a:sym typeface="Helvetica"/>
-              </a:defRPr>
-            </a:pPr>
-          </a:p>
-          <a:p>
-            <a:pPr>
-              <a:defRPr sz="2000">
-                <a:solidFill>
-                  <a:srgbClr val="818779"/>
-                </a:solidFill>
-                <a:latin typeface="+mn-lt"/>
-                <a:ea typeface="+mn-ea"/>
-                <a:cs typeface="+mn-cs"/>
-                <a:sym typeface="Helvetica"/>
-              </a:defRPr>
-            </a:pPr>
-          </a:p>
-        </p:txBody>
-      </p:sp>
-      <p:pic>
-        <p:nvPicPr>
-          <p:cNvPr id="318" name="그림 9" descr="그림 9"/>
-          <p:cNvPicPr>
-            <a:picLocks noChangeAspect="1"/>
-          </p:cNvPicPr>
-          <p:nvPr/>
-        </p:nvPicPr>
-        <p:blipFill>
-          <a:blip r:embed="rId3">
-            <a:extLst/>
-          </a:blip>
-          <a:stretch>
-            <a:fillRect/>
-          </a:stretch>
-        </p:blipFill>
-        <p:spPr>
-          <a:xfrm>
-            <a:off x="7550074" y="5289174"/>
-            <a:ext cx="7008608" cy="6829787"/>
-          </a:xfrm>
-          <a:prstGeom prst="rect">
-            <a:avLst/>
-          </a:prstGeom>
-          <a:ln w="12700">
-            <a:miter lim="400000"/>
-          </a:ln>
-        </p:spPr>
-      </p:pic>
-      <p:sp>
-        <p:nvSpPr>
-          <p:cNvPr id="319" name="직사각형 2"/>
-          <p:cNvSpPr/>
-          <p:nvPr/>
-        </p:nvSpPr>
-        <p:spPr>
-          <a:xfrm>
-            <a:off x="7550074" y="3414012"/>
-            <a:ext cx="6497623" cy="9023686"/>
+            <a:off x="1022904" y="8474719"/>
+            <a:ext cx="6647263" cy="2966155"/>
           </a:xfrm>
           <a:prstGeom prst="rect">
             <a:avLst/>
           </a:prstGeom>
           <a:ln w="101600">
             <a:solidFill>
-              <a:schemeClr val="accent1"/>
+              <a:srgbClr val="00B0F0"/>
             </a:solidFill>
             <a:miter lim="400000"/>
           </a:ln>
@@ -9375,431 +7311,28 @@
       </p:sp>
       <p:grpSp>
         <p:nvGrpSpPr>
-          <p:cNvPr id="322" name="그룹 13"/>
+          <p:cNvPr id="298" name="그룹 6"/>
           <p:cNvGrpSpPr/>
           <p:nvPr/>
         </p:nvGrpSpPr>
         <p:grpSpPr>
           <a:xfrm>
-            <a:off x="14809114" y="3470718"/>
-            <a:ext cx="6247190" cy="9671833"/>
+            <a:off x="10443197" y="5191831"/>
+            <a:ext cx="10879545" cy="4531404"/>
             <a:chOff x="0" y="0"/>
-            <a:chExt cx="6247189" cy="9671831"/>
+            <a:chExt cx="10879543" cy="4531402"/>
           </a:xfrm>
         </p:grpSpPr>
         <p:sp>
           <p:nvSpPr>
-            <p:cNvPr id="320" name="TextBox 14"/>
-            <p:cNvSpPr txBox="1"/>
-            <p:nvPr/>
-          </p:nvSpPr>
-          <p:spPr>
-            <a:xfrm>
-              <a:off x="0" y="-1"/>
-              <a:ext cx="6247190" cy="9671833"/>
-            </a:xfrm>
-            <a:prstGeom prst="rect">
-              <a:avLst/>
-            </a:prstGeom>
-            <a:noFill/>
-            <a:ln w="12700" cap="flat">
-              <a:noFill/>
-              <a:miter lim="400000"/>
-            </a:ln>
-            <a:effectLst/>
-            <a:extLst>
-              <a:ext uri="{C572A759-6A51-4108-AA02-DFA0A04FC94B}">
-                <ma14:wrappingTextBoxFlag xmlns:ma14="http://schemas.microsoft.com/office/mac/drawingml/2011/main" val="1"/>
-              </a:ext>
-            </a:extLst>
-          </p:spPr>
-          <p:txBody>
-            <a:bodyPr wrap="square" lIns="50800" tIns="50800" rIns="50800" bIns="50800" numCol="1" anchor="ctr">
-              <a:spAutoFit/>
-            </a:bodyPr>
-            <a:lstStyle/>
-            <a:p>
-              <a:pPr marL="342900" indent="-342900">
-                <a:buSzPct val="100000"/>
-                <a:buFont typeface="Arial"/>
-                <a:buChar char="•"/>
-                <a:defRPr b="1" sz="2400">
-                  <a:solidFill>
-                    <a:srgbClr val="818779"/>
-                  </a:solidFill>
-                  <a:latin typeface="+mn-lt"/>
-                  <a:ea typeface="+mn-ea"/>
-                  <a:cs typeface="+mn-cs"/>
-                  <a:sym typeface="Helvetica"/>
-                </a:defRPr>
-              </a:pPr>
-              <a:r>
-                <a:t>MobileNet V2</a:t>
-              </a:r>
-              <a:r>
-                <a:rPr b="0" sz="2000"/>
-                <a:t>		</a:t>
-              </a:r>
-            </a:p>
-            <a:p>
-              <a:pPr lvl="1">
-                <a:defRPr sz="2000">
-                  <a:solidFill>
-                    <a:srgbClr val="818779"/>
-                  </a:solidFill>
-                  <a:latin typeface="+mn-lt"/>
-                  <a:ea typeface="+mn-ea"/>
-                  <a:cs typeface="+mn-cs"/>
-                  <a:sym typeface="Helvetica"/>
-                </a:defRPr>
-              </a:pPr>
-              <a:r>
-                <a:t>Accuracy</a:t>
-              </a:r>
-              <a:r>
-                <a:t>는 약 </a:t>
-              </a:r>
-              <a:r>
-                <a:t>60~75%</a:t>
-              </a:r>
-              <a:r>
-                <a:t>사이에서 일정하게 유지되는 상황이 적었다</a:t>
-              </a:r>
-              <a:r>
-                <a:t>. Loss</a:t>
-              </a:r>
-              <a:r>
-                <a:t>의 경우 또한 </a:t>
-              </a:r>
-              <a:r>
-                <a:t>Accuracy</a:t>
-              </a:r>
-              <a:r>
-                <a:t>와 비슷한 형태를 보였다</a:t>
-              </a:r>
-              <a:r>
-                <a:t>. Loss</a:t>
-              </a:r>
-              <a:r>
-                <a:t>관점에서 </a:t>
-              </a:r>
-              <a:r>
-                <a:t>VGG16</a:t>
-              </a:r>
-              <a:r>
-                <a:t>보다 더 나은 형태를 보인다</a:t>
-              </a:r>
-              <a:r>
-                <a:t>.		</a:t>
-              </a:r>
-            </a:p>
-            <a:p>
-              <a:pPr lvl="1">
-                <a:defRPr sz="2000">
-                  <a:solidFill>
-                    <a:srgbClr val="818779"/>
-                  </a:solidFill>
-                  <a:latin typeface="+mn-lt"/>
-                  <a:ea typeface="+mn-ea"/>
-                  <a:cs typeface="+mn-cs"/>
-                  <a:sym typeface="Helvetica"/>
-                </a:defRPr>
-              </a:pPr>
-            </a:p>
-            <a:p>
-              <a:pPr lvl="1">
-                <a:defRPr sz="2000">
-                  <a:solidFill>
-                    <a:srgbClr val="818779"/>
-                  </a:solidFill>
-                  <a:latin typeface="+mn-lt"/>
-                  <a:ea typeface="+mn-ea"/>
-                  <a:cs typeface="+mn-cs"/>
-                  <a:sym typeface="Helvetica"/>
-                </a:defRPr>
-              </a:pPr>
-            </a:p>
-            <a:p>
-              <a:pPr lvl="1">
-                <a:defRPr sz="2000">
-                  <a:solidFill>
-                    <a:srgbClr val="818779"/>
-                  </a:solidFill>
-                  <a:latin typeface="+mn-lt"/>
-                  <a:ea typeface="+mn-ea"/>
-                  <a:cs typeface="+mn-cs"/>
-                  <a:sym typeface="Helvetica"/>
-                </a:defRPr>
-              </a:pPr>
-            </a:p>
-            <a:p>
-              <a:pPr lvl="1">
-                <a:defRPr sz="2000">
-                  <a:solidFill>
-                    <a:srgbClr val="818779"/>
-                  </a:solidFill>
-                  <a:latin typeface="+mn-lt"/>
-                  <a:ea typeface="+mn-ea"/>
-                  <a:cs typeface="+mn-cs"/>
-                  <a:sym typeface="Helvetica"/>
-                </a:defRPr>
-              </a:pPr>
-            </a:p>
-            <a:p>
-              <a:pPr lvl="1">
-                <a:defRPr sz="2000">
-                  <a:solidFill>
-                    <a:srgbClr val="818779"/>
-                  </a:solidFill>
-                  <a:latin typeface="+mn-lt"/>
-                  <a:ea typeface="+mn-ea"/>
-                  <a:cs typeface="+mn-cs"/>
-                  <a:sym typeface="Helvetica"/>
-                </a:defRPr>
-              </a:pPr>
-            </a:p>
-            <a:p>
-              <a:pPr lvl="1">
-                <a:defRPr sz="2000">
-                  <a:solidFill>
-                    <a:srgbClr val="818779"/>
-                  </a:solidFill>
-                  <a:latin typeface="+mn-lt"/>
-                  <a:ea typeface="+mn-ea"/>
-                  <a:cs typeface="+mn-cs"/>
-                  <a:sym typeface="Helvetica"/>
-                </a:defRPr>
-              </a:pPr>
-            </a:p>
-            <a:p>
-              <a:pPr lvl="1">
-                <a:defRPr sz="2000">
-                  <a:solidFill>
-                    <a:srgbClr val="818779"/>
-                  </a:solidFill>
-                  <a:latin typeface="+mn-lt"/>
-                  <a:ea typeface="+mn-ea"/>
-                  <a:cs typeface="+mn-cs"/>
-                  <a:sym typeface="Helvetica"/>
-                </a:defRPr>
-              </a:pPr>
-              <a:r>
-                <a:t>   </a:t>
-              </a:r>
-            </a:p>
-            <a:p>
-              <a:pPr marL="342900" indent="-342900">
-                <a:buSzPct val="100000"/>
-                <a:buFont typeface="Arial"/>
-                <a:buChar char="•"/>
-                <a:defRPr sz="2000">
-                  <a:solidFill>
-                    <a:srgbClr val="818779"/>
-                  </a:solidFill>
-                  <a:latin typeface="+mn-lt"/>
-                  <a:ea typeface="+mn-ea"/>
-                  <a:cs typeface="+mn-cs"/>
-                  <a:sym typeface="Helvetica"/>
-                </a:defRPr>
-              </a:pPr>
-            </a:p>
-            <a:p>
-              <a:pPr marL="342900" indent="-342900">
-                <a:buSzPct val="100000"/>
-                <a:buFont typeface="Arial"/>
-                <a:buChar char="•"/>
-                <a:defRPr sz="2000">
-                  <a:solidFill>
-                    <a:srgbClr val="818779"/>
-                  </a:solidFill>
-                  <a:latin typeface="+mn-lt"/>
-                  <a:ea typeface="+mn-ea"/>
-                  <a:cs typeface="+mn-cs"/>
-                  <a:sym typeface="Helvetica"/>
-                </a:defRPr>
-              </a:pPr>
-            </a:p>
-            <a:p>
-              <a:pPr>
-                <a:defRPr sz="2000">
-                  <a:solidFill>
-                    <a:srgbClr val="818779"/>
-                  </a:solidFill>
-                  <a:latin typeface="+mn-lt"/>
-                  <a:ea typeface="+mn-ea"/>
-                  <a:cs typeface="+mn-cs"/>
-                  <a:sym typeface="Helvetica"/>
-                </a:defRPr>
-              </a:pPr>
-            </a:p>
-            <a:p>
-              <a:pPr>
-                <a:defRPr sz="2000">
-                  <a:solidFill>
-                    <a:srgbClr val="818779"/>
-                  </a:solidFill>
-                  <a:latin typeface="+mn-lt"/>
-                  <a:ea typeface="+mn-ea"/>
-                  <a:cs typeface="+mn-cs"/>
-                  <a:sym typeface="Helvetica"/>
-                </a:defRPr>
-              </a:pPr>
-            </a:p>
-            <a:p>
-              <a:pPr marL="342900" indent="-342900">
-                <a:buSzPct val="100000"/>
-                <a:buFont typeface="Arial"/>
-                <a:buChar char="•"/>
-                <a:defRPr sz="2000">
-                  <a:solidFill>
-                    <a:srgbClr val="818779"/>
-                  </a:solidFill>
-                  <a:latin typeface="+mn-lt"/>
-                  <a:ea typeface="+mn-ea"/>
-                  <a:cs typeface="+mn-cs"/>
-                  <a:sym typeface="Helvetica"/>
-                </a:defRPr>
-              </a:pPr>
-            </a:p>
-            <a:p>
-              <a:pPr marL="342900" indent="-342900">
-                <a:buSzPct val="100000"/>
-                <a:buFont typeface="Arial"/>
-                <a:buChar char="•"/>
-                <a:defRPr sz="2000">
-                  <a:solidFill>
-                    <a:srgbClr val="818779"/>
-                  </a:solidFill>
-                  <a:latin typeface="+mn-lt"/>
-                  <a:ea typeface="+mn-ea"/>
-                  <a:cs typeface="+mn-cs"/>
-                  <a:sym typeface="Helvetica"/>
-                </a:defRPr>
-              </a:pPr>
-            </a:p>
-            <a:p>
-              <a:pPr>
-                <a:defRPr sz="2000">
-                  <a:solidFill>
-                    <a:srgbClr val="818779"/>
-                  </a:solidFill>
-                  <a:latin typeface="+mn-lt"/>
-                  <a:ea typeface="+mn-ea"/>
-                  <a:cs typeface="+mn-cs"/>
-                  <a:sym typeface="Helvetica"/>
-                </a:defRPr>
-              </a:pPr>
-            </a:p>
-            <a:p>
-              <a:pPr>
-                <a:defRPr sz="2000">
-                  <a:solidFill>
-                    <a:srgbClr val="818779"/>
-                  </a:solidFill>
-                  <a:latin typeface="+mn-lt"/>
-                  <a:ea typeface="+mn-ea"/>
-                  <a:cs typeface="+mn-cs"/>
-                  <a:sym typeface="Helvetica"/>
-                </a:defRPr>
-              </a:pPr>
-            </a:p>
-            <a:p>
-              <a:pPr>
-                <a:defRPr sz="2000">
-                  <a:solidFill>
-                    <a:srgbClr val="818779"/>
-                  </a:solidFill>
-                  <a:latin typeface="+mn-lt"/>
-                  <a:ea typeface="+mn-ea"/>
-                  <a:cs typeface="+mn-cs"/>
-                  <a:sym typeface="Helvetica"/>
-                </a:defRPr>
-              </a:pPr>
-            </a:p>
-            <a:p>
-              <a:pPr>
-                <a:defRPr sz="2000">
-                  <a:solidFill>
-                    <a:srgbClr val="818779"/>
-                  </a:solidFill>
-                  <a:latin typeface="+mn-lt"/>
-                  <a:ea typeface="+mn-ea"/>
-                  <a:cs typeface="+mn-cs"/>
-                  <a:sym typeface="Helvetica"/>
-                </a:defRPr>
-              </a:pPr>
-            </a:p>
-            <a:p>
-              <a:pPr>
-                <a:defRPr sz="2000">
-                  <a:solidFill>
-                    <a:srgbClr val="818779"/>
-                  </a:solidFill>
-                  <a:latin typeface="+mn-lt"/>
-                  <a:ea typeface="+mn-ea"/>
-                  <a:cs typeface="+mn-cs"/>
-                  <a:sym typeface="Helvetica"/>
-                </a:defRPr>
-              </a:pPr>
-            </a:p>
-          </p:txBody>
-        </p:sp>
-        <p:pic>
-          <p:nvPicPr>
-            <p:cNvPr id="321" name="그림 16" descr="그림 16"/>
-            <p:cNvPicPr>
-              <a:picLocks noChangeAspect="1"/>
-            </p:cNvPicPr>
-            <p:nvPr/>
-          </p:nvPicPr>
-          <p:blipFill>
-            <a:blip r:embed="rId4">
-              <a:extLst/>
-            </a:blip>
-            <a:stretch>
-              <a:fillRect/>
-            </a:stretch>
-          </p:blipFill>
-          <p:spPr>
-            <a:xfrm>
-              <a:off x="206765" y="2306988"/>
-              <a:ext cx="5413192" cy="6659992"/>
-            </a:xfrm>
-            <a:prstGeom prst="rect">
-              <a:avLst/>
-            </a:prstGeom>
-            <a:ln w="12700" cap="flat">
-              <a:noFill/>
-              <a:miter lim="400000"/>
-            </a:ln>
-            <a:effectLst/>
-          </p:spPr>
-        </p:pic>
-      </p:grpSp>
-      <p:grpSp>
-        <p:nvGrpSpPr>
-          <p:cNvPr id="325" name="그룹 6"/>
-          <p:cNvGrpSpPr/>
-          <p:nvPr/>
-        </p:nvGrpSpPr>
-        <p:grpSpPr>
-          <a:xfrm>
-            <a:off x="5773702" y="5599534"/>
-            <a:ext cx="9979322" cy="4133851"/>
-            <a:chOff x="0" y="0"/>
-            <a:chExt cx="9979322" cy="4133850"/>
-          </a:xfrm>
-        </p:grpSpPr>
-        <p:sp>
-          <p:nvSpPr>
-            <p:cNvPr id="323" name="직사각형 4"/>
+            <p:cNvPr id="296" name="직사각형 7"/>
             <p:cNvSpPr/>
             <p:nvPr/>
           </p:nvSpPr>
           <p:spPr>
             <a:xfrm>
               <a:off x="0" y="0"/>
-              <a:ext cx="9925050" cy="4133850"/>
+              <a:ext cx="10879544" cy="4531403"/>
             </a:xfrm>
             <a:prstGeom prst="rect">
               <a:avLst/>
@@ -9837,14 +7370,14 @@
         </p:sp>
         <p:sp>
           <p:nvSpPr>
-            <p:cNvPr id="324" name="TextBox 5"/>
+            <p:cNvPr id="297" name="TextBox 8"/>
             <p:cNvSpPr txBox="1"/>
             <p:nvPr/>
           </p:nvSpPr>
           <p:spPr>
             <a:xfrm>
-              <a:off x="562690" y="677649"/>
-              <a:ext cx="9416633" cy="3297344"/>
+              <a:off x="278656" y="458476"/>
+              <a:ext cx="10322232" cy="3614450"/>
             </a:xfrm>
             <a:prstGeom prst="rect">
               <a:avLst/>
@@ -9863,12 +7396,12 @@
           </p:spPr>
           <p:txBody>
             <a:bodyPr wrap="square" lIns="50800" tIns="50800" rIns="50800" bIns="50800" numCol="1" anchor="ctr">
-              <a:spAutoFit/>
+              <a:noAutofit/>
             </a:bodyPr>
             <a:lstStyle/>
             <a:p>
-              <a:pPr>
-                <a:defRPr sz="1800">
+              <a:pPr algn="ctr">
+                <a:defRPr sz="3000">
                   <a:solidFill>
                     <a:srgbClr val="818779"/>
                   </a:solidFill>
@@ -9880,21 +7413,8 @@
               </a:pPr>
             </a:p>
             <a:p>
-              <a:pPr>
-                <a:defRPr sz="1800">
-                  <a:solidFill>
-                    <a:srgbClr val="818779"/>
-                  </a:solidFill>
-                  <a:latin typeface="+mn-lt"/>
-                  <a:ea typeface="+mn-ea"/>
-                  <a:cs typeface="+mn-cs"/>
-                  <a:sym typeface="Helvetica"/>
-                </a:defRPr>
-              </a:pPr>
-            </a:p>
-            <a:p>
-              <a:pPr>
-                <a:defRPr sz="2400">
+              <a:pPr algn="ctr">
+                <a:defRPr sz="4000">
                   <a:solidFill>
                     <a:srgbClr val="818779"/>
                   </a:solidFill>
@@ -9908,23 +7428,22 @@
                 <a:t>최종적으로 가장 높은 </a:t>
               </a:r>
               <a:r>
+                <a:rPr sz="5000"/>
                 <a:t>Accuracy</a:t>
               </a:r>
               <a:r>
-                <a:t>를 보이면서 </a:t>
+                <a:t>를 보이는</a:t>
               </a:r>
               <a:r>
-                <a:t>training loss</a:t>
+                <a:rPr sz="5000"/>
+                <a:t> </a:t>
               </a:r>
               <a:r>
-                <a:t>와 가장 인접한 형태를 보이는 </a:t>
-              </a:r>
-              <a:r>
-                <a:rPr b="1" sz="2800"/>
+                <a:rPr b="1" sz="5000"/>
                 <a:t>Inception V3</a:t>
               </a:r>
               <a:r>
-                <a:rPr b="1" sz="2800"/>
+                <a:rPr b="1" sz="5000"/>
                 <a:t> 모델</a:t>
               </a:r>
               <a:r>
@@ -9932,8 +7451,8 @@
               </a:r>
             </a:p>
             <a:p>
-              <a:pPr>
-                <a:defRPr sz="1800">
+              <a:pPr algn="ctr">
+                <a:defRPr sz="3000">
                   <a:solidFill>
                     <a:srgbClr val="818779"/>
                   </a:solidFill>
@@ -9945,8 +7464,8 @@
               </a:pPr>
             </a:p>
             <a:p>
-              <a:pPr>
-                <a:defRPr sz="1800">
+              <a:pPr algn="ctr">
+                <a:defRPr sz="3000">
                   <a:solidFill>
                     <a:srgbClr val="818779"/>
                   </a:solidFill>
@@ -9958,8 +7477,8 @@
               </a:pPr>
             </a:p>
             <a:p>
-              <a:pPr>
-                <a:defRPr sz="1800">
+              <a:pPr algn="ctr">
+                <a:defRPr sz="3000">
                   <a:solidFill>
                     <a:srgbClr val="818779"/>
                   </a:solidFill>
@@ -9973,6 +7492,693 @@
           </p:txBody>
         </p:sp>
       </p:grpSp>
+      <p:sp>
+        <p:nvSpPr>
+          <p:cNvPr id="299" name="TextBox 1"/>
+          <p:cNvSpPr txBox="1"/>
+          <p:nvPr/>
+        </p:nvSpPr>
+        <p:spPr>
+          <a:xfrm>
+            <a:off x="1511524" y="3158338"/>
+            <a:ext cx="14856236" cy="8598390"/>
+          </a:xfrm>
+          <a:prstGeom prst="rect">
+            <a:avLst/>
+          </a:prstGeom>
+          <a:ln w="12700">
+            <a:miter lim="400000"/>
+          </a:ln>
+          <a:extLst>
+            <a:ext uri="{C572A759-6A51-4108-AA02-DFA0A04FC94B}">
+              <ma14:wrappingTextBoxFlag xmlns:ma14="http://schemas.microsoft.com/office/mac/drawingml/2011/main" val="1"/>
+            </a:ext>
+          </a:extLst>
+        </p:spPr>
+        <p:txBody>
+          <a:bodyPr lIns="50800" tIns="50800" rIns="50800" bIns="50800" anchor="ctr">
+            <a:spAutoFit/>
+          </a:bodyPr>
+          <a:lstStyle/>
+          <a:p>
+            <a:pPr marL="428625" indent="-428625">
+              <a:buSzPct val="100000"/>
+              <a:buFont typeface="Arial"/>
+              <a:buChar char="•"/>
+              <a:defRPr b="1" sz="3200">
+                <a:solidFill>
+                  <a:srgbClr val="818779"/>
+                </a:solidFill>
+                <a:latin typeface="+mn-lt"/>
+                <a:ea typeface="+mn-ea"/>
+                <a:cs typeface="+mn-cs"/>
+                <a:sym typeface="Helvetica"/>
+              </a:defRPr>
+            </a:pPr>
+            <a:r>
+              <a:rPr sz="4000"/>
+              <a:t>VGG16</a:t>
+            </a:r>
+            <a:r>
+              <a:rPr b="0" sz="2000"/>
+              <a:t>		</a:t>
+            </a:r>
+          </a:p>
+          <a:p>
+            <a:pPr lvl="1">
+              <a:defRPr sz="2900">
+                <a:solidFill>
+                  <a:srgbClr val="818779"/>
+                </a:solidFill>
+                <a:latin typeface="+mn-lt"/>
+                <a:ea typeface="+mn-ea"/>
+                <a:cs typeface="+mn-cs"/>
+                <a:sym typeface="Helvetica"/>
+              </a:defRPr>
+            </a:pPr>
+            <a:r>
+              <a:t>- Training Set Accuracy</a:t>
+            </a:r>
+            <a:r>
+              <a:t>는 약 </a:t>
+            </a:r>
+            <a:r>
+              <a:t>100%</a:t>
+            </a:r>
+          </a:p>
+          <a:p>
+            <a:pPr lvl="1">
+              <a:defRPr sz="2900">
+                <a:solidFill>
+                  <a:srgbClr val="818779"/>
+                </a:solidFill>
+                <a:latin typeface="+mn-lt"/>
+                <a:ea typeface="+mn-ea"/>
+                <a:cs typeface="+mn-cs"/>
+                <a:sym typeface="Helvetica"/>
+              </a:defRPr>
+            </a:pPr>
+            <a:r>
+              <a:t>- Test Set Accuracy</a:t>
+            </a:r>
+            <a:r>
+              <a:t>는 약 </a:t>
+            </a:r>
+            <a:r>
+              <a:t>60~65%</a:t>
+            </a:r>
+          </a:p>
+          <a:p>
+            <a:pPr lvl="1">
+              <a:defRPr sz="2000">
+                <a:solidFill>
+                  <a:srgbClr val="818779"/>
+                </a:solidFill>
+                <a:latin typeface="+mn-lt"/>
+                <a:ea typeface="+mn-ea"/>
+                <a:cs typeface="+mn-cs"/>
+                <a:sym typeface="Helvetica"/>
+              </a:defRPr>
+            </a:pPr>
+          </a:p>
+          <a:p>
+            <a:pPr lvl="1">
+              <a:defRPr sz="2000">
+                <a:solidFill>
+                  <a:srgbClr val="818779"/>
+                </a:solidFill>
+                <a:latin typeface="+mn-lt"/>
+                <a:ea typeface="+mn-ea"/>
+                <a:cs typeface="+mn-cs"/>
+                <a:sym typeface="Helvetica"/>
+              </a:defRPr>
+            </a:pPr>
+          </a:p>
+          <a:p>
+            <a:pPr marL="428625" indent="-428625">
+              <a:buSzPct val="100000"/>
+              <a:buFont typeface="Arial"/>
+              <a:buChar char="•"/>
+              <a:defRPr b="1" sz="3200">
+                <a:solidFill>
+                  <a:srgbClr val="818779"/>
+                </a:solidFill>
+                <a:latin typeface="+mn-lt"/>
+                <a:ea typeface="+mn-ea"/>
+                <a:cs typeface="+mn-cs"/>
+                <a:sym typeface="Helvetica"/>
+              </a:defRPr>
+            </a:pPr>
+            <a:r>
+              <a:rPr sz="4000"/>
+              <a:t>MobileNet V2</a:t>
+            </a:r>
+            <a:r>
+              <a:rPr b="0" sz="2000"/>
+              <a:t>		</a:t>
+            </a:r>
+          </a:p>
+          <a:p>
+            <a:pPr lvl="1">
+              <a:defRPr sz="2900">
+                <a:solidFill>
+                  <a:srgbClr val="818779"/>
+                </a:solidFill>
+                <a:latin typeface="+mn-lt"/>
+                <a:ea typeface="+mn-ea"/>
+                <a:cs typeface="+mn-cs"/>
+                <a:sym typeface="Helvetica"/>
+              </a:defRPr>
+            </a:pPr>
+            <a:r>
+              <a:t>- Training Set Accuracy</a:t>
+            </a:r>
+            <a:r>
+              <a:t>는 약 </a:t>
+            </a:r>
+            <a:r>
+              <a:t>100%</a:t>
+            </a:r>
+          </a:p>
+          <a:p>
+            <a:pPr lvl="1">
+              <a:defRPr sz="2900">
+                <a:solidFill>
+                  <a:srgbClr val="818779"/>
+                </a:solidFill>
+                <a:latin typeface="+mn-lt"/>
+                <a:ea typeface="+mn-ea"/>
+                <a:cs typeface="+mn-cs"/>
+                <a:sym typeface="Helvetica"/>
+              </a:defRPr>
+            </a:pPr>
+            <a:r>
+              <a:t>- Test Set Accuracy</a:t>
+            </a:r>
+            <a:r>
+              <a:t>는 약 </a:t>
+            </a:r>
+            <a:r>
+              <a:t>60~75%</a:t>
+            </a:r>
+          </a:p>
+          <a:p>
+            <a:pPr lvl="1">
+              <a:defRPr b="1" sz="2400">
+                <a:solidFill>
+                  <a:srgbClr val="818779"/>
+                </a:solidFill>
+                <a:latin typeface="+mn-lt"/>
+                <a:ea typeface="+mn-ea"/>
+                <a:cs typeface="+mn-cs"/>
+                <a:sym typeface="Helvetica"/>
+              </a:defRPr>
+            </a:pPr>
+          </a:p>
+          <a:p>
+            <a:pPr lvl="1">
+              <a:defRPr b="1" sz="2400">
+                <a:solidFill>
+                  <a:srgbClr val="818779"/>
+                </a:solidFill>
+                <a:latin typeface="+mn-lt"/>
+                <a:ea typeface="+mn-ea"/>
+                <a:cs typeface="+mn-cs"/>
+                <a:sym typeface="Helvetica"/>
+              </a:defRPr>
+            </a:pPr>
+          </a:p>
+          <a:p>
+            <a:pPr marL="428625" indent="-428625">
+              <a:buSzPct val="100000"/>
+              <a:buFont typeface="Arial"/>
+              <a:buChar char="•"/>
+              <a:defRPr b="1" sz="3200">
+                <a:solidFill>
+                  <a:srgbClr val="818779"/>
+                </a:solidFill>
+                <a:latin typeface="+mn-lt"/>
+                <a:ea typeface="+mn-ea"/>
+                <a:cs typeface="+mn-cs"/>
+                <a:sym typeface="Helvetica"/>
+              </a:defRPr>
+            </a:pPr>
+            <a:r>
+              <a:rPr sz="4000"/>
+              <a:t>Inception</a:t>
+            </a:r>
+            <a:r>
+              <a:rPr sz="4000"/>
+              <a:t> </a:t>
+            </a:r>
+            <a:r>
+              <a:rPr sz="4000"/>
+              <a:t>V3</a:t>
+            </a:r>
+            <a:r>
+              <a:rPr b="0" sz="2000"/>
+              <a:t>		</a:t>
+            </a:r>
+          </a:p>
+          <a:p>
+            <a:pPr lvl="1">
+              <a:defRPr sz="2900">
+                <a:solidFill>
+                  <a:srgbClr val="818779"/>
+                </a:solidFill>
+                <a:latin typeface="+mn-lt"/>
+                <a:ea typeface="+mn-ea"/>
+                <a:cs typeface="+mn-cs"/>
+                <a:sym typeface="Helvetica"/>
+              </a:defRPr>
+            </a:pPr>
+            <a:r>
+              <a:t>- Training Set Accuracy</a:t>
+            </a:r>
+            <a:r>
+              <a:t>는 약 </a:t>
+            </a:r>
+            <a:r>
+              <a:t>100%</a:t>
+            </a:r>
+          </a:p>
+          <a:p>
+            <a:pPr lvl="1">
+              <a:defRPr sz="2900">
+                <a:solidFill>
+                  <a:srgbClr val="818779"/>
+                </a:solidFill>
+                <a:latin typeface="+mn-lt"/>
+                <a:ea typeface="+mn-ea"/>
+                <a:cs typeface="+mn-cs"/>
+                <a:sym typeface="Helvetica"/>
+              </a:defRPr>
+            </a:pPr>
+            <a:r>
+              <a:t>- Test Set Accuracy</a:t>
+            </a:r>
+            <a:r>
+              <a:t>는 약 </a:t>
+            </a:r>
+            <a:r>
+              <a:t>80%</a:t>
+            </a:r>
+            <a:endParaRPr sz="2400"/>
+          </a:p>
+          <a:p>
+            <a:pPr>
+              <a:defRPr sz="2000">
+                <a:solidFill>
+                  <a:srgbClr val="818779"/>
+                </a:solidFill>
+                <a:latin typeface="+mn-lt"/>
+                <a:ea typeface="+mn-ea"/>
+                <a:cs typeface="+mn-cs"/>
+                <a:sym typeface="Helvetica"/>
+              </a:defRPr>
+            </a:pPr>
+          </a:p>
+        </p:txBody>
+      </p:sp>
+    </p:spTree>
+  </p:cSld>
+  <p:clrMapOvr>
+    <a:masterClrMapping/>
+  </p:clrMapOvr>
+  <p:transition xmlns:p14="http://schemas.microsoft.com/office/powerpoint/2010/main" spd="med" advClick="1"/>
+</p:sld>
+</file>
+
+<file path=ppt/slides/slide17.xml><?xml version="1.0" encoding="utf-8"?>
+<p:sld xmlns:a="http://schemas.openxmlformats.org/drawingml/2006/main" xmlns:r="http://schemas.openxmlformats.org/officeDocument/2006/relationships" xmlns:p="http://schemas.openxmlformats.org/presentationml/2006/main" xmlns:m="http://schemas.openxmlformats.org/officeDocument/2006/math" xmlns:a14="http://schemas.microsoft.com/office/drawing/2010/main" showMasterSp="1" showMasterPhAnim="1">
+  <p:cSld>
+    <p:spTree>
+      <p:nvGrpSpPr>
+        <p:cNvPr id="1" name=""/>
+        <p:cNvGrpSpPr/>
+        <p:nvPr/>
+      </p:nvGrpSpPr>
+      <p:grpSpPr>
+        <a:xfrm>
+          <a:off x="0" y="0"/>
+          <a:ext cx="0" cy="0"/>
+          <a:chOff x="0" y="0"/>
+          <a:chExt cx="0" cy="0"/>
+        </a:xfrm>
+      </p:grpSpPr>
+      <p:sp>
+        <p:nvSpPr>
+          <p:cNvPr id="301" name="슬라이드 번호"/>
+          <p:cNvSpPr txBox="1"/>
+          <p:nvPr>
+            <p:ph type="sldNum" sz="quarter" idx="4294967295"/>
+          </p:nvPr>
+        </p:nvSpPr>
+        <p:spPr>
+          <a:xfrm>
+            <a:off x="22927548" y="12437698"/>
+            <a:ext cx="467458" cy="482601"/>
+          </a:xfrm>
+          <a:prstGeom prst="rect">
+            <a:avLst/>
+          </a:prstGeom>
+          <a:extLst>
+            <a:ext uri="{C572A759-6A51-4108-AA02-DFA0A04FC94B}">
+              <ma14:wrappingTextBoxFlag xmlns:ma14="http://schemas.microsoft.com/office/mac/drawingml/2011/main" val="1"/>
+            </a:ext>
+          </a:extLst>
+        </p:spPr>
+        <p:txBody>
+          <a:bodyPr/>
+          <a:lstStyle/>
+          <a:p>
+            <a:pPr/>
+            <a:fld id="{86CB4B4D-7CA3-9044-876B-883B54F8677D}" type="slidenum"/>
+          </a:p>
+        </p:txBody>
+      </p:sp>
+      <p:sp>
+        <p:nvSpPr>
+          <p:cNvPr id="302" name="멘토링 - Modeling"/>
+          <p:cNvSpPr txBox="1"/>
+          <p:nvPr>
+            <p:ph type="title"/>
+          </p:nvPr>
+        </p:nvSpPr>
+        <p:spPr>
+          <a:xfrm>
+            <a:off x="843969" y="993132"/>
+            <a:ext cx="23333424" cy="1902088"/>
+          </a:xfrm>
+          <a:prstGeom prst="rect">
+            <a:avLst/>
+          </a:prstGeom>
+        </p:spPr>
+        <p:txBody>
+          <a:bodyPr/>
+          <a:lstStyle/>
+          <a:p>
+            <a:pPr/>
+            <a:r>
+              <a:t>멘토</a:t>
+            </a:r>
+            <a:r>
+              <a:t>링</a:t>
+            </a:r>
+          </a:p>
+        </p:txBody>
+      </p:sp>
+      <p:sp>
+        <p:nvSpPr>
+          <p:cNvPr id="303" name="선"/>
+          <p:cNvSpPr/>
+          <p:nvPr/>
+        </p:nvSpPr>
+        <p:spPr>
+          <a:xfrm flipV="1">
+            <a:off x="853156" y="2606184"/>
+            <a:ext cx="23315050" cy="2"/>
+          </a:xfrm>
+          <a:prstGeom prst="line">
+            <a:avLst/>
+          </a:prstGeom>
+          <a:ln w="25400">
+            <a:solidFill>
+              <a:srgbClr val="818779"/>
+            </a:solidFill>
+            <a:miter lim="400000"/>
+          </a:ln>
+        </p:spPr>
+        <p:txBody>
+          <a:bodyPr lIns="45718" tIns="45718" rIns="45718" bIns="45718"/>
+          <a:lstStyle/>
+          <a:p>
+            <a:pPr>
+              <a:defRPr>
+                <a:solidFill>
+                  <a:srgbClr val="818779"/>
+                </a:solidFill>
+              </a:defRPr>
+            </a:pPr>
+          </a:p>
+        </p:txBody>
+      </p:sp>
+      <p:pic>
+        <p:nvPicPr>
+          <p:cNvPr id="304" name="이미지" descr="이미지"/>
+          <p:cNvPicPr>
+            <a:picLocks noChangeAspect="1"/>
+          </p:cNvPicPr>
+          <p:nvPr/>
+        </p:nvPicPr>
+        <p:blipFill>
+          <a:blip r:embed="rId2">
+            <a:extLst/>
+          </a:blip>
+          <a:stretch>
+            <a:fillRect/>
+          </a:stretch>
+        </p:blipFill>
+        <p:spPr>
+          <a:xfrm>
+            <a:off x="2954746" y="3264470"/>
+            <a:ext cx="3710854" cy="3710854"/>
+          </a:xfrm>
+          <a:prstGeom prst="rect">
+            <a:avLst/>
+          </a:prstGeom>
+          <a:ln w="12700">
+            <a:miter lim="400000"/>
+          </a:ln>
+        </p:spPr>
+      </p:pic>
+      <p:pic>
+        <p:nvPicPr>
+          <p:cNvPr id="305" name="이미지" descr="이미지"/>
+          <p:cNvPicPr>
+            <a:picLocks noChangeAspect="1"/>
+          </p:cNvPicPr>
+          <p:nvPr/>
+        </p:nvPicPr>
+        <p:blipFill>
+          <a:blip r:embed="rId3">
+            <a:extLst/>
+          </a:blip>
+          <a:stretch>
+            <a:fillRect/>
+          </a:stretch>
+        </p:blipFill>
+        <p:spPr>
+          <a:xfrm>
+            <a:off x="11415576" y="4658057"/>
+            <a:ext cx="11915083" cy="4442554"/>
+          </a:xfrm>
+          <a:prstGeom prst="rect">
+            <a:avLst/>
+          </a:prstGeom>
+          <a:ln w="12700">
+            <a:miter lim="400000"/>
+          </a:ln>
+        </p:spPr>
+      </p:pic>
+      <p:sp>
+        <p:nvSpPr>
+          <p:cNvPr id="306" name="팀이 사용하고 있는 Trello를 같이 보면서 진행사항을 모두 체크해주셨고, 이로 인해 각 항목별로 멘토님의 조언을 받을 수 있었다."/>
+          <p:cNvSpPr txBox="1"/>
+          <p:nvPr/>
+        </p:nvSpPr>
+        <p:spPr>
+          <a:xfrm>
+            <a:off x="12797835" y="9985864"/>
+            <a:ext cx="11137778" cy="2069110"/>
+          </a:xfrm>
+          <a:prstGeom prst="rect">
+            <a:avLst/>
+          </a:prstGeom>
+          <a:ln w="12700">
+            <a:miter lim="400000"/>
+          </a:ln>
+          <a:extLst>
+            <a:ext uri="{C572A759-6A51-4108-AA02-DFA0A04FC94B}">
+              <ma14:wrappingTextBoxFlag xmlns:ma14="http://schemas.microsoft.com/office/mac/drawingml/2011/main" val="1"/>
+            </a:ext>
+          </a:extLst>
+        </p:spPr>
+        <p:txBody>
+          <a:bodyPr lIns="50800" tIns="50800" rIns="50800" bIns="50800">
+            <a:normAutofit fontScale="100000" lnSpcReduction="0"/>
+          </a:bodyPr>
+          <a:lstStyle>
+            <a:lvl1pPr>
+              <a:lnSpc>
+                <a:spcPct val="150000"/>
+              </a:lnSpc>
+              <a:defRPr sz="3000">
+                <a:solidFill>
+                  <a:srgbClr val="838383"/>
+                </a:solidFill>
+                <a:latin typeface="+mn-lt"/>
+                <a:ea typeface="+mn-ea"/>
+                <a:cs typeface="+mn-cs"/>
+                <a:sym typeface="Helvetica"/>
+              </a:defRPr>
+            </a:lvl1pPr>
+          </a:lstStyle>
+          <a:p>
+            <a:pPr/>
+            <a:r>
+              <a:t>팀이 사용하고 있는 Trello를 같이 보면서 진행사항을 모두 체크해주셨고, 이로 인해 각 항목별로 멘토님의 조언을 받을 수 있었다.</a:t>
+            </a:r>
+          </a:p>
+        </p:txBody>
+      </p:sp>
+      <p:sp>
+        <p:nvSpPr>
+          <p:cNvPr id="307" name="Modeling 방향에 대해서도 많은 조언"/>
+          <p:cNvSpPr txBox="1"/>
+          <p:nvPr/>
+        </p:nvSpPr>
+        <p:spPr>
+          <a:xfrm>
+            <a:off x="1964235" y="7620907"/>
+            <a:ext cx="6626332" cy="715798"/>
+          </a:xfrm>
+          <a:prstGeom prst="rect">
+            <a:avLst/>
+          </a:prstGeom>
+          <a:ln w="12700">
+            <a:miter lim="400000"/>
+          </a:ln>
+          <a:extLst>
+            <a:ext uri="{C572A759-6A51-4108-AA02-DFA0A04FC94B}">
+              <ma14:wrappingTextBoxFlag xmlns:ma14="http://schemas.microsoft.com/office/mac/drawingml/2011/main" val="1"/>
+            </a:ext>
+          </a:extLst>
+        </p:spPr>
+        <p:txBody>
+          <a:bodyPr lIns="50800" tIns="50800" rIns="50800" bIns="50800">
+            <a:normAutofit fontScale="100000" lnSpcReduction="0"/>
+          </a:bodyPr>
+          <a:lstStyle/>
+          <a:p>
+            <a:pPr>
+              <a:lnSpc>
+                <a:spcPct val="150000"/>
+              </a:lnSpc>
+              <a:defRPr sz="3000">
+                <a:solidFill>
+                  <a:srgbClr val="838383"/>
+                </a:solidFill>
+                <a:latin typeface="+mn-lt"/>
+                <a:ea typeface="+mn-ea"/>
+                <a:cs typeface="+mn-cs"/>
+                <a:sym typeface="Helvetica"/>
+              </a:defRPr>
+            </a:pPr>
+            <a:r>
+              <a:t>AI </a:t>
+            </a:r>
+            <a:r>
+              <a:t>모델 개발</a:t>
+            </a:r>
+            <a:r>
+              <a:t>에 대</a:t>
+            </a:r>
+            <a:r>
+              <a:t>한</a:t>
+            </a:r>
+            <a:r>
+              <a:t> </a:t>
+            </a:r>
+            <a:r>
+              <a:t>구체적인</a:t>
+            </a:r>
+            <a:r>
+              <a:t> 조언</a:t>
+            </a:r>
+          </a:p>
+        </p:txBody>
+      </p:sp>
+      <p:pic>
+        <p:nvPicPr>
+          <p:cNvPr id="308" name="이미지" descr="이미지"/>
+          <p:cNvPicPr>
+            <a:picLocks noChangeAspect="1"/>
+          </p:cNvPicPr>
+          <p:nvPr/>
+        </p:nvPicPr>
+        <p:blipFill>
+          <a:blip r:embed="rId4">
+            <a:extLst/>
+          </a:blip>
+          <a:stretch>
+            <a:fillRect/>
+          </a:stretch>
+        </p:blipFill>
+        <p:spPr>
+          <a:xfrm>
+            <a:off x="3489088" y="8775923"/>
+            <a:ext cx="3179693" cy="3179692"/>
+          </a:xfrm>
+          <a:prstGeom prst="rect">
+            <a:avLst/>
+          </a:prstGeom>
+          <a:ln w="12700">
+            <a:miter lim="400000"/>
+          </a:ln>
+        </p:spPr>
+      </p:pic>
+      <p:sp>
+        <p:nvSpPr>
+          <p:cNvPr id="309" name="그 밖에도 실무에서 사용하는 유용한 정보들에 대해서도 많은 조언"/>
+          <p:cNvSpPr txBox="1"/>
+          <p:nvPr/>
+        </p:nvSpPr>
+        <p:spPr>
+          <a:xfrm>
+            <a:off x="307636" y="12394831"/>
+            <a:ext cx="11884363" cy="948865"/>
+          </a:xfrm>
+          <a:prstGeom prst="rect">
+            <a:avLst/>
+          </a:prstGeom>
+          <a:ln w="12700">
+            <a:miter lim="400000"/>
+          </a:ln>
+          <a:extLst>
+            <a:ext uri="{C572A759-6A51-4108-AA02-DFA0A04FC94B}">
+              <ma14:wrappingTextBoxFlag xmlns:ma14="http://schemas.microsoft.com/office/mac/drawingml/2011/main" val="1"/>
+            </a:ext>
+          </a:extLst>
+        </p:spPr>
+        <p:txBody>
+          <a:bodyPr lIns="50800" tIns="50800" rIns="50800" bIns="50800">
+            <a:normAutofit fontScale="100000" lnSpcReduction="0"/>
+          </a:bodyPr>
+          <a:lstStyle>
+            <a:lvl1pPr>
+              <a:lnSpc>
+                <a:spcPct val="150000"/>
+              </a:lnSpc>
+              <a:defRPr sz="3000">
+                <a:solidFill>
+                  <a:srgbClr val="838383"/>
+                </a:solidFill>
+                <a:latin typeface="+mn-lt"/>
+                <a:ea typeface="+mn-ea"/>
+                <a:cs typeface="+mn-cs"/>
+                <a:sym typeface="Helvetica"/>
+              </a:defRPr>
+            </a:lvl1pPr>
+          </a:lstStyle>
+          <a:p>
+            <a:pPr/>
+            <a:r>
+              <a:t>그 밖에도 실무에서 사용하는 유용한 정보들에 대해서도 많은 조언</a:t>
+            </a:r>
+          </a:p>
+        </p:txBody>
+      </p:sp>
     </p:spTree>
   </p:cSld>
   <p:clrMapOvr>
@@ -10001,7 +8207,7 @@
       </p:grpSpPr>
       <p:sp>
         <p:nvSpPr>
-          <p:cNvPr id="327" name="슬라이드 번호"/>
+          <p:cNvPr id="311" name="슬라이드 번호"/>
           <p:cNvSpPr txBox="1"/>
           <p:nvPr>
             <p:ph type="sldNum" sz="quarter" idx="4294967295"/>
@@ -10032,7 +8238,7 @@
       </p:sp>
       <p:sp>
         <p:nvSpPr>
-          <p:cNvPr id="328" name="멘토링 - Modeling"/>
+          <p:cNvPr id="312" name="기대 효과"/>
           <p:cNvSpPr txBox="1"/>
           <p:nvPr>
             <p:ph type="title"/>
@@ -10041,7 +8247,7 @@
         <p:spPr>
           <a:xfrm>
             <a:off x="843969" y="993132"/>
-            <a:ext cx="23333424" cy="1902088"/>
+            <a:ext cx="10922139" cy="1902088"/>
           </a:xfrm>
           <a:prstGeom prst="rect">
             <a:avLst/>
@@ -10053,393 +8259,14 @@
           <a:p>
             <a:pPr/>
             <a:r>
-              <a:t>멘토</a:t>
-            </a:r>
-            <a:r>
-              <a:t>링</a:t>
+              <a:t>기대 효과</a:t>
             </a:r>
           </a:p>
         </p:txBody>
       </p:sp>
       <p:sp>
         <p:nvSpPr>
-          <p:cNvPr id="329" name="선"/>
-          <p:cNvSpPr/>
-          <p:nvPr/>
-        </p:nvSpPr>
-        <p:spPr>
-          <a:xfrm flipV="1">
-            <a:off x="853156" y="2606184"/>
-            <a:ext cx="23315050" cy="2"/>
-          </a:xfrm>
-          <a:prstGeom prst="line">
-            <a:avLst/>
-          </a:prstGeom>
-          <a:ln w="25400">
-            <a:solidFill>
-              <a:srgbClr val="818779"/>
-            </a:solidFill>
-            <a:miter lim="400000"/>
-          </a:ln>
-        </p:spPr>
-        <p:txBody>
-          <a:bodyPr lIns="45718" tIns="45718" rIns="45718" bIns="45718"/>
-          <a:lstStyle/>
-          <a:p>
-            <a:pPr>
-              <a:defRPr>
-                <a:solidFill>
-                  <a:srgbClr val="818779"/>
-                </a:solidFill>
-              </a:defRPr>
-            </a:pPr>
-          </a:p>
-        </p:txBody>
-      </p:sp>
-      <p:pic>
-        <p:nvPicPr>
-          <p:cNvPr id="330" name="이미지" descr="이미지"/>
-          <p:cNvPicPr>
-            <a:picLocks noChangeAspect="1"/>
-          </p:cNvPicPr>
-          <p:nvPr/>
-        </p:nvPicPr>
-        <p:blipFill>
-          <a:blip r:embed="rId2">
-            <a:extLst/>
-          </a:blip>
-          <a:stretch>
-            <a:fillRect/>
-          </a:stretch>
-        </p:blipFill>
-        <p:spPr>
-          <a:xfrm>
-            <a:off x="2954746" y="3264470"/>
-            <a:ext cx="3710854" cy="3710854"/>
-          </a:xfrm>
-          <a:prstGeom prst="rect">
-            <a:avLst/>
-          </a:prstGeom>
-          <a:ln w="12700">
-            <a:miter lim="400000"/>
-          </a:ln>
-        </p:spPr>
-      </p:pic>
-      <p:pic>
-        <p:nvPicPr>
-          <p:cNvPr id="331" name="이미지" descr="이미지"/>
-          <p:cNvPicPr>
-            <a:picLocks noChangeAspect="1"/>
-          </p:cNvPicPr>
-          <p:nvPr/>
-        </p:nvPicPr>
-        <p:blipFill>
-          <a:blip r:embed="rId3">
-            <a:extLst/>
-          </a:blip>
-          <a:stretch>
-            <a:fillRect/>
-          </a:stretch>
-        </p:blipFill>
-        <p:spPr>
-          <a:xfrm>
-            <a:off x="11415576" y="4658057"/>
-            <a:ext cx="11915083" cy="4442554"/>
-          </a:xfrm>
-          <a:prstGeom prst="rect">
-            <a:avLst/>
-          </a:prstGeom>
-          <a:ln w="12700">
-            <a:miter lim="400000"/>
-          </a:ln>
-        </p:spPr>
-      </p:pic>
-      <p:sp>
-        <p:nvSpPr>
-          <p:cNvPr id="332" name="팀이 사용하고 있는 Trello를 같이 보면서 진행사항을 모두 체크해주셨고, 이로 인해 각 항목별로 멘토님의 조언을 받을 수 있었다."/>
-          <p:cNvSpPr txBox="1"/>
-          <p:nvPr/>
-        </p:nvSpPr>
-        <p:spPr>
-          <a:xfrm>
-            <a:off x="12797835" y="9985864"/>
-            <a:ext cx="11137778" cy="2069110"/>
-          </a:xfrm>
-          <a:prstGeom prst="rect">
-            <a:avLst/>
-          </a:prstGeom>
-          <a:ln w="12700">
-            <a:miter lim="400000"/>
-          </a:ln>
-          <a:extLst>
-            <a:ext uri="{C572A759-6A51-4108-AA02-DFA0A04FC94B}">
-              <ma14:wrappingTextBoxFlag xmlns:ma14="http://schemas.microsoft.com/office/mac/drawingml/2011/main" val="1"/>
-            </a:ext>
-          </a:extLst>
-        </p:spPr>
-        <p:txBody>
-          <a:bodyPr lIns="50800" tIns="50800" rIns="50800" bIns="50800">
-            <a:normAutofit fontScale="100000" lnSpcReduction="0"/>
-          </a:bodyPr>
-          <a:lstStyle>
-            <a:lvl1pPr>
-              <a:lnSpc>
-                <a:spcPct val="150000"/>
-              </a:lnSpc>
-              <a:defRPr sz="3000">
-                <a:solidFill>
-                  <a:srgbClr val="838383"/>
-                </a:solidFill>
-                <a:latin typeface="+mn-lt"/>
-                <a:ea typeface="+mn-ea"/>
-                <a:cs typeface="+mn-cs"/>
-                <a:sym typeface="Helvetica"/>
-              </a:defRPr>
-            </a:lvl1pPr>
-          </a:lstStyle>
-          <a:p>
-            <a:pPr/>
-            <a:r>
-              <a:t>팀이 사용하고 있는 Trello를 같이 보면서 진행사항을 모두 체크해주셨고, 이로 인해 각 항목별로 멘토님의 조언을 받을 수 있었다.</a:t>
-            </a:r>
-          </a:p>
-        </p:txBody>
-      </p:sp>
-      <p:sp>
-        <p:nvSpPr>
-          <p:cNvPr id="333" name="Modeling 방향에 대해서도 많은 조언"/>
-          <p:cNvSpPr txBox="1"/>
-          <p:nvPr/>
-        </p:nvSpPr>
-        <p:spPr>
-          <a:xfrm>
-            <a:off x="1964235" y="7620907"/>
-            <a:ext cx="6626332" cy="715798"/>
-          </a:xfrm>
-          <a:prstGeom prst="rect">
-            <a:avLst/>
-          </a:prstGeom>
-          <a:ln w="12700">
-            <a:miter lim="400000"/>
-          </a:ln>
-          <a:extLst>
-            <a:ext uri="{C572A759-6A51-4108-AA02-DFA0A04FC94B}">
-              <ma14:wrappingTextBoxFlag xmlns:ma14="http://schemas.microsoft.com/office/mac/drawingml/2011/main" val="1"/>
-            </a:ext>
-          </a:extLst>
-        </p:spPr>
-        <p:txBody>
-          <a:bodyPr lIns="50800" tIns="50800" rIns="50800" bIns="50800">
-            <a:normAutofit fontScale="100000" lnSpcReduction="0"/>
-          </a:bodyPr>
-          <a:lstStyle/>
-          <a:p>
-            <a:pPr>
-              <a:lnSpc>
-                <a:spcPct val="150000"/>
-              </a:lnSpc>
-              <a:defRPr sz="3000">
-                <a:solidFill>
-                  <a:srgbClr val="838383"/>
-                </a:solidFill>
-                <a:latin typeface="+mn-lt"/>
-                <a:ea typeface="+mn-ea"/>
-                <a:cs typeface="+mn-cs"/>
-                <a:sym typeface="Helvetica"/>
-              </a:defRPr>
-            </a:pPr>
-            <a:r>
-              <a:t>AI </a:t>
-            </a:r>
-            <a:r>
-              <a:t>모델 개발</a:t>
-            </a:r>
-            <a:r>
-              <a:t>에 대</a:t>
-            </a:r>
-            <a:r>
-              <a:t>한</a:t>
-            </a:r>
-            <a:r>
-              <a:t> </a:t>
-            </a:r>
-            <a:r>
-              <a:t>구체적인</a:t>
-            </a:r>
-            <a:r>
-              <a:t> 조언</a:t>
-            </a:r>
-          </a:p>
-        </p:txBody>
-      </p:sp>
-      <p:pic>
-        <p:nvPicPr>
-          <p:cNvPr id="334" name="이미지" descr="이미지"/>
-          <p:cNvPicPr>
-            <a:picLocks noChangeAspect="1"/>
-          </p:cNvPicPr>
-          <p:nvPr/>
-        </p:nvPicPr>
-        <p:blipFill>
-          <a:blip r:embed="rId4">
-            <a:extLst/>
-          </a:blip>
-          <a:stretch>
-            <a:fillRect/>
-          </a:stretch>
-        </p:blipFill>
-        <p:spPr>
-          <a:xfrm>
-            <a:off x="3489088" y="8775923"/>
-            <a:ext cx="3179693" cy="3179692"/>
-          </a:xfrm>
-          <a:prstGeom prst="rect">
-            <a:avLst/>
-          </a:prstGeom>
-          <a:ln w="12700">
-            <a:miter lim="400000"/>
-          </a:ln>
-        </p:spPr>
-      </p:pic>
-      <p:sp>
-        <p:nvSpPr>
-          <p:cNvPr id="335" name="그 밖에도 실무에서 사용하는 유용한 정보들에 대해서도 많은 조언"/>
-          <p:cNvSpPr txBox="1"/>
-          <p:nvPr/>
-        </p:nvSpPr>
-        <p:spPr>
-          <a:xfrm>
-            <a:off x="307636" y="12394831"/>
-            <a:ext cx="11884363" cy="948865"/>
-          </a:xfrm>
-          <a:prstGeom prst="rect">
-            <a:avLst/>
-          </a:prstGeom>
-          <a:ln w="12700">
-            <a:miter lim="400000"/>
-          </a:ln>
-          <a:extLst>
-            <a:ext uri="{C572A759-6A51-4108-AA02-DFA0A04FC94B}">
-              <ma14:wrappingTextBoxFlag xmlns:ma14="http://schemas.microsoft.com/office/mac/drawingml/2011/main" val="1"/>
-            </a:ext>
-          </a:extLst>
-        </p:spPr>
-        <p:txBody>
-          <a:bodyPr lIns="50800" tIns="50800" rIns="50800" bIns="50800">
-            <a:normAutofit fontScale="100000" lnSpcReduction="0"/>
-          </a:bodyPr>
-          <a:lstStyle>
-            <a:lvl1pPr>
-              <a:lnSpc>
-                <a:spcPct val="150000"/>
-              </a:lnSpc>
-              <a:defRPr sz="3000">
-                <a:solidFill>
-                  <a:srgbClr val="838383"/>
-                </a:solidFill>
-                <a:latin typeface="+mn-lt"/>
-                <a:ea typeface="+mn-ea"/>
-                <a:cs typeface="+mn-cs"/>
-                <a:sym typeface="Helvetica"/>
-              </a:defRPr>
-            </a:lvl1pPr>
-          </a:lstStyle>
-          <a:p>
-            <a:pPr/>
-            <a:r>
-              <a:t>그 밖에도 실무에서 사용하는 유용한 정보들에 대해서도 많은 조언</a:t>
-            </a:r>
-          </a:p>
-        </p:txBody>
-      </p:sp>
-    </p:spTree>
-  </p:cSld>
-  <p:clrMapOvr>
-    <a:masterClrMapping/>
-  </p:clrMapOvr>
-  <p:transition xmlns:p14="http://schemas.microsoft.com/office/powerpoint/2010/main" spd="med" advClick="1"/>
-</p:sld>
-</file>
-
-<file path=ppt/slides/slide19.xml><?xml version="1.0" encoding="utf-8"?>
-<p:sld xmlns:a="http://schemas.openxmlformats.org/drawingml/2006/main" xmlns:r="http://schemas.openxmlformats.org/officeDocument/2006/relationships" xmlns:p="http://schemas.openxmlformats.org/presentationml/2006/main" xmlns:m="http://schemas.openxmlformats.org/officeDocument/2006/math" xmlns:a14="http://schemas.microsoft.com/office/drawing/2010/main" showMasterSp="1" showMasterPhAnim="1">
-  <p:cSld>
-    <p:spTree>
-      <p:nvGrpSpPr>
-        <p:cNvPr id="1" name=""/>
-        <p:cNvGrpSpPr/>
-        <p:nvPr/>
-      </p:nvGrpSpPr>
-      <p:grpSpPr>
-        <a:xfrm>
-          <a:off x="0" y="0"/>
-          <a:ext cx="0" cy="0"/>
-          <a:chOff x="0" y="0"/>
-          <a:chExt cx="0" cy="0"/>
-        </a:xfrm>
-      </p:grpSpPr>
-      <p:sp>
-        <p:nvSpPr>
-          <p:cNvPr id="337" name="슬라이드 번호"/>
-          <p:cNvSpPr txBox="1"/>
-          <p:nvPr>
-            <p:ph type="sldNum" sz="quarter" idx="4294967295"/>
-          </p:nvPr>
-        </p:nvSpPr>
-        <p:spPr>
-          <a:xfrm>
-            <a:off x="22927548" y="12437698"/>
-            <a:ext cx="467458" cy="482601"/>
-          </a:xfrm>
-          <a:prstGeom prst="rect">
-            <a:avLst/>
-          </a:prstGeom>
-          <a:extLst>
-            <a:ext uri="{C572A759-6A51-4108-AA02-DFA0A04FC94B}">
-              <ma14:wrappingTextBoxFlag xmlns:ma14="http://schemas.microsoft.com/office/mac/drawingml/2011/main" val="1"/>
-            </a:ext>
-          </a:extLst>
-        </p:spPr>
-        <p:txBody>
-          <a:bodyPr/>
-          <a:lstStyle/>
-          <a:p>
-            <a:pPr/>
-            <a:fld id="{86CB4B4D-7CA3-9044-876B-883B54F8677D}" type="slidenum"/>
-          </a:p>
-        </p:txBody>
-      </p:sp>
-      <p:sp>
-        <p:nvSpPr>
-          <p:cNvPr id="338" name="기대 효과"/>
-          <p:cNvSpPr txBox="1"/>
-          <p:nvPr>
-            <p:ph type="title"/>
-          </p:nvPr>
-        </p:nvSpPr>
-        <p:spPr>
-          <a:xfrm>
-            <a:off x="843969" y="993132"/>
-            <a:ext cx="10922139" cy="1902088"/>
-          </a:xfrm>
-          <a:prstGeom prst="rect">
-            <a:avLst/>
-          </a:prstGeom>
-        </p:spPr>
-        <p:txBody>
-          <a:bodyPr/>
-          <a:lstStyle/>
-          <a:p>
-            <a:pPr/>
-            <a:r>
-              <a:t>기대 효과</a:t>
-            </a:r>
-          </a:p>
-        </p:txBody>
-      </p:sp>
-      <p:sp>
-        <p:nvSpPr>
-          <p:cNvPr id="339" name="도형"/>
+          <p:cNvPr id="313" name="도형"/>
           <p:cNvSpPr/>
           <p:nvPr/>
         </p:nvSpPr>
@@ -10549,7 +8376,7 @@
       </p:sp>
       <p:sp>
         <p:nvSpPr>
-          <p:cNvPr id="340" name="도형"/>
+          <p:cNvPr id="314" name="도형"/>
           <p:cNvSpPr/>
           <p:nvPr/>
         </p:nvSpPr>
@@ -10659,7 +8486,7 @@
       </p:sp>
       <p:sp>
         <p:nvSpPr>
-          <p:cNvPr id="341" name="삼각형"/>
+          <p:cNvPr id="315" name="삼각형"/>
           <p:cNvSpPr/>
           <p:nvPr/>
         </p:nvSpPr>
@@ -10729,7 +8556,7 @@
       </p:sp>
       <p:sp>
         <p:nvSpPr>
-          <p:cNvPr id="342" name="삼각형"/>
+          <p:cNvPr id="316" name="삼각형"/>
           <p:cNvSpPr/>
           <p:nvPr/>
         </p:nvSpPr>
@@ -10799,7 +8626,7 @@
       </p:sp>
       <p:sp>
         <p:nvSpPr>
-          <p:cNvPr id="343" name="선"/>
+          <p:cNvPr id="317" name="선"/>
           <p:cNvSpPr/>
           <p:nvPr/>
         </p:nvSpPr>
@@ -10834,7 +8661,7 @@
       </p:sp>
       <p:sp>
         <p:nvSpPr>
-          <p:cNvPr id="344" name="자신의 얼굴형에 대한 정확한 인지"/>
+          <p:cNvPr id="318" name="자신의 얼굴형에 대한 정확한 인지"/>
           <p:cNvSpPr txBox="1"/>
           <p:nvPr/>
         </p:nvSpPr>
@@ -10908,7 +8735,7 @@
       </p:sp>
       <p:sp>
         <p:nvSpPr>
-          <p:cNvPr id="345" name="선"/>
+          <p:cNvPr id="319" name="선"/>
           <p:cNvSpPr/>
           <p:nvPr/>
         </p:nvSpPr>
@@ -10943,7 +8770,7 @@
       </p:sp>
       <p:sp>
         <p:nvSpPr>
-          <p:cNvPr id="346" name="자신의 얼굴형에 어울리는 헤어스타일 시도"/>
+          <p:cNvPr id="320" name="자신의 얼굴형에 어울리는 헤어스타일 시도"/>
           <p:cNvSpPr txBox="1"/>
           <p:nvPr/>
         </p:nvSpPr>
@@ -11017,7 +8844,7 @@
       </p:sp>
       <p:sp>
         <p:nvSpPr>
-          <p:cNvPr id="347" name="AI 접근성 향상"/>
+          <p:cNvPr id="321" name="AI 접근성 향상"/>
           <p:cNvSpPr txBox="1"/>
           <p:nvPr/>
         </p:nvSpPr>
@@ -11068,7 +8895,7 @@
       </p:sp>
       <p:sp>
         <p:nvSpPr>
-          <p:cNvPr id="348" name="선"/>
+          <p:cNvPr id="322" name="선"/>
           <p:cNvSpPr/>
           <p:nvPr/>
         </p:nvSpPr>
@@ -11098,6 +8925,138 @@
                 </a:solidFill>
               </a:defRPr>
             </a:pPr>
+          </a:p>
+        </p:txBody>
+      </p:sp>
+    </p:spTree>
+  </p:cSld>
+  <p:clrMapOvr>
+    <a:masterClrMapping/>
+  </p:clrMapOvr>
+  <p:transition xmlns:p14="http://schemas.microsoft.com/office/powerpoint/2010/main" spd="med" advClick="1"/>
+</p:sld>
+</file>
+
+<file path=ppt/slides/slide19.xml><?xml version="1.0" encoding="utf-8"?>
+<p:sld xmlns:a="http://schemas.openxmlformats.org/drawingml/2006/main" xmlns:r="http://schemas.openxmlformats.org/officeDocument/2006/relationships" xmlns:p="http://schemas.openxmlformats.org/presentationml/2006/main" xmlns:m="http://schemas.openxmlformats.org/officeDocument/2006/math" xmlns:a14="http://schemas.microsoft.com/office/drawing/2010/main" showMasterSp="1" showMasterPhAnim="1">
+  <p:cSld>
+    <p:spTree>
+      <p:nvGrpSpPr>
+        <p:cNvPr id="1" name=""/>
+        <p:cNvGrpSpPr/>
+        <p:nvPr/>
+      </p:nvGrpSpPr>
+      <p:grpSpPr>
+        <a:xfrm>
+          <a:off x="0" y="0"/>
+          <a:ext cx="0" cy="0"/>
+          <a:chOff x="0" y="0"/>
+          <a:chExt cx="0" cy="0"/>
+        </a:xfrm>
+      </p:grpSpPr>
+      <p:sp>
+        <p:nvSpPr>
+          <p:cNvPr id="324" name="직사각형"/>
+          <p:cNvSpPr/>
+          <p:nvPr/>
+        </p:nvSpPr>
+        <p:spPr>
+          <a:xfrm>
+            <a:off x="0" y="0"/>
+            <a:ext cx="24384000" cy="13716000"/>
+          </a:xfrm>
+          <a:prstGeom prst="rect">
+            <a:avLst/>
+          </a:prstGeom>
+          <a:solidFill>
+            <a:srgbClr val="818779"/>
+          </a:solidFill>
+          <a:ln w="12700">
+            <a:miter lim="400000"/>
+          </a:ln>
+        </p:spPr>
+        <p:txBody>
+          <a:bodyPr lIns="50800" tIns="50800" rIns="50800" bIns="50800" anchor="ctr"/>
+          <a:lstStyle/>
+          <a:p>
+            <a:pPr algn="ctr" defTabSz="825500">
+              <a:lnSpc>
+                <a:spcPct val="100000"/>
+              </a:lnSpc>
+              <a:defRPr b="1" sz="3200">
+                <a:latin typeface="+mn-lt"/>
+                <a:ea typeface="+mn-ea"/>
+                <a:cs typeface="+mn-cs"/>
+                <a:sym typeface="Helvetica"/>
+              </a:defRPr>
+            </a:pPr>
+          </a:p>
+        </p:txBody>
+      </p:sp>
+      <p:sp>
+        <p:nvSpPr>
+          <p:cNvPr id="325" name="선"/>
+          <p:cNvSpPr/>
+          <p:nvPr/>
+        </p:nvSpPr>
+        <p:spPr>
+          <a:xfrm flipV="1">
+            <a:off x="2286610" y="6857999"/>
+            <a:ext cx="19810780" cy="2"/>
+          </a:xfrm>
+          <a:prstGeom prst="line">
+            <a:avLst/>
+          </a:prstGeom>
+          <a:ln w="25400">
+            <a:solidFill>
+              <a:srgbClr val="F3F1E6"/>
+            </a:solidFill>
+            <a:miter lim="400000"/>
+          </a:ln>
+        </p:spPr>
+        <p:txBody>
+          <a:bodyPr lIns="45718" tIns="45718" rIns="45718" bIns="45718"/>
+          <a:lstStyle/>
+          <a:p>
+            <a:pPr>
+              <a:defRPr>
+                <a:solidFill>
+                  <a:srgbClr val="818779"/>
+                </a:solidFill>
+              </a:defRPr>
+            </a:pPr>
+          </a:p>
+        </p:txBody>
+      </p:sp>
+      <p:sp>
+        <p:nvSpPr>
+          <p:cNvPr id="326" name="Thank you"/>
+          <p:cNvSpPr txBox="1"/>
+          <p:nvPr>
+            <p:ph type="title"/>
+          </p:nvPr>
+        </p:nvSpPr>
+        <p:spPr>
+          <a:xfrm>
+            <a:off x="2352410" y="3101708"/>
+            <a:ext cx="14018527" cy="4872780"/>
+          </a:xfrm>
+          <a:prstGeom prst="rect">
+            <a:avLst/>
+          </a:prstGeom>
+        </p:spPr>
+        <p:txBody>
+          <a:bodyPr/>
+          <a:lstStyle>
+            <a:lvl1pPr defTabSz="1779987">
+              <a:defRPr sz="21900"/>
+            </a:lvl1pPr>
+          </a:lstStyle>
+          <a:p>
+            <a:pPr/>
+            <a:r>
+              <a:t>Thank you</a:t>
+            </a:r>
           </a:p>
         </p:txBody>
       </p:sp>
@@ -11129,7 +9088,7 @@
       </p:grpSpPr>
       <p:sp>
         <p:nvSpPr>
-          <p:cNvPr id="51" name="Contents"/>
+          <p:cNvPr id="50" name="Contents"/>
           <p:cNvSpPr txBox="1"/>
           <p:nvPr>
             <p:ph type="title"/>
@@ -11165,14 +9124,14 @@
       </p:sp>
       <p:sp>
         <p:nvSpPr>
-          <p:cNvPr id="52" name="산학 기업 요구 사항…"/>
+          <p:cNvPr id="51" name="산학 기업 요구 사항…"/>
           <p:cNvSpPr txBox="1"/>
           <p:nvPr/>
         </p:nvSpPr>
         <p:spPr>
           <a:xfrm>
-            <a:off x="11989065" y="4776573"/>
-            <a:ext cx="3583725" cy="919977"/>
+            <a:off x="11451519" y="4552846"/>
+            <a:ext cx="4000241" cy="1367431"/>
           </a:xfrm>
           <a:prstGeom prst="rect">
             <a:avLst/>
@@ -11192,14 +9151,14 @@
           </a:bodyPr>
           <a:lstStyle/>
           <a:p>
-            <a:pPr marL="342900" indent="-342900" defTabSz="2267654">
+            <a:pPr marL="332613" indent="-332613" defTabSz="2199625">
               <a:lnSpc>
                 <a:spcPct val="116999"/>
               </a:lnSpc>
               <a:buSzPct val="123000"/>
               <a:buFont typeface="Arial"/>
               <a:buChar char="•"/>
-              <a:defRPr b="1" sz="2100">
+              <a:defRPr b="1" sz="2910">
                 <a:solidFill>
                   <a:srgbClr val="818779"/>
                 </a:solidFill>
@@ -11210,14 +9169,14 @@
             </a:r>
           </a:p>
           <a:p>
-            <a:pPr marL="342900" indent="-342900" defTabSz="2267654">
+            <a:pPr marL="332613" indent="-332613" defTabSz="2199625">
               <a:lnSpc>
                 <a:spcPct val="116999"/>
               </a:lnSpc>
               <a:buSzPct val="123000"/>
               <a:buFont typeface="Arial"/>
               <a:buChar char="•"/>
-              <a:defRPr b="1" sz="2100">
+              <a:defRPr b="1" sz="2910">
                 <a:solidFill>
                   <a:srgbClr val="818779"/>
                 </a:solidFill>
@@ -11231,7 +9190,7 @@
       </p:sp>
       <p:sp>
         <p:nvSpPr>
-          <p:cNvPr id="53" name="1."/>
+          <p:cNvPr id="52" name="1."/>
           <p:cNvSpPr txBox="1"/>
           <p:nvPr/>
         </p:nvSpPr>
@@ -11282,13 +9241,13 @@
       </p:sp>
       <p:sp>
         <p:nvSpPr>
-          <p:cNvPr id="54" name="팀원 소개"/>
+          <p:cNvPr id="53" name="팀원 소개"/>
           <p:cNvSpPr txBox="1"/>
           <p:nvPr/>
         </p:nvSpPr>
         <p:spPr>
           <a:xfrm>
-            <a:off x="7377117" y="3111500"/>
+            <a:off x="7377117" y="3218390"/>
             <a:ext cx="4278586" cy="772650"/>
           </a:xfrm>
           <a:prstGeom prst="rect">
@@ -11312,7 +9271,7 @@
               <a:lnSpc>
                 <a:spcPct val="120000"/>
               </a:lnSpc>
-              <a:defRPr b="1" sz="3300">
+              <a:defRPr b="1" sz="4000">
                 <a:solidFill>
                   <a:srgbClr val="838383"/>
                 </a:solidFill>
@@ -11329,13 +9288,13 @@
       </p:sp>
       <p:sp>
         <p:nvSpPr>
-          <p:cNvPr id="55" name="2."/>
+          <p:cNvPr id="54" name="2."/>
           <p:cNvSpPr txBox="1"/>
           <p:nvPr/>
         </p:nvSpPr>
         <p:spPr>
           <a:xfrm>
-            <a:off x="6096000" y="4598916"/>
+            <a:off x="6096000" y="4572000"/>
             <a:ext cx="863993" cy="1367431"/>
           </a:xfrm>
           <a:prstGeom prst="rect">
@@ -11380,13 +9339,13 @@
       </p:sp>
       <p:sp>
         <p:nvSpPr>
-          <p:cNvPr id="56" name="3."/>
+          <p:cNvPr id="55" name="3."/>
           <p:cNvSpPr txBox="1"/>
           <p:nvPr/>
         </p:nvSpPr>
         <p:spPr>
           <a:xfrm>
-            <a:off x="6096000" y="6276833"/>
+            <a:off x="6096000" y="6223000"/>
             <a:ext cx="863993" cy="1367431"/>
           </a:xfrm>
           <a:prstGeom prst="rect">
@@ -11431,13 +9390,13 @@
       </p:sp>
       <p:sp>
         <p:nvSpPr>
-          <p:cNvPr id="57" name="4."/>
+          <p:cNvPr id="56" name="4."/>
           <p:cNvSpPr txBox="1"/>
           <p:nvPr/>
         </p:nvSpPr>
         <p:spPr>
           <a:xfrm>
-            <a:off x="6096000" y="7954750"/>
+            <a:off x="6096000" y="7874000"/>
             <a:ext cx="863993" cy="1367431"/>
           </a:xfrm>
           <a:prstGeom prst="rect">
@@ -11482,7 +9441,7 @@
       </p:sp>
       <p:sp>
         <p:nvSpPr>
-          <p:cNvPr id="58" name="슬라이드 번호"/>
+          <p:cNvPr id="57" name="슬라이드 번호"/>
           <p:cNvSpPr txBox="1"/>
           <p:nvPr>
             <p:ph type="sldNum" sz="quarter" idx="4294967295"/>
@@ -11513,13 +9472,13 @@
       </p:sp>
       <p:sp>
         <p:nvSpPr>
-          <p:cNvPr id="59" name="5."/>
+          <p:cNvPr id="58" name="5."/>
           <p:cNvSpPr txBox="1"/>
           <p:nvPr/>
         </p:nvSpPr>
         <p:spPr>
           <a:xfrm>
-            <a:off x="6096000" y="9660425"/>
+            <a:off x="6096000" y="9525000"/>
             <a:ext cx="863993" cy="1367431"/>
           </a:xfrm>
           <a:prstGeom prst="rect">
@@ -11564,13 +9523,13 @@
       </p:sp>
       <p:sp>
         <p:nvSpPr>
-          <p:cNvPr id="60" name="프로젝트 개요"/>
+          <p:cNvPr id="59" name="프로젝트 개요"/>
           <p:cNvSpPr txBox="1"/>
           <p:nvPr/>
         </p:nvSpPr>
         <p:spPr>
           <a:xfrm>
-            <a:off x="7377117" y="4849209"/>
+            <a:off x="7335236" y="4849210"/>
             <a:ext cx="4278586" cy="774702"/>
           </a:xfrm>
           <a:prstGeom prst="rect">
@@ -11594,7 +9553,7 @@
               <a:lnSpc>
                 <a:spcPct val="120000"/>
               </a:lnSpc>
-              <a:defRPr b="1" sz="3400">
+              <a:defRPr b="1" sz="4000">
                 <a:solidFill>
                   <a:srgbClr val="838383"/>
                 </a:solidFill>
@@ -11611,7 +9570,7 @@
       </p:sp>
       <p:sp>
         <p:nvSpPr>
-          <p:cNvPr id="61" name="시스템 구조도"/>
+          <p:cNvPr id="60" name="시스템 구조도"/>
           <p:cNvSpPr txBox="1"/>
           <p:nvPr/>
         </p:nvSpPr>
@@ -11641,7 +9600,7 @@
               <a:lnSpc>
                 <a:spcPct val="120000"/>
               </a:lnSpc>
-              <a:defRPr b="1" sz="3400">
+              <a:defRPr b="1" sz="4000">
                 <a:solidFill>
                   <a:srgbClr val="838383"/>
                 </a:solidFill>
@@ -11658,13 +9617,13 @@
       </p:sp>
       <p:sp>
         <p:nvSpPr>
-          <p:cNvPr id="62" name="주요 기능"/>
+          <p:cNvPr id="61" name="주요 기능"/>
           <p:cNvSpPr txBox="1"/>
           <p:nvPr/>
         </p:nvSpPr>
         <p:spPr>
           <a:xfrm>
-            <a:off x="7377116" y="8220237"/>
+            <a:off x="7377116" y="8160787"/>
             <a:ext cx="4278586" cy="774702"/>
           </a:xfrm>
           <a:prstGeom prst="rect">
@@ -11688,7 +9647,7 @@
               <a:lnSpc>
                 <a:spcPct val="120000"/>
               </a:lnSpc>
-              <a:defRPr b="1" sz="3400">
+              <a:defRPr b="1" sz="4000">
                 <a:solidFill>
                   <a:srgbClr val="838383"/>
                 </a:solidFill>
@@ -11705,13 +9664,13 @@
       </p:sp>
       <p:sp>
         <p:nvSpPr>
-          <p:cNvPr id="63" name="기대효과"/>
+          <p:cNvPr id="62" name="기대효과"/>
           <p:cNvSpPr txBox="1"/>
           <p:nvPr/>
         </p:nvSpPr>
         <p:spPr>
           <a:xfrm>
-            <a:off x="7377114" y="9824484"/>
+            <a:off x="7377114" y="9821364"/>
             <a:ext cx="4278586" cy="774702"/>
           </a:xfrm>
           <a:prstGeom prst="rect">
@@ -11735,7 +9694,7 @@
               <a:lnSpc>
                 <a:spcPct val="120000"/>
               </a:lnSpc>
-              <a:defRPr b="1" sz="3400">
+              <a:defRPr b="1" sz="4000">
                 <a:solidFill>
                   <a:srgbClr val="838383"/>
                 </a:solidFill>
@@ -11752,14 +9711,14 @@
       </p:sp>
       <p:sp>
         <p:nvSpPr>
-          <p:cNvPr id="64" name="Dataset 구축  Labeling &amp; Processing…"/>
+          <p:cNvPr id="63" name="Dataset 구축  Labeling &amp; Processing…"/>
           <p:cNvSpPr txBox="1"/>
           <p:nvPr/>
         </p:nvSpPr>
         <p:spPr>
           <a:xfrm>
-            <a:off x="11989065" y="8116809"/>
-            <a:ext cx="6175129" cy="1205372"/>
+            <a:off x="12072823" y="7780579"/>
+            <a:ext cx="2757630" cy="1535118"/>
           </a:xfrm>
           <a:prstGeom prst="rect">
             <a:avLst/>
@@ -11786,7 +9745,7 @@
               <a:buSzPct val="123000"/>
               <a:buFont typeface="Arial"/>
               <a:buChar char="•"/>
-              <a:defRPr b="1" sz="2100">
+              <a:defRPr b="1" sz="3000">
                 <a:solidFill>
                   <a:srgbClr val="818779"/>
                 </a:solidFill>
@@ -11804,7 +9763,7 @@
               <a:buSzPct val="123000"/>
               <a:buFont typeface="Arial"/>
               <a:buChar char="•"/>
-              <a:defRPr b="1" sz="2100">
+              <a:defRPr b="1" sz="3000">
                 <a:solidFill>
                   <a:srgbClr val="818779"/>
                 </a:solidFill>
@@ -11822,7 +9781,7 @@
               <a:buSzPct val="123000"/>
               <a:buFont typeface="Arial"/>
               <a:buChar char="•"/>
-              <a:defRPr b="1" sz="2100">
+              <a:defRPr b="1" sz="3000">
                 <a:solidFill>
                   <a:srgbClr val="818779"/>
                 </a:solidFill>
@@ -11836,7 +9795,7 @@
       </p:sp>
       <p:sp>
         <p:nvSpPr>
-          <p:cNvPr id="65" name="선"/>
+          <p:cNvPr id="64" name="선"/>
           <p:cNvSpPr/>
           <p:nvPr/>
         </p:nvSpPr>
@@ -11871,13 +9830,13 @@
       </p:sp>
       <p:sp>
         <p:nvSpPr>
-          <p:cNvPr id="66" name="5."/>
+          <p:cNvPr id="65" name="5."/>
           <p:cNvSpPr txBox="1"/>
           <p:nvPr/>
         </p:nvSpPr>
         <p:spPr>
           <a:xfrm>
-            <a:off x="6096000" y="11064981"/>
+            <a:off x="6096000" y="11176000"/>
             <a:ext cx="863993" cy="1367431"/>
           </a:xfrm>
           <a:prstGeom prst="rect">
@@ -11922,13 +9881,13 @@
       </p:sp>
       <p:sp>
         <p:nvSpPr>
-          <p:cNvPr id="67" name="기대효과"/>
+          <p:cNvPr id="66" name="기대효과"/>
           <p:cNvSpPr txBox="1"/>
           <p:nvPr/>
         </p:nvSpPr>
         <p:spPr>
           <a:xfrm>
-            <a:off x="7377114" y="11176896"/>
+            <a:off x="7377117" y="11472364"/>
             <a:ext cx="4278586" cy="774702"/>
           </a:xfrm>
           <a:prstGeom prst="rect">
@@ -11952,7 +9911,7 @@
               <a:lnSpc>
                 <a:spcPct val="120000"/>
               </a:lnSpc>
-              <a:defRPr b="1" sz="3400">
+              <a:defRPr b="1" sz="4000">
                 <a:solidFill>
                   <a:srgbClr val="838383"/>
                 </a:solidFill>
@@ -11963,138 +9922,6 @@
             <a:pPr/>
             <a:r>
               <a:t>기타</a:t>
-            </a:r>
-          </a:p>
-        </p:txBody>
-      </p:sp>
-    </p:spTree>
-  </p:cSld>
-  <p:clrMapOvr>
-    <a:masterClrMapping/>
-  </p:clrMapOvr>
-  <p:transition xmlns:p14="http://schemas.microsoft.com/office/powerpoint/2010/main" spd="med" advClick="1"/>
-</p:sld>
-</file>
-
-<file path=ppt/slides/slide20.xml><?xml version="1.0" encoding="utf-8"?>
-<p:sld xmlns:a="http://schemas.openxmlformats.org/drawingml/2006/main" xmlns:r="http://schemas.openxmlformats.org/officeDocument/2006/relationships" xmlns:p="http://schemas.openxmlformats.org/presentationml/2006/main" xmlns:m="http://schemas.openxmlformats.org/officeDocument/2006/math" xmlns:a14="http://schemas.microsoft.com/office/drawing/2010/main" showMasterSp="1" showMasterPhAnim="1">
-  <p:cSld>
-    <p:spTree>
-      <p:nvGrpSpPr>
-        <p:cNvPr id="1" name=""/>
-        <p:cNvGrpSpPr/>
-        <p:nvPr/>
-      </p:nvGrpSpPr>
-      <p:grpSpPr>
-        <a:xfrm>
-          <a:off x="0" y="0"/>
-          <a:ext cx="0" cy="0"/>
-          <a:chOff x="0" y="0"/>
-          <a:chExt cx="0" cy="0"/>
-        </a:xfrm>
-      </p:grpSpPr>
-      <p:sp>
-        <p:nvSpPr>
-          <p:cNvPr id="350" name="직사각형"/>
-          <p:cNvSpPr/>
-          <p:nvPr/>
-        </p:nvSpPr>
-        <p:spPr>
-          <a:xfrm>
-            <a:off x="0" y="0"/>
-            <a:ext cx="24384000" cy="13716000"/>
-          </a:xfrm>
-          <a:prstGeom prst="rect">
-            <a:avLst/>
-          </a:prstGeom>
-          <a:solidFill>
-            <a:srgbClr val="818779"/>
-          </a:solidFill>
-          <a:ln w="12700">
-            <a:miter lim="400000"/>
-          </a:ln>
-        </p:spPr>
-        <p:txBody>
-          <a:bodyPr lIns="50800" tIns="50800" rIns="50800" bIns="50800" anchor="ctr"/>
-          <a:lstStyle/>
-          <a:p>
-            <a:pPr algn="ctr" defTabSz="825500">
-              <a:lnSpc>
-                <a:spcPct val="100000"/>
-              </a:lnSpc>
-              <a:defRPr b="1" sz="3200">
-                <a:latin typeface="+mn-lt"/>
-                <a:ea typeface="+mn-ea"/>
-                <a:cs typeface="+mn-cs"/>
-                <a:sym typeface="Helvetica"/>
-              </a:defRPr>
-            </a:pPr>
-          </a:p>
-        </p:txBody>
-      </p:sp>
-      <p:sp>
-        <p:nvSpPr>
-          <p:cNvPr id="351" name="선"/>
-          <p:cNvSpPr/>
-          <p:nvPr/>
-        </p:nvSpPr>
-        <p:spPr>
-          <a:xfrm flipV="1">
-            <a:off x="2286610" y="6857999"/>
-            <a:ext cx="19810780" cy="2"/>
-          </a:xfrm>
-          <a:prstGeom prst="line">
-            <a:avLst/>
-          </a:prstGeom>
-          <a:ln w="25400">
-            <a:solidFill>
-              <a:srgbClr val="F3F1E6"/>
-            </a:solidFill>
-            <a:miter lim="400000"/>
-          </a:ln>
-        </p:spPr>
-        <p:txBody>
-          <a:bodyPr lIns="45718" tIns="45718" rIns="45718" bIns="45718"/>
-          <a:lstStyle/>
-          <a:p>
-            <a:pPr>
-              <a:defRPr>
-                <a:solidFill>
-                  <a:srgbClr val="818779"/>
-                </a:solidFill>
-              </a:defRPr>
-            </a:pPr>
-          </a:p>
-        </p:txBody>
-      </p:sp>
-      <p:sp>
-        <p:nvSpPr>
-          <p:cNvPr id="352" name="Thank you"/>
-          <p:cNvSpPr txBox="1"/>
-          <p:nvPr>
-            <p:ph type="title"/>
-          </p:nvPr>
-        </p:nvSpPr>
-        <p:spPr>
-          <a:xfrm>
-            <a:off x="2352410" y="3101708"/>
-            <a:ext cx="14018527" cy="4872780"/>
-          </a:xfrm>
-          <a:prstGeom prst="rect">
-            <a:avLst/>
-          </a:prstGeom>
-        </p:spPr>
-        <p:txBody>
-          <a:bodyPr/>
-          <a:lstStyle>
-            <a:lvl1pPr defTabSz="1779987">
-              <a:defRPr sz="21900"/>
-            </a:lvl1pPr>
-          </a:lstStyle>
-          <a:p>
-            <a:pPr/>
-            <a:r>
-              <a:t>Thank you</a:t>
             </a:r>
           </a:p>
         </p:txBody>
@@ -12127,7 +9954,7 @@
       </p:grpSpPr>
       <p:sp>
         <p:nvSpPr>
-          <p:cNvPr id="69" name="슬라이드 번호"/>
+          <p:cNvPr id="68" name="슬라이드 번호"/>
           <p:cNvSpPr txBox="1"/>
           <p:nvPr>
             <p:ph type="sldNum" sz="quarter" idx="4294967295"/>
@@ -12158,7 +9985,7 @@
       </p:sp>
       <p:sp>
         <p:nvSpPr>
-          <p:cNvPr id="70" name="팀원 소개"/>
+          <p:cNvPr id="69" name="팀원 소개"/>
           <p:cNvSpPr txBox="1"/>
           <p:nvPr>
             <p:ph type="title"/>
@@ -12186,7 +10013,7 @@
       </p:sp>
       <p:sp>
         <p:nvSpPr>
-          <p:cNvPr id="71" name="원"/>
+          <p:cNvPr id="70" name="원"/>
           <p:cNvSpPr/>
           <p:nvPr/>
         </p:nvSpPr>
@@ -12225,7 +10052,7 @@
       </p:sp>
       <p:pic>
         <p:nvPicPr>
-          <p:cNvPr id="72" name="이미지" descr="이미지"/>
+          <p:cNvPr id="71" name="이미지" descr="이미지"/>
           <p:cNvPicPr>
             <a:picLocks noChangeAspect="1"/>
           </p:cNvPicPr>
@@ -12254,7 +10081,7 @@
       </p:pic>
       <p:sp>
         <p:nvSpPr>
-          <p:cNvPr id="73" name="원"/>
+          <p:cNvPr id="72" name="원"/>
           <p:cNvSpPr/>
           <p:nvPr/>
         </p:nvSpPr>
@@ -12293,7 +10120,7 @@
       </p:sp>
       <p:sp>
         <p:nvSpPr>
-          <p:cNvPr id="74" name="원"/>
+          <p:cNvPr id="73" name="원"/>
           <p:cNvSpPr/>
           <p:nvPr/>
         </p:nvSpPr>
@@ -12332,7 +10159,7 @@
       </p:sp>
       <p:sp>
         <p:nvSpPr>
-          <p:cNvPr id="75" name="원"/>
+          <p:cNvPr id="74" name="원"/>
           <p:cNvSpPr/>
           <p:nvPr/>
         </p:nvSpPr>
@@ -12371,7 +10198,7 @@
       </p:sp>
       <p:sp>
         <p:nvSpPr>
-          <p:cNvPr id="76" name="원"/>
+          <p:cNvPr id="75" name="원"/>
           <p:cNvSpPr/>
           <p:nvPr/>
         </p:nvSpPr>
@@ -12410,7 +10237,7 @@
       </p:sp>
       <p:pic>
         <p:nvPicPr>
-          <p:cNvPr id="77" name="이미지" descr="이미지"/>
+          <p:cNvPr id="76" name="이미지" descr="이미지"/>
           <p:cNvPicPr>
             <a:picLocks noChangeAspect="1"/>
           </p:cNvPicPr>
@@ -12439,7 +10266,7 @@
       </p:pic>
       <p:pic>
         <p:nvPicPr>
-          <p:cNvPr id="78" name="이미지" descr="이미지"/>
+          <p:cNvPr id="77" name="이미지" descr="이미지"/>
           <p:cNvPicPr>
             <a:picLocks noChangeAspect="1"/>
           </p:cNvPicPr>
@@ -12468,7 +10295,7 @@
       </p:pic>
       <p:pic>
         <p:nvPicPr>
-          <p:cNvPr id="79" name="이미지" descr="이미지"/>
+          <p:cNvPr id="78" name="이미지" descr="이미지"/>
           <p:cNvPicPr>
             <a:picLocks noChangeAspect="1"/>
           </p:cNvPicPr>
@@ -12638,7 +10465,7 @@
       </p:pic>
       <p:pic>
         <p:nvPicPr>
-          <p:cNvPr id="80" name="이미지" descr="이미지"/>
+          <p:cNvPr id="79" name="이미지" descr="이미지"/>
           <p:cNvPicPr>
             <a:picLocks noChangeAspect="1"/>
           </p:cNvPicPr>
@@ -12788,7 +10615,7 @@
       </p:pic>
       <p:sp>
         <p:nvSpPr>
-          <p:cNvPr id="81" name="오규석"/>
+          <p:cNvPr id="80" name="오규석"/>
           <p:cNvSpPr txBox="1"/>
           <p:nvPr/>
         </p:nvSpPr>
@@ -12839,7 +10666,7 @@
       </p:sp>
       <p:sp>
         <p:nvSpPr>
-          <p:cNvPr id="82" name="양성민"/>
+          <p:cNvPr id="81" name="양성민"/>
           <p:cNvSpPr txBox="1"/>
           <p:nvPr/>
         </p:nvSpPr>
@@ -12890,7 +10717,7 @@
       </p:sp>
       <p:sp>
         <p:nvSpPr>
-          <p:cNvPr id="83" name="유선종"/>
+          <p:cNvPr id="82" name="유선종"/>
           <p:cNvSpPr txBox="1"/>
           <p:nvPr/>
         </p:nvSpPr>
@@ -12941,7 +10768,7 @@
       </p:sp>
       <p:sp>
         <p:nvSpPr>
-          <p:cNvPr id="84" name="최나라"/>
+          <p:cNvPr id="83" name="최나라"/>
           <p:cNvSpPr txBox="1"/>
           <p:nvPr/>
         </p:nvSpPr>
@@ -12992,7 +10819,7 @@
       </p:sp>
       <p:sp>
         <p:nvSpPr>
-          <p:cNvPr id="85" name="차윤성"/>
+          <p:cNvPr id="84" name="차윤성"/>
           <p:cNvSpPr txBox="1"/>
           <p:nvPr/>
         </p:nvSpPr>
@@ -13043,7 +10870,7 @@
       </p:sp>
       <p:sp>
         <p:nvSpPr>
-          <p:cNvPr id="86" name="Project Manager…"/>
+          <p:cNvPr id="85" name="Project Manager…"/>
           <p:cNvSpPr txBox="1"/>
           <p:nvPr/>
         </p:nvSpPr>
@@ -13111,7 +10938,7 @@
       </p:sp>
       <p:sp>
         <p:nvSpPr>
-          <p:cNvPr id="87" name="Object Detection Data Labeling"/>
+          <p:cNvPr id="86" name="Object Detection Data Labeling"/>
           <p:cNvSpPr txBox="1"/>
           <p:nvPr/>
         </p:nvSpPr>
@@ -13198,7 +11025,7 @@
       </p:sp>
       <p:sp>
         <p:nvSpPr>
-          <p:cNvPr id="88" name="Object Detection…"/>
+          <p:cNvPr id="87" name="Object Detection…"/>
           <p:cNvSpPr txBox="1"/>
           <p:nvPr/>
         </p:nvSpPr>
@@ -13266,7 +11093,7 @@
       </p:sp>
       <p:sp>
         <p:nvSpPr>
-          <p:cNvPr id="89" name="Object Detection"/>
+          <p:cNvPr id="88" name="Object Detection"/>
           <p:cNvSpPr txBox="1"/>
           <p:nvPr/>
         </p:nvSpPr>
@@ -13316,7 +11143,7 @@
       </p:sp>
       <p:sp>
         <p:nvSpPr>
-          <p:cNvPr id="90" name="Front-End"/>
+          <p:cNvPr id="89" name="Front-End"/>
           <p:cNvSpPr txBox="1"/>
           <p:nvPr/>
         </p:nvSpPr>
@@ -13367,7 +11194,7 @@
       </p:sp>
       <p:sp>
         <p:nvSpPr>
-          <p:cNvPr id="91" name="선"/>
+          <p:cNvPr id="90" name="선"/>
           <p:cNvSpPr/>
           <p:nvPr/>
         </p:nvSpPr>
@@ -13428,7 +11255,7 @@
       </p:grpSpPr>
       <p:sp>
         <p:nvSpPr>
-          <p:cNvPr id="93" name="프로젝트 개요 - 산학 요구 사항"/>
+          <p:cNvPr id="92" name="프로젝트 개요 - 산학 요구 사항"/>
           <p:cNvSpPr txBox="1"/>
           <p:nvPr>
             <p:ph type="title"/>
@@ -13445,11 +11272,7 @@
         </p:spPr>
         <p:txBody>
           <a:bodyPr/>
-          <a:lstStyle>
-            <a:lvl1pPr>
-              <a:defRPr sz="8100"/>
-            </a:lvl1pPr>
-          </a:lstStyle>
+          <a:lstStyle/>
           <a:p>
             <a:pPr/>
             <a:r>
@@ -13460,7 +11283,7 @@
       </p:sp>
       <p:sp>
         <p:nvSpPr>
-          <p:cNvPr id="94" name="슬라이드 번호"/>
+          <p:cNvPr id="93" name="슬라이드 번호"/>
           <p:cNvSpPr txBox="1"/>
           <p:nvPr>
             <p:ph type="sldNum" sz="quarter" idx="4294967295"/>
@@ -13491,7 +11314,7 @@
       </p:sp>
       <p:sp>
         <p:nvSpPr>
-          <p:cNvPr id="95" name="도형"/>
+          <p:cNvPr id="94" name="도형"/>
           <p:cNvSpPr/>
           <p:nvPr/>
         </p:nvSpPr>
@@ -13583,7 +11406,7 @@
       </p:sp>
       <p:sp>
         <p:nvSpPr>
-          <p:cNvPr id="96" name="도형"/>
+          <p:cNvPr id="95" name="도형"/>
           <p:cNvSpPr/>
           <p:nvPr/>
         </p:nvSpPr>
@@ -13675,7 +11498,7 @@
       </p:sp>
       <p:sp>
         <p:nvSpPr>
-          <p:cNvPr id="97" name="도형"/>
+          <p:cNvPr id="96" name="도형"/>
           <p:cNvSpPr/>
           <p:nvPr/>
         </p:nvSpPr>
@@ -13752,7 +11575,7 @@
       </p:sp>
       <p:sp>
         <p:nvSpPr>
-          <p:cNvPr id="98" name="도형"/>
+          <p:cNvPr id="97" name="도형"/>
           <p:cNvSpPr/>
           <p:nvPr/>
         </p:nvSpPr>
@@ -13844,7 +11667,7 @@
       </p:sp>
       <p:sp>
         <p:nvSpPr>
-          <p:cNvPr id="99" name="도형"/>
+          <p:cNvPr id="98" name="도형"/>
           <p:cNvSpPr/>
           <p:nvPr/>
         </p:nvSpPr>
@@ -13936,7 +11759,7 @@
       </p:sp>
       <p:sp>
         <p:nvSpPr>
-          <p:cNvPr id="100" name="도형"/>
+          <p:cNvPr id="99" name="도형"/>
           <p:cNvSpPr/>
           <p:nvPr/>
         </p:nvSpPr>
@@ -14013,14 +11836,14 @@
       </p:sp>
       <p:sp>
         <p:nvSpPr>
-          <p:cNvPr id="101" name="AI 교육용 서비스"/>
+          <p:cNvPr id="100" name="AI 교육용 서비스"/>
           <p:cNvSpPr txBox="1"/>
           <p:nvPr/>
         </p:nvSpPr>
         <p:spPr>
           <a:xfrm>
-            <a:off x="6986838" y="7438943"/>
-            <a:ext cx="4421712" cy="1176635"/>
+            <a:off x="6560296" y="7438943"/>
+            <a:ext cx="4492173" cy="1176635"/>
           </a:xfrm>
           <a:prstGeom prst="rect">
             <a:avLst/>
@@ -14044,7 +11867,7 @@
               <a:lnSpc>
                 <a:spcPct val="120000"/>
               </a:lnSpc>
-              <a:defRPr sz="3200">
+              <a:defRPr sz="3500">
                 <a:solidFill>
                   <a:srgbClr val="838383"/>
                 </a:solidFill>
@@ -14066,14 +11889,14 @@
       </p:sp>
       <p:sp>
         <p:nvSpPr>
-          <p:cNvPr id="102" name="Object Detection"/>
+          <p:cNvPr id="101" name="Object Detection"/>
           <p:cNvSpPr txBox="1"/>
           <p:nvPr/>
         </p:nvSpPr>
         <p:spPr>
           <a:xfrm>
-            <a:off x="13735925" y="7651567"/>
-            <a:ext cx="4421711" cy="751388"/>
+            <a:off x="13570048" y="7651567"/>
+            <a:ext cx="3587821" cy="751387"/>
           </a:xfrm>
           <a:prstGeom prst="rect">
             <a:avLst/>
@@ -14096,7 +11919,7 @@
               <a:lnSpc>
                 <a:spcPct val="120000"/>
               </a:lnSpc>
-              <a:defRPr sz="3000">
+              <a:defRPr sz="4000">
                 <a:solidFill>
                   <a:srgbClr val="838383"/>
                 </a:solidFill>
@@ -14117,7 +11940,7 @@
       </p:sp>
       <p:sp>
         <p:nvSpPr>
-          <p:cNvPr id="103" name="선"/>
+          <p:cNvPr id="102" name="선"/>
           <p:cNvSpPr/>
           <p:nvPr/>
         </p:nvSpPr>
@@ -14178,7 +12001,7 @@
       </p:grpSpPr>
       <p:sp>
         <p:nvSpPr>
-          <p:cNvPr id="105" name="프로젝트 개요 - 목표"/>
+          <p:cNvPr id="104" name="프로젝트 개요 - 목표"/>
           <p:cNvSpPr txBox="1"/>
           <p:nvPr>
             <p:ph type="title"/>
@@ -14195,11 +12018,7 @@
         </p:spPr>
         <p:txBody>
           <a:bodyPr/>
-          <a:lstStyle>
-            <a:lvl1pPr>
-              <a:defRPr sz="8100"/>
-            </a:lvl1pPr>
-          </a:lstStyle>
+          <a:lstStyle/>
           <a:p>
             <a:pPr/>
             <a:r>
@@ -14210,7 +12029,7 @@
       </p:sp>
       <p:sp>
         <p:nvSpPr>
-          <p:cNvPr id="106" name="슬라이드 번호"/>
+          <p:cNvPr id="105" name="슬라이드 번호"/>
           <p:cNvSpPr txBox="1"/>
           <p:nvPr>
             <p:ph type="sldNum" sz="quarter" idx="4294967295"/>
@@ -14241,13 +12060,13 @@
       </p:sp>
       <p:sp>
         <p:nvSpPr>
-          <p:cNvPr id="107" name="삼각형"/>
+          <p:cNvPr id="106" name="삼각형"/>
           <p:cNvSpPr/>
           <p:nvPr/>
         </p:nvSpPr>
         <p:spPr>
           <a:xfrm>
-            <a:off x="13169627" y="3778208"/>
+            <a:off x="12285449" y="3778208"/>
             <a:ext cx="8495604" cy="8495605"/>
           </a:xfrm>
           <a:custGeom>
@@ -14311,14 +12130,14 @@
       </p:sp>
       <p:sp>
         <p:nvSpPr>
-          <p:cNvPr id="108" name="Face Landmark…"/>
+          <p:cNvPr id="107" name="Face Landmark…"/>
           <p:cNvSpPr txBox="1"/>
           <p:nvPr/>
         </p:nvSpPr>
         <p:spPr>
           <a:xfrm>
-            <a:off x="16190641" y="2639281"/>
-            <a:ext cx="2453575" cy="1079502"/>
+            <a:off x="15064396" y="2782516"/>
+            <a:ext cx="2937709" cy="1250068"/>
           </a:xfrm>
           <a:prstGeom prst="rect">
             <a:avLst/>
@@ -14338,11 +12157,11 @@
           </a:bodyPr>
           <a:lstStyle/>
           <a:p>
-            <a:pPr algn="ctr" defTabSz="751205">
+            <a:pPr algn="ctr" defTabSz="743692">
               <a:lnSpc>
                 <a:spcPct val="100000"/>
               </a:lnSpc>
-              <a:defRPr b="1" sz="2400">
+              <a:defRPr b="1" sz="2970">
                 <a:solidFill>
                   <a:srgbClr val="232323"/>
                 </a:solidFill>
@@ -14357,11 +12176,11 @@
             </a:r>
           </a:p>
           <a:p>
-            <a:pPr algn="ctr" defTabSz="751205">
+            <a:pPr algn="ctr" defTabSz="743692">
               <a:lnSpc>
                 <a:spcPct val="100000"/>
               </a:lnSpc>
-              <a:defRPr b="1" sz="2400">
+              <a:defRPr b="1" sz="2970">
                 <a:solidFill>
                   <a:srgbClr val="232323"/>
                 </a:solidFill>
@@ -14379,14 +12198,14 @@
       </p:sp>
       <p:sp>
         <p:nvSpPr>
-          <p:cNvPr id="109" name="Classify Facialization"/>
+          <p:cNvPr id="108" name="Classify Facialization"/>
           <p:cNvSpPr txBox="1"/>
           <p:nvPr/>
         </p:nvSpPr>
         <p:spPr>
           <a:xfrm>
-            <a:off x="10567934" y="11337800"/>
-            <a:ext cx="2453576" cy="1079502"/>
+            <a:off x="9535877" y="11252517"/>
+            <a:ext cx="2733246" cy="1250068"/>
           </a:xfrm>
           <a:prstGeom prst="rect">
             <a:avLst/>
@@ -14409,7 +12228,7 @@
               <a:lnSpc>
                 <a:spcPct val="100000"/>
               </a:lnSpc>
-              <a:defRPr b="1" sz="2700">
+              <a:defRPr b="1" sz="3000">
                 <a:solidFill>
                   <a:srgbClr val="232323"/>
                 </a:solidFill>
@@ -14430,14 +12249,14 @@
       </p:sp>
       <p:sp>
         <p:nvSpPr>
-          <p:cNvPr id="110" name="Hairstyle recommendation"/>
+          <p:cNvPr id="109" name="Hairstyle recommendation"/>
           <p:cNvSpPr txBox="1"/>
           <p:nvPr/>
         </p:nvSpPr>
         <p:spPr>
           <a:xfrm>
-            <a:off x="21775247" y="11337800"/>
-            <a:ext cx="2453576" cy="1079502"/>
+            <a:off x="20797378" y="11159189"/>
+            <a:ext cx="3431445" cy="1436723"/>
           </a:xfrm>
           <a:prstGeom prst="rect">
             <a:avLst/>
@@ -14460,7 +12279,7 @@
               <a:lnSpc>
                 <a:spcPct val="100000"/>
               </a:lnSpc>
-              <a:defRPr b="1" sz="2200">
+              <a:defRPr b="1" sz="3000">
                 <a:solidFill>
                   <a:srgbClr val="232323"/>
                 </a:solidFill>
@@ -14481,13 +12300,13 @@
       </p:sp>
       <p:sp>
         <p:nvSpPr>
-          <p:cNvPr id="111" name="Goal"/>
+          <p:cNvPr id="110" name="Goal"/>
           <p:cNvSpPr txBox="1"/>
           <p:nvPr/>
         </p:nvSpPr>
         <p:spPr>
           <a:xfrm>
-            <a:off x="15335690" y="8577268"/>
+            <a:off x="14451513" y="8577268"/>
             <a:ext cx="4163476" cy="1250068"/>
           </a:xfrm>
           <a:prstGeom prst="rect">
@@ -14532,14 +12351,14 @@
       </p:sp>
       <p:sp>
         <p:nvSpPr>
-          <p:cNvPr id="112" name="얼굴형 기반 헤어스타일 추천"/>
+          <p:cNvPr id="111" name="얼굴형 기반 헤어스타일 추천"/>
           <p:cNvSpPr txBox="1"/>
           <p:nvPr/>
         </p:nvSpPr>
         <p:spPr>
           <a:xfrm>
             <a:off x="3227407" y="10167515"/>
-            <a:ext cx="5956340" cy="782068"/>
+            <a:ext cx="6064548" cy="817456"/>
           </a:xfrm>
           <a:prstGeom prst="rect">
             <a:avLst/>
@@ -14562,7 +12381,7 @@
               <a:lnSpc>
                 <a:spcPct val="90000"/>
               </a:lnSpc>
-              <a:defRPr b="1" sz="3400">
+              <a:defRPr b="1" sz="4000">
                 <a:solidFill>
                   <a:srgbClr val="232323"/>
                 </a:solidFill>
@@ -14583,7 +12402,7 @@
       </p:sp>
       <p:sp>
         <p:nvSpPr>
-          <p:cNvPr id="113" name="선"/>
+          <p:cNvPr id="112" name="선"/>
           <p:cNvSpPr/>
           <p:nvPr/>
         </p:nvSpPr>
@@ -14618,7 +12437,7 @@
       </p:sp>
       <p:pic>
         <p:nvPicPr>
-          <p:cNvPr id="114" name="이미지" descr="이미지"/>
+          <p:cNvPr id="113" name="이미지" descr="이미지"/>
           <p:cNvPicPr>
             <a:picLocks noChangeAspect="1"/>
           </p:cNvPicPr>
@@ -14647,14 +12466,14 @@
       </p:pic>
       <p:sp>
         <p:nvSpPr>
-          <p:cNvPr id="115" name="다양한 헤어스타일에 대한 욕구와 시도"/>
+          <p:cNvPr id="114" name="다양한 헤어스타일에 대한 욕구와 시도"/>
           <p:cNvSpPr txBox="1"/>
           <p:nvPr/>
         </p:nvSpPr>
         <p:spPr>
           <a:xfrm>
             <a:off x="293091" y="7273504"/>
-            <a:ext cx="5482527" cy="606397"/>
+            <a:ext cx="5482527" cy="963585"/>
           </a:xfrm>
           <a:prstGeom prst="rect">
             <a:avLst/>
@@ -14673,11 +12492,11 @@
             <a:normAutofit fontScale="100000" lnSpcReduction="0"/>
           </a:bodyPr>
           <a:lstStyle>
-            <a:lvl1pPr algn="ctr" defTabSz="825500">
+            <a:lvl1pPr algn="ctr" defTabSz="767715">
               <a:lnSpc>
                 <a:spcPct val="90000"/>
               </a:lnSpc>
-              <a:defRPr sz="2200">
+              <a:defRPr sz="2790">
                 <a:solidFill>
                   <a:srgbClr val="232323"/>
                 </a:solidFill>
@@ -14698,7 +12517,7 @@
       </p:sp>
       <p:pic>
         <p:nvPicPr>
-          <p:cNvPr id="116" name="이미지" descr="이미지"/>
+          <p:cNvPr id="115" name="이미지" descr="이미지"/>
           <p:cNvPicPr>
             <a:picLocks noChangeAspect="1"/>
           </p:cNvPicPr>
@@ -14727,13 +12546,13 @@
       </p:pic>
       <p:sp>
         <p:nvSpPr>
-          <p:cNvPr id="117" name="자신의 얼굴형에 대한 무지"/>
+          <p:cNvPr id="116" name="자신의 얼굴형에 대한 무지"/>
           <p:cNvSpPr txBox="1"/>
           <p:nvPr/>
         </p:nvSpPr>
         <p:spPr>
           <a:xfrm>
-            <a:off x="6326383" y="7273504"/>
+            <a:off x="6326384" y="7452098"/>
             <a:ext cx="5482528" cy="606397"/>
           </a:xfrm>
           <a:prstGeom prst="rect">
@@ -14753,11 +12572,11 @@
             <a:normAutofit fontScale="100000" lnSpcReduction="0"/>
           </a:bodyPr>
           <a:lstStyle>
-            <a:lvl1pPr algn="ctr" defTabSz="825500">
+            <a:lvl1pPr algn="ctr" defTabSz="800735">
               <a:lnSpc>
                 <a:spcPct val="100000"/>
               </a:lnSpc>
-              <a:defRPr sz="2700">
+              <a:defRPr sz="2910">
                 <a:solidFill>
                   <a:srgbClr val="232323"/>
                 </a:solidFill>
@@ -14778,7 +12597,7 @@
       </p:sp>
       <p:grpSp>
         <p:nvGrpSpPr>
-          <p:cNvPr id="122" name="그룹"/>
+          <p:cNvPr id="121" name="그룹"/>
           <p:cNvGrpSpPr/>
           <p:nvPr/>
         </p:nvGrpSpPr>
@@ -14792,7 +12611,7 @@
         </p:grpSpPr>
         <p:sp>
           <p:nvSpPr>
-            <p:cNvPr id="118" name="선"/>
+            <p:cNvPr id="117" name="선"/>
             <p:cNvSpPr/>
             <p:nvPr/>
           </p:nvSpPr>
@@ -14832,7 +12651,7 @@
         </p:sp>
         <p:sp>
           <p:nvSpPr>
-            <p:cNvPr id="119" name="선"/>
+            <p:cNvPr id="118" name="선"/>
             <p:cNvSpPr/>
             <p:nvPr/>
           </p:nvSpPr>
@@ -14872,7 +12691,7 @@
         </p:sp>
         <p:sp>
           <p:nvSpPr>
-            <p:cNvPr id="120" name="선"/>
+            <p:cNvPr id="119" name="선"/>
             <p:cNvSpPr/>
             <p:nvPr/>
           </p:nvSpPr>
@@ -14912,7 +12731,7 @@
         </p:sp>
         <p:sp>
           <p:nvSpPr>
-            <p:cNvPr id="121" name="선"/>
+            <p:cNvPr id="120" name="선"/>
             <p:cNvSpPr/>
             <p:nvPr/>
           </p:nvSpPr>
@@ -14953,7 +12772,7 @@
       </p:grpSp>
       <p:pic>
         <p:nvPicPr>
-          <p:cNvPr id="123" name="이미지" descr="이미지"/>
+          <p:cNvPr id="122" name="이미지" descr="이미지"/>
           <p:cNvPicPr>
             <a:picLocks noChangeAspect="1"/>
           </p:cNvPicPr>
@@ -15008,7 +12827,7 @@
       </p:grpSpPr>
       <p:sp>
         <p:nvSpPr>
-          <p:cNvPr id="125" name="슬라이드 번호"/>
+          <p:cNvPr id="124" name="슬라이드 번호"/>
           <p:cNvSpPr txBox="1"/>
           <p:nvPr>
             <p:ph type="sldNum" sz="quarter" idx="4294967295"/>
@@ -15039,7 +12858,7 @@
       </p:sp>
       <p:sp>
         <p:nvSpPr>
-          <p:cNvPr id="126" name="시스템 구조도"/>
+          <p:cNvPr id="125" name="시스템 구조도"/>
           <p:cNvSpPr txBox="1"/>
           <p:nvPr>
             <p:ph type="title"/>
@@ -15067,7 +12886,7 @@
       </p:sp>
       <p:grpSp>
         <p:nvGrpSpPr>
-          <p:cNvPr id="131" name="그룹 3"/>
+          <p:cNvPr id="130" name="그룹 3"/>
           <p:cNvGrpSpPr/>
           <p:nvPr/>
         </p:nvGrpSpPr>
@@ -15081,7 +12900,7 @@
         </p:grpSpPr>
         <p:pic>
           <p:nvPicPr>
-            <p:cNvPr id="127" name="이미지" descr="이미지"/>
+            <p:cNvPr id="126" name="이미지" descr="이미지"/>
             <p:cNvPicPr>
               <a:picLocks noChangeAspect="1"/>
             </p:cNvPicPr>
@@ -15112,7 +12931,7 @@
         </p:pic>
         <p:pic>
           <p:nvPicPr>
-            <p:cNvPr id="128" name="이미지" descr="이미지"/>
+            <p:cNvPr id="127" name="이미지" descr="이미지"/>
             <p:cNvPicPr>
               <a:picLocks noChangeAspect="1"/>
             </p:cNvPicPr>
@@ -15143,7 +12962,7 @@
         </p:pic>
         <p:pic>
           <p:nvPicPr>
-            <p:cNvPr id="129" name="이미지" descr="이미지"/>
+            <p:cNvPr id="128" name="이미지" descr="이미지"/>
             <p:cNvPicPr>
               <a:picLocks noChangeAspect="1"/>
             </p:cNvPicPr>
@@ -15174,7 +12993,7 @@
         </p:pic>
         <p:sp>
           <p:nvSpPr>
-            <p:cNvPr id="130" name="Web"/>
+            <p:cNvPr id="129" name="Web"/>
             <p:cNvSpPr txBox="1"/>
             <p:nvPr/>
           </p:nvSpPr>
@@ -15229,7 +13048,7 @@
       </p:grpSp>
       <p:grpSp>
         <p:nvGrpSpPr>
-          <p:cNvPr id="136" name="그룹 1"/>
+          <p:cNvPr id="135" name="그룹 1"/>
           <p:cNvGrpSpPr/>
           <p:nvPr/>
         </p:nvGrpSpPr>
@@ -15243,7 +13062,7 @@
         </p:grpSpPr>
         <p:pic>
           <p:nvPicPr>
-            <p:cNvPr id="132" name="이미지" descr="이미지"/>
+            <p:cNvPr id="131" name="이미지" descr="이미지"/>
             <p:cNvPicPr>
               <a:picLocks noChangeAspect="1"/>
             </p:cNvPicPr>
@@ -15274,7 +13093,7 @@
         </p:pic>
         <p:pic>
           <p:nvPicPr>
-            <p:cNvPr id="133" name="이미지" descr="이미지"/>
+            <p:cNvPr id="132" name="이미지" descr="이미지"/>
             <p:cNvPicPr>
               <a:picLocks noChangeAspect="1"/>
             </p:cNvPicPr>
@@ -15305,7 +13124,7 @@
         </p:pic>
         <p:pic>
           <p:nvPicPr>
-            <p:cNvPr id="134" name="이미지" descr="이미지"/>
+            <p:cNvPr id="133" name="이미지" descr="이미지"/>
             <p:cNvPicPr>
               <a:picLocks noChangeAspect="1"/>
             </p:cNvPicPr>
@@ -15336,7 +13155,7 @@
         </p:pic>
         <p:sp>
           <p:nvSpPr>
-            <p:cNvPr id="135" name="Server"/>
+            <p:cNvPr id="134" name="Server"/>
             <p:cNvSpPr txBox="1"/>
             <p:nvPr/>
           </p:nvSpPr>
@@ -15391,7 +13210,7 @@
       </p:grpSp>
       <p:grpSp>
         <p:nvGrpSpPr>
-          <p:cNvPr id="141" name="그룹 4"/>
+          <p:cNvPr id="140" name="그룹 4"/>
           <p:cNvGrpSpPr/>
           <p:nvPr/>
         </p:nvGrpSpPr>
@@ -15405,7 +13224,7 @@
         </p:grpSpPr>
         <p:pic>
           <p:nvPicPr>
-            <p:cNvPr id="137" name="이미지" descr="이미지"/>
+            <p:cNvPr id="136" name="이미지" descr="이미지"/>
             <p:cNvPicPr>
               <a:picLocks noChangeAspect="1"/>
             </p:cNvPicPr>
@@ -15436,7 +13255,7 @@
         </p:pic>
         <p:pic>
           <p:nvPicPr>
-            <p:cNvPr id="138" name="이미지" descr="이미지"/>
+            <p:cNvPr id="137" name="이미지" descr="이미지"/>
             <p:cNvPicPr>
               <a:picLocks noChangeAspect="1"/>
             </p:cNvPicPr>
@@ -15467,7 +13286,7 @@
         </p:pic>
         <p:sp>
           <p:nvSpPr>
-            <p:cNvPr id="139" name="User"/>
+            <p:cNvPr id="138" name="User"/>
             <p:cNvSpPr txBox="1"/>
             <p:nvPr/>
           </p:nvSpPr>
@@ -15521,7 +13340,7 @@
         </p:sp>
         <p:sp>
           <p:nvSpPr>
-            <p:cNvPr id="140" name="Webcam…"/>
+            <p:cNvPr id="139" name="Webcam…"/>
             <p:cNvSpPr txBox="1"/>
             <p:nvPr/>
           </p:nvSpPr>
@@ -15593,7 +13412,7 @@
       </p:grpSp>
       <p:grpSp>
         <p:nvGrpSpPr>
-          <p:cNvPr id="147" name="그룹 2"/>
+          <p:cNvPr id="146" name="그룹 2"/>
           <p:cNvGrpSpPr/>
           <p:nvPr/>
         </p:nvGrpSpPr>
@@ -15607,7 +13426,7 @@
         </p:grpSpPr>
         <p:pic>
           <p:nvPicPr>
-            <p:cNvPr id="142" name="이미지" descr="이미지"/>
+            <p:cNvPr id="141" name="이미지" descr="이미지"/>
             <p:cNvPicPr>
               <a:picLocks noChangeAspect="1"/>
             </p:cNvPicPr>
@@ -15638,7 +13457,7 @@
         </p:pic>
         <p:sp>
           <p:nvSpPr>
-            <p:cNvPr id="143" name="Model"/>
+            <p:cNvPr id="142" name="Model"/>
             <p:cNvSpPr txBox="1"/>
             <p:nvPr/>
           </p:nvSpPr>
@@ -15692,7 +13511,7 @@
         </p:sp>
         <p:pic>
           <p:nvPicPr>
-            <p:cNvPr id="144" name="이미지" descr="이미지"/>
+            <p:cNvPr id="143" name="이미지" descr="이미지"/>
             <p:cNvPicPr>
               <a:picLocks noChangeAspect="1"/>
             </p:cNvPicPr>
@@ -15723,7 +13542,7 @@
         </p:pic>
         <p:pic>
           <p:nvPicPr>
-            <p:cNvPr id="145" name="이미지" descr="이미지"/>
+            <p:cNvPr id="144" name="이미지" descr="이미지"/>
             <p:cNvPicPr>
               <a:picLocks noChangeAspect="1"/>
             </p:cNvPicPr>
@@ -15754,7 +13573,7 @@
         </p:pic>
         <p:pic>
           <p:nvPicPr>
-            <p:cNvPr id="146" name="이미지" descr="이미지"/>
+            <p:cNvPr id="145" name="이미지" descr="이미지"/>
             <p:cNvPicPr>
               <a:picLocks noChangeAspect="1"/>
             </p:cNvPicPr>
@@ -15786,7 +13605,7 @@
       </p:grpSp>
       <p:sp>
         <p:nvSpPr>
-          <p:cNvPr id="148" name="선"/>
+          <p:cNvPr id="147" name="선"/>
           <p:cNvSpPr/>
           <p:nvPr/>
         </p:nvSpPr>
@@ -15822,7 +13641,7 @@
       </p:sp>
       <p:sp>
         <p:nvSpPr>
-          <p:cNvPr id="149" name="선"/>
+          <p:cNvPr id="148" name="선"/>
           <p:cNvSpPr/>
           <p:nvPr/>
         </p:nvSpPr>
@@ -15858,7 +13677,7 @@
       </p:sp>
       <p:sp>
         <p:nvSpPr>
-          <p:cNvPr id="150" name="선"/>
+          <p:cNvPr id="149" name="선"/>
           <p:cNvSpPr/>
           <p:nvPr/>
         </p:nvSpPr>
@@ -15894,7 +13713,7 @@
       </p:sp>
       <p:sp>
         <p:nvSpPr>
-          <p:cNvPr id="151" name="선"/>
+          <p:cNvPr id="150" name="선"/>
           <p:cNvSpPr/>
           <p:nvPr/>
         </p:nvSpPr>
@@ -15930,7 +13749,7 @@
       </p:sp>
       <p:sp>
         <p:nvSpPr>
-          <p:cNvPr id="152" name="선"/>
+          <p:cNvPr id="151" name="선"/>
           <p:cNvSpPr/>
           <p:nvPr/>
         </p:nvSpPr>
@@ -15966,7 +13785,7 @@
       </p:sp>
       <p:sp>
         <p:nvSpPr>
-          <p:cNvPr id="153" name="선"/>
+          <p:cNvPr id="152" name="선"/>
           <p:cNvSpPr/>
           <p:nvPr/>
         </p:nvSpPr>
@@ -16027,7 +13846,7 @@
       </p:grpSpPr>
       <p:sp>
         <p:nvSpPr>
-          <p:cNvPr id="155" name="주요 기능 - 모델 변경 사항"/>
+          <p:cNvPr id="154" name="주요 기능 - 모델 변경 사항"/>
           <p:cNvSpPr txBox="1"/>
           <p:nvPr>
             <p:ph type="title"/>
@@ -16064,7 +13883,7 @@
       </p:sp>
       <p:sp>
         <p:nvSpPr>
-          <p:cNvPr id="156" name="선"/>
+          <p:cNvPr id="155" name="선"/>
           <p:cNvSpPr/>
           <p:nvPr/>
         </p:nvSpPr>
@@ -16099,7 +13918,7 @@
       </p:sp>
       <p:pic>
         <p:nvPicPr>
-          <p:cNvPr id="157" name="그림 21" descr="그림 21"/>
+          <p:cNvPr id="156" name="그림 21" descr="그림 21"/>
           <p:cNvPicPr>
             <a:picLocks noChangeAspect="1"/>
           </p:cNvPicPr>
@@ -16128,7 +13947,7 @@
       </p:pic>
       <p:sp>
         <p:nvSpPr>
-          <p:cNvPr id="158" name="Data Augmentation"/>
+          <p:cNvPr id="157" name="Data Augmentation"/>
           <p:cNvSpPr txBox="1"/>
           <p:nvPr/>
         </p:nvSpPr>
@@ -16197,7 +14016,7 @@
       </p:sp>
       <p:pic>
         <p:nvPicPr>
-          <p:cNvPr id="159" name="그림 23" descr="그림 23"/>
+          <p:cNvPr id="158" name="그림 23" descr="그림 23"/>
           <p:cNvPicPr>
             <a:picLocks noChangeAspect="1"/>
           </p:cNvPicPr>
@@ -16226,7 +14045,7 @@
       </p:pic>
       <p:grpSp>
         <p:nvGrpSpPr>
-          <p:cNvPr id="162" name="1"/>
+          <p:cNvPr id="161" name="1"/>
           <p:cNvGrpSpPr/>
           <p:nvPr/>
         </p:nvGrpSpPr>
@@ -16240,7 +14059,7 @@
         </p:grpSpPr>
         <p:sp>
           <p:nvSpPr>
-            <p:cNvPr id="160" name="도형"/>
+            <p:cNvPr id="159" name="도형"/>
             <p:cNvSpPr/>
             <p:nvPr/>
           </p:nvSpPr>
@@ -16332,7 +14151,7 @@
         </p:sp>
         <p:sp>
           <p:nvSpPr>
-            <p:cNvPr id="161" name="Hosting"/>
+            <p:cNvPr id="160" name="Hosting"/>
             <p:cNvSpPr txBox="1"/>
             <p:nvPr/>
           </p:nvSpPr>
@@ -16387,7 +14206,7 @@
       </p:grpSp>
       <p:pic>
         <p:nvPicPr>
-          <p:cNvPr id="163" name="그림 25" descr="그림 25"/>
+          <p:cNvPr id="162" name="그림 25" descr="그림 25"/>
           <p:cNvPicPr>
             <a:picLocks noChangeAspect="1"/>
           </p:cNvPicPr>
@@ -16442,7 +14261,7 @@
       </p:grpSpPr>
       <p:sp>
         <p:nvSpPr>
-          <p:cNvPr id="165" name="슬라이드 번호"/>
+          <p:cNvPr id="164" name="슬라이드 번호"/>
           <p:cNvSpPr txBox="1"/>
           <p:nvPr>
             <p:ph type="sldNum" sz="quarter" idx="4294967295"/>
@@ -16473,7 +14292,7 @@
       </p:sp>
       <p:sp>
         <p:nvSpPr>
-          <p:cNvPr id="166" name="시스템 구조도"/>
+          <p:cNvPr id="165" name="시스템 구조도"/>
           <p:cNvSpPr txBox="1"/>
           <p:nvPr>
             <p:ph type="title"/>
@@ -16492,8 +14311,8 @@
           <a:bodyPr/>
           <a:lstStyle/>
           <a:p>
-            <a:pPr>
-              <a:defRPr sz="8100"/>
+            <a:pPr defTabSz="2365187">
+              <a:defRPr sz="8730"/>
             </a:pPr>
             <a:r>
               <a:t>주요 기능 </a:t>
@@ -16509,7 +14328,7 @@
       </p:sp>
       <p:sp>
         <p:nvSpPr>
-          <p:cNvPr id="167" name="선"/>
+          <p:cNvPr id="166" name="선"/>
           <p:cNvSpPr/>
           <p:nvPr/>
         </p:nvSpPr>
@@ -16544,14 +14363,14 @@
       </p:sp>
       <p:sp>
         <p:nvSpPr>
-          <p:cNvPr id="168" name="도형"/>
+          <p:cNvPr id="167" name="도형"/>
           <p:cNvSpPr/>
           <p:nvPr/>
         </p:nvSpPr>
         <p:spPr>
           <a:xfrm>
-            <a:off x="8150980" y="8040312"/>
-            <a:ext cx="8719401" cy="4345276"/>
+            <a:off x="7095136" y="8554329"/>
+            <a:ext cx="10193728" cy="5080001"/>
           </a:xfrm>
           <a:custGeom>
             <a:avLst/>
@@ -16631,14 +14450,14 @@
       </p:sp>
       <p:sp>
         <p:nvSpPr>
-          <p:cNvPr id="169" name="얼굴형 판단 정확성 향상"/>
+          <p:cNvPr id="168" name="얼굴형 판단 정확성 향상"/>
           <p:cNvSpPr/>
           <p:nvPr/>
         </p:nvSpPr>
         <p:spPr>
           <a:xfrm>
-            <a:off x="5046744" y="9836034"/>
-            <a:ext cx="2516589" cy="2516590"/>
+            <a:off x="3750970" y="10171177"/>
+            <a:ext cx="3175001" cy="3175001"/>
           </a:xfrm>
           <a:prstGeom prst="ellipse">
             <a:avLst/>
@@ -16666,7 +14485,7 @@
               <a:lnSpc>
                 <a:spcPct val="100000"/>
               </a:lnSpc>
-              <a:defRPr b="1" sz="2700">
+              <a:defRPr b="1" sz="3000">
                 <a:solidFill>
                   <a:srgbClr val="232323"/>
                 </a:solidFill>
@@ -16688,14 +14507,14 @@
       </p:sp>
       <p:sp>
         <p:nvSpPr>
-          <p:cNvPr id="170" name="개발 계획 구체화"/>
+          <p:cNvPr id="169" name="개발 계획 구체화"/>
           <p:cNvSpPr txBox="1"/>
           <p:nvPr/>
         </p:nvSpPr>
         <p:spPr>
           <a:xfrm>
-            <a:off x="10191553" y="10197581"/>
-            <a:ext cx="4638256" cy="1793496"/>
+            <a:off x="9344968" y="11216543"/>
+            <a:ext cx="5694064" cy="1084269"/>
           </a:xfrm>
           <a:prstGeom prst="rect">
             <a:avLst/>
@@ -16718,7 +14537,7 @@
               <a:lnSpc>
                 <a:spcPct val="100000"/>
               </a:lnSpc>
-              <a:defRPr b="1" sz="4000">
+              <a:defRPr b="1" sz="6000">
                 <a:solidFill>
                   <a:srgbClr val="262626"/>
                 </a:solidFill>
@@ -16739,14 +14558,14 @@
       </p:sp>
       <p:sp>
         <p:nvSpPr>
-          <p:cNvPr id="171" name="높은 수준의  판단력"/>
+          <p:cNvPr id="170" name="높은 수준의  판단력"/>
           <p:cNvSpPr/>
           <p:nvPr/>
         </p:nvSpPr>
         <p:spPr>
           <a:xfrm>
-            <a:off x="7402035" y="6192125"/>
-            <a:ext cx="2516589" cy="2516590"/>
+            <a:off x="6003924" y="6192125"/>
+            <a:ext cx="3175001" cy="3175001"/>
           </a:xfrm>
           <a:prstGeom prst="ellipse">
             <a:avLst/>
@@ -16774,7 +14593,7 @@
               <a:lnSpc>
                 <a:spcPct val="100000"/>
               </a:lnSpc>
-              <a:defRPr b="1" sz="2700">
+              <a:defRPr b="1" sz="3000">
                 <a:solidFill>
                   <a:srgbClr val="232323"/>
                 </a:solidFill>
@@ -16796,14 +14615,14 @@
       </p:sp>
       <p:sp>
         <p:nvSpPr>
-          <p:cNvPr id="172" name="머신 러닝 모델 개발 계획"/>
+          <p:cNvPr id="171" name="머신 러닝 모델  개발 계획"/>
           <p:cNvSpPr/>
           <p:nvPr/>
         </p:nvSpPr>
         <p:spPr>
           <a:xfrm>
-            <a:off x="11252386" y="4896678"/>
-            <a:ext cx="2516590" cy="2516590"/>
+            <a:off x="10553331" y="4801891"/>
+            <a:ext cx="3175001" cy="3175001"/>
           </a:xfrm>
           <a:prstGeom prst="ellipse">
             <a:avLst/>
@@ -16825,12 +14644,13 @@
         </p:spPr>
         <p:txBody>
           <a:bodyPr lIns="82987" tIns="82987" rIns="82987" bIns="82987" anchor="ctr"/>
-          <a:lstStyle>
-            <a:lvl1pPr algn="ctr" defTabSz="825500">
+          <a:lstStyle/>
+          <a:p>
+            <a:pPr algn="ctr" defTabSz="825500">
               <a:lnSpc>
                 <a:spcPct val="100000"/>
               </a:lnSpc>
-              <a:defRPr b="1" sz="2700">
+              <a:defRPr b="1" sz="3000">
                 <a:solidFill>
                   <a:srgbClr val="232323"/>
                 </a:solidFill>
@@ -16839,26 +14659,27 @@
                 <a:cs typeface="+mn-cs"/>
                 <a:sym typeface="Helvetica"/>
               </a:defRPr>
-            </a:lvl1pPr>
-          </a:lstStyle>
-          <a:p>
-            <a:pPr/>
-            <a:r>
-              <a:t>머신 러닝 모델 개발 계획</a:t>
+            </a:pPr>
+            <a:r>
+              <a:t>머신 러닝 모델 </a:t>
+            </a:r>
+            <a:br/>
+            <a:r>
+              <a:t>개발 계획</a:t>
             </a:r>
           </a:p>
         </p:txBody>
       </p:sp>
       <p:sp>
         <p:nvSpPr>
-          <p:cNvPr id="173" name="얼굴형 판단 정확성 향상"/>
+          <p:cNvPr id="172" name="얼굴형 판단 정확성 향상"/>
           <p:cNvSpPr/>
           <p:nvPr/>
         </p:nvSpPr>
         <p:spPr>
           <a:xfrm>
             <a:off x="17458028" y="9836034"/>
-            <a:ext cx="2516590" cy="2516590"/>
+            <a:ext cx="3175001" cy="3175001"/>
           </a:xfrm>
           <a:prstGeom prst="ellipse">
             <a:avLst/>
@@ -16886,7 +14707,7 @@
               <a:lnSpc>
                 <a:spcPct val="100000"/>
               </a:lnSpc>
-              <a:defRPr b="1" sz="2700">
+              <a:defRPr b="1" sz="3000">
                 <a:solidFill>
                   <a:srgbClr val="232323"/>
                 </a:solidFill>
@@ -16908,14 +14729,14 @@
       </p:sp>
       <p:sp>
         <p:nvSpPr>
-          <p:cNvPr id="174" name="지도 학습"/>
+          <p:cNvPr id="173" name="지도 학습"/>
           <p:cNvSpPr/>
           <p:nvPr/>
         </p:nvSpPr>
         <p:spPr>
           <a:xfrm>
             <a:off x="15102738" y="6192125"/>
-            <a:ext cx="2516590" cy="2516590"/>
+            <a:ext cx="3175001" cy="3175001"/>
           </a:xfrm>
           <a:prstGeom prst="ellipse">
             <a:avLst/>
@@ -16942,7 +14763,7 @@
               <a:lnSpc>
                 <a:spcPct val="100000"/>
               </a:lnSpc>
-              <a:defRPr b="1" sz="2700">
+              <a:defRPr b="1" sz="3000">
                 <a:solidFill>
                   <a:srgbClr val="232323"/>
                 </a:solidFill>
@@ -16989,7 +14810,7 @@
       </p:grpSpPr>
       <p:pic>
         <p:nvPicPr>
-          <p:cNvPr id="176" name="이미지" descr="이미지"/>
+          <p:cNvPr id="175" name="이미지" descr="이미지"/>
           <p:cNvPicPr>
             <a:picLocks noChangeAspect="1"/>
           </p:cNvPicPr>
@@ -17005,8 +14826,8 @@
         </p:blipFill>
         <p:spPr>
           <a:xfrm>
-            <a:off x="5688041" y="4698219"/>
-            <a:ext cx="10112022" cy="9655155"/>
+            <a:off x="6278028" y="4305315"/>
+            <a:ext cx="11827944" cy="11293550"/>
           </a:xfrm>
           <a:prstGeom prst="rect">
             <a:avLst/>
@@ -17018,7 +14839,7 @@
       </p:pic>
       <p:sp>
         <p:nvSpPr>
-          <p:cNvPr id="177" name="슬라이드 번호"/>
+          <p:cNvPr id="176" name="슬라이드 번호"/>
           <p:cNvSpPr txBox="1"/>
           <p:nvPr>
             <p:ph type="sldNum" sz="quarter" idx="4294967295"/>
@@ -17049,7 +14870,7 @@
       </p:sp>
       <p:sp>
         <p:nvSpPr>
-          <p:cNvPr id="178" name="주요 기능 - 모델 변경 사항"/>
+          <p:cNvPr id="177" name="주요 기능 - 모델 변경 사항"/>
           <p:cNvSpPr txBox="1"/>
           <p:nvPr>
             <p:ph type="title"/>
@@ -17077,7 +14898,7 @@
       </p:sp>
       <p:sp>
         <p:nvSpPr>
-          <p:cNvPr id="179" name="선"/>
+          <p:cNvPr id="178" name="선"/>
           <p:cNvSpPr/>
           <p:nvPr/>
         </p:nvSpPr>
@@ -17112,14 +14933,14 @@
       </p:sp>
       <p:sp>
         <p:nvSpPr>
-          <p:cNvPr id="180" name="기존 모델 Tensorflow.js의 Face-Landmark-Detection"/>
+          <p:cNvPr id="179" name="기존 모델 Tensorflow.js의 Face-Landmark-Detection"/>
           <p:cNvSpPr txBox="1"/>
           <p:nvPr/>
         </p:nvSpPr>
         <p:spPr>
           <a:xfrm>
-            <a:off x="5790241" y="3746272"/>
-            <a:ext cx="9155818" cy="762002"/>
+            <a:off x="5960845" y="3339746"/>
+            <a:ext cx="12462310" cy="913947"/>
           </a:xfrm>
           <a:prstGeom prst="rect">
             <a:avLst/>
@@ -17143,7 +14964,7 @@
               <a:lnSpc>
                 <a:spcPct val="100000"/>
               </a:lnSpc>
-              <a:defRPr b="1" sz="2700">
+              <a:defRPr b="1" sz="4000">
                 <a:solidFill>
                   <a:srgbClr val="232323"/>
                 </a:solidFill>
@@ -17173,14 +14994,14 @@
       </p:sp>
       <p:sp>
         <p:nvSpPr>
-          <p:cNvPr id="181" name="특징점을 추출하여 얻은 숫자 데이터를 토대로 가볍고 높은 성능의 모델 기대"/>
+          <p:cNvPr id="180" name="특징점을 추출하여 얻은 숫자 데이터를 토대로 가볍고 높은 성능의 모델 기대"/>
           <p:cNvSpPr txBox="1"/>
           <p:nvPr/>
         </p:nvSpPr>
         <p:spPr>
           <a:xfrm>
-            <a:off x="5619210" y="11264213"/>
-            <a:ext cx="9155818" cy="1902089"/>
+            <a:off x="7329729" y="11514683"/>
+            <a:ext cx="9155819" cy="1902089"/>
           </a:xfrm>
           <a:prstGeom prst="rect">
             <a:avLst/>
@@ -17204,7 +15025,7 @@
               <a:lnSpc>
                 <a:spcPct val="100000"/>
               </a:lnSpc>
-              <a:defRPr b="1" sz="2700">
+              <a:defRPr b="1" sz="3500">
                 <a:solidFill>
                   <a:srgbClr val="232323"/>
                 </a:solidFill>
@@ -17241,7 +15062,7 @@
               <a:lnSpc>
                 <a:spcPct val="100000"/>
               </a:lnSpc>
-              <a:defRPr b="1" sz="3600">
+              <a:defRPr b="1" sz="3500">
                 <a:solidFill>
                   <a:srgbClr val="232323"/>
                 </a:solidFill>

--- a/docs/Capstone-team14-presentation.pptx
+++ b/docs/Capstone-team14-presentation.pptx
@@ -2187,7 +2187,7 @@
       </p:grpSpPr>
       <p:sp>
         <p:nvSpPr>
-          <p:cNvPr id="182" name="선"/>
+          <p:cNvPr id="180" name="선"/>
           <p:cNvSpPr/>
           <p:nvPr/>
         </p:nvSpPr>
@@ -2222,7 +2222,7 @@
       </p:sp>
       <p:sp>
         <p:nvSpPr>
-          <p:cNvPr id="183" name="선"/>
+          <p:cNvPr id="181" name="선"/>
           <p:cNvSpPr/>
           <p:nvPr/>
         </p:nvSpPr>
@@ -2257,7 +2257,7 @@
       </p:sp>
       <p:sp>
         <p:nvSpPr>
-          <p:cNvPr id="184" name="슬라이드 번호"/>
+          <p:cNvPr id="182" name="슬라이드 번호"/>
           <p:cNvSpPr txBox="1"/>
           <p:nvPr>
             <p:ph type="sldNum" sz="quarter" idx="4294967295"/>
@@ -2288,7 +2288,7 @@
       </p:sp>
       <p:sp>
         <p:nvSpPr>
-          <p:cNvPr id="185" name="주요 기능 - 모델 변경 사항"/>
+          <p:cNvPr id="183" name="주요 기능 - 모델 변경 사항"/>
           <p:cNvSpPr txBox="1"/>
           <p:nvPr>
             <p:ph type="title"/>
@@ -2316,7 +2316,7 @@
       </p:sp>
       <p:sp>
         <p:nvSpPr>
-          <p:cNvPr id="186" name="선"/>
+          <p:cNvPr id="184" name="선"/>
           <p:cNvSpPr/>
           <p:nvPr/>
         </p:nvSpPr>
@@ -2351,7 +2351,7 @@
       </p:sp>
       <p:sp>
         <p:nvSpPr>
-          <p:cNvPr id="187" name="TextBox 21"/>
+          <p:cNvPr id="185" name="TextBox 21"/>
           <p:cNvSpPr txBox="1"/>
           <p:nvPr/>
         </p:nvSpPr>
@@ -2399,7 +2399,7 @@
       </p:sp>
       <p:grpSp>
         <p:nvGrpSpPr>
-          <p:cNvPr id="192" name="그룹"/>
+          <p:cNvPr id="190" name="그룹"/>
           <p:cNvGrpSpPr/>
           <p:nvPr/>
         </p:nvGrpSpPr>
@@ -2413,7 +2413,7 @@
         </p:grpSpPr>
         <p:sp>
           <p:nvSpPr>
-            <p:cNvPr id="188" name="선"/>
+            <p:cNvPr id="186" name="선"/>
             <p:cNvSpPr/>
             <p:nvPr/>
           </p:nvSpPr>
@@ -2453,7 +2453,7 @@
         </p:sp>
         <p:sp>
           <p:nvSpPr>
-            <p:cNvPr id="189" name="선"/>
+            <p:cNvPr id="187" name="선"/>
             <p:cNvSpPr/>
             <p:nvPr/>
           </p:nvSpPr>
@@ -2493,7 +2493,7 @@
         </p:sp>
         <p:sp>
           <p:nvSpPr>
-            <p:cNvPr id="190" name="선"/>
+            <p:cNvPr id="188" name="선"/>
             <p:cNvSpPr/>
             <p:nvPr/>
           </p:nvSpPr>
@@ -2533,7 +2533,7 @@
         </p:sp>
         <p:sp>
           <p:nvSpPr>
-            <p:cNvPr id="191" name="선"/>
+            <p:cNvPr id="189" name="선"/>
             <p:cNvSpPr/>
             <p:nvPr/>
           </p:nvSpPr>
@@ -2574,7 +2574,7 @@
       </p:grpSp>
       <p:sp>
         <p:nvSpPr>
-          <p:cNvPr id="193" name="슬라이드 번호"/>
+          <p:cNvPr id="191" name="슬라이드 번호"/>
           <p:cNvSpPr txBox="1"/>
           <p:nvPr/>
         </p:nvSpPr>
@@ -2625,7 +2625,7 @@
       </p:sp>
       <p:grpSp>
         <p:nvGrpSpPr>
-          <p:cNvPr id="196" name="Project Planning"/>
+          <p:cNvPr id="194" name="Project Planning"/>
           <p:cNvGrpSpPr/>
           <p:nvPr/>
         </p:nvGrpSpPr>
@@ -2639,7 +2639,7 @@
         </p:grpSpPr>
         <p:sp>
           <p:nvSpPr>
-            <p:cNvPr id="194" name="직사각형"/>
+            <p:cNvPr id="192" name="직사각형"/>
             <p:cNvSpPr/>
             <p:nvPr/>
           </p:nvSpPr>
@@ -2685,7 +2685,7 @@
         </p:sp>
         <p:sp>
           <p:nvSpPr>
-            <p:cNvPr id="195" name="Train Set에서도 낮은 정확도"/>
+            <p:cNvPr id="193" name="Train Set에서도 낮은 정확도"/>
             <p:cNvSpPr txBox="1"/>
             <p:nvPr/>
           </p:nvSpPr>
@@ -2747,7 +2747,7 @@
       </p:grpSp>
       <p:grpSp>
         <p:nvGrpSpPr>
-          <p:cNvPr id="199" name="Part"/>
+          <p:cNvPr id="197" name="Part"/>
           <p:cNvGrpSpPr/>
           <p:nvPr/>
         </p:nvGrpSpPr>
@@ -2761,7 +2761,7 @@
         </p:grpSpPr>
         <p:sp>
           <p:nvSpPr>
-            <p:cNvPr id="197" name="직사각형"/>
+            <p:cNvPr id="195" name="직사각형"/>
             <p:cNvSpPr/>
             <p:nvPr/>
           </p:nvSpPr>
@@ -2807,7 +2807,7 @@
         </p:sp>
         <p:sp>
           <p:nvSpPr>
-            <p:cNvPr id="198" name="데이터의 변동폭이 크다"/>
+            <p:cNvPr id="196" name="데이터의 변동폭이 크다"/>
             <p:cNvSpPr txBox="1"/>
             <p:nvPr/>
           </p:nvSpPr>
@@ -2862,7 +2862,7 @@
       </p:grpSp>
       <p:grpSp>
         <p:nvGrpSpPr>
-          <p:cNvPr id="202" name="Part"/>
+          <p:cNvPr id="200" name="Part"/>
           <p:cNvGrpSpPr/>
           <p:nvPr/>
         </p:nvGrpSpPr>
@@ -2876,7 +2876,7 @@
         </p:grpSpPr>
         <p:sp>
           <p:nvSpPr>
-            <p:cNvPr id="200" name="직사각형"/>
+            <p:cNvPr id="198" name="직사각형"/>
             <p:cNvSpPr/>
             <p:nvPr/>
           </p:nvSpPr>
@@ -2922,7 +2922,7 @@
         </p:sp>
         <p:sp>
           <p:nvSpPr>
-            <p:cNvPr id="201" name="멘토님의 조언"/>
+            <p:cNvPr id="199" name="멘토님의 조언"/>
             <p:cNvSpPr txBox="1"/>
             <p:nvPr/>
           </p:nvSpPr>
@@ -2977,7 +2977,7 @@
       </p:grpSp>
       <p:grpSp>
         <p:nvGrpSpPr>
-          <p:cNvPr id="205" name="Managing"/>
+          <p:cNvPr id="203" name="Managing"/>
           <p:cNvGrpSpPr/>
           <p:nvPr/>
         </p:nvGrpSpPr>
@@ -2991,7 +2991,7 @@
         </p:grpSpPr>
         <p:sp>
           <p:nvSpPr>
-            <p:cNvPr id="203" name="직사각형"/>
+            <p:cNvPr id="201" name="직사각형"/>
             <p:cNvSpPr/>
             <p:nvPr/>
           </p:nvSpPr>
@@ -3037,7 +3037,7 @@
         </p:sp>
         <p:sp>
           <p:nvSpPr>
-            <p:cNvPr id="204" name="Face Detection에서 일반적인 방식X"/>
+            <p:cNvPr id="202" name="Face Detection에서 일반적인 방식X"/>
             <p:cNvSpPr txBox="1"/>
             <p:nvPr/>
           </p:nvSpPr>
@@ -3105,7 +3105,7 @@
       </p:grpSp>
       <p:grpSp>
         <p:nvGrpSpPr>
-          <p:cNvPr id="208" name="Marketing…"/>
+          <p:cNvPr id="206" name="Marketing…"/>
           <p:cNvGrpSpPr/>
           <p:nvPr/>
         </p:nvGrpSpPr>
@@ -3119,7 +3119,7 @@
         </p:grpSpPr>
         <p:sp>
           <p:nvSpPr>
-            <p:cNvPr id="206" name="원"/>
+            <p:cNvPr id="204" name="원"/>
             <p:cNvSpPr/>
             <p:nvPr/>
           </p:nvSpPr>
@@ -3162,7 +3162,7 @@
         </p:sp>
         <p:sp>
           <p:nvSpPr>
-            <p:cNvPr id="207" name="새로운 모델 개발 결정"/>
+            <p:cNvPr id="205" name="새로운 모델 개발 결정"/>
             <p:cNvSpPr txBox="1"/>
             <p:nvPr/>
           </p:nvSpPr>
@@ -3240,7 +3240,7 @@
       </p:grpSpPr>
       <p:sp>
         <p:nvSpPr>
-          <p:cNvPr id="210" name="슬라이드 번호"/>
+          <p:cNvPr id="208" name="슬라이드 번호"/>
           <p:cNvSpPr txBox="1"/>
           <p:nvPr>
             <p:ph type="sldNum" sz="quarter" idx="4294967295"/>
@@ -3271,7 +3271,7 @@
       </p:sp>
       <p:sp>
         <p:nvSpPr>
-          <p:cNvPr id="211" name="주요 기능 - Data Labeling &amp; Data Processing"/>
+          <p:cNvPr id="209" name="주요 기능 - Data Labeling &amp; Data Processing"/>
           <p:cNvSpPr txBox="1"/>
           <p:nvPr>
             <p:ph type="title"/>
@@ -3299,7 +3299,7 @@
       </p:sp>
       <p:sp>
         <p:nvSpPr>
-          <p:cNvPr id="212" name="선"/>
+          <p:cNvPr id="210" name="선"/>
           <p:cNvSpPr/>
           <p:nvPr/>
         </p:nvSpPr>
@@ -3334,7 +3334,7 @@
       </p:sp>
       <p:grpSp>
         <p:nvGrpSpPr>
-          <p:cNvPr id="225" name="그룹 2"/>
+          <p:cNvPr id="223" name="그룹 2"/>
           <p:cNvGrpSpPr/>
           <p:nvPr/>
         </p:nvGrpSpPr>
@@ -3348,7 +3348,7 @@
         </p:grpSpPr>
         <p:grpSp>
           <p:nvGrpSpPr>
-            <p:cNvPr id="215" name="3"/>
+            <p:cNvPr id="213" name="3"/>
             <p:cNvGrpSpPr/>
             <p:nvPr/>
           </p:nvGrpSpPr>
@@ -3362,7 +3362,7 @@
           </p:grpSpPr>
           <p:sp>
             <p:nvSpPr>
-              <p:cNvPr id="213" name="도형"/>
+              <p:cNvPr id="211" name="도형"/>
               <p:cNvSpPr/>
               <p:nvPr/>
             </p:nvSpPr>
@@ -3454,7 +3454,7 @@
           </p:sp>
           <p:sp>
             <p:nvSpPr>
-              <p:cNvPr id="214" name="3"/>
+              <p:cNvPr id="212" name="3"/>
               <p:cNvSpPr txBox="1"/>
               <p:nvPr/>
             </p:nvSpPr>
@@ -3509,7 +3509,7 @@
         </p:grpSp>
         <p:grpSp>
           <p:nvGrpSpPr>
-            <p:cNvPr id="218" name="2"/>
+            <p:cNvPr id="216" name="2"/>
             <p:cNvGrpSpPr/>
             <p:nvPr/>
           </p:nvGrpSpPr>
@@ -3523,7 +3523,7 @@
           </p:grpSpPr>
           <p:sp>
             <p:nvSpPr>
-              <p:cNvPr id="216" name="도형"/>
+              <p:cNvPr id="214" name="도형"/>
               <p:cNvSpPr/>
               <p:nvPr/>
             </p:nvSpPr>
@@ -3615,7 +3615,7 @@
           </p:sp>
           <p:sp>
             <p:nvSpPr>
-              <p:cNvPr id="217" name="2"/>
+              <p:cNvPr id="215" name="2"/>
               <p:cNvSpPr txBox="1"/>
               <p:nvPr/>
             </p:nvSpPr>
@@ -3670,7 +3670,7 @@
         </p:grpSp>
         <p:grpSp>
           <p:nvGrpSpPr>
-            <p:cNvPr id="221" name="1"/>
+            <p:cNvPr id="219" name="1"/>
             <p:cNvGrpSpPr/>
             <p:nvPr/>
           </p:nvGrpSpPr>
@@ -3684,7 +3684,7 @@
           </p:grpSpPr>
           <p:sp>
             <p:nvSpPr>
-              <p:cNvPr id="219" name="도형"/>
+              <p:cNvPr id="217" name="도형"/>
               <p:cNvSpPr/>
               <p:nvPr/>
             </p:nvSpPr>
@@ -3776,7 +3776,7 @@
           </p:sp>
           <p:sp>
             <p:nvSpPr>
-              <p:cNvPr id="220" name="1"/>
+              <p:cNvPr id="218" name="1"/>
               <p:cNvSpPr txBox="1"/>
               <p:nvPr/>
             </p:nvSpPr>
@@ -3831,7 +3831,7 @@
         </p:grpSp>
         <p:sp>
           <p:nvSpPr>
-            <p:cNvPr id="222" name="얼굴 데이터 확보 - Kaggle, Github"/>
+            <p:cNvPr id="220" name="얼굴 데이터 확보 - Kaggle, Github"/>
             <p:cNvSpPr txBox="1"/>
             <p:nvPr/>
           </p:nvSpPr>
@@ -3892,7 +3892,7 @@
         </p:sp>
         <p:sp>
           <p:nvSpPr>
-            <p:cNvPr id="223" name="Data Labeling"/>
+            <p:cNvPr id="221" name="Data Labeling"/>
             <p:cNvSpPr txBox="1"/>
             <p:nvPr/>
           </p:nvSpPr>
@@ -3946,7 +3946,7 @@
         </p:sp>
         <p:sp>
           <p:nvSpPr>
-            <p:cNvPr id="224" name="Image Crop"/>
+            <p:cNvPr id="222" name="Image Crop"/>
             <p:cNvSpPr txBox="1"/>
             <p:nvPr/>
           </p:nvSpPr>
@@ -4027,7 +4027,7 @@
       </p:grpSpPr>
       <p:sp>
         <p:nvSpPr>
-          <p:cNvPr id="227" name="슬라이드 번호"/>
+          <p:cNvPr id="225" name="슬라이드 번호"/>
           <p:cNvSpPr txBox="1"/>
           <p:nvPr>
             <p:ph type="sldNum" sz="quarter" idx="4294967295"/>
@@ -4058,7 +4058,7 @@
       </p:sp>
       <p:sp>
         <p:nvSpPr>
-          <p:cNvPr id="228" name="주요 기능 - Data Labeling &amp; Data Processing"/>
+          <p:cNvPr id="226" name="주요 기능 - Data Labeling &amp; Data Processing"/>
           <p:cNvSpPr txBox="1"/>
           <p:nvPr>
             <p:ph type="title"/>
@@ -4086,7 +4086,7 @@
       </p:sp>
       <p:sp>
         <p:nvSpPr>
-          <p:cNvPr id="229" name="선"/>
+          <p:cNvPr id="227" name="선"/>
           <p:cNvSpPr/>
           <p:nvPr/>
         </p:nvSpPr>
@@ -4121,7 +4121,7 @@
       </p:sp>
       <p:sp>
         <p:nvSpPr>
-          <p:cNvPr id="230" name="유의미한 데이터를 추출하기 위해 정면 사진, 얼굴형 판단이 가능한 사진 75,000장 확보."/>
+          <p:cNvPr id="228" name="유의미한 데이터를 추출하기 위해 정면 사진, 얼굴형 판단이 가능한 사진 75,000장 확보."/>
           <p:cNvSpPr txBox="1"/>
           <p:nvPr/>
         </p:nvSpPr>
@@ -4231,7 +4231,7 @@
       </p:sp>
       <p:sp>
         <p:nvSpPr>
-          <p:cNvPr id="231" name="조사한 자료와 논문을 바탕으로 얼굴형 판단에 대한 기준을 설정하여 총 4가지의 얼굴형으로 구분…"/>
+          <p:cNvPr id="229" name="조사한 자료와 논문을 바탕으로 얼굴형 판단에 대한 기준을 설정하여 총 4가지의 얼굴형으로 구분…"/>
           <p:cNvSpPr txBox="1"/>
           <p:nvPr/>
         </p:nvSpPr>
@@ -4416,7 +4416,7 @@
       </p:sp>
       <p:sp>
         <p:nvSpPr>
-          <p:cNvPr id="232" name="얼굴 데이터 확보 - Kaggle, Github"/>
+          <p:cNvPr id="230" name="얼굴 데이터 확보 - Kaggle, Github"/>
           <p:cNvSpPr txBox="1"/>
           <p:nvPr/>
         </p:nvSpPr>
@@ -4480,7 +4480,7 @@
       </p:sp>
       <p:grpSp>
         <p:nvGrpSpPr>
-          <p:cNvPr id="239" name="그룹 1"/>
+          <p:cNvPr id="237" name="그룹 1"/>
           <p:cNvGrpSpPr/>
           <p:nvPr/>
         </p:nvGrpSpPr>
@@ -4494,7 +4494,7 @@
         </p:grpSpPr>
         <p:grpSp>
           <p:nvGrpSpPr>
-            <p:cNvPr id="235" name="그룹 16"/>
+            <p:cNvPr id="233" name="그룹 16"/>
             <p:cNvGrpSpPr/>
             <p:nvPr/>
           </p:nvGrpSpPr>
@@ -4508,7 +4508,7 @@
           </p:grpSpPr>
           <p:pic>
             <p:nvPicPr>
-              <p:cNvPr id="233" name="그림 17" descr="그림 17"/>
+              <p:cNvPr id="231" name="그림 17" descr="그림 17"/>
               <p:cNvPicPr>
                 <a:picLocks noChangeAspect="1"/>
               </p:cNvPicPr>
@@ -4548,7 +4548,7 @@
           </p:pic>
           <p:pic>
             <p:nvPicPr>
-              <p:cNvPr id="234" name="그래픽 18" descr="그래픽 18"/>
+              <p:cNvPr id="232" name="그래픽 18" descr="그래픽 18"/>
               <p:cNvPicPr>
                 <a:picLocks noChangeAspect="1"/>
               </p:cNvPicPr>
@@ -4580,7 +4580,7 @@
         </p:grpSp>
         <p:grpSp>
           <p:nvGrpSpPr>
-            <p:cNvPr id="238" name="그룹 19"/>
+            <p:cNvPr id="236" name="그룹 19"/>
             <p:cNvGrpSpPr/>
             <p:nvPr/>
           </p:nvGrpSpPr>
@@ -4594,7 +4594,7 @@
           </p:grpSpPr>
           <p:pic>
             <p:nvPicPr>
-              <p:cNvPr id="236" name="그림 20" descr="그림 20"/>
+              <p:cNvPr id="234" name="그림 20" descr="그림 20"/>
               <p:cNvPicPr>
                 <a:picLocks noChangeAspect="1"/>
               </p:cNvPicPr>
@@ -4634,7 +4634,7 @@
           </p:pic>
           <p:pic>
             <p:nvPicPr>
-              <p:cNvPr id="237" name="그래픽 21" descr="그래픽 21"/>
+              <p:cNvPr id="235" name="그래픽 21" descr="그래픽 21"/>
               <p:cNvPicPr>
                 <a:picLocks noChangeAspect="1"/>
               </p:cNvPicPr>
@@ -4667,7 +4667,7 @@
       </p:grpSp>
       <p:grpSp>
         <p:nvGrpSpPr>
-          <p:cNvPr id="249" name="그룹 12"/>
+          <p:cNvPr id="247" name="그룹 12"/>
           <p:cNvGrpSpPr/>
           <p:nvPr/>
         </p:nvGrpSpPr>
@@ -4681,7 +4681,7 @@
         </p:grpSpPr>
         <p:grpSp>
           <p:nvGrpSpPr>
-            <p:cNvPr id="244" name="그룹 10"/>
+            <p:cNvPr id="242" name="그룹 10"/>
             <p:cNvGrpSpPr/>
             <p:nvPr/>
           </p:nvGrpSpPr>
@@ -4695,7 +4695,7 @@
           </p:grpSpPr>
           <p:pic>
             <p:nvPicPr>
-              <p:cNvPr id="240" name="그림 3" descr="그림 3"/>
+              <p:cNvPr id="238" name="그림 3" descr="그림 3"/>
               <p:cNvPicPr>
                 <a:picLocks noChangeAspect="1"/>
               </p:cNvPicPr>
@@ -4726,7 +4726,7 @@
           </p:pic>
           <p:pic>
             <p:nvPicPr>
-              <p:cNvPr id="241" name="그림 5" descr="그림 5"/>
+              <p:cNvPr id="239" name="그림 5" descr="그림 5"/>
               <p:cNvPicPr>
                 <a:picLocks noChangeAspect="1"/>
               </p:cNvPicPr>
@@ -4757,7 +4757,7 @@
           </p:pic>
           <p:pic>
             <p:nvPicPr>
-              <p:cNvPr id="242" name="그림 7" descr="그림 7"/>
+              <p:cNvPr id="240" name="그림 7" descr="그림 7"/>
               <p:cNvPicPr>
                 <a:picLocks noChangeAspect="1"/>
               </p:cNvPicPr>
@@ -4788,7 +4788,7 @@
           </p:pic>
           <p:pic>
             <p:nvPicPr>
-              <p:cNvPr id="243" name="그림 9" descr="그림 9"/>
+              <p:cNvPr id="241" name="그림 9" descr="그림 9"/>
               <p:cNvPicPr>
                 <a:picLocks noChangeAspect="1"/>
               </p:cNvPicPr>
@@ -4820,7 +4820,7 @@
         </p:grpSp>
         <p:sp>
           <p:nvSpPr>
-            <p:cNvPr id="245" name="TextBox 11"/>
+            <p:cNvPr id="243" name="TextBox 11"/>
             <p:cNvSpPr txBox="1"/>
             <p:nvPr/>
           </p:nvSpPr>
@@ -4871,7 +4871,7 @@
         </p:sp>
         <p:sp>
           <p:nvSpPr>
-            <p:cNvPr id="246" name="TextBox 33"/>
+            <p:cNvPr id="244" name="TextBox 33"/>
             <p:cNvSpPr txBox="1"/>
             <p:nvPr/>
           </p:nvSpPr>
@@ -4922,7 +4922,7 @@
         </p:sp>
         <p:sp>
           <p:nvSpPr>
-            <p:cNvPr id="247" name="TextBox 34"/>
+            <p:cNvPr id="245" name="TextBox 34"/>
             <p:cNvSpPr txBox="1"/>
             <p:nvPr/>
           </p:nvSpPr>
@@ -4973,7 +4973,7 @@
         </p:sp>
         <p:sp>
           <p:nvSpPr>
-            <p:cNvPr id="248" name="TextBox 35"/>
+            <p:cNvPr id="246" name="TextBox 35"/>
             <p:cNvSpPr txBox="1"/>
             <p:nvPr/>
           </p:nvSpPr>
@@ -5025,7 +5025,7 @@
       </p:grpSp>
       <p:sp>
         <p:nvSpPr>
-          <p:cNvPr id="250" name="TextBox 13"/>
+          <p:cNvPr id="248" name="TextBox 13"/>
           <p:cNvSpPr txBox="1"/>
           <p:nvPr/>
         </p:nvSpPr>
@@ -5080,7 +5080,7 @@
       </p:sp>
       <p:sp>
         <p:nvSpPr>
-          <p:cNvPr id="251" name="얼굴 데이터 확보 - Kaggle, Github"/>
+          <p:cNvPr id="249" name="얼굴 데이터 확보 - Kaggle, Github"/>
           <p:cNvSpPr txBox="1"/>
           <p:nvPr/>
         </p:nvSpPr>
@@ -5157,7 +5157,7 @@
       </p:grpSpPr>
       <p:sp>
         <p:nvSpPr>
-          <p:cNvPr id="253" name="슬라이드 번호"/>
+          <p:cNvPr id="251" name="슬라이드 번호"/>
           <p:cNvSpPr txBox="1"/>
           <p:nvPr>
             <p:ph type="sldNum" sz="quarter" idx="4294967295"/>
@@ -5188,7 +5188,7 @@
       </p:sp>
       <p:sp>
         <p:nvSpPr>
-          <p:cNvPr id="254" name="주요 기능 - Data Labeling &amp; Data Processing"/>
+          <p:cNvPr id="252" name="주요 기능 - Data Labeling &amp; Data Processing"/>
           <p:cNvSpPr txBox="1"/>
           <p:nvPr>
             <p:ph type="title"/>
@@ -5219,7 +5219,7 @@
       </p:sp>
       <p:sp>
         <p:nvSpPr>
-          <p:cNvPr id="255" name="선"/>
+          <p:cNvPr id="253" name="선"/>
           <p:cNvSpPr/>
           <p:nvPr/>
         </p:nvSpPr>
@@ -5254,7 +5254,7 @@
       </p:sp>
       <p:sp>
         <p:nvSpPr>
-          <p:cNvPr id="256" name="얼굴 데이터 확보 - Kaggle, Github"/>
+          <p:cNvPr id="254" name="얼굴 데이터 확보 - Kaggle, Github"/>
           <p:cNvSpPr txBox="1"/>
           <p:nvPr/>
         </p:nvSpPr>
@@ -5305,7 +5305,7 @@
       </p:sp>
       <p:sp>
         <p:nvSpPr>
-          <p:cNvPr id="257" name="모델 학습 시, 방해가 되는 특징점을 제거하기 위해서 OpenCV를 이용하여 얼굴만 추출"/>
+          <p:cNvPr id="255" name="모델 학습 시, 방해가 되는 특징점을 제거하기 위해서 OpenCV를 이용하여 얼굴만 추출"/>
           <p:cNvSpPr txBox="1"/>
           <p:nvPr/>
         </p:nvSpPr>
@@ -5368,7 +5368,7 @@
       </p:sp>
       <p:sp>
         <p:nvSpPr>
-          <p:cNvPr id="258" name="Overfitting 방지 및 모델 성능 향상을  위해 Keras의 ImageDataGenerator를 사용한다. 좌우 반전, 좌우 이동, 밝기 조절, 정규화 이미지로 데이터를 추가 확보한다."/>
+          <p:cNvPr id="256" name="Overfitting 방지 및 모델 성능 향상을  위해 Keras의 ImageDataGenerator를 사용한다. 좌우 반전, 좌우 이동, 밝기 조절, 정규화 이미지로 데이터를 추가 확보한다."/>
           <p:cNvSpPr txBox="1"/>
           <p:nvPr/>
         </p:nvSpPr>
@@ -5444,7 +5444,7 @@
       </p:sp>
       <p:grpSp>
         <p:nvGrpSpPr>
-          <p:cNvPr id="262" name="그룹 25"/>
+          <p:cNvPr id="260" name="그룹 25"/>
           <p:cNvGrpSpPr/>
           <p:nvPr/>
         </p:nvGrpSpPr>
@@ -5458,7 +5458,7 @@
         </p:grpSpPr>
         <p:pic>
           <p:nvPicPr>
-            <p:cNvPr id="259" name="그림 26" descr="그림 26"/>
+            <p:cNvPr id="257" name="그림 26" descr="그림 26"/>
             <p:cNvPicPr>
               <a:picLocks noChangeAspect="1"/>
             </p:cNvPicPr>
@@ -5495,7 +5495,7 @@
         </p:pic>
         <p:pic>
           <p:nvPicPr>
-            <p:cNvPr id="260" name="그림 27" descr="그림 27"/>
+            <p:cNvPr id="258" name="그림 27" descr="그림 27"/>
             <p:cNvPicPr>
               <a:picLocks noChangeAspect="1"/>
             </p:cNvPicPr>
@@ -5532,7 +5532,7 @@
         </p:pic>
         <p:sp>
           <p:nvSpPr>
-            <p:cNvPr id="261" name="화살표: 아래쪽 28"/>
+            <p:cNvPr id="259" name="화살표: 아래쪽 28"/>
             <p:cNvSpPr/>
             <p:nvPr/>
           </p:nvSpPr>
@@ -5618,7 +5618,7 @@
       </p:grpSp>
       <p:sp>
         <p:nvSpPr>
-          <p:cNvPr id="263" name="얼굴 데이터 확보 - Kaggle, Github"/>
+          <p:cNvPr id="261" name="얼굴 데이터 확보 - Kaggle, Github"/>
           <p:cNvSpPr txBox="1"/>
           <p:nvPr/>
         </p:nvSpPr>
@@ -5695,7 +5695,7 @@
       </p:grpSpPr>
       <p:sp>
         <p:nvSpPr>
-          <p:cNvPr id="265" name="슬라이드 번호"/>
+          <p:cNvPr id="263" name="슬라이드 번호"/>
           <p:cNvSpPr txBox="1"/>
           <p:nvPr>
             <p:ph type="sldNum" sz="quarter" idx="4294967295"/>
@@ -5726,7 +5726,7 @@
       </p:sp>
       <p:sp>
         <p:nvSpPr>
-          <p:cNvPr id="266" name="주요 기능 - 얼굴형 판단"/>
+          <p:cNvPr id="264" name="주요 기능 - 얼굴형 판단"/>
           <p:cNvSpPr txBox="1"/>
           <p:nvPr>
             <p:ph type="title"/>
@@ -5760,7 +5760,7 @@
       </p:sp>
       <p:sp>
         <p:nvSpPr>
-          <p:cNvPr id="267" name="선"/>
+          <p:cNvPr id="265" name="선"/>
           <p:cNvSpPr/>
           <p:nvPr/>
         </p:nvSpPr>
@@ -5795,7 +5795,7 @@
       </p:sp>
       <p:grpSp>
         <p:nvGrpSpPr>
-          <p:cNvPr id="280" name="다이어그램 6"/>
+          <p:cNvPr id="278" name="다이어그램 6"/>
           <p:cNvGrpSpPr/>
           <p:nvPr/>
         </p:nvGrpSpPr>
@@ -5809,7 +5809,7 @@
         </p:grpSpPr>
         <p:grpSp>
           <p:nvGrpSpPr>
-            <p:cNvPr id="270" name="그룹"/>
+            <p:cNvPr id="268" name="그룹"/>
             <p:cNvGrpSpPr/>
             <p:nvPr/>
           </p:nvGrpSpPr>
@@ -5823,7 +5823,7 @@
           </p:grpSpPr>
           <p:sp>
             <p:nvSpPr>
-              <p:cNvPr id="268" name="모서리가 둥근 직사각형"/>
+              <p:cNvPr id="266" name="모서리가 둥근 직사각형"/>
               <p:cNvSpPr/>
               <p:nvPr/>
             </p:nvSpPr>
@@ -5871,7 +5871,7 @@
           </p:sp>
           <p:sp>
             <p:nvSpPr>
-              <p:cNvPr id="269" name="CNN 모델"/>
+              <p:cNvPr id="267" name="CNN 모델"/>
               <p:cNvSpPr txBox="1"/>
               <p:nvPr/>
             </p:nvSpPr>
@@ -5926,7 +5926,7 @@
         </p:grpSp>
         <p:sp>
           <p:nvSpPr>
-            <p:cNvPr id="271" name="Image Classification에 최적화된 신경망 구조…"/>
+            <p:cNvPr id="269" name="Image Classification에 최적화된 신경망 구조…"/>
             <p:cNvSpPr txBox="1"/>
             <p:nvPr/>
           </p:nvSpPr>
@@ -6023,7 +6023,7 @@
         </p:sp>
         <p:grpSp>
           <p:nvGrpSpPr>
-            <p:cNvPr id="274" name="그룹"/>
+            <p:cNvPr id="272" name="그룹"/>
             <p:cNvGrpSpPr/>
             <p:nvPr/>
           </p:nvGrpSpPr>
@@ -6037,7 +6037,7 @@
           </p:grpSpPr>
           <p:sp>
             <p:nvSpPr>
-              <p:cNvPr id="272" name="모서리가 둥근 직사각형"/>
+              <p:cNvPr id="270" name="모서리가 둥근 직사각형"/>
               <p:cNvSpPr/>
               <p:nvPr/>
             </p:nvSpPr>
@@ -6085,7 +6085,7 @@
           </p:sp>
           <p:sp>
             <p:nvSpPr>
-              <p:cNvPr id="273" name="선택 모델"/>
+              <p:cNvPr id="271" name="선택 모델"/>
               <p:cNvSpPr txBox="1"/>
               <p:nvPr/>
             </p:nvSpPr>
@@ -6139,7 +6139,7 @@
         </p:grpSp>
         <p:sp>
           <p:nvSpPr>
-            <p:cNvPr id="275" name="VGGNet(VGG16)…"/>
+            <p:cNvPr id="273" name="VGGNet(VGG16)…"/>
             <p:cNvSpPr txBox="1"/>
             <p:nvPr/>
           </p:nvSpPr>
@@ -6318,7 +6318,7 @@
         </p:sp>
         <p:grpSp>
           <p:nvGrpSpPr>
-            <p:cNvPr id="278" name="그룹"/>
+            <p:cNvPr id="276" name="그룹"/>
             <p:cNvGrpSpPr/>
             <p:nvPr/>
           </p:nvGrpSpPr>
@@ -6332,7 +6332,7 @@
           </p:grpSpPr>
           <p:sp>
             <p:nvSpPr>
-              <p:cNvPr id="276" name="모서리가 둥근 직사각형"/>
+              <p:cNvPr id="274" name="모서리가 둥근 직사각형"/>
               <p:cNvSpPr/>
               <p:nvPr/>
             </p:nvSpPr>
@@ -6380,7 +6380,7 @@
           </p:sp>
           <p:sp>
             <p:nvSpPr>
-              <p:cNvPr id="277" name="학습 진행"/>
+              <p:cNvPr id="275" name="학습 진행"/>
               <p:cNvSpPr txBox="1"/>
               <p:nvPr/>
             </p:nvSpPr>
@@ -6438,7 +6438,7 @@
         </p:grpSp>
         <p:sp>
           <p:nvSpPr>
-            <p:cNvPr id="279" name="Transfer Learning"/>
+            <p:cNvPr id="277" name="Transfer Learning"/>
             <p:cNvSpPr txBox="1"/>
             <p:nvPr/>
           </p:nvSpPr>
@@ -6492,7 +6492,7 @@
       </p:grpSp>
       <p:grpSp>
         <p:nvGrpSpPr>
-          <p:cNvPr id="285" name="그룹 7"/>
+          <p:cNvPr id="283" name="그룹 7"/>
           <p:cNvGrpSpPr/>
           <p:nvPr/>
         </p:nvGrpSpPr>
@@ -6506,7 +6506,7 @@
         </p:grpSpPr>
         <p:grpSp>
           <p:nvGrpSpPr>
-            <p:cNvPr id="283" name="그룹 8"/>
+            <p:cNvPr id="281" name="그룹 8"/>
             <p:cNvGrpSpPr/>
             <p:nvPr/>
           </p:nvGrpSpPr>
@@ -6520,7 +6520,7 @@
           </p:grpSpPr>
           <p:sp>
             <p:nvSpPr>
-              <p:cNvPr id="281" name="TextBox 10"/>
+              <p:cNvPr id="279" name="TextBox 10"/>
               <p:cNvSpPr txBox="1"/>
               <p:nvPr/>
             </p:nvSpPr>
@@ -6571,7 +6571,7 @@
           </p:sp>
           <p:sp>
             <p:nvSpPr>
-              <p:cNvPr id="282" name="화살표: 오른쪽 11"/>
+              <p:cNvPr id="280" name="화살표: 오른쪽 11"/>
               <p:cNvSpPr/>
               <p:nvPr/>
             </p:nvSpPr>
@@ -6617,7 +6617,7 @@
         </p:grpSp>
         <p:sp>
           <p:nvSpPr>
-            <p:cNvPr id="284" name="순서도: 대체 처리 9"/>
+            <p:cNvPr id="282" name="순서도: 대체 처리 9"/>
             <p:cNvSpPr/>
             <p:nvPr/>
           </p:nvSpPr>
@@ -6738,7 +6738,7 @@
       </p:grpSpPr>
       <p:sp>
         <p:nvSpPr>
-          <p:cNvPr id="287" name="슬라이드 번호"/>
+          <p:cNvPr id="285" name="슬라이드 번호"/>
           <p:cNvSpPr txBox="1"/>
           <p:nvPr>
             <p:ph type="sldNum" sz="quarter" idx="4294967295"/>
@@ -6769,7 +6769,7 @@
       </p:sp>
       <p:sp>
         <p:nvSpPr>
-          <p:cNvPr id="288" name="주요 기능 - VGGNet &amp; Mobile Net V2"/>
+          <p:cNvPr id="286" name="주요 기능 - VGGNet &amp; Mobile Net V2"/>
           <p:cNvSpPr txBox="1"/>
           <p:nvPr>
             <p:ph type="title"/>
@@ -6803,7 +6803,7 @@
       </p:sp>
       <p:sp>
         <p:nvSpPr>
-          <p:cNvPr id="289" name="선"/>
+          <p:cNvPr id="287" name="선"/>
           <p:cNvSpPr/>
           <p:nvPr/>
         </p:nvSpPr>
@@ -6838,7 +6838,7 @@
       </p:sp>
       <p:sp>
         <p:nvSpPr>
-          <p:cNvPr id="290" name="TextBox 1"/>
+          <p:cNvPr id="288" name="TextBox 1"/>
           <p:cNvSpPr txBox="1"/>
           <p:nvPr/>
         </p:nvSpPr>
@@ -7172,7 +7172,7 @@
       </p:grpSpPr>
       <p:sp>
         <p:nvSpPr>
-          <p:cNvPr id="292" name="슬라이드 번호"/>
+          <p:cNvPr id="290" name="슬라이드 번호"/>
           <p:cNvSpPr txBox="1"/>
           <p:nvPr>
             <p:ph type="sldNum" sz="quarter" idx="4294967295"/>
@@ -7203,7 +7203,7 @@
       </p:sp>
       <p:sp>
         <p:nvSpPr>
-          <p:cNvPr id="293" name="주요 기능 - VGGNet &amp; Mobile Net V2"/>
+          <p:cNvPr id="291" name="주요 기능 - VGGNet &amp; Mobile Net V2"/>
           <p:cNvSpPr txBox="1"/>
           <p:nvPr>
             <p:ph type="title"/>
@@ -7237,7 +7237,7 @@
       </p:sp>
       <p:sp>
         <p:nvSpPr>
-          <p:cNvPr id="294" name="선"/>
+          <p:cNvPr id="292" name="선"/>
           <p:cNvSpPr/>
           <p:nvPr/>
         </p:nvSpPr>
@@ -7272,7 +7272,7 @@
       </p:sp>
       <p:sp>
         <p:nvSpPr>
-          <p:cNvPr id="295" name="직사각형 5"/>
+          <p:cNvPr id="293" name="직사각형 5"/>
           <p:cNvSpPr/>
           <p:nvPr/>
         </p:nvSpPr>
@@ -7311,7 +7311,7 @@
       </p:sp>
       <p:grpSp>
         <p:nvGrpSpPr>
-          <p:cNvPr id="298" name="그룹 6"/>
+          <p:cNvPr id="296" name="그룹 6"/>
           <p:cNvGrpSpPr/>
           <p:nvPr/>
         </p:nvGrpSpPr>
@@ -7325,7 +7325,7 @@
         </p:grpSpPr>
         <p:sp>
           <p:nvSpPr>
-            <p:cNvPr id="296" name="직사각형 7"/>
+            <p:cNvPr id="294" name="직사각형 7"/>
             <p:cNvSpPr/>
             <p:nvPr/>
           </p:nvSpPr>
@@ -7370,7 +7370,7 @@
         </p:sp>
         <p:sp>
           <p:nvSpPr>
-            <p:cNvPr id="297" name="TextBox 8"/>
+            <p:cNvPr id="295" name="TextBox 8"/>
             <p:cNvSpPr txBox="1"/>
             <p:nvPr/>
           </p:nvSpPr>
@@ -7494,7 +7494,7 @@
       </p:grpSp>
       <p:sp>
         <p:nvSpPr>
-          <p:cNvPr id="299" name="TextBox 1"/>
+          <p:cNvPr id="297" name="TextBox 1"/>
           <p:cNvSpPr txBox="1"/>
           <p:nvPr/>
         </p:nvSpPr>
@@ -7828,7 +7828,7 @@
       </p:grpSpPr>
       <p:sp>
         <p:nvSpPr>
-          <p:cNvPr id="301" name="슬라이드 번호"/>
+          <p:cNvPr id="299" name="슬라이드 번호"/>
           <p:cNvSpPr txBox="1"/>
           <p:nvPr>
             <p:ph type="sldNum" sz="quarter" idx="4294967295"/>
@@ -7859,7 +7859,7 @@
       </p:sp>
       <p:sp>
         <p:nvSpPr>
-          <p:cNvPr id="302" name="멘토링 - Modeling"/>
+          <p:cNvPr id="300" name="멘토링 - Modeling"/>
           <p:cNvSpPr txBox="1"/>
           <p:nvPr>
             <p:ph type="title"/>
@@ -7890,7 +7890,7 @@
       </p:sp>
       <p:sp>
         <p:nvSpPr>
-          <p:cNvPr id="303" name="선"/>
+          <p:cNvPr id="301" name="선"/>
           <p:cNvSpPr/>
           <p:nvPr/>
         </p:nvSpPr>
@@ -7925,7 +7925,7 @@
       </p:sp>
       <p:pic>
         <p:nvPicPr>
-          <p:cNvPr id="304" name="이미지" descr="이미지"/>
+          <p:cNvPr id="302" name="이미지" descr="이미지"/>
           <p:cNvPicPr>
             <a:picLocks noChangeAspect="1"/>
           </p:cNvPicPr>
@@ -7954,7 +7954,7 @@
       </p:pic>
       <p:pic>
         <p:nvPicPr>
-          <p:cNvPr id="305" name="이미지" descr="이미지"/>
+          <p:cNvPr id="303" name="이미지" descr="이미지"/>
           <p:cNvPicPr>
             <a:picLocks noChangeAspect="1"/>
           </p:cNvPicPr>
@@ -7983,7 +7983,7 @@
       </p:pic>
       <p:sp>
         <p:nvSpPr>
-          <p:cNvPr id="306" name="팀이 사용하고 있는 Trello를 같이 보면서 진행사항을 모두 체크해주셨고, 이로 인해 각 항목별로 멘토님의 조언을 받을 수 있었다."/>
+          <p:cNvPr id="304" name="팀이 사용하고 있는 Trello를 같이 보면서 진행사항을 모두 체크해주셨고, 이로 인해 각 항목별로 멘토님의 조언을 받을 수 있었다."/>
           <p:cNvSpPr txBox="1"/>
           <p:nvPr/>
         </p:nvSpPr>
@@ -8034,7 +8034,7 @@
       </p:sp>
       <p:sp>
         <p:nvSpPr>
-          <p:cNvPr id="307" name="Modeling 방향에 대해서도 많은 조언"/>
+          <p:cNvPr id="305" name="Modeling 방향에 대해서도 많은 조언"/>
           <p:cNvSpPr txBox="1"/>
           <p:nvPr/>
         </p:nvSpPr>
@@ -8101,7 +8101,7 @@
       </p:sp>
       <p:pic>
         <p:nvPicPr>
-          <p:cNvPr id="308" name="이미지" descr="이미지"/>
+          <p:cNvPr id="306" name="이미지" descr="이미지"/>
           <p:cNvPicPr>
             <a:picLocks noChangeAspect="1"/>
           </p:cNvPicPr>
@@ -8130,7 +8130,7 @@
       </p:pic>
       <p:sp>
         <p:nvSpPr>
-          <p:cNvPr id="309" name="그 밖에도 실무에서 사용하는 유용한 정보들에 대해서도 많은 조언"/>
+          <p:cNvPr id="307" name="그 밖에도 실무에서 사용하는 유용한 정보들에 대해서도 많은 조언"/>
           <p:cNvSpPr txBox="1"/>
           <p:nvPr/>
         </p:nvSpPr>
@@ -8207,7 +8207,7 @@
       </p:grpSpPr>
       <p:sp>
         <p:nvSpPr>
-          <p:cNvPr id="311" name="슬라이드 번호"/>
+          <p:cNvPr id="309" name="슬라이드 번호"/>
           <p:cNvSpPr txBox="1"/>
           <p:nvPr>
             <p:ph type="sldNum" sz="quarter" idx="4294967295"/>
@@ -8238,7 +8238,7 @@
       </p:sp>
       <p:sp>
         <p:nvSpPr>
-          <p:cNvPr id="312" name="기대 효과"/>
+          <p:cNvPr id="310" name="기대 효과"/>
           <p:cNvSpPr txBox="1"/>
           <p:nvPr>
             <p:ph type="title"/>
@@ -8266,7 +8266,7 @@
       </p:sp>
       <p:sp>
         <p:nvSpPr>
-          <p:cNvPr id="313" name="도형"/>
+          <p:cNvPr id="311" name="도형"/>
           <p:cNvSpPr/>
           <p:nvPr/>
         </p:nvSpPr>
@@ -8376,7 +8376,7 @@
       </p:sp>
       <p:sp>
         <p:nvSpPr>
-          <p:cNvPr id="314" name="도형"/>
+          <p:cNvPr id="312" name="도형"/>
           <p:cNvSpPr/>
           <p:nvPr/>
         </p:nvSpPr>
@@ -8486,7 +8486,7 @@
       </p:sp>
       <p:sp>
         <p:nvSpPr>
-          <p:cNvPr id="315" name="삼각형"/>
+          <p:cNvPr id="313" name="삼각형"/>
           <p:cNvSpPr/>
           <p:nvPr/>
         </p:nvSpPr>
@@ -8556,7 +8556,7 @@
       </p:sp>
       <p:sp>
         <p:nvSpPr>
-          <p:cNvPr id="316" name="삼각형"/>
+          <p:cNvPr id="314" name="삼각형"/>
           <p:cNvSpPr/>
           <p:nvPr/>
         </p:nvSpPr>
@@ -8626,7 +8626,7 @@
       </p:sp>
       <p:sp>
         <p:nvSpPr>
-          <p:cNvPr id="317" name="선"/>
+          <p:cNvPr id="315" name="선"/>
           <p:cNvSpPr/>
           <p:nvPr/>
         </p:nvSpPr>
@@ -8661,7 +8661,7 @@
       </p:sp>
       <p:sp>
         <p:nvSpPr>
-          <p:cNvPr id="318" name="자신의 얼굴형에 대한 정확한 인지"/>
+          <p:cNvPr id="316" name="자신의 얼굴형에 대한 정확한 인지"/>
           <p:cNvSpPr txBox="1"/>
           <p:nvPr/>
         </p:nvSpPr>
@@ -8735,7 +8735,7 @@
       </p:sp>
       <p:sp>
         <p:nvSpPr>
-          <p:cNvPr id="319" name="선"/>
+          <p:cNvPr id="317" name="선"/>
           <p:cNvSpPr/>
           <p:nvPr/>
         </p:nvSpPr>
@@ -8770,7 +8770,7 @@
       </p:sp>
       <p:sp>
         <p:nvSpPr>
-          <p:cNvPr id="320" name="자신의 얼굴형에 어울리는 헤어스타일 시도"/>
+          <p:cNvPr id="318" name="자신의 얼굴형에 어울리는 헤어스타일 시도"/>
           <p:cNvSpPr txBox="1"/>
           <p:nvPr/>
         </p:nvSpPr>
@@ -8844,7 +8844,7 @@
       </p:sp>
       <p:sp>
         <p:nvSpPr>
-          <p:cNvPr id="321" name="AI 접근성 향상"/>
+          <p:cNvPr id="319" name="AI 접근성 향상"/>
           <p:cNvSpPr txBox="1"/>
           <p:nvPr/>
         </p:nvSpPr>
@@ -8895,7 +8895,7 @@
       </p:sp>
       <p:sp>
         <p:nvSpPr>
-          <p:cNvPr id="322" name="선"/>
+          <p:cNvPr id="320" name="선"/>
           <p:cNvSpPr/>
           <p:nvPr/>
         </p:nvSpPr>
@@ -8956,7 +8956,7 @@
       </p:grpSpPr>
       <p:sp>
         <p:nvSpPr>
-          <p:cNvPr id="324" name="직사각형"/>
+          <p:cNvPr id="322" name="직사각형"/>
           <p:cNvSpPr/>
           <p:nvPr/>
         </p:nvSpPr>
@@ -8995,7 +8995,7 @@
       </p:sp>
       <p:sp>
         <p:nvSpPr>
-          <p:cNvPr id="325" name="선"/>
+          <p:cNvPr id="323" name="선"/>
           <p:cNvSpPr/>
           <p:nvPr/>
         </p:nvSpPr>
@@ -9030,7 +9030,7 @@
       </p:sp>
       <p:sp>
         <p:nvSpPr>
-          <p:cNvPr id="326" name="Thank you"/>
+          <p:cNvPr id="324" name="Thank you"/>
           <p:cNvSpPr txBox="1"/>
           <p:nvPr>
             <p:ph type="title"/>
@@ -9124,73 +9124,7 @@
       </p:sp>
       <p:sp>
         <p:nvSpPr>
-          <p:cNvPr id="51" name="산학 기업 요구 사항…"/>
-          <p:cNvSpPr txBox="1"/>
-          <p:nvPr/>
-        </p:nvSpPr>
-        <p:spPr>
-          <a:xfrm>
-            <a:off x="11451519" y="4552846"/>
-            <a:ext cx="4000241" cy="1367431"/>
-          </a:xfrm>
-          <a:prstGeom prst="rect">
-            <a:avLst/>
-          </a:prstGeom>
-          <a:ln w="12700">
-            <a:miter lim="400000"/>
-          </a:ln>
-          <a:extLst>
-            <a:ext uri="{C572A759-6A51-4108-AA02-DFA0A04FC94B}">
-              <ma14:wrappingTextBoxFlag xmlns:ma14="http://schemas.microsoft.com/office/mac/drawingml/2011/main" val="1"/>
-            </a:ext>
-          </a:extLst>
-        </p:spPr>
-        <p:txBody>
-          <a:bodyPr lIns="71436" tIns="71436" rIns="71436" bIns="71436">
-            <a:normAutofit fontScale="100000" lnSpcReduction="0"/>
-          </a:bodyPr>
-          <a:lstStyle/>
-          <a:p>
-            <a:pPr marL="332613" indent="-332613" defTabSz="2199625">
-              <a:lnSpc>
-                <a:spcPct val="116999"/>
-              </a:lnSpc>
-              <a:buSzPct val="123000"/>
-              <a:buFont typeface="Arial"/>
-              <a:buChar char="•"/>
-              <a:defRPr b="1" sz="2910">
-                <a:solidFill>
-                  <a:srgbClr val="818779"/>
-                </a:solidFill>
-              </a:defRPr>
-            </a:pPr>
-            <a:r>
-              <a:t>산학 기업 요구 사항</a:t>
-            </a:r>
-          </a:p>
-          <a:p>
-            <a:pPr marL="332613" indent="-332613" defTabSz="2199625">
-              <a:lnSpc>
-                <a:spcPct val="116999"/>
-              </a:lnSpc>
-              <a:buSzPct val="123000"/>
-              <a:buFont typeface="Arial"/>
-              <a:buChar char="•"/>
-              <a:defRPr b="1" sz="2910">
-                <a:solidFill>
-                  <a:srgbClr val="818779"/>
-                </a:solidFill>
-              </a:defRPr>
-            </a:pPr>
-            <a:r>
-              <a:t>프로젝트 개요 및 목표</a:t>
-            </a:r>
-          </a:p>
-        </p:txBody>
-      </p:sp>
-      <p:sp>
-        <p:nvSpPr>
-          <p:cNvPr id="52" name="1."/>
+          <p:cNvPr id="51" name="1."/>
           <p:cNvSpPr txBox="1"/>
           <p:nvPr/>
         </p:nvSpPr>
@@ -9241,7 +9175,7 @@
       </p:sp>
       <p:sp>
         <p:nvSpPr>
-          <p:cNvPr id="53" name="팀원 소개"/>
+          <p:cNvPr id="52" name="팀원 소개"/>
           <p:cNvSpPr txBox="1"/>
           <p:nvPr/>
         </p:nvSpPr>
@@ -9288,7 +9222,7 @@
       </p:sp>
       <p:sp>
         <p:nvSpPr>
-          <p:cNvPr id="54" name="2."/>
+          <p:cNvPr id="53" name="2."/>
           <p:cNvSpPr txBox="1"/>
           <p:nvPr/>
         </p:nvSpPr>
@@ -9339,7 +9273,7 @@
       </p:sp>
       <p:sp>
         <p:nvSpPr>
-          <p:cNvPr id="55" name="3."/>
+          <p:cNvPr id="54" name="3."/>
           <p:cNvSpPr txBox="1"/>
           <p:nvPr/>
         </p:nvSpPr>
@@ -9390,7 +9324,7 @@
       </p:sp>
       <p:sp>
         <p:nvSpPr>
-          <p:cNvPr id="56" name="4."/>
+          <p:cNvPr id="55" name="4."/>
           <p:cNvSpPr txBox="1"/>
           <p:nvPr/>
         </p:nvSpPr>
@@ -9441,7 +9375,7 @@
       </p:sp>
       <p:sp>
         <p:nvSpPr>
-          <p:cNvPr id="57" name="슬라이드 번호"/>
+          <p:cNvPr id="56" name="슬라이드 번호"/>
           <p:cNvSpPr txBox="1"/>
           <p:nvPr>
             <p:ph type="sldNum" sz="quarter" idx="4294967295"/>
@@ -9472,7 +9406,7 @@
       </p:sp>
       <p:sp>
         <p:nvSpPr>
-          <p:cNvPr id="58" name="5."/>
+          <p:cNvPr id="57" name="5."/>
           <p:cNvSpPr txBox="1"/>
           <p:nvPr/>
         </p:nvSpPr>
@@ -9523,7 +9457,7 @@
       </p:sp>
       <p:sp>
         <p:nvSpPr>
-          <p:cNvPr id="59" name="프로젝트 개요"/>
+          <p:cNvPr id="58" name="프로젝트 개요"/>
           <p:cNvSpPr txBox="1"/>
           <p:nvPr/>
         </p:nvSpPr>
@@ -9570,7 +9504,7 @@
       </p:sp>
       <p:sp>
         <p:nvSpPr>
-          <p:cNvPr id="60" name="시스템 구조도"/>
+          <p:cNvPr id="59" name="시스템 구조도"/>
           <p:cNvSpPr txBox="1"/>
           <p:nvPr/>
         </p:nvSpPr>
@@ -9617,7 +9551,7 @@
       </p:sp>
       <p:sp>
         <p:nvSpPr>
-          <p:cNvPr id="61" name="주요 기능"/>
+          <p:cNvPr id="60" name="주요 기능"/>
           <p:cNvSpPr txBox="1"/>
           <p:nvPr/>
         </p:nvSpPr>
@@ -9664,7 +9598,7 @@
       </p:sp>
       <p:sp>
         <p:nvSpPr>
-          <p:cNvPr id="62" name="기대효과"/>
+          <p:cNvPr id="61" name="기대효과"/>
           <p:cNvSpPr txBox="1"/>
           <p:nvPr/>
         </p:nvSpPr>
@@ -9704,98 +9638,14 @@
           <a:p>
             <a:pPr/>
             <a:r>
-              <a:t>문제점 및 해결</a:t>
+              <a:t>멘토링</a:t>
             </a:r>
           </a:p>
         </p:txBody>
       </p:sp>
       <p:sp>
         <p:nvSpPr>
-          <p:cNvPr id="63" name="Dataset 구축  Labeling &amp; Processing…"/>
-          <p:cNvSpPr txBox="1"/>
-          <p:nvPr/>
-        </p:nvSpPr>
-        <p:spPr>
-          <a:xfrm>
-            <a:off x="12072823" y="7780579"/>
-            <a:ext cx="2757630" cy="1535118"/>
-          </a:xfrm>
-          <a:prstGeom prst="rect">
-            <a:avLst/>
-          </a:prstGeom>
-          <a:ln w="12700">
-            <a:miter lim="400000"/>
-          </a:ln>
-          <a:extLst>
-            <a:ext uri="{C572A759-6A51-4108-AA02-DFA0A04FC94B}">
-              <ma14:wrappingTextBoxFlag xmlns:ma14="http://schemas.microsoft.com/office/mac/drawingml/2011/main" val="1"/>
-            </a:ext>
-          </a:extLst>
-        </p:spPr>
-        <p:txBody>
-          <a:bodyPr lIns="71436" tIns="71436" rIns="71436" bIns="71436">
-            <a:normAutofit fontScale="100000" lnSpcReduction="0"/>
-          </a:bodyPr>
-          <a:lstStyle/>
-          <a:p>
-            <a:pPr marL="342900" indent="-342900">
-              <a:lnSpc>
-                <a:spcPct val="104000"/>
-              </a:lnSpc>
-              <a:buSzPct val="123000"/>
-              <a:buFont typeface="Arial"/>
-              <a:buChar char="•"/>
-              <a:defRPr b="1" sz="3000">
-                <a:solidFill>
-                  <a:srgbClr val="818779"/>
-                </a:solidFill>
-              </a:defRPr>
-            </a:pPr>
-            <a:r>
-              <a:t>변경 사항</a:t>
-            </a:r>
-          </a:p>
-          <a:p>
-            <a:pPr marL="342900" indent="-342900">
-              <a:lnSpc>
-                <a:spcPct val="104000"/>
-              </a:lnSpc>
-              <a:buSzPct val="123000"/>
-              <a:buFont typeface="Arial"/>
-              <a:buChar char="•"/>
-              <a:defRPr b="1" sz="3000">
-                <a:solidFill>
-                  <a:srgbClr val="818779"/>
-                </a:solidFill>
-              </a:defRPr>
-            </a:pPr>
-            <a:r>
-              <a:t>Dataset 구축</a:t>
-            </a:r>
-          </a:p>
-          <a:p>
-            <a:pPr marL="342900" indent="-342900">
-              <a:lnSpc>
-                <a:spcPct val="104000"/>
-              </a:lnSpc>
-              <a:buSzPct val="123000"/>
-              <a:buFont typeface="Arial"/>
-              <a:buChar char="•"/>
-              <a:defRPr b="1" sz="3000">
-                <a:solidFill>
-                  <a:srgbClr val="818779"/>
-                </a:solidFill>
-              </a:defRPr>
-            </a:pPr>
-            <a:r>
-              <a:t>모델 개발</a:t>
-            </a:r>
-          </a:p>
-        </p:txBody>
-      </p:sp>
-      <p:sp>
-        <p:nvSpPr>
-          <p:cNvPr id="64" name="선"/>
+          <p:cNvPr id="62" name="선"/>
           <p:cNvSpPr/>
           <p:nvPr/>
         </p:nvSpPr>
@@ -9830,7 +9680,7 @@
       </p:sp>
       <p:sp>
         <p:nvSpPr>
-          <p:cNvPr id="65" name="5."/>
+          <p:cNvPr id="63" name="5."/>
           <p:cNvSpPr txBox="1"/>
           <p:nvPr/>
         </p:nvSpPr>
@@ -9881,7 +9731,7 @@
       </p:sp>
       <p:sp>
         <p:nvSpPr>
-          <p:cNvPr id="66" name="기대효과"/>
+          <p:cNvPr id="64" name="기대효과"/>
           <p:cNvSpPr txBox="1"/>
           <p:nvPr/>
         </p:nvSpPr>
@@ -9921,7 +9771,7 @@
           <a:p>
             <a:pPr/>
             <a:r>
-              <a:t>기타</a:t>
+              <a:t>기대효과</a:t>
             </a:r>
           </a:p>
         </p:txBody>
@@ -9954,7 +9804,7 @@
       </p:grpSpPr>
       <p:sp>
         <p:nvSpPr>
-          <p:cNvPr id="68" name="슬라이드 번호"/>
+          <p:cNvPr id="66" name="슬라이드 번호"/>
           <p:cNvSpPr txBox="1"/>
           <p:nvPr>
             <p:ph type="sldNum" sz="quarter" idx="4294967295"/>
@@ -9985,7 +9835,7 @@
       </p:sp>
       <p:sp>
         <p:nvSpPr>
-          <p:cNvPr id="69" name="팀원 소개"/>
+          <p:cNvPr id="67" name="팀원 소개"/>
           <p:cNvSpPr txBox="1"/>
           <p:nvPr>
             <p:ph type="title"/>
@@ -10013,7 +9863,7 @@
       </p:sp>
       <p:sp>
         <p:nvSpPr>
-          <p:cNvPr id="70" name="원"/>
+          <p:cNvPr id="68" name="원"/>
           <p:cNvSpPr/>
           <p:nvPr/>
         </p:nvSpPr>
@@ -10052,7 +9902,7 @@
       </p:sp>
       <p:pic>
         <p:nvPicPr>
-          <p:cNvPr id="71" name="이미지" descr="이미지"/>
+          <p:cNvPr id="69" name="이미지" descr="이미지"/>
           <p:cNvPicPr>
             <a:picLocks noChangeAspect="1"/>
           </p:cNvPicPr>
@@ -10081,7 +9931,7 @@
       </p:pic>
       <p:sp>
         <p:nvSpPr>
-          <p:cNvPr id="72" name="원"/>
+          <p:cNvPr id="70" name="원"/>
           <p:cNvSpPr/>
           <p:nvPr/>
         </p:nvSpPr>
@@ -10120,7 +9970,7 @@
       </p:sp>
       <p:sp>
         <p:nvSpPr>
-          <p:cNvPr id="73" name="원"/>
+          <p:cNvPr id="71" name="원"/>
           <p:cNvSpPr/>
           <p:nvPr/>
         </p:nvSpPr>
@@ -10159,7 +10009,7 @@
       </p:sp>
       <p:sp>
         <p:nvSpPr>
-          <p:cNvPr id="74" name="원"/>
+          <p:cNvPr id="72" name="원"/>
           <p:cNvSpPr/>
           <p:nvPr/>
         </p:nvSpPr>
@@ -10198,7 +10048,7 @@
       </p:sp>
       <p:sp>
         <p:nvSpPr>
-          <p:cNvPr id="75" name="원"/>
+          <p:cNvPr id="73" name="원"/>
           <p:cNvSpPr/>
           <p:nvPr/>
         </p:nvSpPr>
@@ -10237,7 +10087,7 @@
       </p:sp>
       <p:pic>
         <p:nvPicPr>
-          <p:cNvPr id="76" name="이미지" descr="이미지"/>
+          <p:cNvPr id="74" name="이미지" descr="이미지"/>
           <p:cNvPicPr>
             <a:picLocks noChangeAspect="1"/>
           </p:cNvPicPr>
@@ -10266,7 +10116,7 @@
       </p:pic>
       <p:pic>
         <p:nvPicPr>
-          <p:cNvPr id="77" name="이미지" descr="이미지"/>
+          <p:cNvPr id="75" name="이미지" descr="이미지"/>
           <p:cNvPicPr>
             <a:picLocks noChangeAspect="1"/>
           </p:cNvPicPr>
@@ -10295,7 +10145,7 @@
       </p:pic>
       <p:pic>
         <p:nvPicPr>
-          <p:cNvPr id="78" name="이미지" descr="이미지"/>
+          <p:cNvPr id="76" name="이미지" descr="이미지"/>
           <p:cNvPicPr>
             <a:picLocks noChangeAspect="1"/>
           </p:cNvPicPr>
@@ -10465,7 +10315,7 @@
       </p:pic>
       <p:pic>
         <p:nvPicPr>
-          <p:cNvPr id="79" name="이미지" descr="이미지"/>
+          <p:cNvPr id="77" name="이미지" descr="이미지"/>
           <p:cNvPicPr>
             <a:picLocks noChangeAspect="1"/>
           </p:cNvPicPr>
@@ -10615,7 +10465,7 @@
       </p:pic>
       <p:sp>
         <p:nvSpPr>
-          <p:cNvPr id="80" name="오규석"/>
+          <p:cNvPr id="78" name="오규석"/>
           <p:cNvSpPr txBox="1"/>
           <p:nvPr/>
         </p:nvSpPr>
@@ -10666,7 +10516,7 @@
       </p:sp>
       <p:sp>
         <p:nvSpPr>
-          <p:cNvPr id="81" name="양성민"/>
+          <p:cNvPr id="79" name="양성민"/>
           <p:cNvSpPr txBox="1"/>
           <p:nvPr/>
         </p:nvSpPr>
@@ -10717,7 +10567,7 @@
       </p:sp>
       <p:sp>
         <p:nvSpPr>
-          <p:cNvPr id="82" name="유선종"/>
+          <p:cNvPr id="80" name="유선종"/>
           <p:cNvSpPr txBox="1"/>
           <p:nvPr/>
         </p:nvSpPr>
@@ -10768,7 +10618,7 @@
       </p:sp>
       <p:sp>
         <p:nvSpPr>
-          <p:cNvPr id="83" name="최나라"/>
+          <p:cNvPr id="81" name="최나라"/>
           <p:cNvSpPr txBox="1"/>
           <p:nvPr/>
         </p:nvSpPr>
@@ -10819,7 +10669,7 @@
       </p:sp>
       <p:sp>
         <p:nvSpPr>
-          <p:cNvPr id="84" name="차윤성"/>
+          <p:cNvPr id="82" name="차윤성"/>
           <p:cNvSpPr txBox="1"/>
           <p:nvPr/>
         </p:nvSpPr>
@@ -10870,7 +10720,7 @@
       </p:sp>
       <p:sp>
         <p:nvSpPr>
-          <p:cNvPr id="85" name="Project Manager…"/>
+          <p:cNvPr id="83" name="Project Manager…"/>
           <p:cNvSpPr txBox="1"/>
           <p:nvPr/>
         </p:nvSpPr>
@@ -10938,7 +10788,7 @@
       </p:sp>
       <p:sp>
         <p:nvSpPr>
-          <p:cNvPr id="86" name="Object Detection Data Labeling"/>
+          <p:cNvPr id="84" name="Object Detection Data Labeling"/>
           <p:cNvSpPr txBox="1"/>
           <p:nvPr/>
         </p:nvSpPr>
@@ -11025,7 +10875,7 @@
       </p:sp>
       <p:sp>
         <p:nvSpPr>
-          <p:cNvPr id="87" name="Object Detection…"/>
+          <p:cNvPr id="85" name="Object Detection…"/>
           <p:cNvSpPr txBox="1"/>
           <p:nvPr/>
         </p:nvSpPr>
@@ -11093,7 +10943,7 @@
       </p:sp>
       <p:sp>
         <p:nvSpPr>
-          <p:cNvPr id="88" name="Object Detection"/>
+          <p:cNvPr id="86" name="Object Detection"/>
           <p:cNvSpPr txBox="1"/>
           <p:nvPr/>
         </p:nvSpPr>
@@ -11143,7 +10993,7 @@
       </p:sp>
       <p:sp>
         <p:nvSpPr>
-          <p:cNvPr id="89" name="Front-End"/>
+          <p:cNvPr id="87" name="Front-End"/>
           <p:cNvSpPr txBox="1"/>
           <p:nvPr/>
         </p:nvSpPr>
@@ -11194,7 +11044,7 @@
       </p:sp>
       <p:sp>
         <p:nvSpPr>
-          <p:cNvPr id="90" name="선"/>
+          <p:cNvPr id="88" name="선"/>
           <p:cNvSpPr/>
           <p:nvPr/>
         </p:nvSpPr>
@@ -11255,7 +11105,7 @@
       </p:grpSpPr>
       <p:sp>
         <p:nvSpPr>
-          <p:cNvPr id="92" name="프로젝트 개요 - 산학 요구 사항"/>
+          <p:cNvPr id="90" name="프로젝트 개요 - 산학 요구 사항"/>
           <p:cNvSpPr txBox="1"/>
           <p:nvPr>
             <p:ph type="title"/>
@@ -11283,7 +11133,7 @@
       </p:sp>
       <p:sp>
         <p:nvSpPr>
-          <p:cNvPr id="93" name="슬라이드 번호"/>
+          <p:cNvPr id="91" name="슬라이드 번호"/>
           <p:cNvSpPr txBox="1"/>
           <p:nvPr>
             <p:ph type="sldNum" sz="quarter" idx="4294967295"/>
@@ -11314,7 +11164,7 @@
       </p:sp>
       <p:sp>
         <p:nvSpPr>
-          <p:cNvPr id="94" name="도형"/>
+          <p:cNvPr id="92" name="도형"/>
           <p:cNvSpPr/>
           <p:nvPr/>
         </p:nvSpPr>
@@ -11406,7 +11256,7 @@
       </p:sp>
       <p:sp>
         <p:nvSpPr>
-          <p:cNvPr id="95" name="도형"/>
+          <p:cNvPr id="93" name="도형"/>
           <p:cNvSpPr/>
           <p:nvPr/>
         </p:nvSpPr>
@@ -11498,7 +11348,7 @@
       </p:sp>
       <p:sp>
         <p:nvSpPr>
-          <p:cNvPr id="96" name="도형"/>
+          <p:cNvPr id="94" name="도형"/>
           <p:cNvSpPr/>
           <p:nvPr/>
         </p:nvSpPr>
@@ -11575,7 +11425,7 @@
       </p:sp>
       <p:sp>
         <p:nvSpPr>
-          <p:cNvPr id="97" name="도형"/>
+          <p:cNvPr id="95" name="도형"/>
           <p:cNvSpPr/>
           <p:nvPr/>
         </p:nvSpPr>
@@ -11667,7 +11517,7 @@
       </p:sp>
       <p:sp>
         <p:nvSpPr>
-          <p:cNvPr id="98" name="도형"/>
+          <p:cNvPr id="96" name="도형"/>
           <p:cNvSpPr/>
           <p:nvPr/>
         </p:nvSpPr>
@@ -11759,7 +11609,7 @@
       </p:sp>
       <p:sp>
         <p:nvSpPr>
-          <p:cNvPr id="99" name="도형"/>
+          <p:cNvPr id="97" name="도형"/>
           <p:cNvSpPr/>
           <p:nvPr/>
         </p:nvSpPr>
@@ -11836,14 +11686,14 @@
       </p:sp>
       <p:sp>
         <p:nvSpPr>
-          <p:cNvPr id="100" name="AI 교육용 서비스"/>
+          <p:cNvPr id="98" name="AI 교육용 서비스"/>
           <p:cNvSpPr txBox="1"/>
           <p:nvPr/>
         </p:nvSpPr>
         <p:spPr>
           <a:xfrm>
-            <a:off x="6560296" y="7438943"/>
-            <a:ext cx="4492173" cy="1176635"/>
+            <a:off x="7235969" y="7438943"/>
+            <a:ext cx="4492174" cy="1176635"/>
           </a:xfrm>
           <a:prstGeom prst="rect">
             <a:avLst/>
@@ -11863,18 +11713,14 @@
           </a:bodyPr>
           <a:lstStyle/>
           <a:p>
-            <a:pPr defTabSz="2048204">
+            <a:pPr defTabSz="1884347">
               <a:lnSpc>
                 <a:spcPct val="120000"/>
               </a:lnSpc>
-              <a:defRPr sz="3500">
+              <a:defRPr sz="3220">
                 <a:solidFill>
                   <a:srgbClr val="838383"/>
                 </a:solidFill>
-                <a:latin typeface="궁서체 일반체"/>
-                <a:ea typeface="궁서체 일반체"/>
-                <a:cs typeface="궁서체 일반체"/>
-                <a:sym typeface="궁서체 일반체"/>
               </a:defRPr>
             </a:pPr>
             <a:r>
@@ -11889,7 +11735,7 @@
       </p:sp>
       <p:sp>
         <p:nvSpPr>
-          <p:cNvPr id="101" name="Object Detection"/>
+          <p:cNvPr id="99" name="Object Detection"/>
           <p:cNvSpPr txBox="1"/>
           <p:nvPr/>
         </p:nvSpPr>
@@ -11915,18 +11761,14 @@
             <a:normAutofit fontScale="100000" lnSpcReduction="0"/>
           </a:bodyPr>
           <a:lstStyle>
-            <a:lvl1pPr defTabSz="2340804">
+            <a:lvl1pPr defTabSz="2130132">
               <a:lnSpc>
                 <a:spcPct val="120000"/>
               </a:lnSpc>
-              <a:defRPr sz="4000">
+              <a:defRPr sz="3640">
                 <a:solidFill>
                   <a:srgbClr val="838383"/>
                 </a:solidFill>
-                <a:latin typeface="궁서체 일반체"/>
-                <a:ea typeface="궁서체 일반체"/>
-                <a:cs typeface="궁서체 일반체"/>
-                <a:sym typeface="궁서체 일반체"/>
               </a:defRPr>
             </a:lvl1pPr>
           </a:lstStyle>
@@ -11940,7 +11782,7 @@
       </p:sp>
       <p:sp>
         <p:nvSpPr>
-          <p:cNvPr id="102" name="선"/>
+          <p:cNvPr id="100" name="선"/>
           <p:cNvSpPr/>
           <p:nvPr/>
         </p:nvSpPr>
@@ -12001,7 +11843,7 @@
       </p:grpSpPr>
       <p:sp>
         <p:nvSpPr>
-          <p:cNvPr id="104" name="프로젝트 개요 - 목표"/>
+          <p:cNvPr id="102" name="프로젝트 개요 - 목표"/>
           <p:cNvSpPr txBox="1"/>
           <p:nvPr>
             <p:ph type="title"/>
@@ -12029,7 +11871,7 @@
       </p:sp>
       <p:sp>
         <p:nvSpPr>
-          <p:cNvPr id="105" name="슬라이드 번호"/>
+          <p:cNvPr id="103" name="슬라이드 번호"/>
           <p:cNvSpPr txBox="1"/>
           <p:nvPr>
             <p:ph type="sldNum" sz="quarter" idx="4294967295"/>
@@ -12060,7 +11902,7 @@
       </p:sp>
       <p:sp>
         <p:nvSpPr>
-          <p:cNvPr id="106" name="삼각형"/>
+          <p:cNvPr id="104" name="삼각형"/>
           <p:cNvSpPr/>
           <p:nvPr/>
         </p:nvSpPr>
@@ -12130,7 +11972,7 @@
       </p:sp>
       <p:sp>
         <p:nvSpPr>
-          <p:cNvPr id="107" name="Face Landmark…"/>
+          <p:cNvPr id="105" name="Face Landmark…"/>
           <p:cNvSpPr txBox="1"/>
           <p:nvPr/>
         </p:nvSpPr>
@@ -12198,7 +12040,7 @@
       </p:sp>
       <p:sp>
         <p:nvSpPr>
-          <p:cNvPr id="108" name="Classify Facialization"/>
+          <p:cNvPr id="106" name="Classify Facialization"/>
           <p:cNvSpPr txBox="1"/>
           <p:nvPr/>
         </p:nvSpPr>
@@ -12249,7 +12091,7 @@
       </p:sp>
       <p:sp>
         <p:nvSpPr>
-          <p:cNvPr id="109" name="Hairstyle recommendation"/>
+          <p:cNvPr id="107" name="Hairstyle recommendation"/>
           <p:cNvSpPr txBox="1"/>
           <p:nvPr/>
         </p:nvSpPr>
@@ -12300,7 +12142,7 @@
       </p:sp>
       <p:sp>
         <p:nvSpPr>
-          <p:cNvPr id="110" name="Goal"/>
+          <p:cNvPr id="108" name="Goal"/>
           <p:cNvSpPr txBox="1"/>
           <p:nvPr/>
         </p:nvSpPr>
@@ -12351,7 +12193,7 @@
       </p:sp>
       <p:sp>
         <p:nvSpPr>
-          <p:cNvPr id="111" name="얼굴형 기반 헤어스타일 추천"/>
+          <p:cNvPr id="109" name="얼굴형 기반 헤어스타일 추천"/>
           <p:cNvSpPr txBox="1"/>
           <p:nvPr/>
         </p:nvSpPr>
@@ -12402,7 +12244,7 @@
       </p:sp>
       <p:sp>
         <p:nvSpPr>
-          <p:cNvPr id="112" name="선"/>
+          <p:cNvPr id="110" name="선"/>
           <p:cNvSpPr/>
           <p:nvPr/>
         </p:nvSpPr>
@@ -12437,7 +12279,7 @@
       </p:sp>
       <p:pic>
         <p:nvPicPr>
-          <p:cNvPr id="113" name="이미지" descr="이미지"/>
+          <p:cNvPr id="111" name="이미지" descr="이미지"/>
           <p:cNvPicPr>
             <a:picLocks noChangeAspect="1"/>
           </p:cNvPicPr>
@@ -12466,7 +12308,7 @@
       </p:pic>
       <p:sp>
         <p:nvSpPr>
-          <p:cNvPr id="114" name="다양한 헤어스타일에 대한 욕구와 시도"/>
+          <p:cNvPr id="112" name="다양한 헤어스타일에 대한 욕구와 시도"/>
           <p:cNvSpPr txBox="1"/>
           <p:nvPr/>
         </p:nvSpPr>
@@ -12517,7 +12359,7 @@
       </p:sp>
       <p:pic>
         <p:nvPicPr>
-          <p:cNvPr id="115" name="이미지" descr="이미지"/>
+          <p:cNvPr id="113" name="이미지" descr="이미지"/>
           <p:cNvPicPr>
             <a:picLocks noChangeAspect="1"/>
           </p:cNvPicPr>
@@ -12546,7 +12388,7 @@
       </p:pic>
       <p:sp>
         <p:nvSpPr>
-          <p:cNvPr id="116" name="자신의 얼굴형에 대한 무지"/>
+          <p:cNvPr id="114" name="자신의 얼굴형에 대한 무지"/>
           <p:cNvSpPr txBox="1"/>
           <p:nvPr/>
         </p:nvSpPr>
@@ -12597,7 +12439,7 @@
       </p:sp>
       <p:grpSp>
         <p:nvGrpSpPr>
-          <p:cNvPr id="121" name="그룹"/>
+          <p:cNvPr id="119" name="그룹"/>
           <p:cNvGrpSpPr/>
           <p:nvPr/>
         </p:nvGrpSpPr>
@@ -12611,7 +12453,7 @@
         </p:grpSpPr>
         <p:sp>
           <p:nvSpPr>
-            <p:cNvPr id="117" name="선"/>
+            <p:cNvPr id="115" name="선"/>
             <p:cNvSpPr/>
             <p:nvPr/>
           </p:nvSpPr>
@@ -12651,7 +12493,7 @@
         </p:sp>
         <p:sp>
           <p:nvSpPr>
-            <p:cNvPr id="118" name="선"/>
+            <p:cNvPr id="116" name="선"/>
             <p:cNvSpPr/>
             <p:nvPr/>
           </p:nvSpPr>
@@ -12691,7 +12533,7 @@
         </p:sp>
         <p:sp>
           <p:nvSpPr>
-            <p:cNvPr id="119" name="선"/>
+            <p:cNvPr id="117" name="선"/>
             <p:cNvSpPr/>
             <p:nvPr/>
           </p:nvSpPr>
@@ -12731,7 +12573,7 @@
         </p:sp>
         <p:sp>
           <p:nvSpPr>
-            <p:cNvPr id="120" name="선"/>
+            <p:cNvPr id="118" name="선"/>
             <p:cNvSpPr/>
             <p:nvPr/>
           </p:nvSpPr>
@@ -12772,7 +12614,7 @@
       </p:grpSp>
       <p:pic>
         <p:nvPicPr>
-          <p:cNvPr id="122" name="이미지" descr="이미지"/>
+          <p:cNvPr id="120" name="이미지" descr="이미지"/>
           <p:cNvPicPr>
             <a:picLocks noChangeAspect="1"/>
           </p:cNvPicPr>
@@ -12827,7 +12669,7 @@
       </p:grpSpPr>
       <p:sp>
         <p:nvSpPr>
-          <p:cNvPr id="124" name="슬라이드 번호"/>
+          <p:cNvPr id="122" name="슬라이드 번호"/>
           <p:cNvSpPr txBox="1"/>
           <p:nvPr>
             <p:ph type="sldNum" sz="quarter" idx="4294967295"/>
@@ -12858,7 +12700,7 @@
       </p:sp>
       <p:sp>
         <p:nvSpPr>
-          <p:cNvPr id="125" name="시스템 구조도"/>
+          <p:cNvPr id="123" name="시스템 구조도"/>
           <p:cNvSpPr txBox="1"/>
           <p:nvPr>
             <p:ph type="title"/>
@@ -12886,7 +12728,7 @@
       </p:sp>
       <p:grpSp>
         <p:nvGrpSpPr>
-          <p:cNvPr id="130" name="그룹 3"/>
+          <p:cNvPr id="128" name="그룹 3"/>
           <p:cNvGrpSpPr/>
           <p:nvPr/>
         </p:nvGrpSpPr>
@@ -12900,7 +12742,7 @@
         </p:grpSpPr>
         <p:pic>
           <p:nvPicPr>
-            <p:cNvPr id="126" name="이미지" descr="이미지"/>
+            <p:cNvPr id="124" name="이미지" descr="이미지"/>
             <p:cNvPicPr>
               <a:picLocks noChangeAspect="1"/>
             </p:cNvPicPr>
@@ -12931,7 +12773,7 @@
         </p:pic>
         <p:pic>
           <p:nvPicPr>
-            <p:cNvPr id="127" name="이미지" descr="이미지"/>
+            <p:cNvPr id="125" name="이미지" descr="이미지"/>
             <p:cNvPicPr>
               <a:picLocks noChangeAspect="1"/>
             </p:cNvPicPr>
@@ -12962,7 +12804,7 @@
         </p:pic>
         <p:pic>
           <p:nvPicPr>
-            <p:cNvPr id="128" name="이미지" descr="이미지"/>
+            <p:cNvPr id="126" name="이미지" descr="이미지"/>
             <p:cNvPicPr>
               <a:picLocks noChangeAspect="1"/>
             </p:cNvPicPr>
@@ -12993,7 +12835,7 @@
         </p:pic>
         <p:sp>
           <p:nvSpPr>
-            <p:cNvPr id="129" name="Web"/>
+            <p:cNvPr id="127" name="Web"/>
             <p:cNvSpPr txBox="1"/>
             <p:nvPr/>
           </p:nvSpPr>
@@ -13048,7 +12890,7 @@
       </p:grpSp>
       <p:grpSp>
         <p:nvGrpSpPr>
-          <p:cNvPr id="135" name="그룹 1"/>
+          <p:cNvPr id="133" name="그룹 1"/>
           <p:cNvGrpSpPr/>
           <p:nvPr/>
         </p:nvGrpSpPr>
@@ -13062,7 +12904,7 @@
         </p:grpSpPr>
         <p:pic>
           <p:nvPicPr>
-            <p:cNvPr id="131" name="이미지" descr="이미지"/>
+            <p:cNvPr id="129" name="이미지" descr="이미지"/>
             <p:cNvPicPr>
               <a:picLocks noChangeAspect="1"/>
             </p:cNvPicPr>
@@ -13093,7 +12935,7 @@
         </p:pic>
         <p:pic>
           <p:nvPicPr>
-            <p:cNvPr id="132" name="이미지" descr="이미지"/>
+            <p:cNvPr id="130" name="이미지" descr="이미지"/>
             <p:cNvPicPr>
               <a:picLocks noChangeAspect="1"/>
             </p:cNvPicPr>
@@ -13124,7 +12966,7 @@
         </p:pic>
         <p:pic>
           <p:nvPicPr>
-            <p:cNvPr id="133" name="이미지" descr="이미지"/>
+            <p:cNvPr id="131" name="이미지" descr="이미지"/>
             <p:cNvPicPr>
               <a:picLocks noChangeAspect="1"/>
             </p:cNvPicPr>
@@ -13155,7 +12997,7 @@
         </p:pic>
         <p:sp>
           <p:nvSpPr>
-            <p:cNvPr id="134" name="Server"/>
+            <p:cNvPr id="132" name="Server"/>
             <p:cNvSpPr txBox="1"/>
             <p:nvPr/>
           </p:nvSpPr>
@@ -13210,7 +13052,7 @@
       </p:grpSp>
       <p:grpSp>
         <p:nvGrpSpPr>
-          <p:cNvPr id="140" name="그룹 4"/>
+          <p:cNvPr id="138" name="그룹 4"/>
           <p:cNvGrpSpPr/>
           <p:nvPr/>
         </p:nvGrpSpPr>
@@ -13224,7 +13066,7 @@
         </p:grpSpPr>
         <p:pic>
           <p:nvPicPr>
-            <p:cNvPr id="136" name="이미지" descr="이미지"/>
+            <p:cNvPr id="134" name="이미지" descr="이미지"/>
             <p:cNvPicPr>
               <a:picLocks noChangeAspect="1"/>
             </p:cNvPicPr>
@@ -13255,7 +13097,7 @@
         </p:pic>
         <p:pic>
           <p:nvPicPr>
-            <p:cNvPr id="137" name="이미지" descr="이미지"/>
+            <p:cNvPr id="135" name="이미지" descr="이미지"/>
             <p:cNvPicPr>
               <a:picLocks noChangeAspect="1"/>
             </p:cNvPicPr>
@@ -13286,7 +13128,7 @@
         </p:pic>
         <p:sp>
           <p:nvSpPr>
-            <p:cNvPr id="138" name="User"/>
+            <p:cNvPr id="136" name="User"/>
             <p:cNvSpPr txBox="1"/>
             <p:nvPr/>
           </p:nvSpPr>
@@ -13340,7 +13182,7 @@
         </p:sp>
         <p:sp>
           <p:nvSpPr>
-            <p:cNvPr id="139" name="Webcam…"/>
+            <p:cNvPr id="137" name="Webcam…"/>
             <p:cNvSpPr txBox="1"/>
             <p:nvPr/>
           </p:nvSpPr>
@@ -13412,7 +13254,7 @@
       </p:grpSp>
       <p:grpSp>
         <p:nvGrpSpPr>
-          <p:cNvPr id="146" name="그룹 2"/>
+          <p:cNvPr id="144" name="그룹 2"/>
           <p:cNvGrpSpPr/>
           <p:nvPr/>
         </p:nvGrpSpPr>
@@ -13426,7 +13268,7 @@
         </p:grpSpPr>
         <p:pic>
           <p:nvPicPr>
-            <p:cNvPr id="141" name="이미지" descr="이미지"/>
+            <p:cNvPr id="139" name="이미지" descr="이미지"/>
             <p:cNvPicPr>
               <a:picLocks noChangeAspect="1"/>
             </p:cNvPicPr>
@@ -13457,7 +13299,7 @@
         </p:pic>
         <p:sp>
           <p:nvSpPr>
-            <p:cNvPr id="142" name="Model"/>
+            <p:cNvPr id="140" name="Model"/>
             <p:cNvSpPr txBox="1"/>
             <p:nvPr/>
           </p:nvSpPr>
@@ -13511,7 +13353,7 @@
         </p:sp>
         <p:pic>
           <p:nvPicPr>
-            <p:cNvPr id="143" name="이미지" descr="이미지"/>
+            <p:cNvPr id="141" name="이미지" descr="이미지"/>
             <p:cNvPicPr>
               <a:picLocks noChangeAspect="1"/>
             </p:cNvPicPr>
@@ -13542,7 +13384,7 @@
         </p:pic>
         <p:pic>
           <p:nvPicPr>
-            <p:cNvPr id="144" name="이미지" descr="이미지"/>
+            <p:cNvPr id="142" name="이미지" descr="이미지"/>
             <p:cNvPicPr>
               <a:picLocks noChangeAspect="1"/>
             </p:cNvPicPr>
@@ -13573,7 +13415,7 @@
         </p:pic>
         <p:pic>
           <p:nvPicPr>
-            <p:cNvPr id="145" name="이미지" descr="이미지"/>
+            <p:cNvPr id="143" name="이미지" descr="이미지"/>
             <p:cNvPicPr>
               <a:picLocks noChangeAspect="1"/>
             </p:cNvPicPr>
@@ -13605,7 +13447,7 @@
       </p:grpSp>
       <p:sp>
         <p:nvSpPr>
-          <p:cNvPr id="147" name="선"/>
+          <p:cNvPr id="145" name="선"/>
           <p:cNvSpPr/>
           <p:nvPr/>
         </p:nvSpPr>
@@ -13641,7 +13483,7 @@
       </p:sp>
       <p:sp>
         <p:nvSpPr>
-          <p:cNvPr id="148" name="선"/>
+          <p:cNvPr id="146" name="선"/>
           <p:cNvSpPr/>
           <p:nvPr/>
         </p:nvSpPr>
@@ -13677,7 +13519,7 @@
       </p:sp>
       <p:sp>
         <p:nvSpPr>
-          <p:cNvPr id="149" name="선"/>
+          <p:cNvPr id="147" name="선"/>
           <p:cNvSpPr/>
           <p:nvPr/>
         </p:nvSpPr>
@@ -13713,7 +13555,7 @@
       </p:sp>
       <p:sp>
         <p:nvSpPr>
-          <p:cNvPr id="150" name="선"/>
+          <p:cNvPr id="148" name="선"/>
           <p:cNvSpPr/>
           <p:nvPr/>
         </p:nvSpPr>
@@ -13749,7 +13591,7 @@
       </p:sp>
       <p:sp>
         <p:nvSpPr>
-          <p:cNvPr id="151" name="선"/>
+          <p:cNvPr id="149" name="선"/>
           <p:cNvSpPr/>
           <p:nvPr/>
         </p:nvSpPr>
@@ -13785,7 +13627,7 @@
       </p:sp>
       <p:sp>
         <p:nvSpPr>
-          <p:cNvPr id="152" name="선"/>
+          <p:cNvPr id="150" name="선"/>
           <p:cNvSpPr/>
           <p:nvPr/>
         </p:nvSpPr>
@@ -13846,7 +13688,7 @@
       </p:grpSpPr>
       <p:sp>
         <p:nvSpPr>
-          <p:cNvPr id="154" name="주요 기능 - 모델 변경 사항"/>
+          <p:cNvPr id="152" name="주요 기능 - 모델 변경 사항"/>
           <p:cNvSpPr txBox="1"/>
           <p:nvPr>
             <p:ph type="title"/>
@@ -13883,7 +13725,7 @@
       </p:sp>
       <p:sp>
         <p:nvSpPr>
-          <p:cNvPr id="155" name="선"/>
+          <p:cNvPr id="153" name="선"/>
           <p:cNvSpPr/>
           <p:nvPr/>
         </p:nvSpPr>
@@ -13918,7 +13760,7 @@
       </p:sp>
       <p:pic>
         <p:nvPicPr>
-          <p:cNvPr id="156" name="그림 21" descr="그림 21"/>
+          <p:cNvPr id="154" name="그림 21" descr="그림 21"/>
           <p:cNvPicPr>
             <a:picLocks noChangeAspect="1"/>
           </p:cNvPicPr>
@@ -13947,7 +13789,7 @@
       </p:pic>
       <p:sp>
         <p:nvSpPr>
-          <p:cNvPr id="157" name="Data Augmentation"/>
+          <p:cNvPr id="155" name="Data Augmentation"/>
           <p:cNvSpPr txBox="1"/>
           <p:nvPr/>
         </p:nvSpPr>
@@ -14016,7 +13858,7 @@
       </p:sp>
       <p:pic>
         <p:nvPicPr>
-          <p:cNvPr id="158" name="그림 23" descr="그림 23"/>
+          <p:cNvPr id="156" name="그림 23" descr="그림 23"/>
           <p:cNvPicPr>
             <a:picLocks noChangeAspect="1"/>
           </p:cNvPicPr>
@@ -14045,7 +13887,7 @@
       </p:pic>
       <p:grpSp>
         <p:nvGrpSpPr>
-          <p:cNvPr id="161" name="1"/>
+          <p:cNvPr id="159" name="1"/>
           <p:cNvGrpSpPr/>
           <p:nvPr/>
         </p:nvGrpSpPr>
@@ -14059,7 +13901,7 @@
         </p:grpSpPr>
         <p:sp>
           <p:nvSpPr>
-            <p:cNvPr id="159" name="도형"/>
+            <p:cNvPr id="157" name="도형"/>
             <p:cNvSpPr/>
             <p:nvPr/>
           </p:nvSpPr>
@@ -14151,7 +13993,7 @@
         </p:sp>
         <p:sp>
           <p:nvSpPr>
-            <p:cNvPr id="160" name="Hosting"/>
+            <p:cNvPr id="158" name="Hosting"/>
             <p:cNvSpPr txBox="1"/>
             <p:nvPr/>
           </p:nvSpPr>
@@ -14206,7 +14048,7 @@
       </p:grpSp>
       <p:pic>
         <p:nvPicPr>
-          <p:cNvPr id="162" name="그림 25" descr="그림 25"/>
+          <p:cNvPr id="160" name="그림 25" descr="그림 25"/>
           <p:cNvPicPr>
             <a:picLocks noChangeAspect="1"/>
           </p:cNvPicPr>
@@ -14261,7 +14103,7 @@
       </p:grpSpPr>
       <p:sp>
         <p:nvSpPr>
-          <p:cNvPr id="164" name="슬라이드 번호"/>
+          <p:cNvPr id="162" name="슬라이드 번호"/>
           <p:cNvSpPr txBox="1"/>
           <p:nvPr>
             <p:ph type="sldNum" sz="quarter" idx="4294967295"/>
@@ -14292,7 +14134,7 @@
       </p:sp>
       <p:sp>
         <p:nvSpPr>
-          <p:cNvPr id="165" name="시스템 구조도"/>
+          <p:cNvPr id="163" name="시스템 구조도"/>
           <p:cNvSpPr txBox="1"/>
           <p:nvPr>
             <p:ph type="title"/>
@@ -14328,7 +14170,7 @@
       </p:sp>
       <p:sp>
         <p:nvSpPr>
-          <p:cNvPr id="166" name="선"/>
+          <p:cNvPr id="164" name="선"/>
           <p:cNvSpPr/>
           <p:nvPr/>
         </p:nvSpPr>
@@ -14363,7 +14205,7 @@
       </p:sp>
       <p:sp>
         <p:nvSpPr>
-          <p:cNvPr id="167" name="도형"/>
+          <p:cNvPr id="165" name="도형"/>
           <p:cNvSpPr/>
           <p:nvPr/>
         </p:nvSpPr>
@@ -14450,7 +14292,7 @@
       </p:sp>
       <p:sp>
         <p:nvSpPr>
-          <p:cNvPr id="168" name="얼굴형 판단 정확성 향상"/>
+          <p:cNvPr id="166" name="얼굴형 판단 정확성 향상"/>
           <p:cNvSpPr/>
           <p:nvPr/>
         </p:nvSpPr>
@@ -14507,7 +14349,7 @@
       </p:sp>
       <p:sp>
         <p:nvSpPr>
-          <p:cNvPr id="169" name="개발 계획 구체화"/>
+          <p:cNvPr id="167" name="개발 계획 구체화"/>
           <p:cNvSpPr txBox="1"/>
           <p:nvPr/>
         </p:nvSpPr>
@@ -14558,13 +14400,58 @@
       </p:sp>
       <p:sp>
         <p:nvSpPr>
-          <p:cNvPr id="170" name="높은 수준의  판단력"/>
+          <p:cNvPr id="168" name="원"/>
           <p:cNvSpPr/>
           <p:nvPr/>
         </p:nvSpPr>
         <p:spPr>
           <a:xfrm>
             <a:off x="6003924" y="6192125"/>
+            <a:ext cx="3175001" cy="3175001"/>
+          </a:xfrm>
+          <a:prstGeom prst="ellipse">
+            <a:avLst/>
+          </a:prstGeom>
+          <a:solidFill>
+            <a:srgbClr val="FFFFFF"/>
+          </a:solidFill>
+          <a:ln w="25400">
+            <a:solidFill>
+              <a:srgbClr val="818779"/>
+            </a:solidFill>
+            <a:miter lim="400000"/>
+          </a:ln>
+        </p:spPr>
+        <p:txBody>
+          <a:bodyPr lIns="82987" tIns="82987" rIns="82987" bIns="82987" anchor="ctr"/>
+          <a:lstStyle/>
+          <a:p>
+            <a:pPr algn="ctr" defTabSz="825500">
+              <a:lnSpc>
+                <a:spcPct val="100000"/>
+              </a:lnSpc>
+              <a:defRPr b="1" sz="3000">
+                <a:solidFill>
+                  <a:srgbClr val="232323"/>
+                </a:solidFill>
+                <a:latin typeface="+mn-lt"/>
+                <a:ea typeface="+mn-ea"/>
+                <a:cs typeface="+mn-cs"/>
+                <a:sym typeface="Helvetica"/>
+              </a:defRPr>
+            </a:pPr>
+          </a:p>
+        </p:txBody>
+      </p:sp>
+      <p:sp>
+        <p:nvSpPr>
+          <p:cNvPr id="169" name="머신 러닝 모델  개발 계획"/>
+          <p:cNvSpPr/>
+          <p:nvPr/>
+        </p:nvSpPr>
+        <p:spPr>
+          <a:xfrm>
+            <a:off x="10553331" y="4801891"/>
             <a:ext cx="3175001" cy="3175001"/>
           </a:xfrm>
           <a:prstGeom prst="ellipse">
@@ -14604,24 +14491,24 @@
               </a:defRPr>
             </a:pPr>
             <a:r>
-              <a:t>높은 수준의 </a:t>
+              <a:t>머신 러닝 모델 </a:t>
             </a:r>
             <a:br/>
             <a:r>
-              <a:t>판단력</a:t>
+              <a:t>개발 계획</a:t>
             </a:r>
           </a:p>
         </p:txBody>
       </p:sp>
       <p:sp>
         <p:nvSpPr>
-          <p:cNvPr id="171" name="머신 러닝 모델  개발 계획"/>
+          <p:cNvPr id="170" name="원"/>
           <p:cNvSpPr/>
           <p:nvPr/>
         </p:nvSpPr>
         <p:spPr>
           <a:xfrm>
-            <a:off x="10553331" y="4801891"/>
+            <a:off x="17458028" y="9836034"/>
             <a:ext cx="3175001" cy="3175001"/>
           </a:xfrm>
           <a:prstGeom prst="ellipse">
@@ -14636,11 +14523,6 @@
             </a:solidFill>
             <a:miter lim="400000"/>
           </a:ln>
-          <a:extLst>
-            <a:ext uri="{C572A759-6A51-4108-AA02-DFA0A04FC94B}">
-              <ma14:wrappingTextBoxFlag xmlns:ma14="http://schemas.microsoft.com/office/mac/drawingml/2011/main" val="1"/>
-            </a:ext>
-          </a:extLst>
         </p:spPr>
         <p:txBody>
           <a:bodyPr lIns="82987" tIns="82987" rIns="82987" bIns="82987" anchor="ctr"/>
@@ -14660,76 +14542,12 @@
                 <a:sym typeface="Helvetica"/>
               </a:defRPr>
             </a:pPr>
-            <a:r>
-              <a:t>머신 러닝 모델 </a:t>
-            </a:r>
-            <a:br/>
-            <a:r>
-              <a:t>개발 계획</a:t>
-            </a:r>
           </a:p>
         </p:txBody>
       </p:sp>
       <p:sp>
         <p:nvSpPr>
-          <p:cNvPr id="172" name="얼굴형 판단 정확성 향상"/>
-          <p:cNvSpPr/>
-          <p:nvPr/>
-        </p:nvSpPr>
-        <p:spPr>
-          <a:xfrm>
-            <a:off x="17458028" y="9836034"/>
-            <a:ext cx="3175001" cy="3175001"/>
-          </a:xfrm>
-          <a:prstGeom prst="ellipse">
-            <a:avLst/>
-          </a:prstGeom>
-          <a:solidFill>
-            <a:srgbClr val="FFFFFF"/>
-          </a:solidFill>
-          <a:ln w="25400">
-            <a:solidFill>
-              <a:srgbClr val="818779"/>
-            </a:solidFill>
-            <a:miter lim="400000"/>
-          </a:ln>
-          <a:extLst>
-            <a:ext uri="{C572A759-6A51-4108-AA02-DFA0A04FC94B}">
-              <ma14:wrappingTextBoxFlag xmlns:ma14="http://schemas.microsoft.com/office/mac/drawingml/2011/main" val="1"/>
-            </a:ext>
-          </a:extLst>
-        </p:spPr>
-        <p:txBody>
-          <a:bodyPr lIns="82987" tIns="82987" rIns="82987" bIns="82987" anchor="ctr"/>
-          <a:lstStyle/>
-          <a:p>
-            <a:pPr algn="ctr" defTabSz="825500">
-              <a:lnSpc>
-                <a:spcPct val="100000"/>
-              </a:lnSpc>
-              <a:defRPr b="1" sz="3000">
-                <a:solidFill>
-                  <a:srgbClr val="232323"/>
-                </a:solidFill>
-                <a:latin typeface="+mn-lt"/>
-                <a:ea typeface="+mn-ea"/>
-                <a:cs typeface="+mn-cs"/>
-                <a:sym typeface="Helvetica"/>
-              </a:defRPr>
-            </a:pPr>
-            <a:r>
-              <a:t>얼굴형 판단</a:t>
-            </a:r>
-            <a:br/>
-            <a:r>
-              <a:t>정확성 향상 </a:t>
-            </a:r>
-          </a:p>
-        </p:txBody>
-      </p:sp>
-      <p:sp>
-        <p:nvSpPr>
-          <p:cNvPr id="173" name="지도 학습"/>
+          <p:cNvPr id="171" name="지도 학습"/>
           <p:cNvSpPr/>
           <p:nvPr/>
         </p:nvSpPr>
@@ -14810,7 +14628,7 @@
       </p:grpSpPr>
       <p:pic>
         <p:nvPicPr>
-          <p:cNvPr id="175" name="이미지" descr="이미지"/>
+          <p:cNvPr id="173" name="이미지" descr="이미지"/>
           <p:cNvPicPr>
             <a:picLocks noChangeAspect="1"/>
           </p:cNvPicPr>
@@ -14839,7 +14657,7 @@
       </p:pic>
       <p:sp>
         <p:nvSpPr>
-          <p:cNvPr id="176" name="슬라이드 번호"/>
+          <p:cNvPr id="174" name="슬라이드 번호"/>
           <p:cNvSpPr txBox="1"/>
           <p:nvPr>
             <p:ph type="sldNum" sz="quarter" idx="4294967295"/>
@@ -14870,7 +14688,7 @@
       </p:sp>
       <p:sp>
         <p:nvSpPr>
-          <p:cNvPr id="177" name="주요 기능 - 모델 변경 사항"/>
+          <p:cNvPr id="175" name="주요 기능 - 모델 변경 사항"/>
           <p:cNvSpPr txBox="1"/>
           <p:nvPr>
             <p:ph type="title"/>
@@ -14898,7 +14716,7 @@
       </p:sp>
       <p:sp>
         <p:nvSpPr>
-          <p:cNvPr id="178" name="선"/>
+          <p:cNvPr id="176" name="선"/>
           <p:cNvSpPr/>
           <p:nvPr/>
         </p:nvSpPr>
@@ -14933,7 +14751,7 @@
       </p:sp>
       <p:sp>
         <p:nvSpPr>
-          <p:cNvPr id="179" name="기존 모델 Tensorflow.js의 Face-Landmark-Detection"/>
+          <p:cNvPr id="177" name="기존 모델 Tensorflow.js의 Face-Landmark-Detection"/>
           <p:cNvSpPr txBox="1"/>
           <p:nvPr/>
         </p:nvSpPr>
@@ -14994,7 +14812,7 @@
       </p:sp>
       <p:sp>
         <p:nvSpPr>
-          <p:cNvPr id="180" name="특징점을 추출하여 얻은 숫자 데이터를 토대로 가볍고 높은 성능의 모델 기대"/>
+          <p:cNvPr id="178" name="특징점을 추출하여 얻은 숫자 데이터를 토대로 가볍고 높은 성능의 모델 기대"/>
           <p:cNvSpPr txBox="1"/>
           <p:nvPr/>
         </p:nvSpPr>

--- a/docs/Capstone-team14-presentation.pptx
+++ b/docs/Capstone-team14-presentation.pptx
@@ -27,6 +27,7 @@
     <p:sldId id="272" r:id="rId24"/>
     <p:sldId id="273" r:id="rId25"/>
     <p:sldId id="274" r:id="rId26"/>
+    <p:sldId id="275" r:id="rId27"/>
   </p:sldIdLst>
   <p:sldSz cx="24384000" cy="13716000"/>
   <p:notesSz cx="6858000" cy="9144000"/>
@@ -7859,7 +7860,7 @@
       </p:sp>
       <p:sp>
         <p:nvSpPr>
-          <p:cNvPr id="300" name="멘토링 - Modeling"/>
+          <p:cNvPr id="300" name="주요 기능 - VGGNet &amp; Mobile Net V2"/>
           <p:cNvSpPr txBox="1"/>
           <p:nvPr>
             <p:ph type="title"/>
@@ -7880,10 +7881,13 @@
           <a:p>
             <a:pPr/>
             <a:r>
-              <a:t>멘토</a:t>
-            </a:r>
-            <a:r>
-              <a:t>링</a:t>
+              <a:t>주요 기능 </a:t>
+            </a:r>
+            <a:r>
+              <a:t>– </a:t>
+            </a:r>
+            <a:r>
+              <a:t>모델 배포</a:t>
             </a:r>
           </a:p>
         </p:txBody>
@@ -7897,7 +7901,7 @@
         <p:spPr>
           <a:xfrm flipV="1">
             <a:off x="853156" y="2606184"/>
-            <a:ext cx="23315050" cy="2"/>
+            <a:ext cx="22677688" cy="2"/>
           </a:xfrm>
           <a:prstGeom prst="line">
             <a:avLst/>
@@ -7923,16 +7927,416 @@
           </a:p>
         </p:txBody>
       </p:sp>
+      <p:grpSp>
+        <p:nvGrpSpPr>
+          <p:cNvPr id="305" name="그룹 13"/>
+          <p:cNvGrpSpPr/>
+          <p:nvPr/>
+        </p:nvGrpSpPr>
+        <p:grpSpPr>
+          <a:xfrm>
+            <a:off x="715412" y="5918065"/>
+            <a:ext cx="5531542" cy="3860561"/>
+            <a:chOff x="0" y="0"/>
+            <a:chExt cx="5531541" cy="3860560"/>
+          </a:xfrm>
+        </p:grpSpPr>
+        <p:pic>
+          <p:nvPicPr>
+            <p:cNvPr id="302" name="이미지" descr="이미지"/>
+            <p:cNvPicPr>
+              <a:picLocks noChangeAspect="1"/>
+            </p:cNvPicPr>
+            <p:nvPr/>
+          </p:nvPicPr>
+          <p:blipFill>
+            <a:blip r:embed="rId2">
+              <a:extLst/>
+            </a:blip>
+            <a:stretch>
+              <a:fillRect/>
+            </a:stretch>
+          </p:blipFill>
+          <p:spPr>
+            <a:xfrm>
+              <a:off x="731479" y="0"/>
+              <a:ext cx="3233480" cy="937710"/>
+            </a:xfrm>
+            <a:prstGeom prst="rect">
+              <a:avLst/>
+            </a:prstGeom>
+            <a:ln w="12700" cap="flat">
+              <a:noFill/>
+              <a:miter lim="400000"/>
+            </a:ln>
+            <a:effectLst/>
+          </p:spPr>
+        </p:pic>
+        <p:pic>
+          <p:nvPicPr>
+            <p:cNvPr id="303" name="이미지" descr="이미지"/>
+            <p:cNvPicPr>
+              <a:picLocks noChangeAspect="1"/>
+            </p:cNvPicPr>
+            <p:nvPr/>
+          </p:nvPicPr>
+          <p:blipFill>
+            <a:blip r:embed="rId3">
+              <a:extLst/>
+            </a:blip>
+            <a:stretch>
+              <a:fillRect/>
+            </a:stretch>
+          </p:blipFill>
+          <p:spPr>
+            <a:xfrm>
+              <a:off x="0" y="1340674"/>
+              <a:ext cx="5531542" cy="1856404"/>
+            </a:xfrm>
+            <a:prstGeom prst="rect">
+              <a:avLst/>
+            </a:prstGeom>
+            <a:ln w="12700" cap="flat">
+              <a:noFill/>
+              <a:miter lim="400000"/>
+            </a:ln>
+            <a:effectLst/>
+          </p:spPr>
+        </p:pic>
+        <p:sp>
+          <p:nvSpPr>
+            <p:cNvPr id="304" name="TextBox 12"/>
+            <p:cNvSpPr txBox="1"/>
+            <p:nvPr/>
+          </p:nvSpPr>
+          <p:spPr>
+            <a:xfrm>
+              <a:off x="872011" y="3276360"/>
+              <a:ext cx="3371089" cy="584201"/>
+            </a:xfrm>
+            <a:prstGeom prst="rect">
+              <a:avLst/>
+            </a:prstGeom>
+            <a:noFill/>
+            <a:ln w="12700" cap="flat">
+              <a:noFill/>
+              <a:miter lim="400000"/>
+            </a:ln>
+            <a:effectLst/>
+            <a:extLst>
+              <a:ext uri="{C572A759-6A51-4108-AA02-DFA0A04FC94B}">
+                <ma14:wrappingTextBoxFlag xmlns:ma14="http://schemas.microsoft.com/office/mac/drawingml/2011/main" val="1"/>
+              </a:ext>
+            </a:extLst>
+          </p:spPr>
+          <p:txBody>
+            <a:bodyPr wrap="square" lIns="50800" tIns="50800" rIns="50800" bIns="50800" numCol="1" anchor="ctr">
+              <a:spAutoFit/>
+            </a:bodyPr>
+            <a:lstStyle>
+              <a:lvl1pPr algn="ctr">
+                <a:defRPr b="1" sz="3200">
+                  <a:solidFill>
+                    <a:srgbClr val="232323"/>
+                  </a:solidFill>
+                  <a:latin typeface="+mn-lt"/>
+                  <a:ea typeface="+mn-ea"/>
+                  <a:cs typeface="+mn-cs"/>
+                  <a:sym typeface="Helvetica"/>
+                </a:defRPr>
+              </a:lvl1pPr>
+            </a:lstStyle>
+            <a:p>
+              <a:pPr/>
+              <a:r>
+                <a:t>Model</a:t>
+              </a:r>
+            </a:p>
+          </p:txBody>
+        </p:sp>
+      </p:grpSp>
+      <p:sp>
+        <p:nvSpPr>
+          <p:cNvPr id="306" name="선"/>
+          <p:cNvSpPr/>
+          <p:nvPr/>
+        </p:nvSpPr>
+        <p:spPr>
+          <a:xfrm>
+            <a:off x="5649741" y="7277824"/>
+            <a:ext cx="2586454" cy="3"/>
+          </a:xfrm>
+          <a:prstGeom prst="line">
+            <a:avLst/>
+          </a:prstGeom>
+          <a:ln w="101600">
+            <a:solidFill>
+              <a:srgbClr val="818779"/>
+            </a:solidFill>
+            <a:miter lim="400000"/>
+            <a:tailEnd type="triangle"/>
+          </a:ln>
+        </p:spPr>
+        <p:txBody>
+          <a:bodyPr lIns="45718" tIns="45718" rIns="45718" bIns="45718"/>
+          <a:lstStyle/>
+          <a:p>
+            <a:pPr>
+              <a:defRPr>
+                <a:solidFill>
+                  <a:srgbClr val="818779"/>
+                </a:solidFill>
+              </a:defRPr>
+            </a:pPr>
+          </a:p>
+        </p:txBody>
+      </p:sp>
+      <p:sp>
+        <p:nvSpPr>
+          <p:cNvPr id="307" name="선"/>
+          <p:cNvSpPr/>
+          <p:nvPr/>
+        </p:nvSpPr>
+        <p:spPr>
+          <a:xfrm>
+            <a:off x="11785434" y="7277826"/>
+            <a:ext cx="2361959" cy="1"/>
+          </a:xfrm>
+          <a:prstGeom prst="line">
+            <a:avLst/>
+          </a:prstGeom>
+          <a:ln w="101600">
+            <a:solidFill>
+              <a:srgbClr val="818779"/>
+            </a:solidFill>
+            <a:miter lim="400000"/>
+            <a:tailEnd type="triangle"/>
+          </a:ln>
+        </p:spPr>
+        <p:txBody>
+          <a:bodyPr lIns="45718" tIns="45718" rIns="45718" bIns="45718"/>
+          <a:lstStyle/>
+          <a:p>
+            <a:pPr>
+              <a:defRPr>
+                <a:solidFill>
+                  <a:srgbClr val="818779"/>
+                </a:solidFill>
+              </a:defRPr>
+            </a:pPr>
+          </a:p>
+        </p:txBody>
+      </p:sp>
+      <p:grpSp>
+        <p:nvGrpSpPr>
+          <p:cNvPr id="310" name="그룹 16"/>
+          <p:cNvGrpSpPr/>
+          <p:nvPr/>
+        </p:nvGrpSpPr>
+        <p:grpSpPr>
+          <a:xfrm>
+            <a:off x="8972339" y="5989527"/>
+            <a:ext cx="2669286" cy="3808186"/>
+            <a:chOff x="0" y="0"/>
+            <a:chExt cx="2669285" cy="3808185"/>
+          </a:xfrm>
+        </p:grpSpPr>
+        <p:pic>
+          <p:nvPicPr>
+            <p:cNvPr id="308" name="그림 3" descr="그림 3"/>
+            <p:cNvPicPr>
+              <a:picLocks noChangeAspect="1"/>
+            </p:cNvPicPr>
+            <p:nvPr/>
+          </p:nvPicPr>
+          <p:blipFill>
+            <a:blip r:embed="rId4">
+              <a:extLst/>
+            </a:blip>
+            <a:stretch>
+              <a:fillRect/>
+            </a:stretch>
+          </p:blipFill>
+          <p:spPr>
+            <a:xfrm>
+              <a:off x="128676" y="0"/>
+              <a:ext cx="2084071" cy="2579371"/>
+            </a:xfrm>
+            <a:prstGeom prst="rect">
+              <a:avLst/>
+            </a:prstGeom>
+            <a:ln w="12700" cap="flat">
+              <a:noFill/>
+              <a:miter lim="400000"/>
+            </a:ln>
+            <a:effectLst/>
+          </p:spPr>
+        </p:pic>
+        <p:sp>
+          <p:nvSpPr>
+            <p:cNvPr id="309" name="TextBox 14"/>
+            <p:cNvSpPr txBox="1"/>
+            <p:nvPr/>
+          </p:nvSpPr>
+          <p:spPr>
+            <a:xfrm>
+              <a:off x="0" y="3223985"/>
+              <a:ext cx="2669286" cy="584201"/>
+            </a:xfrm>
+            <a:prstGeom prst="rect">
+              <a:avLst/>
+            </a:prstGeom>
+            <a:noFill/>
+            <a:ln w="12700" cap="flat">
+              <a:noFill/>
+              <a:miter lim="400000"/>
+            </a:ln>
+            <a:effectLst/>
+            <a:extLst>
+              <a:ext uri="{C572A759-6A51-4108-AA02-DFA0A04FC94B}">
+                <ma14:wrappingTextBoxFlag xmlns:ma14="http://schemas.microsoft.com/office/mac/drawingml/2011/main" val="1"/>
+              </a:ext>
+            </a:extLst>
+          </p:spPr>
+          <p:txBody>
+            <a:bodyPr wrap="square" lIns="50800" tIns="50800" rIns="50800" bIns="50800" numCol="1" anchor="ctr">
+              <a:spAutoFit/>
+            </a:bodyPr>
+            <a:lstStyle>
+              <a:lvl1pPr algn="ctr">
+                <a:defRPr b="1" sz="3200">
+                  <a:solidFill>
+                    <a:srgbClr val="232323"/>
+                  </a:solidFill>
+                  <a:latin typeface="+mn-lt"/>
+                  <a:ea typeface="+mn-ea"/>
+                  <a:cs typeface="+mn-cs"/>
+                  <a:sym typeface="Helvetica"/>
+                </a:defRPr>
+              </a:lvl1pPr>
+            </a:lstStyle>
+            <a:p>
+              <a:pPr/>
+              <a:r>
+                <a:t>Model.json</a:t>
+              </a:r>
+            </a:p>
+          </p:txBody>
+        </p:sp>
+      </p:grpSp>
+      <p:grpSp>
+        <p:nvGrpSpPr>
+          <p:cNvPr id="313" name="그룹 20"/>
+          <p:cNvGrpSpPr/>
+          <p:nvPr/>
+        </p:nvGrpSpPr>
+        <p:grpSpPr>
+          <a:xfrm>
+            <a:off x="14367010" y="5884818"/>
+            <a:ext cx="8758648" cy="3927055"/>
+            <a:chOff x="0" y="0"/>
+            <a:chExt cx="8758646" cy="3927054"/>
+          </a:xfrm>
+        </p:grpSpPr>
+        <p:pic>
+          <p:nvPicPr>
+            <p:cNvPr id="311" name="그림 9" descr="그림 9"/>
+            <p:cNvPicPr>
+              <a:picLocks noChangeAspect="1"/>
+            </p:cNvPicPr>
+            <p:nvPr/>
+          </p:nvPicPr>
+          <p:blipFill>
+            <a:blip r:embed="rId5">
+              <a:extLst/>
+            </a:blip>
+            <a:stretch>
+              <a:fillRect/>
+            </a:stretch>
+          </p:blipFill>
+          <p:spPr>
+            <a:xfrm>
+              <a:off x="0" y="0"/>
+              <a:ext cx="8758647" cy="3240700"/>
+            </a:xfrm>
+            <a:prstGeom prst="rect">
+              <a:avLst/>
+            </a:prstGeom>
+            <a:ln w="12700" cap="flat">
+              <a:noFill/>
+              <a:miter lim="400000"/>
+            </a:ln>
+            <a:effectLst/>
+          </p:spPr>
+        </p:pic>
+        <p:sp>
+          <p:nvSpPr>
+            <p:cNvPr id="312" name="TextBox 15"/>
+            <p:cNvSpPr txBox="1"/>
+            <p:nvPr/>
+          </p:nvSpPr>
+          <p:spPr>
+            <a:xfrm>
+              <a:off x="630316" y="3457154"/>
+              <a:ext cx="7894602" cy="469901"/>
+            </a:xfrm>
+            <a:prstGeom prst="rect">
+              <a:avLst/>
+            </a:prstGeom>
+            <a:noFill/>
+            <a:ln w="12700" cap="flat">
+              <a:noFill/>
+              <a:miter lim="400000"/>
+            </a:ln>
+            <a:effectLst/>
+            <a:extLst>
+              <a:ext uri="{C572A759-6A51-4108-AA02-DFA0A04FC94B}">
+                <ma14:wrappingTextBoxFlag xmlns:ma14="http://schemas.microsoft.com/office/mac/drawingml/2011/main" val="1"/>
+              </a:ext>
+            </a:extLst>
+          </p:spPr>
+          <p:txBody>
+            <a:bodyPr wrap="square" lIns="50800" tIns="50800" rIns="50800" bIns="50800" numCol="1" anchor="ctr">
+              <a:spAutoFit/>
+            </a:bodyPr>
+            <a:lstStyle/>
+            <a:p>
+              <a:pPr algn="ctr">
+                <a:defRPr b="1" sz="2400">
+                  <a:solidFill>
+                    <a:srgbClr val="232323"/>
+                  </a:solidFill>
+                  <a:latin typeface="+mn-lt"/>
+                  <a:ea typeface="+mn-ea"/>
+                  <a:cs typeface="+mn-cs"/>
+                  <a:sym typeface="Helvetica"/>
+                </a:defRPr>
+              </a:pPr>
+              <a:r>
+                <a:t>https://USERNAME.github.io/</a:t>
+              </a:r>
+              <a:r>
+                <a:rPr>
+                  <a:solidFill>
+                    <a:srgbClr val="FF0000"/>
+                  </a:solidFill>
+                </a:rPr>
+                <a:t>Model.json</a:t>
+              </a:r>
+            </a:p>
+          </p:txBody>
+        </p:sp>
+      </p:grpSp>
       <p:pic>
         <p:nvPicPr>
-          <p:cNvPr id="302" name="이미지" descr="이미지"/>
+          <p:cNvPr id="314" name="이미지" descr="이미지"/>
           <p:cNvPicPr>
             <a:picLocks noChangeAspect="1"/>
           </p:cNvPicPr>
           <p:nvPr/>
         </p:nvPicPr>
         <p:blipFill>
-          <a:blip r:embed="rId2">
+          <a:blip r:embed="rId6">
             <a:extLst/>
           </a:blip>
           <a:stretch>
@@ -7941,8 +8345,8 @@
         </p:blipFill>
         <p:spPr>
           <a:xfrm>
-            <a:off x="2954746" y="3264470"/>
-            <a:ext cx="3710854" cy="3710854"/>
+            <a:off x="6242865" y="6014215"/>
+            <a:ext cx="1400206" cy="1162990"/>
           </a:xfrm>
           <a:prstGeom prst="rect">
             <a:avLst/>
@@ -7952,45 +8356,16 @@
           </a:ln>
         </p:spPr>
       </p:pic>
-      <p:pic>
-        <p:nvPicPr>
-          <p:cNvPr id="303" name="이미지" descr="이미지"/>
-          <p:cNvPicPr>
-            <a:picLocks noChangeAspect="1"/>
-          </p:cNvPicPr>
-          <p:nvPr/>
-        </p:nvPicPr>
-        <p:blipFill>
-          <a:blip r:embed="rId3">
-            <a:extLst/>
-          </a:blip>
-          <a:stretch>
-            <a:fillRect/>
-          </a:stretch>
-        </p:blipFill>
-        <p:spPr>
-          <a:xfrm>
-            <a:off x="11415576" y="4658057"/>
-            <a:ext cx="11915083" cy="4442554"/>
-          </a:xfrm>
-          <a:prstGeom prst="rect">
-            <a:avLst/>
-          </a:prstGeom>
-          <a:ln w="12700">
-            <a:miter lim="400000"/>
-          </a:ln>
-        </p:spPr>
-      </p:pic>
       <p:sp>
         <p:nvSpPr>
-          <p:cNvPr id="304" name="팀이 사용하고 있는 Trello를 같이 보면서 진행사항을 모두 체크해주셨고, 이로 인해 각 항목별로 멘토님의 조언을 받을 수 있었다."/>
+          <p:cNvPr id="315" name="TextBox 21"/>
           <p:cNvSpPr txBox="1"/>
           <p:nvPr/>
         </p:nvSpPr>
         <p:spPr>
           <a:xfrm>
-            <a:off x="12797835" y="9985864"/>
-            <a:ext cx="11137778" cy="2069110"/>
+            <a:off x="11957819" y="6623050"/>
+            <a:ext cx="2017190" cy="469901"/>
           </a:xfrm>
           <a:prstGeom prst="rect">
             <a:avLst/>
@@ -8005,17 +8380,14 @@
           </a:extLst>
         </p:spPr>
         <p:txBody>
-          <a:bodyPr lIns="50800" tIns="50800" rIns="50800" bIns="50800">
-            <a:normAutofit fontScale="100000" lnSpcReduction="0"/>
+          <a:bodyPr lIns="50800" tIns="50800" rIns="50800" bIns="50800" anchor="ctr">
+            <a:spAutoFit/>
           </a:bodyPr>
           <a:lstStyle>
-            <a:lvl1pPr>
-              <a:lnSpc>
-                <a:spcPct val="150000"/>
-              </a:lnSpc>
-              <a:defRPr sz="3000">
+            <a:lvl1pPr algn="ctr">
+              <a:defRPr b="1" sz="2400">
                 <a:solidFill>
-                  <a:srgbClr val="838383"/>
+                  <a:srgbClr val="232323"/>
                 </a:solidFill>
                 <a:latin typeface="+mn-lt"/>
                 <a:ea typeface="+mn-ea"/>
@@ -8027,154 +8399,7 @@
           <a:p>
             <a:pPr/>
             <a:r>
-              <a:t>팀이 사용하고 있는 Trello를 같이 보면서 진행사항을 모두 체크해주셨고, 이로 인해 각 항목별로 멘토님의 조언을 받을 수 있었다.</a:t>
-            </a:r>
-          </a:p>
-        </p:txBody>
-      </p:sp>
-      <p:sp>
-        <p:nvSpPr>
-          <p:cNvPr id="305" name="Modeling 방향에 대해서도 많은 조언"/>
-          <p:cNvSpPr txBox="1"/>
-          <p:nvPr/>
-        </p:nvSpPr>
-        <p:spPr>
-          <a:xfrm>
-            <a:off x="1964235" y="7620907"/>
-            <a:ext cx="6626332" cy="715798"/>
-          </a:xfrm>
-          <a:prstGeom prst="rect">
-            <a:avLst/>
-          </a:prstGeom>
-          <a:ln w="12700">
-            <a:miter lim="400000"/>
-          </a:ln>
-          <a:extLst>
-            <a:ext uri="{C572A759-6A51-4108-AA02-DFA0A04FC94B}">
-              <ma14:wrappingTextBoxFlag xmlns:ma14="http://schemas.microsoft.com/office/mac/drawingml/2011/main" val="1"/>
-            </a:ext>
-          </a:extLst>
-        </p:spPr>
-        <p:txBody>
-          <a:bodyPr lIns="50800" tIns="50800" rIns="50800" bIns="50800">
-            <a:normAutofit fontScale="100000" lnSpcReduction="0"/>
-          </a:bodyPr>
-          <a:lstStyle/>
-          <a:p>
-            <a:pPr>
-              <a:lnSpc>
-                <a:spcPct val="150000"/>
-              </a:lnSpc>
-              <a:defRPr sz="3000">
-                <a:solidFill>
-                  <a:srgbClr val="838383"/>
-                </a:solidFill>
-                <a:latin typeface="+mn-lt"/>
-                <a:ea typeface="+mn-ea"/>
-                <a:cs typeface="+mn-cs"/>
-                <a:sym typeface="Helvetica"/>
-              </a:defRPr>
-            </a:pPr>
-            <a:r>
-              <a:t>AI </a:t>
-            </a:r>
-            <a:r>
-              <a:t>모델 개발</a:t>
-            </a:r>
-            <a:r>
-              <a:t>에 대</a:t>
-            </a:r>
-            <a:r>
-              <a:t>한</a:t>
-            </a:r>
-            <a:r>
-              <a:t> </a:t>
-            </a:r>
-            <a:r>
-              <a:t>구체적인</a:t>
-            </a:r>
-            <a:r>
-              <a:t> 조언</a:t>
-            </a:r>
-          </a:p>
-        </p:txBody>
-      </p:sp>
-      <p:pic>
-        <p:nvPicPr>
-          <p:cNvPr id="306" name="이미지" descr="이미지"/>
-          <p:cNvPicPr>
-            <a:picLocks noChangeAspect="1"/>
-          </p:cNvPicPr>
-          <p:nvPr/>
-        </p:nvPicPr>
-        <p:blipFill>
-          <a:blip r:embed="rId4">
-            <a:extLst/>
-          </a:blip>
-          <a:stretch>
-            <a:fillRect/>
-          </a:stretch>
-        </p:blipFill>
-        <p:spPr>
-          <a:xfrm>
-            <a:off x="3489088" y="8775923"/>
-            <a:ext cx="3179693" cy="3179692"/>
-          </a:xfrm>
-          <a:prstGeom prst="rect">
-            <a:avLst/>
-          </a:prstGeom>
-          <a:ln w="12700">
-            <a:miter lim="400000"/>
-          </a:ln>
-        </p:spPr>
-      </p:pic>
-      <p:sp>
-        <p:nvSpPr>
-          <p:cNvPr id="307" name="그 밖에도 실무에서 사용하는 유용한 정보들에 대해서도 많은 조언"/>
-          <p:cNvSpPr txBox="1"/>
-          <p:nvPr/>
-        </p:nvSpPr>
-        <p:spPr>
-          <a:xfrm>
-            <a:off x="307636" y="12394831"/>
-            <a:ext cx="11884363" cy="948865"/>
-          </a:xfrm>
-          <a:prstGeom prst="rect">
-            <a:avLst/>
-          </a:prstGeom>
-          <a:ln w="12700">
-            <a:miter lim="400000"/>
-          </a:ln>
-          <a:extLst>
-            <a:ext uri="{C572A759-6A51-4108-AA02-DFA0A04FC94B}">
-              <ma14:wrappingTextBoxFlag xmlns:ma14="http://schemas.microsoft.com/office/mac/drawingml/2011/main" val="1"/>
-            </a:ext>
-          </a:extLst>
-        </p:spPr>
-        <p:txBody>
-          <a:bodyPr lIns="50800" tIns="50800" rIns="50800" bIns="50800">
-            <a:normAutofit fontScale="100000" lnSpcReduction="0"/>
-          </a:bodyPr>
-          <a:lstStyle>
-            <a:lvl1pPr>
-              <a:lnSpc>
-                <a:spcPct val="150000"/>
-              </a:lnSpc>
-              <a:defRPr sz="3000">
-                <a:solidFill>
-                  <a:srgbClr val="838383"/>
-                </a:solidFill>
-                <a:latin typeface="+mn-lt"/>
-                <a:ea typeface="+mn-ea"/>
-                <a:cs typeface="+mn-cs"/>
-                <a:sym typeface="Helvetica"/>
-              </a:defRPr>
-            </a:lvl1pPr>
-          </a:lstStyle>
-          <a:p>
-            <a:pPr/>
-            <a:r>
-              <a:t>그 밖에도 실무에서 사용하는 유용한 정보들에 대해서도 많은 조언</a:t>
+              <a:t>Commit</a:t>
             </a:r>
           </a:p>
         </p:txBody>
@@ -8207,7 +8432,7 @@
       </p:grpSpPr>
       <p:sp>
         <p:nvSpPr>
-          <p:cNvPr id="309" name="슬라이드 번호"/>
+          <p:cNvPr id="317" name="슬라이드 번호"/>
           <p:cNvSpPr txBox="1"/>
           <p:nvPr>
             <p:ph type="sldNum" sz="quarter" idx="4294967295"/>
@@ -8238,7 +8463,7 @@
       </p:sp>
       <p:sp>
         <p:nvSpPr>
-          <p:cNvPr id="310" name="기대 효과"/>
+          <p:cNvPr id="318" name="멘토링 - Modeling"/>
           <p:cNvSpPr txBox="1"/>
           <p:nvPr>
             <p:ph type="title"/>
@@ -8247,7 +8472,7 @@
         <p:spPr>
           <a:xfrm>
             <a:off x="843969" y="993132"/>
-            <a:ext cx="10922139" cy="1902088"/>
+            <a:ext cx="23333424" cy="1902088"/>
           </a:xfrm>
           <a:prstGeom prst="rect">
             <a:avLst/>
@@ -8259,14 +8484,393 @@
           <a:p>
             <a:pPr/>
             <a:r>
-              <a:t>기대 효과</a:t>
+              <a:t>멘토</a:t>
+            </a:r>
+            <a:r>
+              <a:t>링</a:t>
             </a:r>
           </a:p>
         </p:txBody>
       </p:sp>
       <p:sp>
         <p:nvSpPr>
-          <p:cNvPr id="311" name="도형"/>
+          <p:cNvPr id="319" name="선"/>
+          <p:cNvSpPr/>
+          <p:nvPr/>
+        </p:nvSpPr>
+        <p:spPr>
+          <a:xfrm flipV="1">
+            <a:off x="853156" y="2606184"/>
+            <a:ext cx="23315050" cy="2"/>
+          </a:xfrm>
+          <a:prstGeom prst="line">
+            <a:avLst/>
+          </a:prstGeom>
+          <a:ln w="25400">
+            <a:solidFill>
+              <a:srgbClr val="818779"/>
+            </a:solidFill>
+            <a:miter lim="400000"/>
+          </a:ln>
+        </p:spPr>
+        <p:txBody>
+          <a:bodyPr lIns="45718" tIns="45718" rIns="45718" bIns="45718"/>
+          <a:lstStyle/>
+          <a:p>
+            <a:pPr>
+              <a:defRPr>
+                <a:solidFill>
+                  <a:srgbClr val="818779"/>
+                </a:solidFill>
+              </a:defRPr>
+            </a:pPr>
+          </a:p>
+        </p:txBody>
+      </p:sp>
+      <p:pic>
+        <p:nvPicPr>
+          <p:cNvPr id="320" name="이미지" descr="이미지"/>
+          <p:cNvPicPr>
+            <a:picLocks noChangeAspect="1"/>
+          </p:cNvPicPr>
+          <p:nvPr/>
+        </p:nvPicPr>
+        <p:blipFill>
+          <a:blip r:embed="rId2">
+            <a:extLst/>
+          </a:blip>
+          <a:stretch>
+            <a:fillRect/>
+          </a:stretch>
+        </p:blipFill>
+        <p:spPr>
+          <a:xfrm>
+            <a:off x="2954746" y="3264470"/>
+            <a:ext cx="3710854" cy="3710854"/>
+          </a:xfrm>
+          <a:prstGeom prst="rect">
+            <a:avLst/>
+          </a:prstGeom>
+          <a:ln w="12700">
+            <a:miter lim="400000"/>
+          </a:ln>
+        </p:spPr>
+      </p:pic>
+      <p:pic>
+        <p:nvPicPr>
+          <p:cNvPr id="321" name="이미지" descr="이미지"/>
+          <p:cNvPicPr>
+            <a:picLocks noChangeAspect="1"/>
+          </p:cNvPicPr>
+          <p:nvPr/>
+        </p:nvPicPr>
+        <p:blipFill>
+          <a:blip r:embed="rId3">
+            <a:extLst/>
+          </a:blip>
+          <a:stretch>
+            <a:fillRect/>
+          </a:stretch>
+        </p:blipFill>
+        <p:spPr>
+          <a:xfrm>
+            <a:off x="11415576" y="4658057"/>
+            <a:ext cx="11915083" cy="4442554"/>
+          </a:xfrm>
+          <a:prstGeom prst="rect">
+            <a:avLst/>
+          </a:prstGeom>
+          <a:ln w="12700">
+            <a:miter lim="400000"/>
+          </a:ln>
+        </p:spPr>
+      </p:pic>
+      <p:sp>
+        <p:nvSpPr>
+          <p:cNvPr id="322" name="팀이 사용하고 있는 Trello를 같이 보면서 진행사항을 모두 체크해주셨고, 이로 인해 각 항목별로 멘토님의 조언을 받을 수 있었다."/>
+          <p:cNvSpPr txBox="1"/>
+          <p:nvPr/>
+        </p:nvSpPr>
+        <p:spPr>
+          <a:xfrm>
+            <a:off x="12797835" y="9985864"/>
+            <a:ext cx="11137778" cy="2069110"/>
+          </a:xfrm>
+          <a:prstGeom prst="rect">
+            <a:avLst/>
+          </a:prstGeom>
+          <a:ln w="12700">
+            <a:miter lim="400000"/>
+          </a:ln>
+          <a:extLst>
+            <a:ext uri="{C572A759-6A51-4108-AA02-DFA0A04FC94B}">
+              <ma14:wrappingTextBoxFlag xmlns:ma14="http://schemas.microsoft.com/office/mac/drawingml/2011/main" val="1"/>
+            </a:ext>
+          </a:extLst>
+        </p:spPr>
+        <p:txBody>
+          <a:bodyPr lIns="50800" tIns="50800" rIns="50800" bIns="50800">
+            <a:normAutofit fontScale="100000" lnSpcReduction="0"/>
+          </a:bodyPr>
+          <a:lstStyle>
+            <a:lvl1pPr>
+              <a:lnSpc>
+                <a:spcPct val="150000"/>
+              </a:lnSpc>
+              <a:defRPr sz="3000">
+                <a:solidFill>
+                  <a:srgbClr val="838383"/>
+                </a:solidFill>
+                <a:latin typeface="+mn-lt"/>
+                <a:ea typeface="+mn-ea"/>
+                <a:cs typeface="+mn-cs"/>
+                <a:sym typeface="Helvetica"/>
+              </a:defRPr>
+            </a:lvl1pPr>
+          </a:lstStyle>
+          <a:p>
+            <a:pPr/>
+            <a:r>
+              <a:t>팀이 사용하고 있는 Trello를 같이 보면서 진행사항을 모두 체크해주셨고, 이로 인해 각 항목별로 멘토님의 조언을 받을 수 있었다.</a:t>
+            </a:r>
+          </a:p>
+        </p:txBody>
+      </p:sp>
+      <p:sp>
+        <p:nvSpPr>
+          <p:cNvPr id="323" name="Modeling 방향에 대해서도 많은 조언"/>
+          <p:cNvSpPr txBox="1"/>
+          <p:nvPr/>
+        </p:nvSpPr>
+        <p:spPr>
+          <a:xfrm>
+            <a:off x="1964235" y="7620907"/>
+            <a:ext cx="6626332" cy="715798"/>
+          </a:xfrm>
+          <a:prstGeom prst="rect">
+            <a:avLst/>
+          </a:prstGeom>
+          <a:ln w="12700">
+            <a:miter lim="400000"/>
+          </a:ln>
+          <a:extLst>
+            <a:ext uri="{C572A759-6A51-4108-AA02-DFA0A04FC94B}">
+              <ma14:wrappingTextBoxFlag xmlns:ma14="http://schemas.microsoft.com/office/mac/drawingml/2011/main" val="1"/>
+            </a:ext>
+          </a:extLst>
+        </p:spPr>
+        <p:txBody>
+          <a:bodyPr lIns="50800" tIns="50800" rIns="50800" bIns="50800">
+            <a:normAutofit fontScale="100000" lnSpcReduction="0"/>
+          </a:bodyPr>
+          <a:lstStyle/>
+          <a:p>
+            <a:pPr>
+              <a:lnSpc>
+                <a:spcPct val="150000"/>
+              </a:lnSpc>
+              <a:defRPr sz="3000">
+                <a:solidFill>
+                  <a:srgbClr val="838383"/>
+                </a:solidFill>
+                <a:latin typeface="+mn-lt"/>
+                <a:ea typeface="+mn-ea"/>
+                <a:cs typeface="+mn-cs"/>
+                <a:sym typeface="Helvetica"/>
+              </a:defRPr>
+            </a:pPr>
+            <a:r>
+              <a:t>AI </a:t>
+            </a:r>
+            <a:r>
+              <a:t>모델 개발</a:t>
+            </a:r>
+            <a:r>
+              <a:t>에 대</a:t>
+            </a:r>
+            <a:r>
+              <a:t>한</a:t>
+            </a:r>
+            <a:r>
+              <a:t> </a:t>
+            </a:r>
+            <a:r>
+              <a:t>구체적인</a:t>
+            </a:r>
+            <a:r>
+              <a:t> 조언</a:t>
+            </a:r>
+          </a:p>
+        </p:txBody>
+      </p:sp>
+      <p:pic>
+        <p:nvPicPr>
+          <p:cNvPr id="324" name="이미지" descr="이미지"/>
+          <p:cNvPicPr>
+            <a:picLocks noChangeAspect="1"/>
+          </p:cNvPicPr>
+          <p:nvPr/>
+        </p:nvPicPr>
+        <p:blipFill>
+          <a:blip r:embed="rId4">
+            <a:extLst/>
+          </a:blip>
+          <a:stretch>
+            <a:fillRect/>
+          </a:stretch>
+        </p:blipFill>
+        <p:spPr>
+          <a:xfrm>
+            <a:off x="3489088" y="8775923"/>
+            <a:ext cx="3179693" cy="3179692"/>
+          </a:xfrm>
+          <a:prstGeom prst="rect">
+            <a:avLst/>
+          </a:prstGeom>
+          <a:ln w="12700">
+            <a:miter lim="400000"/>
+          </a:ln>
+        </p:spPr>
+      </p:pic>
+      <p:sp>
+        <p:nvSpPr>
+          <p:cNvPr id="325" name="그 밖에도 실무에서 사용하는 유용한 정보들에 대해서도 많은 조언"/>
+          <p:cNvSpPr txBox="1"/>
+          <p:nvPr/>
+        </p:nvSpPr>
+        <p:spPr>
+          <a:xfrm>
+            <a:off x="307636" y="12394831"/>
+            <a:ext cx="11884363" cy="948865"/>
+          </a:xfrm>
+          <a:prstGeom prst="rect">
+            <a:avLst/>
+          </a:prstGeom>
+          <a:ln w="12700">
+            <a:miter lim="400000"/>
+          </a:ln>
+          <a:extLst>
+            <a:ext uri="{C572A759-6A51-4108-AA02-DFA0A04FC94B}">
+              <ma14:wrappingTextBoxFlag xmlns:ma14="http://schemas.microsoft.com/office/mac/drawingml/2011/main" val="1"/>
+            </a:ext>
+          </a:extLst>
+        </p:spPr>
+        <p:txBody>
+          <a:bodyPr lIns="50800" tIns="50800" rIns="50800" bIns="50800">
+            <a:normAutofit fontScale="100000" lnSpcReduction="0"/>
+          </a:bodyPr>
+          <a:lstStyle>
+            <a:lvl1pPr>
+              <a:lnSpc>
+                <a:spcPct val="150000"/>
+              </a:lnSpc>
+              <a:defRPr sz="3000">
+                <a:solidFill>
+                  <a:srgbClr val="838383"/>
+                </a:solidFill>
+                <a:latin typeface="+mn-lt"/>
+                <a:ea typeface="+mn-ea"/>
+                <a:cs typeface="+mn-cs"/>
+                <a:sym typeface="Helvetica"/>
+              </a:defRPr>
+            </a:lvl1pPr>
+          </a:lstStyle>
+          <a:p>
+            <a:pPr/>
+            <a:r>
+              <a:t>그 밖에도 실무에서 사용하는 유용한 정보들에 대해서도 많은 조언</a:t>
+            </a:r>
+          </a:p>
+        </p:txBody>
+      </p:sp>
+    </p:spTree>
+  </p:cSld>
+  <p:clrMapOvr>
+    <a:masterClrMapping/>
+  </p:clrMapOvr>
+  <p:transition xmlns:p14="http://schemas.microsoft.com/office/powerpoint/2010/main" spd="med" advClick="1"/>
+</p:sld>
+</file>
+
+<file path=ppt/slides/slide19.xml><?xml version="1.0" encoding="utf-8"?>
+<p:sld xmlns:a="http://schemas.openxmlformats.org/drawingml/2006/main" xmlns:r="http://schemas.openxmlformats.org/officeDocument/2006/relationships" xmlns:p="http://schemas.openxmlformats.org/presentationml/2006/main" xmlns:m="http://schemas.openxmlformats.org/officeDocument/2006/math" xmlns:a14="http://schemas.microsoft.com/office/drawing/2010/main" showMasterSp="1" showMasterPhAnim="1">
+  <p:cSld>
+    <p:spTree>
+      <p:nvGrpSpPr>
+        <p:cNvPr id="1" name=""/>
+        <p:cNvGrpSpPr/>
+        <p:nvPr/>
+      </p:nvGrpSpPr>
+      <p:grpSpPr>
+        <a:xfrm>
+          <a:off x="0" y="0"/>
+          <a:ext cx="0" cy="0"/>
+          <a:chOff x="0" y="0"/>
+          <a:chExt cx="0" cy="0"/>
+        </a:xfrm>
+      </p:grpSpPr>
+      <p:sp>
+        <p:nvSpPr>
+          <p:cNvPr id="327" name="슬라이드 번호"/>
+          <p:cNvSpPr txBox="1"/>
+          <p:nvPr>
+            <p:ph type="sldNum" sz="quarter" idx="4294967295"/>
+          </p:nvPr>
+        </p:nvSpPr>
+        <p:spPr>
+          <a:xfrm>
+            <a:off x="22927548" y="12437698"/>
+            <a:ext cx="467458" cy="482601"/>
+          </a:xfrm>
+          <a:prstGeom prst="rect">
+            <a:avLst/>
+          </a:prstGeom>
+          <a:extLst>
+            <a:ext uri="{C572A759-6A51-4108-AA02-DFA0A04FC94B}">
+              <ma14:wrappingTextBoxFlag xmlns:ma14="http://schemas.microsoft.com/office/mac/drawingml/2011/main" val="1"/>
+            </a:ext>
+          </a:extLst>
+        </p:spPr>
+        <p:txBody>
+          <a:bodyPr/>
+          <a:lstStyle/>
+          <a:p>
+            <a:pPr/>
+            <a:fld id="{86CB4B4D-7CA3-9044-876B-883B54F8677D}" type="slidenum"/>
+          </a:p>
+        </p:txBody>
+      </p:sp>
+      <p:sp>
+        <p:nvSpPr>
+          <p:cNvPr id="328" name="기대 효과"/>
+          <p:cNvSpPr txBox="1"/>
+          <p:nvPr>
+            <p:ph type="title"/>
+          </p:nvPr>
+        </p:nvSpPr>
+        <p:spPr>
+          <a:xfrm>
+            <a:off x="843969" y="993132"/>
+            <a:ext cx="10922139" cy="1902088"/>
+          </a:xfrm>
+          <a:prstGeom prst="rect">
+            <a:avLst/>
+          </a:prstGeom>
+        </p:spPr>
+        <p:txBody>
+          <a:bodyPr/>
+          <a:lstStyle/>
+          <a:p>
+            <a:pPr/>
+            <a:r>
+              <a:t>기대 효과</a:t>
+            </a:r>
+          </a:p>
+        </p:txBody>
+      </p:sp>
+      <p:sp>
+        <p:nvSpPr>
+          <p:cNvPr id="329" name="도형"/>
           <p:cNvSpPr/>
           <p:nvPr/>
         </p:nvSpPr>
@@ -8376,7 +8980,7 @@
       </p:sp>
       <p:sp>
         <p:nvSpPr>
-          <p:cNvPr id="312" name="도형"/>
+          <p:cNvPr id="330" name="도형"/>
           <p:cNvSpPr/>
           <p:nvPr/>
         </p:nvSpPr>
@@ -8486,7 +9090,7 @@
       </p:sp>
       <p:sp>
         <p:nvSpPr>
-          <p:cNvPr id="313" name="삼각형"/>
+          <p:cNvPr id="331" name="삼각형"/>
           <p:cNvSpPr/>
           <p:nvPr/>
         </p:nvSpPr>
@@ -8556,7 +9160,7 @@
       </p:sp>
       <p:sp>
         <p:nvSpPr>
-          <p:cNvPr id="314" name="삼각형"/>
+          <p:cNvPr id="332" name="삼각형"/>
           <p:cNvSpPr/>
           <p:nvPr/>
         </p:nvSpPr>
@@ -8626,7 +9230,7 @@
       </p:sp>
       <p:sp>
         <p:nvSpPr>
-          <p:cNvPr id="315" name="선"/>
+          <p:cNvPr id="333" name="선"/>
           <p:cNvSpPr/>
           <p:nvPr/>
         </p:nvSpPr>
@@ -8661,7 +9265,7 @@
       </p:sp>
       <p:sp>
         <p:nvSpPr>
-          <p:cNvPr id="316" name="자신의 얼굴형에 대한 정확한 인지"/>
+          <p:cNvPr id="334" name="자신의 얼굴형에 대한 정확한 인지"/>
           <p:cNvSpPr txBox="1"/>
           <p:nvPr/>
         </p:nvSpPr>
@@ -8735,7 +9339,7 @@
       </p:sp>
       <p:sp>
         <p:nvSpPr>
-          <p:cNvPr id="317" name="선"/>
+          <p:cNvPr id="335" name="선"/>
           <p:cNvSpPr/>
           <p:nvPr/>
         </p:nvSpPr>
@@ -8770,7 +9374,7 @@
       </p:sp>
       <p:sp>
         <p:nvSpPr>
-          <p:cNvPr id="318" name="자신의 얼굴형에 어울리는 헤어스타일 시도"/>
+          <p:cNvPr id="336" name="자신의 얼굴형에 어울리는 헤어스타일 시도"/>
           <p:cNvSpPr txBox="1"/>
           <p:nvPr/>
         </p:nvSpPr>
@@ -8844,7 +9448,7 @@
       </p:sp>
       <p:sp>
         <p:nvSpPr>
-          <p:cNvPr id="319" name="AI 접근성 향상"/>
+          <p:cNvPr id="337" name="AI 접근성 향상"/>
           <p:cNvSpPr txBox="1"/>
           <p:nvPr/>
         </p:nvSpPr>
@@ -8895,7 +9499,7 @@
       </p:sp>
       <p:sp>
         <p:nvSpPr>
-          <p:cNvPr id="320" name="선"/>
+          <p:cNvPr id="338" name="선"/>
           <p:cNvSpPr/>
           <p:nvPr/>
         </p:nvSpPr>
@@ -8925,138 +9529,6 @@
                 </a:solidFill>
               </a:defRPr>
             </a:pPr>
-          </a:p>
-        </p:txBody>
-      </p:sp>
-    </p:spTree>
-  </p:cSld>
-  <p:clrMapOvr>
-    <a:masterClrMapping/>
-  </p:clrMapOvr>
-  <p:transition xmlns:p14="http://schemas.microsoft.com/office/powerpoint/2010/main" spd="med" advClick="1"/>
-</p:sld>
-</file>
-
-<file path=ppt/slides/slide19.xml><?xml version="1.0" encoding="utf-8"?>
-<p:sld xmlns:a="http://schemas.openxmlformats.org/drawingml/2006/main" xmlns:r="http://schemas.openxmlformats.org/officeDocument/2006/relationships" xmlns:p="http://schemas.openxmlformats.org/presentationml/2006/main" xmlns:m="http://schemas.openxmlformats.org/officeDocument/2006/math" xmlns:a14="http://schemas.microsoft.com/office/drawing/2010/main" showMasterSp="1" showMasterPhAnim="1">
-  <p:cSld>
-    <p:spTree>
-      <p:nvGrpSpPr>
-        <p:cNvPr id="1" name=""/>
-        <p:cNvGrpSpPr/>
-        <p:nvPr/>
-      </p:nvGrpSpPr>
-      <p:grpSpPr>
-        <a:xfrm>
-          <a:off x="0" y="0"/>
-          <a:ext cx="0" cy="0"/>
-          <a:chOff x="0" y="0"/>
-          <a:chExt cx="0" cy="0"/>
-        </a:xfrm>
-      </p:grpSpPr>
-      <p:sp>
-        <p:nvSpPr>
-          <p:cNvPr id="322" name="직사각형"/>
-          <p:cNvSpPr/>
-          <p:nvPr/>
-        </p:nvSpPr>
-        <p:spPr>
-          <a:xfrm>
-            <a:off x="0" y="0"/>
-            <a:ext cx="24384000" cy="13716000"/>
-          </a:xfrm>
-          <a:prstGeom prst="rect">
-            <a:avLst/>
-          </a:prstGeom>
-          <a:solidFill>
-            <a:srgbClr val="818779"/>
-          </a:solidFill>
-          <a:ln w="12700">
-            <a:miter lim="400000"/>
-          </a:ln>
-        </p:spPr>
-        <p:txBody>
-          <a:bodyPr lIns="50800" tIns="50800" rIns="50800" bIns="50800" anchor="ctr"/>
-          <a:lstStyle/>
-          <a:p>
-            <a:pPr algn="ctr" defTabSz="825500">
-              <a:lnSpc>
-                <a:spcPct val="100000"/>
-              </a:lnSpc>
-              <a:defRPr b="1" sz="3200">
-                <a:latin typeface="+mn-lt"/>
-                <a:ea typeface="+mn-ea"/>
-                <a:cs typeface="+mn-cs"/>
-                <a:sym typeface="Helvetica"/>
-              </a:defRPr>
-            </a:pPr>
-          </a:p>
-        </p:txBody>
-      </p:sp>
-      <p:sp>
-        <p:nvSpPr>
-          <p:cNvPr id="323" name="선"/>
-          <p:cNvSpPr/>
-          <p:nvPr/>
-        </p:nvSpPr>
-        <p:spPr>
-          <a:xfrm flipV="1">
-            <a:off x="2286610" y="6857999"/>
-            <a:ext cx="19810780" cy="2"/>
-          </a:xfrm>
-          <a:prstGeom prst="line">
-            <a:avLst/>
-          </a:prstGeom>
-          <a:ln w="25400">
-            <a:solidFill>
-              <a:srgbClr val="F3F1E6"/>
-            </a:solidFill>
-            <a:miter lim="400000"/>
-          </a:ln>
-        </p:spPr>
-        <p:txBody>
-          <a:bodyPr lIns="45718" tIns="45718" rIns="45718" bIns="45718"/>
-          <a:lstStyle/>
-          <a:p>
-            <a:pPr>
-              <a:defRPr>
-                <a:solidFill>
-                  <a:srgbClr val="818779"/>
-                </a:solidFill>
-              </a:defRPr>
-            </a:pPr>
-          </a:p>
-        </p:txBody>
-      </p:sp>
-      <p:sp>
-        <p:nvSpPr>
-          <p:cNvPr id="324" name="Thank you"/>
-          <p:cNvSpPr txBox="1"/>
-          <p:nvPr>
-            <p:ph type="title"/>
-          </p:nvPr>
-        </p:nvSpPr>
-        <p:spPr>
-          <a:xfrm>
-            <a:off x="2352410" y="3101708"/>
-            <a:ext cx="14018527" cy="4872780"/>
-          </a:xfrm>
-          <a:prstGeom prst="rect">
-            <a:avLst/>
-          </a:prstGeom>
-        </p:spPr>
-        <p:txBody>
-          <a:bodyPr/>
-          <a:lstStyle>
-            <a:lvl1pPr defTabSz="1779987">
-              <a:defRPr sz="21900"/>
-            </a:lvl1pPr>
-          </a:lstStyle>
-          <a:p>
-            <a:pPr/>
-            <a:r>
-              <a:t>Thank you</a:t>
-            </a:r>
           </a:p>
         </p:txBody>
       </p:sp>
@@ -9772,6 +10244,138 @@
             <a:pPr/>
             <a:r>
               <a:t>기대효과</a:t>
+            </a:r>
+          </a:p>
+        </p:txBody>
+      </p:sp>
+    </p:spTree>
+  </p:cSld>
+  <p:clrMapOvr>
+    <a:masterClrMapping/>
+  </p:clrMapOvr>
+  <p:transition xmlns:p14="http://schemas.microsoft.com/office/powerpoint/2010/main" spd="med" advClick="1"/>
+</p:sld>
+</file>
+
+<file path=ppt/slides/slide20.xml><?xml version="1.0" encoding="utf-8"?>
+<p:sld xmlns:a="http://schemas.openxmlformats.org/drawingml/2006/main" xmlns:r="http://schemas.openxmlformats.org/officeDocument/2006/relationships" xmlns:p="http://schemas.openxmlformats.org/presentationml/2006/main" xmlns:m="http://schemas.openxmlformats.org/officeDocument/2006/math" xmlns:a14="http://schemas.microsoft.com/office/drawing/2010/main" showMasterSp="1" showMasterPhAnim="1">
+  <p:cSld>
+    <p:spTree>
+      <p:nvGrpSpPr>
+        <p:cNvPr id="1" name=""/>
+        <p:cNvGrpSpPr/>
+        <p:nvPr/>
+      </p:nvGrpSpPr>
+      <p:grpSpPr>
+        <a:xfrm>
+          <a:off x="0" y="0"/>
+          <a:ext cx="0" cy="0"/>
+          <a:chOff x="0" y="0"/>
+          <a:chExt cx="0" cy="0"/>
+        </a:xfrm>
+      </p:grpSpPr>
+      <p:sp>
+        <p:nvSpPr>
+          <p:cNvPr id="340" name="직사각형"/>
+          <p:cNvSpPr/>
+          <p:nvPr/>
+        </p:nvSpPr>
+        <p:spPr>
+          <a:xfrm>
+            <a:off x="0" y="0"/>
+            <a:ext cx="24384000" cy="13716000"/>
+          </a:xfrm>
+          <a:prstGeom prst="rect">
+            <a:avLst/>
+          </a:prstGeom>
+          <a:solidFill>
+            <a:srgbClr val="818779"/>
+          </a:solidFill>
+          <a:ln w="12700">
+            <a:miter lim="400000"/>
+          </a:ln>
+        </p:spPr>
+        <p:txBody>
+          <a:bodyPr lIns="50800" tIns="50800" rIns="50800" bIns="50800" anchor="ctr"/>
+          <a:lstStyle/>
+          <a:p>
+            <a:pPr algn="ctr" defTabSz="825500">
+              <a:lnSpc>
+                <a:spcPct val="100000"/>
+              </a:lnSpc>
+              <a:defRPr b="1" sz="3200">
+                <a:latin typeface="+mn-lt"/>
+                <a:ea typeface="+mn-ea"/>
+                <a:cs typeface="+mn-cs"/>
+                <a:sym typeface="Helvetica"/>
+              </a:defRPr>
+            </a:pPr>
+          </a:p>
+        </p:txBody>
+      </p:sp>
+      <p:sp>
+        <p:nvSpPr>
+          <p:cNvPr id="341" name="선"/>
+          <p:cNvSpPr/>
+          <p:nvPr/>
+        </p:nvSpPr>
+        <p:spPr>
+          <a:xfrm flipV="1">
+            <a:off x="2286610" y="6857999"/>
+            <a:ext cx="19810780" cy="2"/>
+          </a:xfrm>
+          <a:prstGeom prst="line">
+            <a:avLst/>
+          </a:prstGeom>
+          <a:ln w="25400">
+            <a:solidFill>
+              <a:srgbClr val="F3F1E6"/>
+            </a:solidFill>
+            <a:miter lim="400000"/>
+          </a:ln>
+        </p:spPr>
+        <p:txBody>
+          <a:bodyPr lIns="45718" tIns="45718" rIns="45718" bIns="45718"/>
+          <a:lstStyle/>
+          <a:p>
+            <a:pPr>
+              <a:defRPr>
+                <a:solidFill>
+                  <a:srgbClr val="818779"/>
+                </a:solidFill>
+              </a:defRPr>
+            </a:pPr>
+          </a:p>
+        </p:txBody>
+      </p:sp>
+      <p:sp>
+        <p:nvSpPr>
+          <p:cNvPr id="342" name="Thank you"/>
+          <p:cNvSpPr txBox="1"/>
+          <p:nvPr>
+            <p:ph type="title"/>
+          </p:nvPr>
+        </p:nvSpPr>
+        <p:spPr>
+          <a:xfrm>
+            <a:off x="2352410" y="3101708"/>
+            <a:ext cx="14018527" cy="4872780"/>
+          </a:xfrm>
+          <a:prstGeom prst="rect">
+            <a:avLst/>
+          </a:prstGeom>
+        </p:spPr>
+        <p:txBody>
+          <a:bodyPr/>
+          <a:lstStyle>
+            <a:lvl1pPr defTabSz="1779987">
+              <a:defRPr sz="21900"/>
+            </a:lvl1pPr>
+          </a:lstStyle>
+          <a:p>
+            <a:pPr/>
+            <a:r>
+              <a:t>Thank you</a:t>
             </a:r>
           </a:p>
         </p:txBody>

--- a/docs/Capstone-team14-presentation.pptx
+++ b/docs/Capstone-team14-presentation.pptx
@@ -2188,7 +2188,7 @@
       </p:grpSpPr>
       <p:sp>
         <p:nvSpPr>
-          <p:cNvPr id="180" name="선"/>
+          <p:cNvPr id="181" name="선"/>
           <p:cNvSpPr/>
           <p:nvPr/>
         </p:nvSpPr>
@@ -2223,7 +2223,7 @@
       </p:sp>
       <p:sp>
         <p:nvSpPr>
-          <p:cNvPr id="181" name="선"/>
+          <p:cNvPr id="182" name="선"/>
           <p:cNvSpPr/>
           <p:nvPr/>
         </p:nvSpPr>
@@ -2258,7 +2258,7 @@
       </p:sp>
       <p:sp>
         <p:nvSpPr>
-          <p:cNvPr id="182" name="슬라이드 번호"/>
+          <p:cNvPr id="183" name="슬라이드 번호"/>
           <p:cNvSpPr txBox="1"/>
           <p:nvPr>
             <p:ph type="sldNum" sz="quarter" idx="4294967295"/>
@@ -2289,7 +2289,7 @@
       </p:sp>
       <p:sp>
         <p:nvSpPr>
-          <p:cNvPr id="183" name="주요 기능 - 모델 변경 사항"/>
+          <p:cNvPr id="184" name="주요 기능 - 모델 변경 사항"/>
           <p:cNvSpPr txBox="1"/>
           <p:nvPr>
             <p:ph type="title"/>
@@ -2317,7 +2317,7 @@
       </p:sp>
       <p:sp>
         <p:nvSpPr>
-          <p:cNvPr id="184" name="선"/>
+          <p:cNvPr id="185" name="선"/>
           <p:cNvSpPr/>
           <p:nvPr/>
         </p:nvSpPr>
@@ -2352,7 +2352,7 @@
       </p:sp>
       <p:sp>
         <p:nvSpPr>
-          <p:cNvPr id="185" name="TextBox 21"/>
+          <p:cNvPr id="186" name="TextBox 21"/>
           <p:cNvSpPr txBox="1"/>
           <p:nvPr/>
         </p:nvSpPr>
@@ -2400,7 +2400,7 @@
       </p:sp>
       <p:grpSp>
         <p:nvGrpSpPr>
-          <p:cNvPr id="190" name="그룹"/>
+          <p:cNvPr id="191" name="그룹"/>
           <p:cNvGrpSpPr/>
           <p:nvPr/>
         </p:nvGrpSpPr>
@@ -2414,7 +2414,7 @@
         </p:grpSpPr>
         <p:sp>
           <p:nvSpPr>
-            <p:cNvPr id="186" name="선"/>
+            <p:cNvPr id="187" name="선"/>
             <p:cNvSpPr/>
             <p:nvPr/>
           </p:nvSpPr>
@@ -2454,7 +2454,7 @@
         </p:sp>
         <p:sp>
           <p:nvSpPr>
-            <p:cNvPr id="187" name="선"/>
+            <p:cNvPr id="188" name="선"/>
             <p:cNvSpPr/>
             <p:nvPr/>
           </p:nvSpPr>
@@ -2494,7 +2494,7 @@
         </p:sp>
         <p:sp>
           <p:nvSpPr>
-            <p:cNvPr id="188" name="선"/>
+            <p:cNvPr id="189" name="선"/>
             <p:cNvSpPr/>
             <p:nvPr/>
           </p:nvSpPr>
@@ -2534,7 +2534,7 @@
         </p:sp>
         <p:sp>
           <p:nvSpPr>
-            <p:cNvPr id="189" name="선"/>
+            <p:cNvPr id="190" name="선"/>
             <p:cNvSpPr/>
             <p:nvPr/>
           </p:nvSpPr>
@@ -2575,7 +2575,7 @@
       </p:grpSp>
       <p:sp>
         <p:nvSpPr>
-          <p:cNvPr id="191" name="슬라이드 번호"/>
+          <p:cNvPr id="192" name="슬라이드 번호"/>
           <p:cNvSpPr txBox="1"/>
           <p:nvPr/>
         </p:nvSpPr>
@@ -2626,7 +2626,7 @@
       </p:sp>
       <p:grpSp>
         <p:nvGrpSpPr>
-          <p:cNvPr id="194" name="Project Planning"/>
+          <p:cNvPr id="195" name="Project Planning"/>
           <p:cNvGrpSpPr/>
           <p:nvPr/>
         </p:nvGrpSpPr>
@@ -2640,7 +2640,7 @@
         </p:grpSpPr>
         <p:sp>
           <p:nvSpPr>
-            <p:cNvPr id="192" name="직사각형"/>
+            <p:cNvPr id="193" name="직사각형"/>
             <p:cNvSpPr/>
             <p:nvPr/>
           </p:nvSpPr>
@@ -2686,7 +2686,7 @@
         </p:sp>
         <p:sp>
           <p:nvSpPr>
-            <p:cNvPr id="193" name="Train Set에서도 낮은 정확도"/>
+            <p:cNvPr id="194" name="Train Set에서도 낮은 정확도"/>
             <p:cNvSpPr txBox="1"/>
             <p:nvPr/>
           </p:nvSpPr>
@@ -2748,7 +2748,7 @@
       </p:grpSp>
       <p:grpSp>
         <p:nvGrpSpPr>
-          <p:cNvPr id="197" name="Part"/>
+          <p:cNvPr id="198" name="Part"/>
           <p:cNvGrpSpPr/>
           <p:nvPr/>
         </p:nvGrpSpPr>
@@ -2762,7 +2762,7 @@
         </p:grpSpPr>
         <p:sp>
           <p:nvSpPr>
-            <p:cNvPr id="195" name="직사각형"/>
+            <p:cNvPr id="196" name="직사각형"/>
             <p:cNvSpPr/>
             <p:nvPr/>
           </p:nvSpPr>
@@ -2808,7 +2808,7 @@
         </p:sp>
         <p:sp>
           <p:nvSpPr>
-            <p:cNvPr id="196" name="데이터의 변동폭이 크다"/>
+            <p:cNvPr id="197" name="데이터의 변동폭이 크다"/>
             <p:cNvSpPr txBox="1"/>
             <p:nvPr/>
           </p:nvSpPr>
@@ -2863,7 +2863,7 @@
       </p:grpSp>
       <p:grpSp>
         <p:nvGrpSpPr>
-          <p:cNvPr id="200" name="Part"/>
+          <p:cNvPr id="201" name="Part"/>
           <p:cNvGrpSpPr/>
           <p:nvPr/>
         </p:nvGrpSpPr>
@@ -2877,7 +2877,7 @@
         </p:grpSpPr>
         <p:sp>
           <p:nvSpPr>
-            <p:cNvPr id="198" name="직사각형"/>
+            <p:cNvPr id="199" name="직사각형"/>
             <p:cNvSpPr/>
             <p:nvPr/>
           </p:nvSpPr>
@@ -2923,7 +2923,7 @@
         </p:sp>
         <p:sp>
           <p:nvSpPr>
-            <p:cNvPr id="199" name="멘토님의 조언"/>
+            <p:cNvPr id="200" name="멘토님의 조언"/>
             <p:cNvSpPr txBox="1"/>
             <p:nvPr/>
           </p:nvSpPr>
@@ -2978,7 +2978,7 @@
       </p:grpSp>
       <p:grpSp>
         <p:nvGrpSpPr>
-          <p:cNvPr id="203" name="Managing"/>
+          <p:cNvPr id="204" name="Managing"/>
           <p:cNvGrpSpPr/>
           <p:nvPr/>
         </p:nvGrpSpPr>
@@ -2992,7 +2992,7 @@
         </p:grpSpPr>
         <p:sp>
           <p:nvSpPr>
-            <p:cNvPr id="201" name="직사각형"/>
+            <p:cNvPr id="202" name="직사각형"/>
             <p:cNvSpPr/>
             <p:nvPr/>
           </p:nvSpPr>
@@ -3038,7 +3038,7 @@
         </p:sp>
         <p:sp>
           <p:nvSpPr>
-            <p:cNvPr id="202" name="Face Detection에서 일반적인 방식X"/>
+            <p:cNvPr id="203" name="Face Detection에서 일반적인 방식X"/>
             <p:cNvSpPr txBox="1"/>
             <p:nvPr/>
           </p:nvSpPr>
@@ -3106,7 +3106,7 @@
       </p:grpSp>
       <p:grpSp>
         <p:nvGrpSpPr>
-          <p:cNvPr id="206" name="Marketing…"/>
+          <p:cNvPr id="207" name="Marketing…"/>
           <p:cNvGrpSpPr/>
           <p:nvPr/>
         </p:nvGrpSpPr>
@@ -3120,7 +3120,7 @@
         </p:grpSpPr>
         <p:sp>
           <p:nvSpPr>
-            <p:cNvPr id="204" name="원"/>
+            <p:cNvPr id="205" name="원"/>
             <p:cNvSpPr/>
             <p:nvPr/>
           </p:nvSpPr>
@@ -3163,14 +3163,14 @@
         </p:sp>
         <p:sp>
           <p:nvSpPr>
-            <p:cNvPr id="205" name="새로운 모델 개발 결정"/>
+            <p:cNvPr id="206" name="새로운 모델  개발 결정"/>
             <p:cNvSpPr txBox="1"/>
             <p:nvPr/>
           </p:nvSpPr>
           <p:spPr>
             <a:xfrm>
-              <a:off x="535237" y="1336693"/>
-              <a:ext cx="2584363" cy="981452"/>
+              <a:off x="535237" y="1268547"/>
+              <a:ext cx="2584363" cy="1117744"/>
             </a:xfrm>
             <a:prstGeom prst="rect">
               <a:avLst/>
@@ -3191,23 +3191,25 @@
             <a:bodyPr wrap="square" lIns="50800" tIns="50800" rIns="50800" bIns="50800" numCol="1" anchor="ctr">
               <a:spAutoFit/>
             </a:bodyPr>
-            <a:lstStyle>
-              <a:lvl1pPr algn="ctr" defTabSz="825500">
+            <a:lstStyle/>
+            <a:p>
+              <a:pPr algn="ctr" defTabSz="825500">
                 <a:lnSpc>
                   <a:spcPct val="110000"/>
                 </a:lnSpc>
-                <a:defRPr b="1" sz="2700">
+                <a:defRPr b="1" sz="3000">
                   <a:latin typeface="+mn-lt"/>
                   <a:ea typeface="+mn-ea"/>
                   <a:cs typeface="+mn-cs"/>
                   <a:sym typeface="Helvetica"/>
                 </a:defRPr>
-              </a:lvl1pPr>
-            </a:lstStyle>
-            <a:p>
-              <a:pPr/>
+              </a:pPr>
               <a:r>
-                <a:t>새로운 모델 개발 결정</a:t>
+                <a:t>새로운 모델 </a:t>
+              </a:r>
+              <a:br/>
+              <a:r>
+                <a:t>개발 결정</a:t>
               </a:r>
             </a:p>
           </p:txBody>
@@ -3241,7 +3243,7 @@
       </p:grpSpPr>
       <p:sp>
         <p:nvSpPr>
-          <p:cNvPr id="208" name="슬라이드 번호"/>
+          <p:cNvPr id="209" name="슬라이드 번호"/>
           <p:cNvSpPr txBox="1"/>
           <p:nvPr>
             <p:ph type="sldNum" sz="quarter" idx="4294967295"/>
@@ -3272,7 +3274,7 @@
       </p:sp>
       <p:sp>
         <p:nvSpPr>
-          <p:cNvPr id="209" name="주요 기능 - Data Labeling &amp; Data Processing"/>
+          <p:cNvPr id="210" name="주요 기능 - Data Labeling &amp; Data Processing"/>
           <p:cNvSpPr txBox="1"/>
           <p:nvPr>
             <p:ph type="title"/>
@@ -3300,7 +3302,7 @@
       </p:sp>
       <p:sp>
         <p:nvSpPr>
-          <p:cNvPr id="210" name="선"/>
+          <p:cNvPr id="211" name="선"/>
           <p:cNvSpPr/>
           <p:nvPr/>
         </p:nvSpPr>
@@ -3335,7 +3337,7 @@
       </p:sp>
       <p:grpSp>
         <p:nvGrpSpPr>
-          <p:cNvPr id="223" name="그룹 2"/>
+          <p:cNvPr id="224" name="그룹 2"/>
           <p:cNvGrpSpPr/>
           <p:nvPr/>
         </p:nvGrpSpPr>
@@ -3344,12 +3346,12 @@
             <a:off x="2882656" y="5141044"/>
             <a:ext cx="19256051" cy="6357720"/>
             <a:chOff x="0" y="0"/>
-            <a:chExt cx="19256048" cy="6357718"/>
+            <a:chExt cx="19256049" cy="6357718"/>
           </a:xfrm>
         </p:grpSpPr>
         <p:grpSp>
           <p:nvGrpSpPr>
-            <p:cNvPr id="213" name="3"/>
+            <p:cNvPr id="214" name="3"/>
             <p:cNvGrpSpPr/>
             <p:nvPr/>
           </p:nvGrpSpPr>
@@ -3363,7 +3365,7 @@
           </p:grpSpPr>
           <p:sp>
             <p:nvSpPr>
-              <p:cNvPr id="211" name="도형"/>
+              <p:cNvPr id="212" name="도형"/>
               <p:cNvSpPr/>
               <p:nvPr/>
             </p:nvSpPr>
@@ -3455,7 +3457,7 @@
           </p:sp>
           <p:sp>
             <p:nvSpPr>
-              <p:cNvPr id="212" name="3"/>
+              <p:cNvPr id="213" name="3"/>
               <p:cNvSpPr txBox="1"/>
               <p:nvPr/>
             </p:nvSpPr>
@@ -3510,7 +3512,7 @@
         </p:grpSp>
         <p:grpSp>
           <p:nvGrpSpPr>
-            <p:cNvPr id="216" name="2"/>
+            <p:cNvPr id="217" name="2"/>
             <p:cNvGrpSpPr/>
             <p:nvPr/>
           </p:nvGrpSpPr>
@@ -3524,7 +3526,7 @@
           </p:grpSpPr>
           <p:sp>
             <p:nvSpPr>
-              <p:cNvPr id="214" name="도형"/>
+              <p:cNvPr id="215" name="도형"/>
               <p:cNvSpPr/>
               <p:nvPr/>
             </p:nvSpPr>
@@ -3616,7 +3618,7 @@
           </p:sp>
           <p:sp>
             <p:nvSpPr>
-              <p:cNvPr id="215" name="2"/>
+              <p:cNvPr id="216" name="2"/>
               <p:cNvSpPr txBox="1"/>
               <p:nvPr/>
             </p:nvSpPr>
@@ -3671,7 +3673,7 @@
         </p:grpSp>
         <p:grpSp>
           <p:nvGrpSpPr>
-            <p:cNvPr id="219" name="1"/>
+            <p:cNvPr id="220" name="1"/>
             <p:cNvGrpSpPr/>
             <p:nvPr/>
           </p:nvGrpSpPr>
@@ -3685,7 +3687,7 @@
           </p:grpSpPr>
           <p:sp>
             <p:nvSpPr>
-              <p:cNvPr id="217" name="도형"/>
+              <p:cNvPr id="218" name="도형"/>
               <p:cNvSpPr/>
               <p:nvPr/>
             </p:nvSpPr>
@@ -3777,7 +3779,7 @@
           </p:sp>
           <p:sp>
             <p:nvSpPr>
-              <p:cNvPr id="218" name="1"/>
+              <p:cNvPr id="219" name="1"/>
               <p:cNvSpPr txBox="1"/>
               <p:nvPr/>
             </p:nvSpPr>
@@ -3832,7 +3834,7 @@
         </p:grpSp>
         <p:sp>
           <p:nvSpPr>
-            <p:cNvPr id="220" name="얼굴 데이터 확보 - Kaggle, Github"/>
+            <p:cNvPr id="221" name="얼굴 데이터 확보 - Kaggle, Github"/>
             <p:cNvSpPr txBox="1"/>
             <p:nvPr/>
           </p:nvSpPr>
@@ -3893,7 +3895,7 @@
         </p:sp>
         <p:sp>
           <p:nvSpPr>
-            <p:cNvPr id="221" name="Data Labeling"/>
+            <p:cNvPr id="222" name="Data Labeling"/>
             <p:cNvSpPr txBox="1"/>
             <p:nvPr/>
           </p:nvSpPr>
@@ -3947,7 +3949,7 @@
         </p:sp>
         <p:sp>
           <p:nvSpPr>
-            <p:cNvPr id="222" name="Image Crop"/>
+            <p:cNvPr id="223" name="Image Crop"/>
             <p:cNvSpPr txBox="1"/>
             <p:nvPr/>
           </p:nvSpPr>
@@ -4028,7 +4030,7 @@
       </p:grpSpPr>
       <p:sp>
         <p:nvSpPr>
-          <p:cNvPr id="225" name="슬라이드 번호"/>
+          <p:cNvPr id="226" name="슬라이드 번호"/>
           <p:cNvSpPr txBox="1"/>
           <p:nvPr>
             <p:ph type="sldNum" sz="quarter" idx="4294967295"/>
@@ -4059,7 +4061,7 @@
       </p:sp>
       <p:sp>
         <p:nvSpPr>
-          <p:cNvPr id="226" name="주요 기능 - Data Labeling &amp; Data Processing"/>
+          <p:cNvPr id="227" name="주요 기능 - Data Labeling &amp; Data Processing"/>
           <p:cNvSpPr txBox="1"/>
           <p:nvPr>
             <p:ph type="title"/>
@@ -4087,7 +4089,7 @@
       </p:sp>
       <p:sp>
         <p:nvSpPr>
-          <p:cNvPr id="227" name="선"/>
+          <p:cNvPr id="228" name="선"/>
           <p:cNvSpPr/>
           <p:nvPr/>
         </p:nvSpPr>
@@ -4122,14 +4124,14 @@
       </p:sp>
       <p:sp>
         <p:nvSpPr>
-          <p:cNvPr id="228" name="유의미한 데이터를 추출하기 위해 정면 사진, 얼굴형 판단이 가능한 사진 75,000장 확보."/>
+          <p:cNvPr id="229" name="유의미한 데이터를 추출하기 위해 정면 사진, 얼굴형 판단이 가능한 사진 75,000장 확보."/>
           <p:cNvSpPr txBox="1"/>
           <p:nvPr/>
         </p:nvSpPr>
         <p:spPr>
           <a:xfrm>
             <a:off x="1185165" y="5236042"/>
-            <a:ext cx="10697784" cy="2694118"/>
+            <a:ext cx="10697784" cy="2694117"/>
           </a:xfrm>
           <a:prstGeom prst="rect">
             <a:avLst/>
@@ -4232,7 +4234,7 @@
       </p:sp>
       <p:sp>
         <p:nvSpPr>
-          <p:cNvPr id="229" name="조사한 자료와 논문을 바탕으로 얼굴형 판단에 대한 기준을 설정하여 총 4가지의 얼굴형으로 구분…"/>
+          <p:cNvPr id="230" name="조사한 자료와 논문을 바탕으로 얼굴형 판단에 대한 기준을 설정하여 총 4가지의 얼굴형으로 구분…"/>
           <p:cNvSpPr txBox="1"/>
           <p:nvPr/>
         </p:nvSpPr>
@@ -4417,7 +4419,7 @@
       </p:sp>
       <p:sp>
         <p:nvSpPr>
-          <p:cNvPr id="230" name="얼굴 데이터 확보 - Kaggle, Github"/>
+          <p:cNvPr id="231" name="얼굴 데이터 확보 - Kaggle, Github"/>
           <p:cNvSpPr txBox="1"/>
           <p:nvPr/>
         </p:nvSpPr>
@@ -4481,7 +4483,7 @@
       </p:sp>
       <p:grpSp>
         <p:nvGrpSpPr>
-          <p:cNvPr id="237" name="그룹 1"/>
+          <p:cNvPr id="238" name="그룹 1"/>
           <p:cNvGrpSpPr/>
           <p:nvPr/>
         </p:nvGrpSpPr>
@@ -4495,7 +4497,7 @@
         </p:grpSpPr>
         <p:grpSp>
           <p:nvGrpSpPr>
-            <p:cNvPr id="233" name="그룹 16"/>
+            <p:cNvPr id="234" name="그룹 16"/>
             <p:cNvGrpSpPr/>
             <p:nvPr/>
           </p:nvGrpSpPr>
@@ -4509,7 +4511,7 @@
           </p:grpSpPr>
           <p:pic>
             <p:nvPicPr>
-              <p:cNvPr id="231" name="그림 17" descr="그림 17"/>
+              <p:cNvPr id="232" name="그림 17" descr="그림 17"/>
               <p:cNvPicPr>
                 <a:picLocks noChangeAspect="1"/>
               </p:cNvPicPr>
@@ -4549,7 +4551,7 @@
           </p:pic>
           <p:pic>
             <p:nvPicPr>
-              <p:cNvPr id="232" name="그래픽 18" descr="그래픽 18"/>
+              <p:cNvPr id="233" name="그래픽 18" descr="그래픽 18"/>
               <p:cNvPicPr>
                 <a:picLocks noChangeAspect="1"/>
               </p:cNvPicPr>
@@ -4581,7 +4583,7 @@
         </p:grpSp>
         <p:grpSp>
           <p:nvGrpSpPr>
-            <p:cNvPr id="236" name="그룹 19"/>
+            <p:cNvPr id="237" name="그룹 19"/>
             <p:cNvGrpSpPr/>
             <p:nvPr/>
           </p:nvGrpSpPr>
@@ -4595,7 +4597,7 @@
           </p:grpSpPr>
           <p:pic>
             <p:nvPicPr>
-              <p:cNvPr id="234" name="그림 20" descr="그림 20"/>
+              <p:cNvPr id="235" name="그림 20" descr="그림 20"/>
               <p:cNvPicPr>
                 <a:picLocks noChangeAspect="1"/>
               </p:cNvPicPr>
@@ -4635,7 +4637,7 @@
           </p:pic>
           <p:pic>
             <p:nvPicPr>
-              <p:cNvPr id="235" name="그래픽 21" descr="그래픽 21"/>
+              <p:cNvPr id="236" name="그래픽 21" descr="그래픽 21"/>
               <p:cNvPicPr>
                 <a:picLocks noChangeAspect="1"/>
               </p:cNvPicPr>
@@ -4668,21 +4670,21 @@
       </p:grpSp>
       <p:grpSp>
         <p:nvGrpSpPr>
-          <p:cNvPr id="247" name="그룹 12"/>
+          <p:cNvPr id="248" name="그룹 12"/>
           <p:cNvGrpSpPr/>
           <p:nvPr/>
         </p:nvGrpSpPr>
         <p:grpSpPr>
           <a:xfrm>
-            <a:off x="13084029" y="10063609"/>
-            <a:ext cx="8725743" cy="2336362"/>
+            <a:off x="13084029" y="10063608"/>
+            <a:ext cx="8725743" cy="2336363"/>
             <a:chOff x="0" y="0"/>
             <a:chExt cx="8725742" cy="2336361"/>
           </a:xfrm>
         </p:grpSpPr>
         <p:grpSp>
           <p:nvGrpSpPr>
-            <p:cNvPr id="242" name="그룹 10"/>
+            <p:cNvPr id="243" name="그룹 10"/>
             <p:cNvGrpSpPr/>
             <p:nvPr/>
           </p:nvGrpSpPr>
@@ -4696,7 +4698,7 @@
           </p:grpSpPr>
           <p:pic>
             <p:nvPicPr>
-              <p:cNvPr id="238" name="그림 3" descr="그림 3"/>
+              <p:cNvPr id="239" name="그림 3" descr="그림 3"/>
               <p:cNvPicPr>
                 <a:picLocks noChangeAspect="1"/>
               </p:cNvPicPr>
@@ -4727,7 +4729,7 @@
           </p:pic>
           <p:pic>
             <p:nvPicPr>
-              <p:cNvPr id="239" name="그림 5" descr="그림 5"/>
+              <p:cNvPr id="240" name="그림 5" descr="그림 5"/>
               <p:cNvPicPr>
                 <a:picLocks noChangeAspect="1"/>
               </p:cNvPicPr>
@@ -4758,7 +4760,7 @@
           </p:pic>
           <p:pic>
             <p:nvPicPr>
-              <p:cNvPr id="240" name="그림 7" descr="그림 7"/>
+              <p:cNvPr id="241" name="그림 7" descr="그림 7"/>
               <p:cNvPicPr>
                 <a:picLocks noChangeAspect="1"/>
               </p:cNvPicPr>
@@ -4789,7 +4791,7 @@
           </p:pic>
           <p:pic>
             <p:nvPicPr>
-              <p:cNvPr id="241" name="그림 9" descr="그림 9"/>
+              <p:cNvPr id="242" name="그림 9" descr="그림 9"/>
               <p:cNvPicPr>
                 <a:picLocks noChangeAspect="1"/>
               </p:cNvPicPr>
@@ -4821,7 +4823,7 @@
         </p:grpSp>
         <p:sp>
           <p:nvSpPr>
-            <p:cNvPr id="243" name="TextBox 11"/>
+            <p:cNvPr id="244" name="TextBox 11"/>
             <p:cNvSpPr txBox="1"/>
             <p:nvPr/>
           </p:nvSpPr>
@@ -4872,7 +4874,7 @@
         </p:sp>
         <p:sp>
           <p:nvSpPr>
-            <p:cNvPr id="244" name="TextBox 33"/>
+            <p:cNvPr id="245" name="TextBox 33"/>
             <p:cNvSpPr txBox="1"/>
             <p:nvPr/>
           </p:nvSpPr>
@@ -4923,7 +4925,7 @@
         </p:sp>
         <p:sp>
           <p:nvSpPr>
-            <p:cNvPr id="245" name="TextBox 34"/>
+            <p:cNvPr id="246" name="TextBox 34"/>
             <p:cNvSpPr txBox="1"/>
             <p:nvPr/>
           </p:nvSpPr>
@@ -4974,7 +4976,7 @@
         </p:sp>
         <p:sp>
           <p:nvSpPr>
-            <p:cNvPr id="246" name="TextBox 35"/>
+            <p:cNvPr id="247" name="TextBox 35"/>
             <p:cNvSpPr txBox="1"/>
             <p:nvPr/>
           </p:nvSpPr>
@@ -5026,14 +5028,14 @@
       </p:grpSp>
       <p:sp>
         <p:nvSpPr>
-          <p:cNvPr id="248" name="TextBox 13"/>
+          <p:cNvPr id="249" name="TextBox 13"/>
           <p:cNvSpPr txBox="1"/>
           <p:nvPr/>
         </p:nvSpPr>
         <p:spPr>
           <a:xfrm>
             <a:off x="15527684" y="12886078"/>
-            <a:ext cx="3838433" cy="491244"/>
+            <a:ext cx="3838433" cy="491243"/>
           </a:xfrm>
           <a:prstGeom prst="rect">
             <a:avLst/>
@@ -5081,7 +5083,7 @@
       </p:sp>
       <p:sp>
         <p:nvSpPr>
-          <p:cNvPr id="249" name="얼굴 데이터 확보 - Kaggle, Github"/>
+          <p:cNvPr id="250" name="얼굴 데이터 확보 - Kaggle, Github"/>
           <p:cNvSpPr txBox="1"/>
           <p:nvPr/>
         </p:nvSpPr>
@@ -5158,7 +5160,7 @@
       </p:grpSpPr>
       <p:sp>
         <p:nvSpPr>
-          <p:cNvPr id="251" name="슬라이드 번호"/>
+          <p:cNvPr id="252" name="슬라이드 번호"/>
           <p:cNvSpPr txBox="1"/>
           <p:nvPr>
             <p:ph type="sldNum" sz="quarter" idx="4294967295"/>
@@ -5189,7 +5191,7 @@
       </p:sp>
       <p:sp>
         <p:nvSpPr>
-          <p:cNvPr id="252" name="주요 기능 - Data Labeling &amp; Data Processing"/>
+          <p:cNvPr id="253" name="주요 기능 - Data Labeling &amp; Data Processing"/>
           <p:cNvSpPr txBox="1"/>
           <p:nvPr>
             <p:ph type="title"/>
@@ -5220,7 +5222,7 @@
       </p:sp>
       <p:sp>
         <p:nvSpPr>
-          <p:cNvPr id="253" name="선"/>
+          <p:cNvPr id="254" name="선"/>
           <p:cNvSpPr/>
           <p:nvPr/>
         </p:nvSpPr>
@@ -5255,7 +5257,7 @@
       </p:sp>
       <p:sp>
         <p:nvSpPr>
-          <p:cNvPr id="254" name="얼굴 데이터 확보 - Kaggle, Github"/>
+          <p:cNvPr id="255" name="얼굴 데이터 확보 - Kaggle, Github"/>
           <p:cNvSpPr txBox="1"/>
           <p:nvPr/>
         </p:nvSpPr>
@@ -5306,14 +5308,14 @@
       </p:sp>
       <p:sp>
         <p:nvSpPr>
-          <p:cNvPr id="255" name="모델 학습 시, 방해가 되는 특징점을 제거하기 위해서 OpenCV를 이용하여 얼굴만 추출"/>
+          <p:cNvPr id="256" name="모델 학습 시, 방해가 되는 특징점을 제거하기 위해서 OpenCV를 이용하여 얼굴만 추출"/>
           <p:cNvSpPr txBox="1"/>
           <p:nvPr/>
         </p:nvSpPr>
         <p:spPr>
           <a:xfrm>
-            <a:off x="2015088" y="5473854"/>
-            <a:ext cx="9568840" cy="2223461"/>
+            <a:off x="2015089" y="5473853"/>
+            <a:ext cx="9568839" cy="2223461"/>
           </a:xfrm>
           <a:prstGeom prst="rect">
             <a:avLst/>
@@ -5369,14 +5371,14 @@
       </p:sp>
       <p:sp>
         <p:nvSpPr>
-          <p:cNvPr id="256" name="Overfitting 방지 및 모델 성능 향상을  위해 Keras의 ImageDataGenerator를 사용한다. 좌우 반전, 좌우 이동, 밝기 조절, 정규화 이미지로 데이터를 추가 확보한다."/>
+          <p:cNvPr id="257" name="Overfitting 방지 및 모델 성능 향상을  위해 Keras의 ImageDataGenerator를 사용한다. 좌우 반전, 좌우 이동, 밝기 조절, 정규화 이미지로 데이터를 추가 확보한다."/>
           <p:cNvSpPr txBox="1"/>
           <p:nvPr/>
         </p:nvSpPr>
         <p:spPr>
           <a:xfrm>
-            <a:off x="13423570" y="5385170"/>
-            <a:ext cx="8975825" cy="2400828"/>
+            <a:off x="13423569" y="5385170"/>
+            <a:ext cx="8975826" cy="2400828"/>
           </a:xfrm>
           <a:prstGeom prst="rect">
             <a:avLst/>
@@ -5432,6 +5434,13 @@
               </a:rPr>
               <a:t> </a:t>
             </a:r>
+            <a:br>
+              <a:rPr>
+                <a:solidFill>
+                  <a:srgbClr val="000000"/>
+                </a:solidFill>
+              </a:rPr>
+            </a:br>
             <a:r>
               <a:rPr b="1">
                 <a:solidFill>
@@ -5445,21 +5454,21 @@
       </p:sp>
       <p:grpSp>
         <p:nvGrpSpPr>
-          <p:cNvPr id="260" name="그룹 25"/>
+          <p:cNvPr id="261" name="그룹 25"/>
           <p:cNvGrpSpPr/>
           <p:nvPr/>
         </p:nvGrpSpPr>
         <p:grpSpPr>
           <a:xfrm>
             <a:off x="2980499" y="8700050"/>
-            <a:ext cx="7638018" cy="3923086"/>
+            <a:ext cx="7638019" cy="3923086"/>
             <a:chOff x="0" y="0"/>
             <a:chExt cx="7638017" cy="3923084"/>
           </a:xfrm>
         </p:grpSpPr>
         <p:pic>
           <p:nvPicPr>
-            <p:cNvPr id="257" name="그림 26" descr="그림 26"/>
+            <p:cNvPr id="258" name="그림 26" descr="그림 26"/>
             <p:cNvPicPr>
               <a:picLocks noChangeAspect="1"/>
             </p:cNvPicPr>
@@ -5475,8 +5484,8 @@
           </p:blipFill>
           <p:spPr>
             <a:xfrm flipH="1">
-              <a:off x="4469580" y="589739"/>
-              <a:ext cx="3168438" cy="2983999"/>
+              <a:off x="4469581" y="589739"/>
+              <a:ext cx="3168437" cy="2983999"/>
             </a:xfrm>
             <a:prstGeom prst="rect">
               <a:avLst/>
@@ -5496,7 +5505,7 @@
         </p:pic>
         <p:pic>
           <p:nvPicPr>
-            <p:cNvPr id="258" name="그림 27" descr="그림 27"/>
+            <p:cNvPr id="259" name="그림 27" descr="그림 27"/>
             <p:cNvPicPr>
               <a:picLocks noChangeAspect="1"/>
             </p:cNvPicPr>
@@ -5533,7 +5542,7 @@
         </p:pic>
         <p:sp>
           <p:nvSpPr>
-            <p:cNvPr id="259" name="화살표: 아래쪽 28"/>
+            <p:cNvPr id="260" name="화살표: 아래쪽 28"/>
             <p:cNvSpPr/>
             <p:nvPr/>
           </p:nvSpPr>
@@ -5619,7 +5628,7 @@
       </p:grpSp>
       <p:sp>
         <p:nvSpPr>
-          <p:cNvPr id="261" name="얼굴 데이터 확보 - Kaggle, Github"/>
+          <p:cNvPr id="262" name="얼굴 데이터 확보 - Kaggle, Github"/>
           <p:cNvSpPr txBox="1"/>
           <p:nvPr/>
         </p:nvSpPr>
@@ -5696,7 +5705,7 @@
       </p:grpSpPr>
       <p:sp>
         <p:nvSpPr>
-          <p:cNvPr id="263" name="슬라이드 번호"/>
+          <p:cNvPr id="264" name="슬라이드 번호"/>
           <p:cNvSpPr txBox="1"/>
           <p:nvPr>
             <p:ph type="sldNum" sz="quarter" idx="4294967295"/>
@@ -5727,7 +5736,7 @@
       </p:sp>
       <p:sp>
         <p:nvSpPr>
-          <p:cNvPr id="264" name="주요 기능 - 얼굴형 판단"/>
+          <p:cNvPr id="265" name="주요 기능 - 얼굴형 판단"/>
           <p:cNvSpPr txBox="1"/>
           <p:nvPr>
             <p:ph type="title"/>
@@ -5761,7 +5770,7 @@
       </p:sp>
       <p:sp>
         <p:nvSpPr>
-          <p:cNvPr id="265" name="선"/>
+          <p:cNvPr id="266" name="선"/>
           <p:cNvSpPr/>
           <p:nvPr/>
         </p:nvSpPr>
@@ -5796,21 +5805,21 @@
       </p:sp>
       <p:grpSp>
         <p:nvGrpSpPr>
-          <p:cNvPr id="278" name="다이어그램 6"/>
+          <p:cNvPr id="279" name="다이어그램 6"/>
           <p:cNvGrpSpPr/>
           <p:nvPr/>
         </p:nvGrpSpPr>
         <p:grpSpPr>
           <a:xfrm>
-            <a:off x="3404519" y="3016157"/>
+            <a:off x="3404519" y="3016158"/>
             <a:ext cx="17574962" cy="8559770"/>
             <a:chOff x="0" y="0"/>
-            <a:chExt cx="17574961" cy="8559768"/>
+            <a:chExt cx="17574961" cy="8559769"/>
           </a:xfrm>
         </p:grpSpPr>
         <p:grpSp>
           <p:nvGrpSpPr>
-            <p:cNvPr id="268" name="그룹"/>
+            <p:cNvPr id="269" name="그룹"/>
             <p:cNvGrpSpPr/>
             <p:nvPr/>
           </p:nvGrpSpPr>
@@ -5824,7 +5833,7 @@
           </p:grpSpPr>
           <p:sp>
             <p:nvSpPr>
-              <p:cNvPr id="266" name="모서리가 둥근 직사각형"/>
+              <p:cNvPr id="267" name="모서리가 둥근 직사각형"/>
               <p:cNvSpPr/>
               <p:nvPr/>
             </p:nvSpPr>
@@ -5872,14 +5881,14 @@
           </p:sp>
           <p:sp>
             <p:nvSpPr>
-              <p:cNvPr id="267" name="CNN 모델"/>
+              <p:cNvPr id="268" name="CNN 모델"/>
               <p:cNvSpPr txBox="1"/>
               <p:nvPr/>
             </p:nvSpPr>
             <p:spPr>
               <a:xfrm>
                 <a:off x="42950" y="89399"/>
-                <a:ext cx="17489062" cy="701041"/>
+                <a:ext cx="17489062" cy="701042"/>
               </a:xfrm>
               <a:prstGeom prst="rect">
                 <a:avLst/>
@@ -5927,14 +5936,14 @@
         </p:grpSp>
         <p:sp>
           <p:nvSpPr>
-            <p:cNvPr id="269" name="Image Classification에 최적화된 신경망 구조…"/>
+            <p:cNvPr id="270" name="Image Classification에 최적화된 신경망 구조…"/>
             <p:cNvSpPr txBox="1"/>
             <p:nvPr/>
           </p:nvSpPr>
           <p:spPr>
             <a:xfrm>
-              <a:off x="527524" y="990448"/>
-              <a:ext cx="16907230" cy="1202944"/>
+              <a:off x="527524" y="990447"/>
+              <a:ext cx="16907230" cy="1202945"/>
             </a:xfrm>
             <a:prstGeom prst="rect">
               <a:avLst/>
@@ -6024,7 +6033,7 @@
         </p:sp>
         <p:grpSp>
           <p:nvGrpSpPr>
-            <p:cNvPr id="272" name="그룹"/>
+            <p:cNvPr id="273" name="그룹"/>
             <p:cNvGrpSpPr/>
             <p:nvPr/>
           </p:nvGrpSpPr>
@@ -6038,7 +6047,7 @@
           </p:grpSpPr>
           <p:sp>
             <p:nvSpPr>
-              <p:cNvPr id="270" name="모서리가 둥근 직사각형"/>
+              <p:cNvPr id="271" name="모서리가 둥근 직사각형"/>
               <p:cNvSpPr/>
               <p:nvPr/>
             </p:nvSpPr>
@@ -6086,7 +6095,7 @@
           </p:sp>
           <p:sp>
             <p:nvSpPr>
-              <p:cNvPr id="271" name="선택 모델"/>
+              <p:cNvPr id="272" name="선택 모델"/>
               <p:cNvSpPr txBox="1"/>
               <p:nvPr/>
             </p:nvSpPr>
@@ -6140,7 +6149,7 @@
         </p:grpSp>
         <p:sp>
           <p:nvSpPr>
-            <p:cNvPr id="273" name="VGGNet(VGG16)…"/>
+            <p:cNvPr id="274" name="VGGNet(VGG16)…"/>
             <p:cNvSpPr txBox="1"/>
             <p:nvPr/>
           </p:nvSpPr>
@@ -6319,7 +6328,7 @@
         </p:sp>
         <p:grpSp>
           <p:nvGrpSpPr>
-            <p:cNvPr id="276" name="그룹"/>
+            <p:cNvPr id="277" name="그룹"/>
             <p:cNvGrpSpPr/>
             <p:nvPr/>
           </p:nvGrpSpPr>
@@ -6333,7 +6342,7 @@
           </p:grpSpPr>
           <p:sp>
             <p:nvSpPr>
-              <p:cNvPr id="274" name="모서리가 둥근 직사각형"/>
+              <p:cNvPr id="275" name="모서리가 둥근 직사각형"/>
               <p:cNvSpPr/>
               <p:nvPr/>
             </p:nvSpPr>
@@ -6381,7 +6390,7 @@
           </p:sp>
           <p:sp>
             <p:nvSpPr>
-              <p:cNvPr id="275" name="학습 진행"/>
+              <p:cNvPr id="276" name="학습 진행"/>
               <p:cNvSpPr txBox="1"/>
               <p:nvPr/>
             </p:nvSpPr>
@@ -6439,13 +6448,13 @@
         </p:grpSp>
         <p:sp>
           <p:nvSpPr>
-            <p:cNvPr id="277" name="Transfer Learning"/>
+            <p:cNvPr id="278" name="Transfer Learning"/>
             <p:cNvSpPr txBox="1"/>
             <p:nvPr/>
           </p:nvSpPr>
           <p:spPr>
             <a:xfrm>
-              <a:off x="333866" y="8143208"/>
+              <a:off x="333866" y="8143209"/>
               <a:ext cx="16907229" cy="416561"/>
             </a:xfrm>
             <a:prstGeom prst="rect">
@@ -6493,13 +6502,13 @@
       </p:grpSp>
       <p:grpSp>
         <p:nvGrpSpPr>
-          <p:cNvPr id="283" name="그룹 7"/>
+          <p:cNvPr id="284" name="그룹 7"/>
           <p:cNvGrpSpPr/>
           <p:nvPr/>
         </p:nvGrpSpPr>
         <p:grpSpPr>
           <a:xfrm>
-            <a:off x="3404519" y="11445259"/>
+            <a:off x="3404519" y="11445258"/>
             <a:ext cx="17574962" cy="2130253"/>
             <a:chOff x="0" y="0"/>
             <a:chExt cx="17574961" cy="2130252"/>
@@ -6507,7 +6516,7 @@
         </p:grpSpPr>
         <p:grpSp>
           <p:nvGrpSpPr>
-            <p:cNvPr id="281" name="그룹 8"/>
+            <p:cNvPr id="282" name="그룹 8"/>
             <p:cNvGrpSpPr/>
             <p:nvPr/>
           </p:nvGrpSpPr>
@@ -6521,7 +6530,7 @@
           </p:grpSpPr>
           <p:sp>
             <p:nvSpPr>
-              <p:cNvPr id="279" name="TextBox 10"/>
+              <p:cNvPr id="280" name="TextBox 10"/>
               <p:cNvSpPr txBox="1"/>
               <p:nvPr/>
             </p:nvSpPr>
@@ -6572,7 +6581,7 @@
           </p:sp>
           <p:sp>
             <p:nvSpPr>
-              <p:cNvPr id="280" name="화살표: 오른쪽 11"/>
+              <p:cNvPr id="281" name="화살표: 오른쪽 11"/>
               <p:cNvSpPr/>
               <p:nvPr/>
             </p:nvSpPr>
@@ -6618,7 +6627,7 @@
         </p:grpSp>
         <p:sp>
           <p:nvSpPr>
-            <p:cNvPr id="282" name="순서도: 대체 처리 9"/>
+            <p:cNvPr id="283" name="순서도: 대체 처리 9"/>
             <p:cNvSpPr/>
             <p:nvPr/>
           </p:nvSpPr>
@@ -6739,7 +6748,7 @@
       </p:grpSpPr>
       <p:sp>
         <p:nvSpPr>
-          <p:cNvPr id="285" name="슬라이드 번호"/>
+          <p:cNvPr id="286" name="슬라이드 번호"/>
           <p:cNvSpPr txBox="1"/>
           <p:nvPr>
             <p:ph type="sldNum" sz="quarter" idx="4294967295"/>
@@ -6770,7 +6779,7 @@
       </p:sp>
       <p:sp>
         <p:nvSpPr>
-          <p:cNvPr id="286" name="주요 기능 - VGGNet &amp; Mobile Net V2"/>
+          <p:cNvPr id="287" name="주요 기능 - VGGNet &amp; Mobile Net V2"/>
           <p:cNvSpPr txBox="1"/>
           <p:nvPr>
             <p:ph type="title"/>
@@ -6804,7 +6813,7 @@
       </p:sp>
       <p:sp>
         <p:nvSpPr>
-          <p:cNvPr id="287" name="선"/>
+          <p:cNvPr id="288" name="선"/>
           <p:cNvSpPr/>
           <p:nvPr/>
         </p:nvSpPr>
@@ -6839,7 +6848,7 @@
       </p:sp>
       <p:sp>
         <p:nvSpPr>
-          <p:cNvPr id="288" name="TextBox 1"/>
+          <p:cNvPr id="289" name="TextBox 1"/>
           <p:cNvSpPr txBox="1"/>
           <p:nvPr/>
         </p:nvSpPr>
@@ -7173,7 +7182,7 @@
       </p:grpSpPr>
       <p:sp>
         <p:nvSpPr>
-          <p:cNvPr id="290" name="슬라이드 번호"/>
+          <p:cNvPr id="291" name="슬라이드 번호"/>
           <p:cNvSpPr txBox="1"/>
           <p:nvPr>
             <p:ph type="sldNum" sz="quarter" idx="4294967295"/>
@@ -7204,7 +7213,7 @@
       </p:sp>
       <p:sp>
         <p:nvSpPr>
-          <p:cNvPr id="291" name="주요 기능 - VGGNet &amp; Mobile Net V2"/>
+          <p:cNvPr id="292" name="주요 기능 - VGGNet &amp; Mobile Net V2"/>
           <p:cNvSpPr txBox="1"/>
           <p:nvPr>
             <p:ph type="title"/>
@@ -7238,7 +7247,7 @@
       </p:sp>
       <p:sp>
         <p:nvSpPr>
-          <p:cNvPr id="292" name="선"/>
+          <p:cNvPr id="293" name="선"/>
           <p:cNvSpPr/>
           <p:nvPr/>
         </p:nvSpPr>
@@ -7273,14 +7282,14 @@
       </p:sp>
       <p:sp>
         <p:nvSpPr>
-          <p:cNvPr id="293" name="직사각형 5"/>
+          <p:cNvPr id="294" name="직사각형 5"/>
           <p:cNvSpPr/>
           <p:nvPr/>
         </p:nvSpPr>
         <p:spPr>
           <a:xfrm>
             <a:off x="1022904" y="8474719"/>
-            <a:ext cx="6647263" cy="2966155"/>
+            <a:ext cx="6647263" cy="2966156"/>
           </a:xfrm>
           <a:prstGeom prst="rect">
             <a:avLst/>
@@ -7312,7 +7321,7 @@
       </p:sp>
       <p:grpSp>
         <p:nvGrpSpPr>
-          <p:cNvPr id="296" name="그룹 6"/>
+          <p:cNvPr id="297" name="그룹 6"/>
           <p:cNvGrpSpPr/>
           <p:nvPr/>
         </p:nvGrpSpPr>
@@ -7326,7 +7335,7 @@
         </p:grpSpPr>
         <p:sp>
           <p:nvSpPr>
-            <p:cNvPr id="294" name="직사각형 7"/>
+            <p:cNvPr id="295" name="직사각형 7"/>
             <p:cNvSpPr/>
             <p:nvPr/>
           </p:nvSpPr>
@@ -7371,14 +7380,14 @@
         </p:sp>
         <p:sp>
           <p:nvSpPr>
-            <p:cNvPr id="295" name="TextBox 8"/>
+            <p:cNvPr id="296" name="TextBox 8"/>
             <p:cNvSpPr txBox="1"/>
             <p:nvPr/>
           </p:nvSpPr>
           <p:spPr>
             <a:xfrm>
               <a:off x="278656" y="458476"/>
-              <a:ext cx="10322232" cy="3614450"/>
+              <a:ext cx="10322233" cy="3614450"/>
             </a:xfrm>
             <a:prstGeom prst="rect">
               <a:avLst/>
@@ -7495,7 +7504,7 @@
       </p:grpSp>
       <p:sp>
         <p:nvSpPr>
-          <p:cNvPr id="297" name="TextBox 1"/>
+          <p:cNvPr id="298" name="TextBox 1"/>
           <p:cNvSpPr txBox="1"/>
           <p:nvPr/>
         </p:nvSpPr>
@@ -7829,7 +7838,7 @@
       </p:grpSpPr>
       <p:sp>
         <p:nvSpPr>
-          <p:cNvPr id="299" name="슬라이드 번호"/>
+          <p:cNvPr id="300" name="슬라이드 번호"/>
           <p:cNvSpPr txBox="1"/>
           <p:nvPr>
             <p:ph type="sldNum" sz="quarter" idx="4294967295"/>
@@ -7860,7 +7869,7 @@
       </p:sp>
       <p:sp>
         <p:nvSpPr>
-          <p:cNvPr id="300" name="주요 기능 - VGGNet &amp; Mobile Net V2"/>
+          <p:cNvPr id="301" name="주요 기능 - VGGNet &amp; Mobile Net V2"/>
           <p:cNvSpPr txBox="1"/>
           <p:nvPr>
             <p:ph type="title"/>
@@ -7894,7 +7903,7 @@
       </p:sp>
       <p:sp>
         <p:nvSpPr>
-          <p:cNvPr id="301" name="선"/>
+          <p:cNvPr id="302" name="선"/>
           <p:cNvSpPr/>
           <p:nvPr/>
         </p:nvSpPr>
@@ -7929,7 +7938,7 @@
       </p:sp>
       <p:grpSp>
         <p:nvGrpSpPr>
-          <p:cNvPr id="305" name="그룹 13"/>
+          <p:cNvPr id="306" name="그룹 13"/>
           <p:cNvGrpSpPr/>
           <p:nvPr/>
         </p:nvGrpSpPr>
@@ -7943,7 +7952,7 @@
         </p:grpSpPr>
         <p:pic>
           <p:nvPicPr>
-            <p:cNvPr id="302" name="이미지" descr="이미지"/>
+            <p:cNvPr id="303" name="이미지" descr="이미지"/>
             <p:cNvPicPr>
               <a:picLocks noChangeAspect="1"/>
             </p:cNvPicPr>
@@ -7974,7 +7983,7 @@
         </p:pic>
         <p:pic>
           <p:nvPicPr>
-            <p:cNvPr id="303" name="이미지" descr="이미지"/>
+            <p:cNvPr id="304" name="이미지" descr="이미지"/>
             <p:cNvPicPr>
               <a:picLocks noChangeAspect="1"/>
             </p:cNvPicPr>
@@ -8005,7 +8014,7 @@
         </p:pic>
         <p:sp>
           <p:nvSpPr>
-            <p:cNvPr id="304" name="TextBox 12"/>
+            <p:cNvPr id="305" name="TextBox 12"/>
             <p:cNvSpPr txBox="1"/>
             <p:nvPr/>
           </p:nvSpPr>
@@ -8057,7 +8066,7 @@
       </p:grpSp>
       <p:sp>
         <p:nvSpPr>
-          <p:cNvPr id="306" name="선"/>
+          <p:cNvPr id="307" name="선"/>
           <p:cNvSpPr/>
           <p:nvPr/>
         </p:nvSpPr>
@@ -8093,7 +8102,7 @@
       </p:sp>
       <p:sp>
         <p:nvSpPr>
-          <p:cNvPr id="307" name="선"/>
+          <p:cNvPr id="308" name="선"/>
           <p:cNvSpPr/>
           <p:nvPr/>
         </p:nvSpPr>
@@ -8129,7 +8138,7 @@
       </p:sp>
       <p:grpSp>
         <p:nvGrpSpPr>
-          <p:cNvPr id="310" name="그룹 16"/>
+          <p:cNvPr id="311" name="그룹 16"/>
           <p:cNvGrpSpPr/>
           <p:nvPr/>
         </p:nvGrpSpPr>
@@ -8143,7 +8152,7 @@
         </p:grpSpPr>
         <p:pic>
           <p:nvPicPr>
-            <p:cNvPr id="308" name="그림 3" descr="그림 3"/>
+            <p:cNvPr id="309" name="그림 3" descr="그림 3"/>
             <p:cNvPicPr>
               <a:picLocks noChangeAspect="1"/>
             </p:cNvPicPr>
@@ -8174,7 +8183,7 @@
         </p:pic>
         <p:sp>
           <p:nvSpPr>
-            <p:cNvPr id="309" name="TextBox 14"/>
+            <p:cNvPr id="310" name="TextBox 14"/>
             <p:cNvSpPr txBox="1"/>
             <p:nvPr/>
           </p:nvSpPr>
@@ -8226,13 +8235,13 @@
       </p:grpSp>
       <p:grpSp>
         <p:nvGrpSpPr>
-          <p:cNvPr id="313" name="그룹 20"/>
+          <p:cNvPr id="314" name="그룹 20"/>
           <p:cNvGrpSpPr/>
           <p:nvPr/>
         </p:nvGrpSpPr>
         <p:grpSpPr>
           <a:xfrm>
-            <a:off x="14367010" y="5884818"/>
+            <a:off x="14367009" y="5884818"/>
             <a:ext cx="8758648" cy="3927055"/>
             <a:chOff x="0" y="0"/>
             <a:chExt cx="8758646" cy="3927054"/>
@@ -8240,7 +8249,7 @@
         </p:grpSpPr>
         <p:pic>
           <p:nvPicPr>
-            <p:cNvPr id="311" name="그림 9" descr="그림 9"/>
+            <p:cNvPr id="312" name="그림 9" descr="그림 9"/>
             <p:cNvPicPr>
               <a:picLocks noChangeAspect="1"/>
             </p:cNvPicPr>
@@ -8271,7 +8280,7 @@
         </p:pic>
         <p:sp>
           <p:nvSpPr>
-            <p:cNvPr id="312" name="TextBox 15"/>
+            <p:cNvPr id="313" name="TextBox 15"/>
             <p:cNvSpPr txBox="1"/>
             <p:nvPr/>
           </p:nvSpPr>
@@ -8329,7 +8338,7 @@
       </p:grpSp>
       <p:pic>
         <p:nvPicPr>
-          <p:cNvPr id="314" name="이미지" descr="이미지"/>
+          <p:cNvPr id="315" name="이미지" descr="이미지"/>
           <p:cNvPicPr>
             <a:picLocks noChangeAspect="1"/>
           </p:cNvPicPr>
@@ -8358,14 +8367,14 @@
       </p:pic>
       <p:sp>
         <p:nvSpPr>
-          <p:cNvPr id="315" name="TextBox 21"/>
+          <p:cNvPr id="316" name="TextBox 21"/>
           <p:cNvSpPr txBox="1"/>
           <p:nvPr/>
         </p:nvSpPr>
         <p:spPr>
           <a:xfrm>
-            <a:off x="11957819" y="6623050"/>
-            <a:ext cx="2017190" cy="469901"/>
+            <a:off x="11957818" y="6623049"/>
+            <a:ext cx="2017191" cy="469901"/>
           </a:xfrm>
           <a:prstGeom prst="rect">
             <a:avLst/>
@@ -8432,7 +8441,7 @@
       </p:grpSpPr>
       <p:sp>
         <p:nvSpPr>
-          <p:cNvPr id="317" name="슬라이드 번호"/>
+          <p:cNvPr id="318" name="슬라이드 번호"/>
           <p:cNvSpPr txBox="1"/>
           <p:nvPr>
             <p:ph type="sldNum" sz="quarter" idx="4294967295"/>
@@ -8463,7 +8472,7 @@
       </p:sp>
       <p:sp>
         <p:nvSpPr>
-          <p:cNvPr id="318" name="멘토링 - Modeling"/>
+          <p:cNvPr id="319" name="기대 효과"/>
           <p:cNvSpPr txBox="1"/>
           <p:nvPr>
             <p:ph type="title"/>
@@ -8472,7 +8481,7 @@
         <p:spPr>
           <a:xfrm>
             <a:off x="843969" y="993132"/>
-            <a:ext cx="23333424" cy="1902088"/>
+            <a:ext cx="10922139" cy="1902088"/>
           </a:xfrm>
           <a:prstGeom prst="rect">
             <a:avLst/>
@@ -8484,393 +8493,14 @@
           <a:p>
             <a:pPr/>
             <a:r>
-              <a:t>멘토</a:t>
-            </a:r>
-            <a:r>
-              <a:t>링</a:t>
+              <a:t>기대 효과</a:t>
             </a:r>
           </a:p>
         </p:txBody>
       </p:sp>
       <p:sp>
         <p:nvSpPr>
-          <p:cNvPr id="319" name="선"/>
-          <p:cNvSpPr/>
-          <p:nvPr/>
-        </p:nvSpPr>
-        <p:spPr>
-          <a:xfrm flipV="1">
-            <a:off x="853156" y="2606184"/>
-            <a:ext cx="23315050" cy="2"/>
-          </a:xfrm>
-          <a:prstGeom prst="line">
-            <a:avLst/>
-          </a:prstGeom>
-          <a:ln w="25400">
-            <a:solidFill>
-              <a:srgbClr val="818779"/>
-            </a:solidFill>
-            <a:miter lim="400000"/>
-          </a:ln>
-        </p:spPr>
-        <p:txBody>
-          <a:bodyPr lIns="45718" tIns="45718" rIns="45718" bIns="45718"/>
-          <a:lstStyle/>
-          <a:p>
-            <a:pPr>
-              <a:defRPr>
-                <a:solidFill>
-                  <a:srgbClr val="818779"/>
-                </a:solidFill>
-              </a:defRPr>
-            </a:pPr>
-          </a:p>
-        </p:txBody>
-      </p:sp>
-      <p:pic>
-        <p:nvPicPr>
-          <p:cNvPr id="320" name="이미지" descr="이미지"/>
-          <p:cNvPicPr>
-            <a:picLocks noChangeAspect="1"/>
-          </p:cNvPicPr>
-          <p:nvPr/>
-        </p:nvPicPr>
-        <p:blipFill>
-          <a:blip r:embed="rId2">
-            <a:extLst/>
-          </a:blip>
-          <a:stretch>
-            <a:fillRect/>
-          </a:stretch>
-        </p:blipFill>
-        <p:spPr>
-          <a:xfrm>
-            <a:off x="2954746" y="3264470"/>
-            <a:ext cx="3710854" cy="3710854"/>
-          </a:xfrm>
-          <a:prstGeom prst="rect">
-            <a:avLst/>
-          </a:prstGeom>
-          <a:ln w="12700">
-            <a:miter lim="400000"/>
-          </a:ln>
-        </p:spPr>
-      </p:pic>
-      <p:pic>
-        <p:nvPicPr>
-          <p:cNvPr id="321" name="이미지" descr="이미지"/>
-          <p:cNvPicPr>
-            <a:picLocks noChangeAspect="1"/>
-          </p:cNvPicPr>
-          <p:nvPr/>
-        </p:nvPicPr>
-        <p:blipFill>
-          <a:blip r:embed="rId3">
-            <a:extLst/>
-          </a:blip>
-          <a:stretch>
-            <a:fillRect/>
-          </a:stretch>
-        </p:blipFill>
-        <p:spPr>
-          <a:xfrm>
-            <a:off x="11415576" y="4658057"/>
-            <a:ext cx="11915083" cy="4442554"/>
-          </a:xfrm>
-          <a:prstGeom prst="rect">
-            <a:avLst/>
-          </a:prstGeom>
-          <a:ln w="12700">
-            <a:miter lim="400000"/>
-          </a:ln>
-        </p:spPr>
-      </p:pic>
-      <p:sp>
-        <p:nvSpPr>
-          <p:cNvPr id="322" name="팀이 사용하고 있는 Trello를 같이 보면서 진행사항을 모두 체크해주셨고, 이로 인해 각 항목별로 멘토님의 조언을 받을 수 있었다."/>
-          <p:cNvSpPr txBox="1"/>
-          <p:nvPr/>
-        </p:nvSpPr>
-        <p:spPr>
-          <a:xfrm>
-            <a:off x="12797835" y="9985864"/>
-            <a:ext cx="11137778" cy="2069110"/>
-          </a:xfrm>
-          <a:prstGeom prst="rect">
-            <a:avLst/>
-          </a:prstGeom>
-          <a:ln w="12700">
-            <a:miter lim="400000"/>
-          </a:ln>
-          <a:extLst>
-            <a:ext uri="{C572A759-6A51-4108-AA02-DFA0A04FC94B}">
-              <ma14:wrappingTextBoxFlag xmlns:ma14="http://schemas.microsoft.com/office/mac/drawingml/2011/main" val="1"/>
-            </a:ext>
-          </a:extLst>
-        </p:spPr>
-        <p:txBody>
-          <a:bodyPr lIns="50800" tIns="50800" rIns="50800" bIns="50800">
-            <a:normAutofit fontScale="100000" lnSpcReduction="0"/>
-          </a:bodyPr>
-          <a:lstStyle>
-            <a:lvl1pPr>
-              <a:lnSpc>
-                <a:spcPct val="150000"/>
-              </a:lnSpc>
-              <a:defRPr sz="3000">
-                <a:solidFill>
-                  <a:srgbClr val="838383"/>
-                </a:solidFill>
-                <a:latin typeface="+mn-lt"/>
-                <a:ea typeface="+mn-ea"/>
-                <a:cs typeface="+mn-cs"/>
-                <a:sym typeface="Helvetica"/>
-              </a:defRPr>
-            </a:lvl1pPr>
-          </a:lstStyle>
-          <a:p>
-            <a:pPr/>
-            <a:r>
-              <a:t>팀이 사용하고 있는 Trello를 같이 보면서 진행사항을 모두 체크해주셨고, 이로 인해 각 항목별로 멘토님의 조언을 받을 수 있었다.</a:t>
-            </a:r>
-          </a:p>
-        </p:txBody>
-      </p:sp>
-      <p:sp>
-        <p:nvSpPr>
-          <p:cNvPr id="323" name="Modeling 방향에 대해서도 많은 조언"/>
-          <p:cNvSpPr txBox="1"/>
-          <p:nvPr/>
-        </p:nvSpPr>
-        <p:spPr>
-          <a:xfrm>
-            <a:off x="1964235" y="7620907"/>
-            <a:ext cx="6626332" cy="715798"/>
-          </a:xfrm>
-          <a:prstGeom prst="rect">
-            <a:avLst/>
-          </a:prstGeom>
-          <a:ln w="12700">
-            <a:miter lim="400000"/>
-          </a:ln>
-          <a:extLst>
-            <a:ext uri="{C572A759-6A51-4108-AA02-DFA0A04FC94B}">
-              <ma14:wrappingTextBoxFlag xmlns:ma14="http://schemas.microsoft.com/office/mac/drawingml/2011/main" val="1"/>
-            </a:ext>
-          </a:extLst>
-        </p:spPr>
-        <p:txBody>
-          <a:bodyPr lIns="50800" tIns="50800" rIns="50800" bIns="50800">
-            <a:normAutofit fontScale="100000" lnSpcReduction="0"/>
-          </a:bodyPr>
-          <a:lstStyle/>
-          <a:p>
-            <a:pPr>
-              <a:lnSpc>
-                <a:spcPct val="150000"/>
-              </a:lnSpc>
-              <a:defRPr sz="3000">
-                <a:solidFill>
-                  <a:srgbClr val="838383"/>
-                </a:solidFill>
-                <a:latin typeface="+mn-lt"/>
-                <a:ea typeface="+mn-ea"/>
-                <a:cs typeface="+mn-cs"/>
-                <a:sym typeface="Helvetica"/>
-              </a:defRPr>
-            </a:pPr>
-            <a:r>
-              <a:t>AI </a:t>
-            </a:r>
-            <a:r>
-              <a:t>모델 개발</a:t>
-            </a:r>
-            <a:r>
-              <a:t>에 대</a:t>
-            </a:r>
-            <a:r>
-              <a:t>한</a:t>
-            </a:r>
-            <a:r>
-              <a:t> </a:t>
-            </a:r>
-            <a:r>
-              <a:t>구체적인</a:t>
-            </a:r>
-            <a:r>
-              <a:t> 조언</a:t>
-            </a:r>
-          </a:p>
-        </p:txBody>
-      </p:sp>
-      <p:pic>
-        <p:nvPicPr>
-          <p:cNvPr id="324" name="이미지" descr="이미지"/>
-          <p:cNvPicPr>
-            <a:picLocks noChangeAspect="1"/>
-          </p:cNvPicPr>
-          <p:nvPr/>
-        </p:nvPicPr>
-        <p:blipFill>
-          <a:blip r:embed="rId4">
-            <a:extLst/>
-          </a:blip>
-          <a:stretch>
-            <a:fillRect/>
-          </a:stretch>
-        </p:blipFill>
-        <p:spPr>
-          <a:xfrm>
-            <a:off x="3489088" y="8775923"/>
-            <a:ext cx="3179693" cy="3179692"/>
-          </a:xfrm>
-          <a:prstGeom prst="rect">
-            <a:avLst/>
-          </a:prstGeom>
-          <a:ln w="12700">
-            <a:miter lim="400000"/>
-          </a:ln>
-        </p:spPr>
-      </p:pic>
-      <p:sp>
-        <p:nvSpPr>
-          <p:cNvPr id="325" name="그 밖에도 실무에서 사용하는 유용한 정보들에 대해서도 많은 조언"/>
-          <p:cNvSpPr txBox="1"/>
-          <p:nvPr/>
-        </p:nvSpPr>
-        <p:spPr>
-          <a:xfrm>
-            <a:off x="307636" y="12394831"/>
-            <a:ext cx="11884363" cy="948865"/>
-          </a:xfrm>
-          <a:prstGeom prst="rect">
-            <a:avLst/>
-          </a:prstGeom>
-          <a:ln w="12700">
-            <a:miter lim="400000"/>
-          </a:ln>
-          <a:extLst>
-            <a:ext uri="{C572A759-6A51-4108-AA02-DFA0A04FC94B}">
-              <ma14:wrappingTextBoxFlag xmlns:ma14="http://schemas.microsoft.com/office/mac/drawingml/2011/main" val="1"/>
-            </a:ext>
-          </a:extLst>
-        </p:spPr>
-        <p:txBody>
-          <a:bodyPr lIns="50800" tIns="50800" rIns="50800" bIns="50800">
-            <a:normAutofit fontScale="100000" lnSpcReduction="0"/>
-          </a:bodyPr>
-          <a:lstStyle>
-            <a:lvl1pPr>
-              <a:lnSpc>
-                <a:spcPct val="150000"/>
-              </a:lnSpc>
-              <a:defRPr sz="3000">
-                <a:solidFill>
-                  <a:srgbClr val="838383"/>
-                </a:solidFill>
-                <a:latin typeface="+mn-lt"/>
-                <a:ea typeface="+mn-ea"/>
-                <a:cs typeface="+mn-cs"/>
-                <a:sym typeface="Helvetica"/>
-              </a:defRPr>
-            </a:lvl1pPr>
-          </a:lstStyle>
-          <a:p>
-            <a:pPr/>
-            <a:r>
-              <a:t>그 밖에도 실무에서 사용하는 유용한 정보들에 대해서도 많은 조언</a:t>
-            </a:r>
-          </a:p>
-        </p:txBody>
-      </p:sp>
-    </p:spTree>
-  </p:cSld>
-  <p:clrMapOvr>
-    <a:masterClrMapping/>
-  </p:clrMapOvr>
-  <p:transition xmlns:p14="http://schemas.microsoft.com/office/powerpoint/2010/main" spd="med" advClick="1"/>
-</p:sld>
-</file>
-
-<file path=ppt/slides/slide19.xml><?xml version="1.0" encoding="utf-8"?>
-<p:sld xmlns:a="http://schemas.openxmlformats.org/drawingml/2006/main" xmlns:r="http://schemas.openxmlformats.org/officeDocument/2006/relationships" xmlns:p="http://schemas.openxmlformats.org/presentationml/2006/main" xmlns:m="http://schemas.openxmlformats.org/officeDocument/2006/math" xmlns:a14="http://schemas.microsoft.com/office/drawing/2010/main" showMasterSp="1" showMasterPhAnim="1">
-  <p:cSld>
-    <p:spTree>
-      <p:nvGrpSpPr>
-        <p:cNvPr id="1" name=""/>
-        <p:cNvGrpSpPr/>
-        <p:nvPr/>
-      </p:nvGrpSpPr>
-      <p:grpSpPr>
-        <a:xfrm>
-          <a:off x="0" y="0"/>
-          <a:ext cx="0" cy="0"/>
-          <a:chOff x="0" y="0"/>
-          <a:chExt cx="0" cy="0"/>
-        </a:xfrm>
-      </p:grpSpPr>
-      <p:sp>
-        <p:nvSpPr>
-          <p:cNvPr id="327" name="슬라이드 번호"/>
-          <p:cNvSpPr txBox="1"/>
-          <p:nvPr>
-            <p:ph type="sldNum" sz="quarter" idx="4294967295"/>
-          </p:nvPr>
-        </p:nvSpPr>
-        <p:spPr>
-          <a:xfrm>
-            <a:off x="22927548" y="12437698"/>
-            <a:ext cx="467458" cy="482601"/>
-          </a:xfrm>
-          <a:prstGeom prst="rect">
-            <a:avLst/>
-          </a:prstGeom>
-          <a:extLst>
-            <a:ext uri="{C572A759-6A51-4108-AA02-DFA0A04FC94B}">
-              <ma14:wrappingTextBoxFlag xmlns:ma14="http://schemas.microsoft.com/office/mac/drawingml/2011/main" val="1"/>
-            </a:ext>
-          </a:extLst>
-        </p:spPr>
-        <p:txBody>
-          <a:bodyPr/>
-          <a:lstStyle/>
-          <a:p>
-            <a:pPr/>
-            <a:fld id="{86CB4B4D-7CA3-9044-876B-883B54F8677D}" type="slidenum"/>
-          </a:p>
-        </p:txBody>
-      </p:sp>
-      <p:sp>
-        <p:nvSpPr>
-          <p:cNvPr id="328" name="기대 효과"/>
-          <p:cNvSpPr txBox="1"/>
-          <p:nvPr>
-            <p:ph type="title"/>
-          </p:nvPr>
-        </p:nvSpPr>
-        <p:spPr>
-          <a:xfrm>
-            <a:off x="843969" y="993132"/>
-            <a:ext cx="10922139" cy="1902088"/>
-          </a:xfrm>
-          <a:prstGeom prst="rect">
-            <a:avLst/>
-          </a:prstGeom>
-        </p:spPr>
-        <p:txBody>
-          <a:bodyPr/>
-          <a:lstStyle/>
-          <a:p>
-            <a:pPr/>
-            <a:r>
-              <a:t>기대 효과</a:t>
-            </a:r>
-          </a:p>
-        </p:txBody>
-      </p:sp>
-      <p:sp>
-        <p:nvSpPr>
-          <p:cNvPr id="329" name="도형"/>
+          <p:cNvPr id="320" name="도형"/>
           <p:cNvSpPr/>
           <p:nvPr/>
         </p:nvSpPr>
@@ -8980,7 +8610,7 @@
       </p:sp>
       <p:sp>
         <p:nvSpPr>
-          <p:cNvPr id="330" name="도형"/>
+          <p:cNvPr id="321" name="도형"/>
           <p:cNvSpPr/>
           <p:nvPr/>
         </p:nvSpPr>
@@ -9090,7 +8720,7 @@
       </p:sp>
       <p:sp>
         <p:nvSpPr>
-          <p:cNvPr id="331" name="삼각형"/>
+          <p:cNvPr id="322" name="삼각형"/>
           <p:cNvSpPr/>
           <p:nvPr/>
         </p:nvSpPr>
@@ -9160,7 +8790,7 @@
       </p:sp>
       <p:sp>
         <p:nvSpPr>
-          <p:cNvPr id="332" name="삼각형"/>
+          <p:cNvPr id="323" name="삼각형"/>
           <p:cNvSpPr/>
           <p:nvPr/>
         </p:nvSpPr>
@@ -9230,7 +8860,7 @@
       </p:sp>
       <p:sp>
         <p:nvSpPr>
-          <p:cNvPr id="333" name="선"/>
+          <p:cNvPr id="324" name="선"/>
           <p:cNvSpPr/>
           <p:nvPr/>
         </p:nvSpPr>
@@ -9265,7 +8895,7 @@
       </p:sp>
       <p:sp>
         <p:nvSpPr>
-          <p:cNvPr id="334" name="자신의 얼굴형에 대한 정확한 인지"/>
+          <p:cNvPr id="325" name="자신의 얼굴형에 대한 정확한 인지"/>
           <p:cNvSpPr txBox="1"/>
           <p:nvPr/>
         </p:nvSpPr>
@@ -9339,7 +8969,7 @@
       </p:sp>
       <p:sp>
         <p:nvSpPr>
-          <p:cNvPr id="335" name="선"/>
+          <p:cNvPr id="326" name="선"/>
           <p:cNvSpPr/>
           <p:nvPr/>
         </p:nvSpPr>
@@ -9374,7 +9004,7 @@
       </p:sp>
       <p:sp>
         <p:nvSpPr>
-          <p:cNvPr id="336" name="자신의 얼굴형에 어울리는 헤어스타일 시도"/>
+          <p:cNvPr id="327" name="자신의 얼굴형에 어울리는 헤어스타일 시도"/>
           <p:cNvSpPr txBox="1"/>
           <p:nvPr/>
         </p:nvSpPr>
@@ -9448,7 +9078,7 @@
       </p:sp>
       <p:sp>
         <p:nvSpPr>
-          <p:cNvPr id="337" name="AI 접근성 향상"/>
+          <p:cNvPr id="328" name="AI 접근성 향상"/>
           <p:cNvSpPr txBox="1"/>
           <p:nvPr/>
         </p:nvSpPr>
@@ -9499,7 +9129,7 @@
       </p:sp>
       <p:sp>
         <p:nvSpPr>
-          <p:cNvPr id="338" name="선"/>
+          <p:cNvPr id="329" name="선"/>
           <p:cNvSpPr/>
           <p:nvPr/>
         </p:nvSpPr>
@@ -9529,6 +9159,385 @@
                 </a:solidFill>
               </a:defRPr>
             </a:pPr>
+          </a:p>
+        </p:txBody>
+      </p:sp>
+    </p:spTree>
+  </p:cSld>
+  <p:clrMapOvr>
+    <a:masterClrMapping/>
+  </p:clrMapOvr>
+  <p:transition xmlns:p14="http://schemas.microsoft.com/office/powerpoint/2010/main" spd="med" advClick="1"/>
+</p:sld>
+</file>
+
+<file path=ppt/slides/slide19.xml><?xml version="1.0" encoding="utf-8"?>
+<p:sld xmlns:a="http://schemas.openxmlformats.org/drawingml/2006/main" xmlns:r="http://schemas.openxmlformats.org/officeDocument/2006/relationships" xmlns:p="http://schemas.openxmlformats.org/presentationml/2006/main" xmlns:m="http://schemas.openxmlformats.org/officeDocument/2006/math" xmlns:a14="http://schemas.microsoft.com/office/drawing/2010/main" showMasterSp="1" showMasterPhAnim="1">
+  <p:cSld>
+    <p:spTree>
+      <p:nvGrpSpPr>
+        <p:cNvPr id="1" name=""/>
+        <p:cNvGrpSpPr/>
+        <p:nvPr/>
+      </p:nvGrpSpPr>
+      <p:grpSpPr>
+        <a:xfrm>
+          <a:off x="0" y="0"/>
+          <a:ext cx="0" cy="0"/>
+          <a:chOff x="0" y="0"/>
+          <a:chExt cx="0" cy="0"/>
+        </a:xfrm>
+      </p:grpSpPr>
+      <p:sp>
+        <p:nvSpPr>
+          <p:cNvPr id="331" name="슬라이드 번호"/>
+          <p:cNvSpPr txBox="1"/>
+          <p:nvPr>
+            <p:ph type="sldNum" sz="quarter" idx="4294967295"/>
+          </p:nvPr>
+        </p:nvSpPr>
+        <p:spPr>
+          <a:xfrm>
+            <a:off x="22927548" y="12437698"/>
+            <a:ext cx="467458" cy="482601"/>
+          </a:xfrm>
+          <a:prstGeom prst="rect">
+            <a:avLst/>
+          </a:prstGeom>
+          <a:extLst>
+            <a:ext uri="{C572A759-6A51-4108-AA02-DFA0A04FC94B}">
+              <ma14:wrappingTextBoxFlag xmlns:ma14="http://schemas.microsoft.com/office/mac/drawingml/2011/main" val="1"/>
+            </a:ext>
+          </a:extLst>
+        </p:spPr>
+        <p:txBody>
+          <a:bodyPr/>
+          <a:lstStyle/>
+          <a:p>
+            <a:pPr/>
+            <a:fld id="{86CB4B4D-7CA3-9044-876B-883B54F8677D}" type="slidenum"/>
+          </a:p>
+        </p:txBody>
+      </p:sp>
+      <p:sp>
+        <p:nvSpPr>
+          <p:cNvPr id="332" name="멘토링 - Modeling"/>
+          <p:cNvSpPr txBox="1"/>
+          <p:nvPr>
+            <p:ph type="title"/>
+          </p:nvPr>
+        </p:nvSpPr>
+        <p:spPr>
+          <a:xfrm>
+            <a:off x="843969" y="993132"/>
+            <a:ext cx="23333424" cy="1902088"/>
+          </a:xfrm>
+          <a:prstGeom prst="rect">
+            <a:avLst/>
+          </a:prstGeom>
+        </p:spPr>
+        <p:txBody>
+          <a:bodyPr/>
+          <a:lstStyle/>
+          <a:p>
+            <a:pPr/>
+            <a:r>
+              <a:t>멘토</a:t>
+            </a:r>
+            <a:r>
+              <a:t>링</a:t>
+            </a:r>
+          </a:p>
+        </p:txBody>
+      </p:sp>
+      <p:sp>
+        <p:nvSpPr>
+          <p:cNvPr id="333" name="선"/>
+          <p:cNvSpPr/>
+          <p:nvPr/>
+        </p:nvSpPr>
+        <p:spPr>
+          <a:xfrm flipV="1">
+            <a:off x="853156" y="2606184"/>
+            <a:ext cx="23315050" cy="2"/>
+          </a:xfrm>
+          <a:prstGeom prst="line">
+            <a:avLst/>
+          </a:prstGeom>
+          <a:ln w="25400">
+            <a:solidFill>
+              <a:srgbClr val="818779"/>
+            </a:solidFill>
+            <a:miter lim="400000"/>
+          </a:ln>
+        </p:spPr>
+        <p:txBody>
+          <a:bodyPr lIns="45718" tIns="45718" rIns="45718" bIns="45718"/>
+          <a:lstStyle/>
+          <a:p>
+            <a:pPr>
+              <a:defRPr>
+                <a:solidFill>
+                  <a:srgbClr val="818779"/>
+                </a:solidFill>
+              </a:defRPr>
+            </a:pPr>
+          </a:p>
+        </p:txBody>
+      </p:sp>
+      <p:pic>
+        <p:nvPicPr>
+          <p:cNvPr id="334" name="이미지" descr="이미지"/>
+          <p:cNvPicPr>
+            <a:picLocks noChangeAspect="1"/>
+          </p:cNvPicPr>
+          <p:nvPr/>
+        </p:nvPicPr>
+        <p:blipFill>
+          <a:blip r:embed="rId2">
+            <a:extLst/>
+          </a:blip>
+          <a:stretch>
+            <a:fillRect/>
+          </a:stretch>
+        </p:blipFill>
+        <p:spPr>
+          <a:xfrm>
+            <a:off x="2954746" y="3264470"/>
+            <a:ext cx="3710854" cy="3710854"/>
+          </a:xfrm>
+          <a:prstGeom prst="rect">
+            <a:avLst/>
+          </a:prstGeom>
+          <a:ln w="12700">
+            <a:miter lim="400000"/>
+          </a:ln>
+        </p:spPr>
+      </p:pic>
+      <p:pic>
+        <p:nvPicPr>
+          <p:cNvPr id="335" name="이미지" descr="이미지"/>
+          <p:cNvPicPr>
+            <a:picLocks noChangeAspect="1"/>
+          </p:cNvPicPr>
+          <p:nvPr/>
+        </p:nvPicPr>
+        <p:blipFill>
+          <a:blip r:embed="rId3">
+            <a:extLst/>
+          </a:blip>
+          <a:stretch>
+            <a:fillRect/>
+          </a:stretch>
+        </p:blipFill>
+        <p:spPr>
+          <a:xfrm>
+            <a:off x="11415576" y="4658057"/>
+            <a:ext cx="11915083" cy="4442554"/>
+          </a:xfrm>
+          <a:prstGeom prst="rect">
+            <a:avLst/>
+          </a:prstGeom>
+          <a:ln w="12700">
+            <a:miter lim="400000"/>
+          </a:ln>
+        </p:spPr>
+      </p:pic>
+      <p:sp>
+        <p:nvSpPr>
+          <p:cNvPr id="336" name="팀이 사용하고 있는 Trello를 같이 보면서 진행사항을 모두 체크해주셨고, 이로 인해 각 항목별로 멘토님의 조언을 받을 수 있었다."/>
+          <p:cNvSpPr txBox="1"/>
+          <p:nvPr/>
+        </p:nvSpPr>
+        <p:spPr>
+          <a:xfrm>
+            <a:off x="12797835" y="9985864"/>
+            <a:ext cx="11137778" cy="2069110"/>
+          </a:xfrm>
+          <a:prstGeom prst="rect">
+            <a:avLst/>
+          </a:prstGeom>
+          <a:ln w="12700">
+            <a:miter lim="400000"/>
+          </a:ln>
+          <a:extLst>
+            <a:ext uri="{C572A759-6A51-4108-AA02-DFA0A04FC94B}">
+              <ma14:wrappingTextBoxFlag xmlns:ma14="http://schemas.microsoft.com/office/mac/drawingml/2011/main" val="1"/>
+            </a:ext>
+          </a:extLst>
+        </p:spPr>
+        <p:txBody>
+          <a:bodyPr lIns="50800" tIns="50800" rIns="50800" bIns="50800">
+            <a:normAutofit fontScale="100000" lnSpcReduction="0"/>
+          </a:bodyPr>
+          <a:lstStyle>
+            <a:lvl1pPr>
+              <a:lnSpc>
+                <a:spcPct val="150000"/>
+              </a:lnSpc>
+              <a:defRPr sz="3000">
+                <a:solidFill>
+                  <a:srgbClr val="838383"/>
+                </a:solidFill>
+                <a:latin typeface="+mn-lt"/>
+                <a:ea typeface="+mn-ea"/>
+                <a:cs typeface="+mn-cs"/>
+                <a:sym typeface="Helvetica"/>
+              </a:defRPr>
+            </a:lvl1pPr>
+          </a:lstStyle>
+          <a:p>
+            <a:pPr/>
+            <a:r>
+              <a:t>팀이 사용하고 있는 Trello를 같이 보면서 진행사항을 모두 체크해주셨고, 이로 인해 각 항목별로 멘토님의 조언을 받을 수 있었다.</a:t>
+            </a:r>
+          </a:p>
+        </p:txBody>
+      </p:sp>
+      <p:sp>
+        <p:nvSpPr>
+          <p:cNvPr id="337" name="Modeling 방향에 대해서도 많은 조언"/>
+          <p:cNvSpPr txBox="1"/>
+          <p:nvPr/>
+        </p:nvSpPr>
+        <p:spPr>
+          <a:xfrm>
+            <a:off x="1964235" y="7620907"/>
+            <a:ext cx="6626332" cy="715798"/>
+          </a:xfrm>
+          <a:prstGeom prst="rect">
+            <a:avLst/>
+          </a:prstGeom>
+          <a:ln w="12700">
+            <a:miter lim="400000"/>
+          </a:ln>
+          <a:extLst>
+            <a:ext uri="{C572A759-6A51-4108-AA02-DFA0A04FC94B}">
+              <ma14:wrappingTextBoxFlag xmlns:ma14="http://schemas.microsoft.com/office/mac/drawingml/2011/main" val="1"/>
+            </a:ext>
+          </a:extLst>
+        </p:spPr>
+        <p:txBody>
+          <a:bodyPr lIns="50800" tIns="50800" rIns="50800" bIns="50800">
+            <a:normAutofit fontScale="100000" lnSpcReduction="0"/>
+          </a:bodyPr>
+          <a:lstStyle/>
+          <a:p>
+            <a:pPr>
+              <a:lnSpc>
+                <a:spcPct val="150000"/>
+              </a:lnSpc>
+              <a:defRPr sz="3000">
+                <a:solidFill>
+                  <a:srgbClr val="838383"/>
+                </a:solidFill>
+                <a:latin typeface="+mn-lt"/>
+                <a:ea typeface="+mn-ea"/>
+                <a:cs typeface="+mn-cs"/>
+                <a:sym typeface="Helvetica"/>
+              </a:defRPr>
+            </a:pPr>
+            <a:r>
+              <a:t>AI </a:t>
+            </a:r>
+            <a:r>
+              <a:t>모델 개발</a:t>
+            </a:r>
+            <a:r>
+              <a:t>에 대</a:t>
+            </a:r>
+            <a:r>
+              <a:t>한</a:t>
+            </a:r>
+            <a:r>
+              <a:t> </a:t>
+            </a:r>
+            <a:r>
+              <a:t>구체적인</a:t>
+            </a:r>
+            <a:r>
+              <a:t> 조언</a:t>
+            </a:r>
+          </a:p>
+        </p:txBody>
+      </p:sp>
+      <p:pic>
+        <p:nvPicPr>
+          <p:cNvPr id="338" name="이미지" descr="이미지"/>
+          <p:cNvPicPr>
+            <a:picLocks noChangeAspect="1"/>
+          </p:cNvPicPr>
+          <p:nvPr/>
+        </p:nvPicPr>
+        <p:blipFill>
+          <a:blip r:embed="rId4">
+            <a:extLst/>
+          </a:blip>
+          <a:stretch>
+            <a:fillRect/>
+          </a:stretch>
+        </p:blipFill>
+        <p:spPr>
+          <a:xfrm>
+            <a:off x="3489088" y="8775923"/>
+            <a:ext cx="3179693" cy="3179692"/>
+          </a:xfrm>
+          <a:prstGeom prst="rect">
+            <a:avLst/>
+          </a:prstGeom>
+          <a:ln w="12700">
+            <a:miter lim="400000"/>
+          </a:ln>
+        </p:spPr>
+      </p:pic>
+      <p:sp>
+        <p:nvSpPr>
+          <p:cNvPr id="339" name="그 밖에도 실무에서 사용하는 유용한 정보들에 대해서도 많은 조언"/>
+          <p:cNvSpPr txBox="1"/>
+          <p:nvPr/>
+        </p:nvSpPr>
+        <p:spPr>
+          <a:xfrm>
+            <a:off x="307636" y="12394831"/>
+            <a:ext cx="11884363" cy="948865"/>
+          </a:xfrm>
+          <a:prstGeom prst="rect">
+            <a:avLst/>
+          </a:prstGeom>
+          <a:ln w="12700">
+            <a:miter lim="400000"/>
+          </a:ln>
+          <a:extLst>
+            <a:ext uri="{C572A759-6A51-4108-AA02-DFA0A04FC94B}">
+              <ma14:wrappingTextBoxFlag xmlns:ma14="http://schemas.microsoft.com/office/mac/drawingml/2011/main" val="1"/>
+            </a:ext>
+          </a:extLst>
+        </p:spPr>
+        <p:txBody>
+          <a:bodyPr lIns="50800" tIns="50800" rIns="50800" bIns="50800">
+            <a:normAutofit fontScale="100000" lnSpcReduction="0"/>
+          </a:bodyPr>
+          <a:lstStyle>
+            <a:lvl1pPr>
+              <a:lnSpc>
+                <a:spcPct val="150000"/>
+              </a:lnSpc>
+              <a:defRPr sz="3000">
+                <a:solidFill>
+                  <a:srgbClr val="838383"/>
+                </a:solidFill>
+                <a:latin typeface="+mn-lt"/>
+                <a:ea typeface="+mn-ea"/>
+                <a:cs typeface="+mn-cs"/>
+                <a:sym typeface="Helvetica"/>
+              </a:defRPr>
+            </a:lvl1pPr>
+          </a:lstStyle>
+          <a:p>
+            <a:pPr/>
+            <a:r>
+              <a:t>그 밖에도 실무에서 사용하는 유용한 정보들에 대해서도 많은 조언</a:t>
+            </a:r>
           </a:p>
         </p:txBody>
       </p:sp>
@@ -10276,7 +10285,7 @@
       </p:grpSpPr>
       <p:sp>
         <p:nvSpPr>
-          <p:cNvPr id="340" name="직사각형"/>
+          <p:cNvPr id="341" name="직사각형"/>
           <p:cNvSpPr/>
           <p:nvPr/>
         </p:nvSpPr>
@@ -10315,7 +10324,7 @@
       </p:sp>
       <p:sp>
         <p:nvSpPr>
-          <p:cNvPr id="341" name="선"/>
+          <p:cNvPr id="342" name="선"/>
           <p:cNvSpPr/>
           <p:nvPr/>
         </p:nvSpPr>
@@ -10350,7 +10359,7 @@
       </p:sp>
       <p:sp>
         <p:nvSpPr>
-          <p:cNvPr id="342" name="Thank you"/>
+          <p:cNvPr id="343" name="Thank you"/>
           <p:cNvSpPr txBox="1"/>
           <p:nvPr>
             <p:ph type="title"/>
@@ -11075,8 +11084,8 @@
         </p:nvSpPr>
         <p:spPr>
           <a:xfrm>
-            <a:off x="2078394" y="8329004"/>
-            <a:ext cx="1814680" cy="751387"/>
+            <a:off x="2291932" y="8401205"/>
+            <a:ext cx="1387610" cy="606984"/>
           </a:xfrm>
           <a:prstGeom prst="rect">
             <a:avLst/>
@@ -11126,8 +11135,8 @@
         </p:nvSpPr>
         <p:spPr>
           <a:xfrm>
-            <a:off x="6681527" y="8329004"/>
-            <a:ext cx="1814680" cy="751387"/>
+            <a:off x="6895064" y="8401205"/>
+            <a:ext cx="1387609" cy="606984"/>
           </a:xfrm>
           <a:prstGeom prst="rect">
             <a:avLst/>
@@ -11177,8 +11186,8 @@
         </p:nvSpPr>
         <p:spPr>
           <a:xfrm>
-            <a:off x="11277549" y="8329004"/>
-            <a:ext cx="1814682" cy="751387"/>
+            <a:off x="11498195" y="8401205"/>
+            <a:ext cx="1387610" cy="606984"/>
           </a:xfrm>
           <a:prstGeom prst="rect">
             <a:avLst/>
@@ -11228,8 +11237,8 @@
         </p:nvSpPr>
         <p:spPr>
           <a:xfrm>
-            <a:off x="15887793" y="8329004"/>
-            <a:ext cx="1814679" cy="751387"/>
+            <a:off x="16101327" y="8401205"/>
+            <a:ext cx="1387609" cy="606984"/>
           </a:xfrm>
           <a:prstGeom prst="rect">
             <a:avLst/>
@@ -11279,8 +11288,8 @@
         </p:nvSpPr>
         <p:spPr>
           <a:xfrm>
-            <a:off x="20490926" y="8329004"/>
-            <a:ext cx="1814679" cy="751387"/>
+            <a:off x="20704460" y="8290871"/>
+            <a:ext cx="1387609" cy="606984"/>
           </a:xfrm>
           <a:prstGeom prst="rect">
             <a:avLst/>
@@ -12296,8 +12305,8 @@
         </p:nvSpPr>
         <p:spPr>
           <a:xfrm>
-            <a:off x="7235969" y="7438943"/>
-            <a:ext cx="4492174" cy="1176635"/>
+            <a:off x="6659257" y="7438943"/>
+            <a:ext cx="3751851" cy="1176635"/>
           </a:xfrm>
           <a:prstGeom prst="rect">
             <a:avLst/>
@@ -12345,8 +12354,8 @@
         </p:nvSpPr>
         <p:spPr>
           <a:xfrm>
-            <a:off x="13570048" y="7651567"/>
-            <a:ext cx="3587821" cy="751387"/>
+            <a:off x="13972893" y="7651567"/>
+            <a:ext cx="3587820" cy="751387"/>
           </a:xfrm>
           <a:prstGeom prst="rect">
             <a:avLst/>
@@ -12416,6 +12425,53 @@
                 </a:solidFill>
               </a:defRPr>
             </a:pPr>
+          </a:p>
+        </p:txBody>
+      </p:sp>
+      <p:sp>
+        <p:nvSpPr>
+          <p:cNvPr id="101" name="Object Detection"/>
+          <p:cNvSpPr txBox="1"/>
+          <p:nvPr/>
+        </p:nvSpPr>
+        <p:spPr>
+          <a:xfrm>
+            <a:off x="11410624" y="7651567"/>
+            <a:ext cx="1562752" cy="751387"/>
+          </a:xfrm>
+          <a:prstGeom prst="rect">
+            <a:avLst/>
+          </a:prstGeom>
+          <a:ln w="12700">
+            <a:miter lim="400000"/>
+          </a:ln>
+          <a:extLst>
+            <a:ext uri="{C572A759-6A51-4108-AA02-DFA0A04FC94B}">
+              <ma14:wrappingTextBoxFlag xmlns:ma14="http://schemas.microsoft.com/office/mac/drawingml/2011/main" val="1"/>
+            </a:ext>
+          </a:extLst>
+        </p:spPr>
+        <p:txBody>
+          <a:bodyPr lIns="71436" tIns="71436" rIns="71436" bIns="71436">
+            <a:normAutofit fontScale="100000" lnSpcReduction="0"/>
+          </a:bodyPr>
+          <a:lstStyle>
+            <a:lvl1pPr defTabSz="2340804">
+              <a:lnSpc>
+                <a:spcPct val="120000"/>
+              </a:lnSpc>
+              <a:defRPr sz="4000">
+                <a:solidFill>
+                  <a:srgbClr val="555455"/>
+                </a:solidFill>
+              </a:defRPr>
+            </a:lvl1pPr>
+          </a:lstStyle>
+          <a:p>
+            <a:pPr/>
+            <a:r>
+              <a:t>H A I</a:t>
+            </a:r>
           </a:p>
         </p:txBody>
       </p:sp>
@@ -12447,7 +12503,7 @@
       </p:grpSpPr>
       <p:sp>
         <p:nvSpPr>
-          <p:cNvPr id="102" name="프로젝트 개요 - 목표"/>
+          <p:cNvPr id="103" name="프로젝트 개요 - 목표"/>
           <p:cNvSpPr txBox="1"/>
           <p:nvPr>
             <p:ph type="title"/>
@@ -12475,7 +12531,7 @@
       </p:sp>
       <p:sp>
         <p:nvSpPr>
-          <p:cNvPr id="103" name="슬라이드 번호"/>
+          <p:cNvPr id="104" name="슬라이드 번호"/>
           <p:cNvSpPr txBox="1"/>
           <p:nvPr>
             <p:ph type="sldNum" sz="quarter" idx="4294967295"/>
@@ -12506,7 +12562,7 @@
       </p:sp>
       <p:sp>
         <p:nvSpPr>
-          <p:cNvPr id="104" name="삼각형"/>
+          <p:cNvPr id="105" name="삼각형"/>
           <p:cNvSpPr/>
           <p:nvPr/>
         </p:nvSpPr>
@@ -12576,7 +12632,7 @@
       </p:sp>
       <p:sp>
         <p:nvSpPr>
-          <p:cNvPr id="105" name="Face Landmark…"/>
+          <p:cNvPr id="106" name="Face Landmark…"/>
           <p:cNvSpPr txBox="1"/>
           <p:nvPr/>
         </p:nvSpPr>
@@ -12644,7 +12700,7 @@
       </p:sp>
       <p:sp>
         <p:nvSpPr>
-          <p:cNvPr id="106" name="Classify Facialization"/>
+          <p:cNvPr id="107" name="Classify Facialization"/>
           <p:cNvSpPr txBox="1"/>
           <p:nvPr/>
         </p:nvSpPr>
@@ -12695,7 +12751,7 @@
       </p:sp>
       <p:sp>
         <p:nvSpPr>
-          <p:cNvPr id="107" name="Hairstyle recommendation"/>
+          <p:cNvPr id="108" name="Hairstyle recommendation"/>
           <p:cNvSpPr txBox="1"/>
           <p:nvPr/>
         </p:nvSpPr>
@@ -12746,7 +12802,7 @@
       </p:sp>
       <p:sp>
         <p:nvSpPr>
-          <p:cNvPr id="108" name="Goal"/>
+          <p:cNvPr id="109" name="Goal"/>
           <p:cNvSpPr txBox="1"/>
           <p:nvPr/>
         </p:nvSpPr>
@@ -12797,7 +12853,7 @@
       </p:sp>
       <p:sp>
         <p:nvSpPr>
-          <p:cNvPr id="109" name="얼굴형 기반 헤어스타일 추천"/>
+          <p:cNvPr id="110" name="얼굴형 기반 헤어스타일 추천"/>
           <p:cNvSpPr txBox="1"/>
           <p:nvPr/>
         </p:nvSpPr>
@@ -12848,7 +12904,7 @@
       </p:sp>
       <p:sp>
         <p:nvSpPr>
-          <p:cNvPr id="110" name="선"/>
+          <p:cNvPr id="111" name="선"/>
           <p:cNvSpPr/>
           <p:nvPr/>
         </p:nvSpPr>
@@ -12883,7 +12939,7 @@
       </p:sp>
       <p:pic>
         <p:nvPicPr>
-          <p:cNvPr id="111" name="이미지" descr="이미지"/>
+          <p:cNvPr id="112" name="이미지" descr="이미지"/>
           <p:cNvPicPr>
             <a:picLocks noChangeAspect="1"/>
           </p:cNvPicPr>
@@ -12912,7 +12968,7 @@
       </p:pic>
       <p:sp>
         <p:nvSpPr>
-          <p:cNvPr id="112" name="다양한 헤어스타일에 대한 욕구와 시도"/>
+          <p:cNvPr id="113" name="다양한 헤어스타일에 대한 욕구와 시도"/>
           <p:cNvSpPr txBox="1"/>
           <p:nvPr/>
         </p:nvSpPr>
@@ -12963,7 +13019,7 @@
       </p:sp>
       <p:pic>
         <p:nvPicPr>
-          <p:cNvPr id="113" name="이미지" descr="이미지"/>
+          <p:cNvPr id="114" name="이미지" descr="이미지"/>
           <p:cNvPicPr>
             <a:picLocks noChangeAspect="1"/>
           </p:cNvPicPr>
@@ -12992,7 +13048,7 @@
       </p:pic>
       <p:sp>
         <p:nvSpPr>
-          <p:cNvPr id="114" name="자신의 얼굴형에 대한 무지"/>
+          <p:cNvPr id="115" name="자신의 얼굴형에 대한 무지"/>
           <p:cNvSpPr txBox="1"/>
           <p:nvPr/>
         </p:nvSpPr>
@@ -13043,7 +13099,7 @@
       </p:sp>
       <p:grpSp>
         <p:nvGrpSpPr>
-          <p:cNvPr id="119" name="그룹"/>
+          <p:cNvPr id="120" name="그룹"/>
           <p:cNvGrpSpPr/>
           <p:nvPr/>
         </p:nvGrpSpPr>
@@ -13057,7 +13113,7 @@
         </p:grpSpPr>
         <p:sp>
           <p:nvSpPr>
-            <p:cNvPr id="115" name="선"/>
+            <p:cNvPr id="116" name="선"/>
             <p:cNvSpPr/>
             <p:nvPr/>
           </p:nvSpPr>
@@ -13097,7 +13153,7 @@
         </p:sp>
         <p:sp>
           <p:nvSpPr>
-            <p:cNvPr id="116" name="선"/>
+            <p:cNvPr id="117" name="선"/>
             <p:cNvSpPr/>
             <p:nvPr/>
           </p:nvSpPr>
@@ -13137,7 +13193,7 @@
         </p:sp>
         <p:sp>
           <p:nvSpPr>
-            <p:cNvPr id="117" name="선"/>
+            <p:cNvPr id="118" name="선"/>
             <p:cNvSpPr/>
             <p:nvPr/>
           </p:nvSpPr>
@@ -13177,7 +13233,7 @@
         </p:sp>
         <p:sp>
           <p:nvSpPr>
-            <p:cNvPr id="118" name="선"/>
+            <p:cNvPr id="119" name="선"/>
             <p:cNvSpPr/>
             <p:nvPr/>
           </p:nvSpPr>
@@ -13218,7 +13274,7 @@
       </p:grpSp>
       <p:pic>
         <p:nvPicPr>
-          <p:cNvPr id="120" name="이미지" descr="이미지"/>
+          <p:cNvPr id="121" name="이미지" descr="이미지"/>
           <p:cNvPicPr>
             <a:picLocks noChangeAspect="1"/>
           </p:cNvPicPr>
@@ -13273,7 +13329,7 @@
       </p:grpSpPr>
       <p:sp>
         <p:nvSpPr>
-          <p:cNvPr id="122" name="슬라이드 번호"/>
+          <p:cNvPr id="123" name="슬라이드 번호"/>
           <p:cNvSpPr txBox="1"/>
           <p:nvPr>
             <p:ph type="sldNum" sz="quarter" idx="4294967295"/>
@@ -13304,7 +13360,7 @@
       </p:sp>
       <p:sp>
         <p:nvSpPr>
-          <p:cNvPr id="123" name="시스템 구조도"/>
+          <p:cNvPr id="124" name="시스템 구조도"/>
           <p:cNvSpPr txBox="1"/>
           <p:nvPr>
             <p:ph type="title"/>
@@ -13332,7 +13388,7 @@
       </p:sp>
       <p:grpSp>
         <p:nvGrpSpPr>
-          <p:cNvPr id="128" name="그룹 3"/>
+          <p:cNvPr id="129" name="그룹 3"/>
           <p:cNvGrpSpPr/>
           <p:nvPr/>
         </p:nvGrpSpPr>
@@ -13346,7 +13402,7 @@
         </p:grpSpPr>
         <p:pic>
           <p:nvPicPr>
-            <p:cNvPr id="124" name="이미지" descr="이미지"/>
+            <p:cNvPr id="125" name="이미지" descr="이미지"/>
             <p:cNvPicPr>
               <a:picLocks noChangeAspect="1"/>
             </p:cNvPicPr>
@@ -13377,7 +13433,7 @@
         </p:pic>
         <p:pic>
           <p:nvPicPr>
-            <p:cNvPr id="125" name="이미지" descr="이미지"/>
+            <p:cNvPr id="126" name="이미지" descr="이미지"/>
             <p:cNvPicPr>
               <a:picLocks noChangeAspect="1"/>
             </p:cNvPicPr>
@@ -13408,7 +13464,7 @@
         </p:pic>
         <p:pic>
           <p:nvPicPr>
-            <p:cNvPr id="126" name="이미지" descr="이미지"/>
+            <p:cNvPr id="127" name="이미지" descr="이미지"/>
             <p:cNvPicPr>
               <a:picLocks noChangeAspect="1"/>
             </p:cNvPicPr>
@@ -13439,7 +13495,7 @@
         </p:pic>
         <p:sp>
           <p:nvSpPr>
-            <p:cNvPr id="127" name="Web"/>
+            <p:cNvPr id="128" name="Web"/>
             <p:cNvSpPr txBox="1"/>
             <p:nvPr/>
           </p:nvSpPr>
@@ -13494,7 +13550,7 @@
       </p:grpSp>
       <p:grpSp>
         <p:nvGrpSpPr>
-          <p:cNvPr id="133" name="그룹 1"/>
+          <p:cNvPr id="134" name="그룹 1"/>
           <p:cNvGrpSpPr/>
           <p:nvPr/>
         </p:nvGrpSpPr>
@@ -13508,7 +13564,7 @@
         </p:grpSpPr>
         <p:pic>
           <p:nvPicPr>
-            <p:cNvPr id="129" name="이미지" descr="이미지"/>
+            <p:cNvPr id="130" name="이미지" descr="이미지"/>
             <p:cNvPicPr>
               <a:picLocks noChangeAspect="1"/>
             </p:cNvPicPr>
@@ -13539,7 +13595,7 @@
         </p:pic>
         <p:pic>
           <p:nvPicPr>
-            <p:cNvPr id="130" name="이미지" descr="이미지"/>
+            <p:cNvPr id="131" name="이미지" descr="이미지"/>
             <p:cNvPicPr>
               <a:picLocks noChangeAspect="1"/>
             </p:cNvPicPr>
@@ -13570,7 +13626,7 @@
         </p:pic>
         <p:pic>
           <p:nvPicPr>
-            <p:cNvPr id="131" name="이미지" descr="이미지"/>
+            <p:cNvPr id="132" name="이미지" descr="이미지"/>
             <p:cNvPicPr>
               <a:picLocks noChangeAspect="1"/>
             </p:cNvPicPr>
@@ -13601,7 +13657,7 @@
         </p:pic>
         <p:sp>
           <p:nvSpPr>
-            <p:cNvPr id="132" name="Server"/>
+            <p:cNvPr id="133" name="Server"/>
             <p:cNvSpPr txBox="1"/>
             <p:nvPr/>
           </p:nvSpPr>
@@ -13656,7 +13712,7 @@
       </p:grpSp>
       <p:grpSp>
         <p:nvGrpSpPr>
-          <p:cNvPr id="138" name="그룹 4"/>
+          <p:cNvPr id="139" name="그룹 4"/>
           <p:cNvGrpSpPr/>
           <p:nvPr/>
         </p:nvGrpSpPr>
@@ -13670,7 +13726,7 @@
         </p:grpSpPr>
         <p:pic>
           <p:nvPicPr>
-            <p:cNvPr id="134" name="이미지" descr="이미지"/>
+            <p:cNvPr id="135" name="이미지" descr="이미지"/>
             <p:cNvPicPr>
               <a:picLocks noChangeAspect="1"/>
             </p:cNvPicPr>
@@ -13701,7 +13757,7 @@
         </p:pic>
         <p:pic>
           <p:nvPicPr>
-            <p:cNvPr id="135" name="이미지" descr="이미지"/>
+            <p:cNvPr id="136" name="이미지" descr="이미지"/>
             <p:cNvPicPr>
               <a:picLocks noChangeAspect="1"/>
             </p:cNvPicPr>
@@ -13732,7 +13788,7 @@
         </p:pic>
         <p:sp>
           <p:nvSpPr>
-            <p:cNvPr id="136" name="User"/>
+            <p:cNvPr id="137" name="User"/>
             <p:cNvSpPr txBox="1"/>
             <p:nvPr/>
           </p:nvSpPr>
@@ -13786,7 +13842,7 @@
         </p:sp>
         <p:sp>
           <p:nvSpPr>
-            <p:cNvPr id="137" name="Webcam…"/>
+            <p:cNvPr id="138" name="Webcam…"/>
             <p:cNvSpPr txBox="1"/>
             <p:nvPr/>
           </p:nvSpPr>
@@ -13858,7 +13914,7 @@
       </p:grpSp>
       <p:grpSp>
         <p:nvGrpSpPr>
-          <p:cNvPr id="144" name="그룹 2"/>
+          <p:cNvPr id="145" name="그룹 2"/>
           <p:cNvGrpSpPr/>
           <p:nvPr/>
         </p:nvGrpSpPr>
@@ -13872,7 +13928,7 @@
         </p:grpSpPr>
         <p:pic>
           <p:nvPicPr>
-            <p:cNvPr id="139" name="이미지" descr="이미지"/>
+            <p:cNvPr id="140" name="이미지" descr="이미지"/>
             <p:cNvPicPr>
               <a:picLocks noChangeAspect="1"/>
             </p:cNvPicPr>
@@ -13903,7 +13959,7 @@
         </p:pic>
         <p:sp>
           <p:nvSpPr>
-            <p:cNvPr id="140" name="Model"/>
+            <p:cNvPr id="141" name="Model"/>
             <p:cNvSpPr txBox="1"/>
             <p:nvPr/>
           </p:nvSpPr>
@@ -13957,7 +14013,7 @@
         </p:sp>
         <p:pic>
           <p:nvPicPr>
-            <p:cNvPr id="141" name="이미지" descr="이미지"/>
+            <p:cNvPr id="142" name="이미지" descr="이미지"/>
             <p:cNvPicPr>
               <a:picLocks noChangeAspect="1"/>
             </p:cNvPicPr>
@@ -13988,7 +14044,7 @@
         </p:pic>
         <p:pic>
           <p:nvPicPr>
-            <p:cNvPr id="142" name="이미지" descr="이미지"/>
+            <p:cNvPr id="143" name="이미지" descr="이미지"/>
             <p:cNvPicPr>
               <a:picLocks noChangeAspect="1"/>
             </p:cNvPicPr>
@@ -14019,7 +14075,7 @@
         </p:pic>
         <p:pic>
           <p:nvPicPr>
-            <p:cNvPr id="143" name="이미지" descr="이미지"/>
+            <p:cNvPr id="144" name="이미지" descr="이미지"/>
             <p:cNvPicPr>
               <a:picLocks noChangeAspect="1"/>
             </p:cNvPicPr>
@@ -14051,7 +14107,7 @@
       </p:grpSp>
       <p:sp>
         <p:nvSpPr>
-          <p:cNvPr id="145" name="선"/>
+          <p:cNvPr id="146" name="선"/>
           <p:cNvSpPr/>
           <p:nvPr/>
         </p:nvSpPr>
@@ -14087,7 +14143,7 @@
       </p:sp>
       <p:sp>
         <p:nvSpPr>
-          <p:cNvPr id="146" name="선"/>
+          <p:cNvPr id="147" name="선"/>
           <p:cNvSpPr/>
           <p:nvPr/>
         </p:nvSpPr>
@@ -14123,7 +14179,7 @@
       </p:sp>
       <p:sp>
         <p:nvSpPr>
-          <p:cNvPr id="147" name="선"/>
+          <p:cNvPr id="148" name="선"/>
           <p:cNvSpPr/>
           <p:nvPr/>
         </p:nvSpPr>
@@ -14159,7 +14215,7 @@
       </p:sp>
       <p:sp>
         <p:nvSpPr>
-          <p:cNvPr id="148" name="선"/>
+          <p:cNvPr id="149" name="선"/>
           <p:cNvSpPr/>
           <p:nvPr/>
         </p:nvSpPr>
@@ -14195,7 +14251,7 @@
       </p:sp>
       <p:sp>
         <p:nvSpPr>
-          <p:cNvPr id="149" name="선"/>
+          <p:cNvPr id="150" name="선"/>
           <p:cNvSpPr/>
           <p:nvPr/>
         </p:nvSpPr>
@@ -14231,7 +14287,7 @@
       </p:sp>
       <p:sp>
         <p:nvSpPr>
-          <p:cNvPr id="150" name="선"/>
+          <p:cNvPr id="151" name="선"/>
           <p:cNvSpPr/>
           <p:nvPr/>
         </p:nvSpPr>
@@ -14292,7 +14348,7 @@
       </p:grpSpPr>
       <p:sp>
         <p:nvSpPr>
-          <p:cNvPr id="152" name="주요 기능 - 모델 변경 사항"/>
+          <p:cNvPr id="153" name="주요 기능 - 모델 변경 사항"/>
           <p:cNvSpPr txBox="1"/>
           <p:nvPr>
             <p:ph type="title"/>
@@ -14329,7 +14385,7 @@
       </p:sp>
       <p:sp>
         <p:nvSpPr>
-          <p:cNvPr id="153" name="선"/>
+          <p:cNvPr id="154" name="선"/>
           <p:cNvSpPr/>
           <p:nvPr/>
         </p:nvSpPr>
@@ -14364,7 +14420,7 @@
       </p:sp>
       <p:pic>
         <p:nvPicPr>
-          <p:cNvPr id="154" name="그림 21" descr="그림 21"/>
+          <p:cNvPr id="155" name="그림 21" descr="그림 21"/>
           <p:cNvPicPr>
             <a:picLocks noChangeAspect="1"/>
           </p:cNvPicPr>
@@ -14393,7 +14449,7 @@
       </p:pic>
       <p:sp>
         <p:nvSpPr>
-          <p:cNvPr id="155" name="Data Augmentation"/>
+          <p:cNvPr id="156" name="Data Augmentation"/>
           <p:cNvSpPr txBox="1"/>
           <p:nvPr/>
         </p:nvSpPr>
@@ -14462,7 +14518,7 @@
       </p:sp>
       <p:pic>
         <p:nvPicPr>
-          <p:cNvPr id="156" name="그림 23" descr="그림 23"/>
+          <p:cNvPr id="157" name="그림 23" descr="그림 23"/>
           <p:cNvPicPr>
             <a:picLocks noChangeAspect="1"/>
           </p:cNvPicPr>
@@ -14491,7 +14547,7 @@
       </p:pic>
       <p:grpSp>
         <p:nvGrpSpPr>
-          <p:cNvPr id="159" name="1"/>
+          <p:cNvPr id="160" name="1"/>
           <p:cNvGrpSpPr/>
           <p:nvPr/>
         </p:nvGrpSpPr>
@@ -14505,7 +14561,7 @@
         </p:grpSpPr>
         <p:sp>
           <p:nvSpPr>
-            <p:cNvPr id="157" name="도형"/>
+            <p:cNvPr id="158" name="도형"/>
             <p:cNvSpPr/>
             <p:nvPr/>
           </p:nvSpPr>
@@ -14597,7 +14653,7 @@
         </p:sp>
         <p:sp>
           <p:nvSpPr>
-            <p:cNvPr id="158" name="Hosting"/>
+            <p:cNvPr id="159" name="Hosting"/>
             <p:cNvSpPr txBox="1"/>
             <p:nvPr/>
           </p:nvSpPr>
@@ -14652,7 +14708,7 @@
       </p:grpSp>
       <p:pic>
         <p:nvPicPr>
-          <p:cNvPr id="160" name="그림 25" descr="그림 25"/>
+          <p:cNvPr id="161" name="그림 25" descr="그림 25"/>
           <p:cNvPicPr>
             <a:picLocks noChangeAspect="1"/>
           </p:cNvPicPr>
@@ -14707,7 +14763,7 @@
       </p:grpSpPr>
       <p:sp>
         <p:nvSpPr>
-          <p:cNvPr id="162" name="슬라이드 번호"/>
+          <p:cNvPr id="163" name="슬라이드 번호"/>
           <p:cNvSpPr txBox="1"/>
           <p:nvPr>
             <p:ph type="sldNum" sz="quarter" idx="4294967295"/>
@@ -14738,7 +14794,7 @@
       </p:sp>
       <p:sp>
         <p:nvSpPr>
-          <p:cNvPr id="163" name="시스템 구조도"/>
+          <p:cNvPr id="164" name="시스템 구조도"/>
           <p:cNvSpPr txBox="1"/>
           <p:nvPr>
             <p:ph type="title"/>
@@ -14774,7 +14830,7 @@
       </p:sp>
       <p:sp>
         <p:nvSpPr>
-          <p:cNvPr id="164" name="선"/>
+          <p:cNvPr id="165" name="선"/>
           <p:cNvSpPr/>
           <p:nvPr/>
         </p:nvSpPr>
@@ -14809,14 +14865,14 @@
       </p:sp>
       <p:sp>
         <p:nvSpPr>
-          <p:cNvPr id="165" name="도형"/>
+          <p:cNvPr id="166" name="도형"/>
           <p:cNvSpPr/>
           <p:nvPr/>
         </p:nvSpPr>
         <p:spPr>
           <a:xfrm>
-            <a:off x="7095136" y="8554329"/>
-            <a:ext cx="10193728" cy="5080001"/>
+            <a:off x="7095135" y="8554329"/>
+            <a:ext cx="10193729" cy="5080001"/>
           </a:xfrm>
           <a:custGeom>
             <a:avLst/>
@@ -14896,13 +14952,13 @@
       </p:sp>
       <p:sp>
         <p:nvSpPr>
-          <p:cNvPr id="166" name="얼굴형 판단 정확성 향상"/>
+          <p:cNvPr id="167" name="DataSet 구축"/>
           <p:cNvSpPr/>
           <p:nvPr/>
         </p:nvSpPr>
         <p:spPr>
           <a:xfrm>
-            <a:off x="3750970" y="10171177"/>
+            <a:off x="3111157" y="10171177"/>
             <a:ext cx="3175001" cy="3175001"/>
           </a:xfrm>
           <a:prstGeom prst="ellipse">
@@ -14925,9 +14981,8 @@
         </p:spPr>
         <p:txBody>
           <a:bodyPr lIns="82987" tIns="82987" rIns="82987" bIns="82987" anchor="ctr"/>
-          <a:lstStyle/>
-          <a:p>
-            <a:pPr algn="ctr" defTabSz="825500">
+          <a:lstStyle>
+            <a:lvl1pPr algn="ctr" defTabSz="825500">
               <a:lnSpc>
                 <a:spcPct val="100000"/>
               </a:lnSpc>
@@ -14940,20 +14995,19 @@
                 <a:cs typeface="+mn-cs"/>
                 <a:sym typeface="Helvetica"/>
               </a:defRPr>
-            </a:pPr>
-            <a:r>
-              <a:t>얼굴형 판단</a:t>
-            </a:r>
-            <a:br/>
-            <a:r>
-              <a:t>정확성 향상 </a:t>
+            </a:lvl1pPr>
+          </a:lstStyle>
+          <a:p>
+            <a:pPr/>
+            <a:r>
+              <a:t>DataSet 구축</a:t>
             </a:r>
           </a:p>
         </p:txBody>
       </p:sp>
       <p:sp>
         <p:nvSpPr>
-          <p:cNvPr id="167" name="개발 계획 구체화"/>
+          <p:cNvPr id="168" name="개발 계획 구체화"/>
           <p:cNvSpPr txBox="1"/>
           <p:nvPr/>
         </p:nvSpPr>
@@ -15004,58 +15058,13 @@
       </p:sp>
       <p:sp>
         <p:nvSpPr>
-          <p:cNvPr id="168" name="원"/>
+          <p:cNvPr id="169" name="얼굴형 판단…"/>
           <p:cNvSpPr/>
           <p:nvPr/>
         </p:nvSpPr>
         <p:spPr>
           <a:xfrm>
             <a:off x="6003924" y="6192125"/>
-            <a:ext cx="3175001" cy="3175001"/>
-          </a:xfrm>
-          <a:prstGeom prst="ellipse">
-            <a:avLst/>
-          </a:prstGeom>
-          <a:solidFill>
-            <a:srgbClr val="FFFFFF"/>
-          </a:solidFill>
-          <a:ln w="25400">
-            <a:solidFill>
-              <a:srgbClr val="818779"/>
-            </a:solidFill>
-            <a:miter lim="400000"/>
-          </a:ln>
-        </p:spPr>
-        <p:txBody>
-          <a:bodyPr lIns="82987" tIns="82987" rIns="82987" bIns="82987" anchor="ctr"/>
-          <a:lstStyle/>
-          <a:p>
-            <a:pPr algn="ctr" defTabSz="825500">
-              <a:lnSpc>
-                <a:spcPct val="100000"/>
-              </a:lnSpc>
-              <a:defRPr b="1" sz="3000">
-                <a:solidFill>
-                  <a:srgbClr val="232323"/>
-                </a:solidFill>
-                <a:latin typeface="+mn-lt"/>
-                <a:ea typeface="+mn-ea"/>
-                <a:cs typeface="+mn-cs"/>
-                <a:sym typeface="Helvetica"/>
-              </a:defRPr>
-            </a:pPr>
-          </a:p>
-        </p:txBody>
-      </p:sp>
-      <p:sp>
-        <p:nvSpPr>
-          <p:cNvPr id="169" name="머신 러닝 모델  개발 계획"/>
-          <p:cNvSpPr/>
-          <p:nvPr/>
-        </p:nvSpPr>
-        <p:spPr>
-          <a:xfrm>
-            <a:off x="10553331" y="4801891"/>
             <a:ext cx="3175001" cy="3175001"/>
           </a:xfrm>
           <a:prstGeom prst="ellipse">
@@ -15095,42 +15104,9 @@
               </a:defRPr>
             </a:pPr>
             <a:r>
-              <a:t>머신 러닝 모델 </a:t>
-            </a:r>
-            <a:br/>
-            <a:r>
-              <a:t>개발 계획</a:t>
-            </a:r>
-          </a:p>
-        </p:txBody>
-      </p:sp>
-      <p:sp>
-        <p:nvSpPr>
-          <p:cNvPr id="170" name="원"/>
-          <p:cNvSpPr/>
-          <p:nvPr/>
-        </p:nvSpPr>
-        <p:spPr>
-          <a:xfrm>
-            <a:off x="17458028" y="9836034"/>
-            <a:ext cx="3175001" cy="3175001"/>
-          </a:xfrm>
-          <a:prstGeom prst="ellipse">
-            <a:avLst/>
-          </a:prstGeom>
-          <a:solidFill>
-            <a:srgbClr val="FFFFFF"/>
-          </a:solidFill>
-          <a:ln w="25400">
-            <a:solidFill>
-              <a:srgbClr val="818779"/>
-            </a:solidFill>
-            <a:miter lim="400000"/>
-          </a:ln>
-        </p:spPr>
-        <p:txBody>
-          <a:bodyPr lIns="82987" tIns="82987" rIns="82987" bIns="82987" anchor="ctr"/>
-          <a:lstStyle/>
+              <a:t>얼굴형 판단</a:t>
+            </a:r>
+          </a:p>
           <a:p>
             <a:pPr algn="ctr" defTabSz="825500">
               <a:lnSpc>
@@ -15146,6 +15122,66 @@
                 <a:sym typeface="Helvetica"/>
               </a:defRPr>
             </a:pPr>
+            <a:r>
+              <a:t>정확성 향상</a:t>
+            </a:r>
+          </a:p>
+        </p:txBody>
+      </p:sp>
+      <p:sp>
+        <p:nvSpPr>
+          <p:cNvPr id="170" name="머신 러닝 모델  개발 계획"/>
+          <p:cNvSpPr/>
+          <p:nvPr/>
+        </p:nvSpPr>
+        <p:spPr>
+          <a:xfrm>
+            <a:off x="10553331" y="4801891"/>
+            <a:ext cx="3175001" cy="3175001"/>
+          </a:xfrm>
+          <a:prstGeom prst="ellipse">
+            <a:avLst/>
+          </a:prstGeom>
+          <a:solidFill>
+            <a:srgbClr val="FFFFFF"/>
+          </a:solidFill>
+          <a:ln w="25400">
+            <a:solidFill>
+              <a:srgbClr val="818779"/>
+            </a:solidFill>
+            <a:miter lim="400000"/>
+          </a:ln>
+          <a:extLst>
+            <a:ext uri="{C572A759-6A51-4108-AA02-DFA0A04FC94B}">
+              <ma14:wrappingTextBoxFlag xmlns:ma14="http://schemas.microsoft.com/office/mac/drawingml/2011/main" val="1"/>
+            </a:ext>
+          </a:extLst>
+        </p:spPr>
+        <p:txBody>
+          <a:bodyPr lIns="82987" tIns="82987" rIns="82987" bIns="82987" anchor="ctr"/>
+          <a:lstStyle/>
+          <a:p>
+            <a:pPr algn="ctr" defTabSz="825500">
+              <a:lnSpc>
+                <a:spcPct val="100000"/>
+              </a:lnSpc>
+              <a:defRPr b="1" sz="3000">
+                <a:solidFill>
+                  <a:srgbClr val="232323"/>
+                </a:solidFill>
+                <a:latin typeface="+mn-lt"/>
+                <a:ea typeface="+mn-ea"/>
+                <a:cs typeface="+mn-cs"/>
+                <a:sym typeface="Helvetica"/>
+              </a:defRPr>
+            </a:pPr>
+            <a:r>
+              <a:t>머신 러닝 모델 </a:t>
+            </a:r>
+            <a:br/>
+            <a:r>
+              <a:t>개발 계획</a:t>
+            </a:r>
           </a:p>
         </p:txBody>
       </p:sp>
@@ -15157,7 +15193,7 @@
         </p:nvSpPr>
         <p:spPr>
           <a:xfrm>
-            <a:off x="15102738" y="6192125"/>
+            <a:off x="18097841" y="9836034"/>
             <a:ext cx="3175001" cy="3175001"/>
           </a:xfrm>
           <a:prstGeom prst="ellipse">
@@ -15200,6 +15236,61 @@
             <a:pPr/>
             <a:r>
               <a:t>지도 학습</a:t>
+            </a:r>
+          </a:p>
+        </p:txBody>
+      </p:sp>
+      <p:sp>
+        <p:nvSpPr>
+          <p:cNvPr id="172" name="모델 선택"/>
+          <p:cNvSpPr/>
+          <p:nvPr/>
+        </p:nvSpPr>
+        <p:spPr>
+          <a:xfrm>
+            <a:off x="15102738" y="6192125"/>
+            <a:ext cx="3175001" cy="3175001"/>
+          </a:xfrm>
+          <a:prstGeom prst="ellipse">
+            <a:avLst/>
+          </a:prstGeom>
+          <a:solidFill>
+            <a:srgbClr val="FFFFFF"/>
+          </a:solidFill>
+          <a:ln w="25400">
+            <a:solidFill>
+              <a:srgbClr val="818779"/>
+            </a:solidFill>
+            <a:miter lim="400000"/>
+          </a:ln>
+          <a:extLst>
+            <a:ext uri="{C572A759-6A51-4108-AA02-DFA0A04FC94B}">
+              <ma14:wrappingTextBoxFlag xmlns:ma14="http://schemas.microsoft.com/office/mac/drawingml/2011/main" val="1"/>
+            </a:ext>
+          </a:extLst>
+        </p:spPr>
+        <p:txBody>
+          <a:bodyPr lIns="82987" tIns="82987" rIns="82987" bIns="82987" anchor="ctr"/>
+          <a:lstStyle>
+            <a:lvl1pPr algn="ctr" defTabSz="825500">
+              <a:lnSpc>
+                <a:spcPct val="100000"/>
+              </a:lnSpc>
+              <a:defRPr b="1" sz="3000">
+                <a:solidFill>
+                  <a:srgbClr val="232323"/>
+                </a:solidFill>
+                <a:latin typeface="+mn-lt"/>
+                <a:ea typeface="+mn-ea"/>
+                <a:cs typeface="+mn-cs"/>
+                <a:sym typeface="Helvetica"/>
+              </a:defRPr>
+            </a:lvl1pPr>
+          </a:lstStyle>
+          <a:p>
+            <a:pPr/>
+            <a:r>
+              <a:t>모델 선택</a:t>
             </a:r>
           </a:p>
         </p:txBody>
@@ -15232,7 +15323,7 @@
       </p:grpSpPr>
       <p:pic>
         <p:nvPicPr>
-          <p:cNvPr id="173" name="이미지" descr="이미지"/>
+          <p:cNvPr id="174" name="이미지" descr="이미지"/>
           <p:cNvPicPr>
             <a:picLocks noChangeAspect="1"/>
           </p:cNvPicPr>
@@ -15261,7 +15352,7 @@
       </p:pic>
       <p:sp>
         <p:nvSpPr>
-          <p:cNvPr id="174" name="슬라이드 번호"/>
+          <p:cNvPr id="175" name="슬라이드 번호"/>
           <p:cNvSpPr txBox="1"/>
           <p:nvPr>
             <p:ph type="sldNum" sz="quarter" idx="4294967295"/>
@@ -15292,7 +15383,7 @@
       </p:sp>
       <p:sp>
         <p:nvSpPr>
-          <p:cNvPr id="175" name="주요 기능 - 모델 변경 사항"/>
+          <p:cNvPr id="176" name="주요 기능 - 모델 변경 사항"/>
           <p:cNvSpPr txBox="1"/>
           <p:nvPr>
             <p:ph type="title"/>
@@ -15320,7 +15411,7 @@
       </p:sp>
       <p:sp>
         <p:nvSpPr>
-          <p:cNvPr id="176" name="선"/>
+          <p:cNvPr id="177" name="선"/>
           <p:cNvSpPr/>
           <p:nvPr/>
         </p:nvSpPr>
@@ -15355,7 +15446,7 @@
       </p:sp>
       <p:sp>
         <p:nvSpPr>
-          <p:cNvPr id="177" name="기존 모델 Tensorflow.js의 Face-Landmark-Detection"/>
+          <p:cNvPr id="178" name="기존 모델 Tensorflow.js의 Face-Landmark-Detection"/>
           <p:cNvSpPr txBox="1"/>
           <p:nvPr/>
         </p:nvSpPr>
@@ -15416,14 +15507,14 @@
       </p:sp>
       <p:sp>
         <p:nvSpPr>
-          <p:cNvPr id="178" name="특징점을 추출하여 얻은 숫자 데이터를 토대로 가볍고 높은 성능의 모델 기대"/>
+          <p:cNvPr id="179" name="특징점을 추출하여 얻은 숫자 데이터를 토대로 가볍고 높은 성능의 모델 기대"/>
           <p:cNvSpPr txBox="1"/>
           <p:nvPr/>
         </p:nvSpPr>
         <p:spPr>
           <a:xfrm>
-            <a:off x="7329729" y="11514683"/>
-            <a:ext cx="9155819" cy="1902089"/>
+            <a:off x="7329730" y="11514683"/>
+            <a:ext cx="9155818" cy="1902089"/>
           </a:xfrm>
           <a:prstGeom prst="rect">
             <a:avLst/>
